--- a/Introduction to Version Control.pptx
+++ b/Introduction to Version Control.pptx
@@ -5,10 +5,10 @@
     <p:sldMasterId id="2147483648" r:id="rId1"/>
   </p:sldMasterIdLst>
   <p:notesMasterIdLst>
-    <p:notesMasterId r:id="rId41"/>
+    <p:notesMasterId r:id="rId42"/>
   </p:notesMasterIdLst>
   <p:handoutMasterIdLst>
-    <p:handoutMasterId r:id="rId42"/>
+    <p:handoutMasterId r:id="rId43"/>
   </p:handoutMasterIdLst>
   <p:sldIdLst>
     <p:sldId id="265" r:id="rId2"/>
@@ -39,17 +39,18 @@
     <p:sldId id="416" r:id="rId27"/>
     <p:sldId id="417" r:id="rId28"/>
     <p:sldId id="420" r:id="rId29"/>
-    <p:sldId id="386" r:id="rId30"/>
-    <p:sldId id="387" r:id="rId31"/>
-    <p:sldId id="430" r:id="rId32"/>
-    <p:sldId id="431" r:id="rId33"/>
-    <p:sldId id="436" r:id="rId34"/>
-    <p:sldId id="443" r:id="rId35"/>
-    <p:sldId id="439" r:id="rId36"/>
-    <p:sldId id="440" r:id="rId37"/>
-    <p:sldId id="437" r:id="rId38"/>
-    <p:sldId id="451" r:id="rId39"/>
-    <p:sldId id="397" r:id="rId40"/>
+    <p:sldId id="454" r:id="rId30"/>
+    <p:sldId id="386" r:id="rId31"/>
+    <p:sldId id="436" r:id="rId32"/>
+    <p:sldId id="443" r:id="rId33"/>
+    <p:sldId id="439" r:id="rId34"/>
+    <p:sldId id="440" r:id="rId35"/>
+    <p:sldId id="451" r:id="rId36"/>
+    <p:sldId id="387" r:id="rId37"/>
+    <p:sldId id="430" r:id="rId38"/>
+    <p:sldId id="431" r:id="rId39"/>
+    <p:sldId id="437" r:id="rId40"/>
+    <p:sldId id="397" r:id="rId41"/>
   </p:sldIdLst>
   <p:sldSz cx="9144000" cy="5143500" type="screen16x9"/>
   <p:notesSz cx="6858000" cy="9144000"/>
@@ -1363,7 +1364,7 @@
             <a:fld id="{3C5ACD56-CA7D-3A42-9B42-9FD56464B91C}" type="datetimeFigureOut">
               <a:rPr lang="en-US" smtClean="0"/>
               <a:pPr/>
-              <a:t>7/28/2023</a:t>
+              <a:t>7/31/23</a:t>
             </a:fld>
             <a:endParaRPr lang="en-US"/>
           </a:p>
@@ -1530,7 +1531,7 @@
             <a:fld id="{068896D7-E867-4676-8327-F933828D825C}" type="datetimeFigureOut">
               <a:rPr lang="en-GB" smtClean="0"/>
               <a:pPr/>
-              <a:t>28/07/2023</a:t>
+              <a:t>31/07/2023</a:t>
             </a:fld>
             <a:endParaRPr lang="en-GB"/>
           </a:p>
@@ -2023,8 +2024,11 @@
           <a:p>
             <a:r>
               <a:rPr lang="en-GB" dirty="0"/>
-              <a:t>Remote –v allows you to check what connections you have </a:t>
-            </a:r>
+              <a:t>Remote –v allows you to check what connections you have. As you can see it is telling you where your connections are going to. Fetch is where you will get information from, and push is where you will send information too. </a:t>
+            </a:r>
+          </a:p>
+          <a:p>
+            <a:endParaRPr lang="en-GB" dirty="0"/>
           </a:p>
         </p:txBody>
       </p:sp>
@@ -2199,8 +2203,11 @@
           <a:p>
             <a:r>
               <a:rPr lang="en-GB" dirty="0"/>
-              <a:t>To understand what git is aware of – we use git status </a:t>
-            </a:r>
+              <a:t>To understand what git is aware of – we use git status. Git status will tell us if a file has had changes to it that git is unaware of. If it has changes that it is aware of, or if nothing needs to happen. </a:t>
+            </a:r>
+          </a:p>
+          <a:p>
+            <a:endParaRPr lang="en-GB" dirty="0"/>
           </a:p>
         </p:txBody>
       </p:sp>
@@ -2285,63 +2292,13 @@
           <a:bodyPr/>
           <a:lstStyle/>
           <a:p>
-            <a:pPr marL="0" marR="0" lvl="0" indent="0" algn="l" defTabSz="914400" rtl="0" eaLnBrk="1" fontAlgn="auto" latinLnBrk="0" hangingPunct="1">
-              <a:lnSpc>
-                <a:spcPct val="100000"/>
-              </a:lnSpc>
-              <a:spcBef>
-                <a:spcPts val="0"/>
-              </a:spcBef>
-              <a:spcAft>
-                <a:spcPts val="0"/>
-              </a:spcAft>
-              <a:buClrTx/>
-              <a:buSzTx/>
-              <a:buFontTx/>
-              <a:buNone/>
-              <a:tabLst/>
-              <a:defRPr/>
-            </a:pPr>
-            <a:r>
-              <a:rPr lang="en-GB" sz="1200" dirty="0">
-                <a:effectLst/>
-                <a:latin typeface="Calibri" panose="020F0502020204030204" pitchFamily="34" charset="0"/>
-                <a:ea typeface="Calibri" panose="020F0502020204030204" pitchFamily="34" charset="0"/>
-                <a:cs typeface="Times New Roman" panose="02020603050405020304" pitchFamily="18" charset="0"/>
-              </a:rPr>
-              <a:t>When you do a git commit you should always give a good message and description regarding what changes you have made. This is not just for other people who may look at your code, but for future you. It doesn’t matter how much you think your code makes sense to you now, in 6+ months when you look at it again some parts of it will be confusing. A commit message has a title and a description. In Git Hub this looks like the figure below. </a:t>
-            </a:r>
-          </a:p>
-          <a:p>
-            <a:pPr marL="0" marR="0" lvl="0" indent="0" algn="l" defTabSz="914400" rtl="0" eaLnBrk="1" fontAlgn="auto" latinLnBrk="0" hangingPunct="1">
-              <a:lnSpc>
-                <a:spcPct val="100000"/>
-              </a:lnSpc>
-              <a:spcBef>
-                <a:spcPts val="0"/>
-              </a:spcBef>
-              <a:spcAft>
-                <a:spcPts val="0"/>
-              </a:spcAft>
-              <a:buClrTx/>
-              <a:buSzTx/>
-              <a:buFontTx/>
-              <a:buNone/>
-              <a:tabLst/>
-              <a:defRPr/>
-            </a:pPr>
-            <a:r>
-              <a:rPr lang="en-GB" sz="1200" dirty="0">
-                <a:effectLst/>
-                <a:latin typeface="Calibri" panose="020F0502020204030204" pitchFamily="34" charset="0"/>
-                <a:ea typeface="Calibri" panose="020F0502020204030204" pitchFamily="34" charset="0"/>
-                <a:cs typeface="Times New Roman" panose="02020603050405020304" pitchFamily="18" charset="0"/>
-              </a:rPr>
-              <a:t>Each git commit should only have one change. After each change commit your files. This allows for an efficient version control. </a:t>
-            </a:r>
-          </a:p>
-          <a:p>
-            <a:endParaRPr lang="en-GB" dirty="0"/>
+            <a:r>
+              <a:rPr lang="en-US" dirty="0"/>
+              <a:t>A clean working tree means that the branch (discussed later) has no changes or commits needed. </a:t>
+            </a:r>
+          </a:p>
+          <a:p>
+            <a:endParaRPr lang="en-US" dirty="0"/>
           </a:p>
         </p:txBody>
       </p:sp>
@@ -2363,7 +2320,7 @@
             <a:fld id="{E281BEE5-2167-43D4-9CA5-1C6577398972}" type="slidenum">
               <a:rPr lang="en-GB" smtClean="0"/>
               <a:pPr/>
-              <a:t>27</a:t>
+              <a:t>23</a:t>
             </a:fld>
             <a:endParaRPr lang="en-GB"/>
           </a:p>
@@ -2372,7 +2329,7 @@
     </p:spTree>
     <p:extLst>
       <p:ext uri="{BB962C8B-B14F-4D97-AF65-F5344CB8AC3E}">
-        <p14:creationId xmlns:p14="http://schemas.microsoft.com/office/powerpoint/2010/main" val="675051374"/>
+        <p14:creationId xmlns:p14="http://schemas.microsoft.com/office/powerpoint/2010/main" val="3098594709"/>
       </p:ext>
     </p:extLst>
   </p:cSld>
@@ -2427,8 +2384,8 @@
           <a:lstStyle/>
           <a:p>
             <a:r>
-              <a:rPr lang="en-GB" dirty="0"/>
-              <a:t>This has now put the changes into the git staging area – how do we view the staging area?</a:t>
+              <a:rPr lang="en-US" dirty="0"/>
+              <a:t>If a file is red or untracked, this means that you have made changes to the file (or created a new file) that you need to tell git about. We do this using the command git add. </a:t>
             </a:r>
           </a:p>
         </p:txBody>
@@ -2451,7 +2408,7 @@
             <a:fld id="{E281BEE5-2167-43D4-9CA5-1C6577398972}" type="slidenum">
               <a:rPr lang="en-GB" smtClean="0"/>
               <a:pPr/>
-              <a:t>28</a:t>
+              <a:t>24</a:t>
             </a:fld>
             <a:endParaRPr lang="en-GB"/>
           </a:p>
@@ -2460,7 +2417,7 @@
     </p:spTree>
     <p:extLst>
       <p:ext uri="{BB962C8B-B14F-4D97-AF65-F5344CB8AC3E}">
-        <p14:creationId xmlns:p14="http://schemas.microsoft.com/office/powerpoint/2010/main" val="3289759317"/>
+        <p14:creationId xmlns:p14="http://schemas.microsoft.com/office/powerpoint/2010/main" val="273834879"/>
       </p:ext>
     </p:extLst>
   </p:cSld>
@@ -2511,74 +2468,16 @@
         </p:nvSpPr>
         <p:spPr/>
         <p:txBody>
-          <a:bodyPr>
-            <a:normAutofit/>
-          </a:bodyPr>
-          <a:lstStyle/>
-          <a:p>
-            <a:r>
-              <a:rPr lang="en-GB" dirty="0"/>
-              <a:t>When you push you need to tell git what to push too – the command on screen tells git to push the main branch you are working on to the remote repository ‘origin’</a:t>
-            </a:r>
-          </a:p>
-          <a:p>
-            <a:r>
-              <a:rPr lang="en-GB" dirty="0"/>
-              <a:t>Git push ‘publishes’ the local changes to the remote repository. </a:t>
-            </a:r>
-          </a:p>
-          <a:p>
-            <a:r>
-              <a:rPr lang="en-GB" dirty="0"/>
-              <a:t>You set the upstream to be the branch you are working on at that given time. </a:t>
-            </a:r>
-          </a:p>
-          <a:p>
-            <a:endParaRPr lang="en-GB" dirty="0"/>
-          </a:p>
-          <a:p>
-            <a:endParaRPr lang="en-GB" dirty="0"/>
-          </a:p>
-          <a:p>
-            <a:r>
-              <a:rPr lang="en-GB" dirty="0"/>
-              <a:t>---- additional info ---- </a:t>
-            </a:r>
-          </a:p>
-          <a:p>
-            <a:pPr marL="0" marR="0" lvl="0" indent="0" algn="l" defTabSz="914400" rtl="0" eaLnBrk="1" fontAlgn="auto" latinLnBrk="0" hangingPunct="1">
-              <a:lnSpc>
-                <a:spcPct val="100000"/>
-              </a:lnSpc>
-              <a:spcBef>
-                <a:spcPts val="0"/>
-              </a:spcBef>
-              <a:spcAft>
-                <a:spcPts val="0"/>
-              </a:spcAft>
-              <a:buClrTx/>
-              <a:buSzTx/>
-              <a:buFontTx/>
-              <a:buNone/>
-              <a:tabLst/>
-              <a:defRPr/>
-            </a:pPr>
-            <a:r>
-              <a:rPr lang="en-GB" dirty="0"/>
-              <a:t>Let us briefly look at a feature called branches (we will get to more descriptions of this later). When you want to push, you have to inform git where you wish to push too and which branch on that repository. As you can see main has a destination already specified (in the blue, we have already set the upstream). Therefore you will only ever need to type ‘git push’ when in the main. For feature-001 there is currently no destination. We have two options here, we can either tell git where we want the pushes to go every time we push, or we can set an upstream. </a:t>
-            </a:r>
-          </a:p>
-          <a:p>
-            <a:r>
-              <a:rPr lang="en-GB" dirty="0"/>
-              <a:t> </a:t>
-            </a:r>
-          </a:p>
-          <a:p>
-            <a:endParaRPr lang="en-GB" dirty="0"/>
-          </a:p>
-          <a:p>
-            <a:endParaRPr lang="bs-Latn-BA" dirty="0"/>
+          <a:bodyPr/>
+          <a:lstStyle/>
+          <a:p>
+            <a:r>
+              <a:rPr lang="en-US" dirty="0"/>
+              <a:t>This will now tell us that git is aware of changes made to the files. However, this has not been added into the staging area. So as far as git is aware nothing has been changed. </a:t>
+            </a:r>
+          </a:p>
+          <a:p>
+            <a:endParaRPr lang="en-US" dirty="0"/>
           </a:p>
         </p:txBody>
       </p:sp>
@@ -2589,7 +2488,7 @@
             <a:spLocks noGrp="1"/>
           </p:cNvSpPr>
           <p:nvPr>
-            <p:ph type="sldNum" sz="quarter" idx="10"/>
+            <p:ph type="sldNum" sz="quarter" idx="5"/>
           </p:nvPr>
         </p:nvSpPr>
         <p:spPr/>
@@ -2600,13 +2499,18 @@
             <a:fld id="{E281BEE5-2167-43D4-9CA5-1C6577398972}" type="slidenum">
               <a:rPr lang="en-GB" smtClean="0"/>
               <a:pPr/>
-              <a:t>29</a:t>
+              <a:t>26</a:t>
             </a:fld>
             <a:endParaRPr lang="en-GB"/>
           </a:p>
         </p:txBody>
       </p:sp>
     </p:spTree>
+    <p:extLst>
+      <p:ext uri="{BB962C8B-B14F-4D97-AF65-F5344CB8AC3E}">
+        <p14:creationId xmlns:p14="http://schemas.microsoft.com/office/powerpoint/2010/main" val="2848853162"/>
+      </p:ext>
+    </p:extLst>
   </p:cSld>
   <p:clrMapOvr>
     <a:masterClrMapping/>
@@ -2658,100 +2562,63 @@
           <a:bodyPr/>
           <a:lstStyle/>
           <a:p>
-            <a:r>
-              <a:rPr lang="en-GB" dirty="0"/>
-              <a:t>Git pull requests ‘pull changes into the main branch – they merge together.’ The should be used to ensure code quality and good practice. This helps reduce the risk of system crashing changes. </a:t>
-            </a:r>
-          </a:p>
-          <a:p>
-            <a:r>
-              <a:rPr lang="en-GB" dirty="0"/>
-              <a:t>git fetch</a:t>
-            </a:r>
-            <a:r>
-              <a:rPr lang="en-GB" b="0" i="0" dirty="0">
-                <a:solidFill>
-                  <a:srgbClr val="4D4D4D"/>
-                </a:solidFill>
+            <a:pPr marL="0" marR="0" lvl="0" indent="0" algn="l" defTabSz="914400" rtl="0" eaLnBrk="1" fontAlgn="auto" latinLnBrk="0" hangingPunct="1">
+              <a:lnSpc>
+                <a:spcPct val="100000"/>
+              </a:lnSpc>
+              <a:spcBef>
+                <a:spcPts val="0"/>
+              </a:spcBef>
+              <a:spcAft>
+                <a:spcPts val="0"/>
+              </a:spcAft>
+              <a:buClrTx/>
+              <a:buSzTx/>
+              <a:buFontTx/>
+              <a:buNone/>
+              <a:tabLst/>
+              <a:defRPr/>
+            </a:pPr>
+            <a:r>
+              <a:rPr lang="en-GB" sz="1200" dirty="0">
                 <a:effectLst/>
-                <a:latin typeface="-apple-system"/>
+                <a:latin typeface="Calibri" panose="020F0502020204030204" pitchFamily="34" charset="0"/>
+                <a:ea typeface="Calibri" panose="020F0502020204030204" pitchFamily="34" charset="0"/>
+                <a:cs typeface="Times New Roman" panose="02020603050405020304" pitchFamily="18" charset="0"/>
               </a:rPr>
-              <a:t> which downloads content from the specified remote repository.</a:t>
-            </a:r>
-          </a:p>
-          <a:p>
-            <a:r>
-              <a:rPr lang="en-GB" b="0" i="0" dirty="0">
-                <a:solidFill>
-                  <a:srgbClr val="4D4D4D"/>
-                </a:solidFill>
+              <a:t>When you do a git commit you should always give a good message and description regarding what changes you have made. This is not just for other people who may look at your code, but for future you. It doesn’t matter how much you think your code makes sense to you now, in 6+ months when you look at it again some parts of it will be confusing. A commit message has a title and a description. In Git Hub this looks like the figure below. </a:t>
+            </a:r>
+          </a:p>
+          <a:p>
+            <a:pPr marL="0" marR="0" lvl="0" indent="0" algn="l" defTabSz="914400" rtl="0" eaLnBrk="1" fontAlgn="auto" latinLnBrk="0" hangingPunct="1">
+              <a:lnSpc>
+                <a:spcPct val="100000"/>
+              </a:lnSpc>
+              <a:spcBef>
+                <a:spcPts val="0"/>
+              </a:spcBef>
+              <a:spcAft>
+                <a:spcPts val="0"/>
+              </a:spcAft>
+              <a:buClrTx/>
+              <a:buSzTx/>
+              <a:buFontTx/>
+              <a:buNone/>
+              <a:tabLst/>
+              <a:defRPr/>
+            </a:pPr>
+            <a:r>
+              <a:rPr lang="en-GB" sz="1200" dirty="0">
                 <a:effectLst/>
-                <a:latin typeface="-apple-system"/>
+                <a:latin typeface="Calibri" panose="020F0502020204030204" pitchFamily="34" charset="0"/>
+                <a:ea typeface="Calibri" panose="020F0502020204030204" pitchFamily="34" charset="0"/>
+                <a:cs typeface="Times New Roman" panose="02020603050405020304" pitchFamily="18" charset="0"/>
               </a:rPr>
-              <a:t>hen a </a:t>
-            </a:r>
-            <a:r>
-              <a:rPr lang="en-GB" dirty="0"/>
-              <a:t>git merge</a:t>
-            </a:r>
-            <a:r>
-              <a:rPr lang="en-GB" b="0" i="0" dirty="0">
-                <a:solidFill>
-                  <a:srgbClr val="4D4D4D"/>
-                </a:solidFill>
-                <a:effectLst/>
-                <a:latin typeface="-apple-system"/>
-              </a:rPr>
-              <a:t> is executed to merge the remote content refs and heads into a new local merge commit</a:t>
-            </a:r>
-          </a:p>
-          <a:p>
-            <a:r>
-              <a:rPr lang="en-GB" dirty="0"/>
-              <a:t>git fetch</a:t>
-            </a:r>
-            <a:r>
-              <a:rPr lang="en-GB" b="0" i="0" dirty="0">
-                <a:solidFill>
-                  <a:srgbClr val="4D4D4D"/>
-                </a:solidFill>
-                <a:effectLst/>
-                <a:latin typeface="-apple-system"/>
-              </a:rPr>
-              <a:t> will download the remote content and not alter the state of the local repository</a:t>
-            </a:r>
-          </a:p>
-          <a:p>
-            <a:r>
-              <a:rPr lang="en-GB" b="0" i="0" dirty="0">
-                <a:solidFill>
-                  <a:srgbClr val="4D4D4D"/>
-                </a:solidFill>
-                <a:effectLst/>
-                <a:latin typeface="-apple-system"/>
-              </a:rPr>
-              <a:t>This means that you need to provide 4 pieces of information to file a pull request: the source repository, the source branch, the destination repository, and the destination branch. When working on feature branch, when wanting to merge into the main to say you have finished development of the feature the source will be your feature branch, and the destination will be the main branch. </a:t>
-            </a:r>
-            <a:r>
-              <a:rPr lang="en-GB" b="0" i="0" dirty="0" err="1">
-                <a:solidFill>
-                  <a:srgbClr val="4D4D4D"/>
-                </a:solidFill>
-                <a:effectLst/>
-                <a:latin typeface="-apple-system"/>
-              </a:rPr>
-              <a:t>Pul</a:t>
-            </a:r>
-            <a:endParaRPr lang="en-GB" b="0" i="0" dirty="0">
-              <a:solidFill>
-                <a:srgbClr val="4D4D4D"/>
-              </a:solidFill>
-              <a:effectLst/>
-              <a:latin typeface="-apple-system"/>
-            </a:endParaRPr>
-          </a:p>
-          <a:p>
-            <a:endParaRPr lang="en-GB"/>
+              <a:t>Each git commit should only have one change. After each change commit your files. This allows for an efficient version control. </a:t>
+            </a:r>
+          </a:p>
+          <a:p>
+            <a:endParaRPr lang="en-GB" dirty="0"/>
           </a:p>
         </p:txBody>
       </p:sp>
@@ -2773,7 +2640,7 @@
             <a:fld id="{E281BEE5-2167-43D4-9CA5-1C6577398972}" type="slidenum">
               <a:rPr lang="en-GB" smtClean="0"/>
               <a:pPr/>
-              <a:t>30</a:t>
+              <a:t>27</a:t>
             </a:fld>
             <a:endParaRPr lang="en-GB"/>
           </a:p>
@@ -2782,7 +2649,7 @@
     </p:spTree>
     <p:extLst>
       <p:ext uri="{BB962C8B-B14F-4D97-AF65-F5344CB8AC3E}">
-        <p14:creationId xmlns:p14="http://schemas.microsoft.com/office/powerpoint/2010/main" val="2478330927"/>
+        <p14:creationId xmlns:p14="http://schemas.microsoft.com/office/powerpoint/2010/main" val="675051374"/>
       </p:ext>
     </p:extLst>
   </p:cSld>
@@ -2838,7 +2705,7 @@
           <a:p>
             <a:r>
               <a:rPr lang="en-GB" dirty="0"/>
-              <a:t>Would you like to pull and merge the new files in feature-001 into main? </a:t>
+              <a:t>This has now put the changes into the git staging area – how do we view the staging area?</a:t>
             </a:r>
           </a:p>
         </p:txBody>
@@ -2861,7 +2728,7 @@
             <a:fld id="{E281BEE5-2167-43D4-9CA5-1C6577398972}" type="slidenum">
               <a:rPr lang="en-GB" smtClean="0"/>
               <a:pPr/>
-              <a:t>32</a:t>
+              <a:t>28</a:t>
             </a:fld>
             <a:endParaRPr lang="en-GB"/>
           </a:p>
@@ -2870,7 +2737,7 @@
     </p:spTree>
     <p:extLst>
       <p:ext uri="{BB962C8B-B14F-4D97-AF65-F5344CB8AC3E}">
-        <p14:creationId xmlns:p14="http://schemas.microsoft.com/office/powerpoint/2010/main" val="2594960763"/>
+        <p14:creationId xmlns:p14="http://schemas.microsoft.com/office/powerpoint/2010/main" val="3289759317"/>
       </p:ext>
     </p:extLst>
   </p:cSld>
@@ -2921,65 +2788,74 @@
         </p:nvSpPr>
         <p:spPr/>
         <p:txBody>
-          <a:bodyPr/>
+          <a:bodyPr>
+            <a:normAutofit/>
+          </a:bodyPr>
           <a:lstStyle/>
           <a:p>
             <a:r>
               <a:rPr lang="en-GB" dirty="0"/>
-              <a:t>You typically branch in git to allow yourself an area to modify codes / develop features / fix bugs. Whenever you work in git you want to avoid working on the main. </a:t>
-            </a:r>
-            <a:br>
+              <a:t>When you push you need to tell git what to push too – the command on screen tells git to push the main branch you are working on to the remote repository ‘origin’</a:t>
+            </a:r>
+          </a:p>
+          <a:p>
+            <a:r>
               <a:rPr lang="en-GB" dirty="0"/>
-            </a:br>
-            <a:br>
+              <a:t>Git push ‘publishes’ the local changes to the remote repository. </a:t>
+            </a:r>
+          </a:p>
+          <a:p>
+            <a:r>
               <a:rPr lang="en-GB" dirty="0"/>
-            </a:br>
+              <a:t>You set the upstream to be the branch you are working on at that given time. </a:t>
+            </a:r>
+          </a:p>
+          <a:p>
+            <a:endParaRPr lang="en-GB" dirty="0"/>
+          </a:p>
+          <a:p>
+            <a:endParaRPr lang="en-GB" dirty="0"/>
+          </a:p>
+          <a:p>
             <a:r>
               <a:rPr lang="en-GB" dirty="0"/>
-              <a:t>Branch –</a:t>
-            </a:r>
-            <a:r>
-              <a:rPr lang="en-GB" dirty="0" err="1"/>
-              <a:t>vv</a:t>
-            </a:r>
+              <a:t>---- additional info ---- </a:t>
+            </a:r>
+          </a:p>
+          <a:p>
+            <a:pPr marL="0" marR="0" lvl="0" indent="0" algn="l" defTabSz="914400" rtl="0" eaLnBrk="1" fontAlgn="auto" latinLnBrk="0" hangingPunct="1">
+              <a:lnSpc>
+                <a:spcPct val="100000"/>
+              </a:lnSpc>
+              <a:spcBef>
+                <a:spcPts val="0"/>
+              </a:spcBef>
+              <a:spcAft>
+                <a:spcPts val="0"/>
+              </a:spcAft>
+              <a:buClrTx/>
+              <a:buSzTx/>
+              <a:buFontTx/>
+              <a:buNone/>
+              <a:tabLst/>
+              <a:defRPr/>
+            </a:pPr>
+            <a:r>
+              <a:rPr lang="en-GB" dirty="0"/>
+              <a:t>Let us briefly look at a feature called branches (we will get to more descriptions of this later). When you want to push, you have to inform git where you wish to push too and which branch on that repository. As you can see main has a destination already specified (in the blue, we have already set the upstream). Therefore you will only ever need to type ‘git push’ when in the main. For feature-001 there is currently no destination. We have two options here, we can either tell git where we want the pushes to go every time we push, or we can set an upstream. </a:t>
+            </a:r>
+          </a:p>
+          <a:p>
             <a:r>
               <a:rPr lang="en-GB" dirty="0"/>
               <a:t> </a:t>
             </a:r>
           </a:p>
           <a:p>
-            <a:r>
-              <a:rPr lang="en-GB" dirty="0"/>
-              <a:t>Git checkout –b </a:t>
-            </a:r>
-            <a:r>
-              <a:rPr lang="en-GB" dirty="0" err="1"/>
-              <a:t>branchName</a:t>
-            </a:r>
-            <a:r>
-              <a:rPr lang="en-GB" dirty="0"/>
-              <a:t> </a:t>
-            </a:r>
-          </a:p>
-          <a:p>
-            <a:r>
-              <a:rPr lang="en-GB" dirty="0"/>
-              <a:t>Git checkout </a:t>
-            </a:r>
-            <a:r>
-              <a:rPr lang="en-GB" dirty="0" err="1"/>
-              <a:t>branchname</a:t>
-            </a:r>
-            <a:r>
-              <a:rPr lang="en-GB" dirty="0"/>
-              <a:t> </a:t>
-            </a:r>
-          </a:p>
-          <a:p>
-            <a:r>
-              <a:rPr lang="en-GB" dirty="0"/>
-              <a:t>Git branch a – list all remote branches </a:t>
-            </a:r>
+            <a:endParaRPr lang="en-GB" dirty="0"/>
+          </a:p>
+          <a:p>
+            <a:endParaRPr lang="bs-Latn-BA" dirty="0"/>
           </a:p>
         </p:txBody>
       </p:sp>
@@ -2990,7 +2866,7 @@
             <a:spLocks noGrp="1"/>
           </p:cNvSpPr>
           <p:nvPr>
-            <p:ph type="sldNum" sz="quarter" idx="5"/>
+            <p:ph type="sldNum" sz="quarter" idx="10"/>
           </p:nvPr>
         </p:nvSpPr>
         <p:spPr/>
@@ -3001,18 +2877,13 @@
             <a:fld id="{E281BEE5-2167-43D4-9CA5-1C6577398972}" type="slidenum">
               <a:rPr lang="en-GB" smtClean="0"/>
               <a:pPr/>
-              <a:t>33</a:t>
+              <a:t>30</a:t>
             </a:fld>
             <a:endParaRPr lang="en-GB"/>
           </a:p>
         </p:txBody>
       </p:sp>
     </p:spTree>
-    <p:extLst>
-      <p:ext uri="{BB962C8B-B14F-4D97-AF65-F5344CB8AC3E}">
-        <p14:creationId xmlns:p14="http://schemas.microsoft.com/office/powerpoint/2010/main" val="2492146935"/>
-      </p:ext>
-    </p:extLst>
   </p:cSld>
   <p:clrMapOvr>
     <a:masterClrMapping/>
@@ -3151,7 +3022,62 @@
           <a:bodyPr/>
           <a:lstStyle/>
           <a:p>
-            <a:endParaRPr lang="en-GB" dirty="0"/>
+            <a:r>
+              <a:rPr lang="en-GB" dirty="0"/>
+              <a:t>You typically branch in git to allow yourself an area to modify codes / develop features / fix bugs. Whenever you work in git you want to avoid working on the main. </a:t>
+            </a:r>
+            <a:br>
+              <a:rPr lang="en-GB" dirty="0"/>
+            </a:br>
+            <a:br>
+              <a:rPr lang="en-GB" dirty="0"/>
+            </a:br>
+            <a:r>
+              <a:rPr lang="en-GB" dirty="0"/>
+              <a:t>Branch –</a:t>
+            </a:r>
+            <a:r>
+              <a:rPr lang="en-GB" dirty="0" err="1"/>
+              <a:t>vv</a:t>
+            </a:r>
+            <a:r>
+              <a:rPr lang="en-GB" dirty="0"/>
+              <a:t> </a:t>
+            </a:r>
+          </a:p>
+          <a:p>
+            <a:r>
+              <a:rPr lang="en-GB" dirty="0"/>
+              <a:t>Git checkout –b </a:t>
+            </a:r>
+            <a:r>
+              <a:rPr lang="en-GB" dirty="0" err="1"/>
+              <a:t>branchName</a:t>
+            </a:r>
+            <a:r>
+              <a:rPr lang="en-GB" dirty="0"/>
+              <a:t> </a:t>
+            </a:r>
+          </a:p>
+          <a:p>
+            <a:r>
+              <a:rPr lang="en-GB" dirty="0"/>
+              <a:t>Git checkout </a:t>
+            </a:r>
+            <a:r>
+              <a:rPr lang="en-GB" dirty="0" err="1"/>
+              <a:t>branchname</a:t>
+            </a:r>
+            <a:r>
+              <a:rPr lang="en-GB" dirty="0"/>
+              <a:t> </a:t>
+            </a:r>
+          </a:p>
+          <a:p>
+            <a:r>
+              <a:rPr lang="en-GB" dirty="0"/>
+              <a:t>Git branch a – list all remote branches </a:t>
+            </a:r>
           </a:p>
         </p:txBody>
       </p:sp>
@@ -3173,7 +3099,7 @@
             <a:fld id="{E281BEE5-2167-43D4-9CA5-1C6577398972}" type="slidenum">
               <a:rPr lang="en-GB" smtClean="0"/>
               <a:pPr/>
-              <a:t>34</a:t>
+              <a:t>31</a:t>
             </a:fld>
             <a:endParaRPr lang="en-GB"/>
           </a:p>
@@ -3182,7 +3108,7 @@
     </p:spTree>
     <p:extLst>
       <p:ext uri="{BB962C8B-B14F-4D97-AF65-F5344CB8AC3E}">
-        <p14:creationId xmlns:p14="http://schemas.microsoft.com/office/powerpoint/2010/main" val="1233101356"/>
+        <p14:creationId xmlns:p14="http://schemas.microsoft.com/office/powerpoint/2010/main" val="2492146935"/>
       </p:ext>
     </p:extLst>
   </p:cSld>
@@ -3236,24 +3162,7 @@
           <a:bodyPr/>
           <a:lstStyle/>
           <a:p>
-            <a:r>
-              <a:rPr lang="en-US" dirty="0"/>
-              <a:t>Branch –</a:t>
-            </a:r>
-            <a:r>
-              <a:rPr lang="en-US" dirty="0" err="1"/>
-              <a:t>vv</a:t>
-            </a:r>
-            <a:r>
-              <a:rPr lang="en-US" dirty="0"/>
-              <a:t> shows all the branches you have (locally), the upstream in the branches and the last git commit title </a:t>
-            </a:r>
-          </a:p>
-          <a:p>
-            <a:r>
-              <a:rPr lang="en-US" dirty="0"/>
-              <a:t>Branch –a shows all the branches remotely </a:t>
-            </a:r>
+            <a:endParaRPr lang="en-GB" dirty="0"/>
           </a:p>
         </p:txBody>
       </p:sp>
@@ -3275,7 +3184,7 @@
             <a:fld id="{E281BEE5-2167-43D4-9CA5-1C6577398972}" type="slidenum">
               <a:rPr lang="en-GB" smtClean="0"/>
               <a:pPr/>
-              <a:t>35</a:t>
+              <a:t>32</a:t>
             </a:fld>
             <a:endParaRPr lang="en-GB"/>
           </a:p>
@@ -3284,7 +3193,7 @@
     </p:spTree>
     <p:extLst>
       <p:ext uri="{BB962C8B-B14F-4D97-AF65-F5344CB8AC3E}">
-        <p14:creationId xmlns:p14="http://schemas.microsoft.com/office/powerpoint/2010/main" val="1694629273"/>
+        <p14:creationId xmlns:p14="http://schemas.microsoft.com/office/powerpoint/2010/main" val="1233101356"/>
       </p:ext>
     </p:extLst>
   </p:cSld>
@@ -3338,7 +3247,24 @@
           <a:bodyPr/>
           <a:lstStyle/>
           <a:p>
-            <a:endParaRPr lang="en-US" dirty="0"/>
+            <a:r>
+              <a:rPr lang="en-US" dirty="0"/>
+              <a:t>Branch –</a:t>
+            </a:r>
+            <a:r>
+              <a:rPr lang="en-US" dirty="0" err="1"/>
+              <a:t>vv</a:t>
+            </a:r>
+            <a:r>
+              <a:rPr lang="en-US" dirty="0"/>
+              <a:t> shows all the branches you have (locally), the upstream in the branches and the last git commit title </a:t>
+            </a:r>
+          </a:p>
+          <a:p>
+            <a:r>
+              <a:rPr lang="en-US" dirty="0"/>
+              <a:t>Branch –a shows all the branches remotely </a:t>
+            </a:r>
           </a:p>
         </p:txBody>
       </p:sp>
@@ -3360,7 +3286,7 @@
             <a:fld id="{E281BEE5-2167-43D4-9CA5-1C6577398972}" type="slidenum">
               <a:rPr lang="en-GB" smtClean="0"/>
               <a:pPr/>
-              <a:t>36</a:t>
+              <a:t>33</a:t>
             </a:fld>
             <a:endParaRPr lang="en-GB"/>
           </a:p>
@@ -3369,7 +3295,7 @@
     </p:spTree>
     <p:extLst>
       <p:ext uri="{BB962C8B-B14F-4D97-AF65-F5344CB8AC3E}">
-        <p14:creationId xmlns:p14="http://schemas.microsoft.com/office/powerpoint/2010/main" val="3546700083"/>
+        <p14:creationId xmlns:p14="http://schemas.microsoft.com/office/powerpoint/2010/main" val="1694629273"/>
       </p:ext>
     </p:extLst>
   </p:cSld>
@@ -3425,16 +3351,53 @@
           <a:p>
             <a:r>
               <a:rPr lang="en-GB" dirty="0"/>
-              <a:t>Forking (which is what we do with git clone (shown </a:t>
+              <a:t>Git branch </a:t>
             </a:r>
             <a:r>
               <a:rPr lang="en-GB" dirty="0" err="1"/>
-              <a:t>ealier</a:t>
+              <a:t>branchName</a:t>
             </a:r>
             <a:r>
               <a:rPr lang="en-GB" dirty="0"/>
-              <a:t>) makes a copy of the repository you are working on. </a:t>
-            </a:r>
+              <a:t> (Creates a new branch) </a:t>
+            </a:r>
+          </a:p>
+          <a:p>
+            <a:r>
+              <a:rPr lang="en-GB" dirty="0"/>
+              <a:t>Git branch –a list all branches </a:t>
+            </a:r>
+          </a:p>
+          <a:p>
+            <a:r>
+              <a:rPr lang="en-GB" dirty="0"/>
+              <a:t>Git checkout –b </a:t>
+            </a:r>
+            <a:r>
+              <a:rPr lang="en-GB" dirty="0" err="1"/>
+              <a:t>branchName</a:t>
+            </a:r>
+            <a:r>
+              <a:rPr lang="en-GB" dirty="0"/>
+              <a:t> (Create a new branch and switch to it.)</a:t>
+            </a:r>
+          </a:p>
+          <a:p>
+            <a:r>
+              <a:rPr lang="en-GB" dirty="0"/>
+              <a:t>Git checkout </a:t>
+            </a:r>
+            <a:r>
+              <a:rPr lang="en-GB" dirty="0" err="1"/>
+              <a:t>branchname</a:t>
+            </a:r>
+            <a:r>
+              <a:rPr lang="en-GB" dirty="0"/>
+              <a:t> (Switch to a branch)</a:t>
+            </a:r>
+          </a:p>
+          <a:p>
+            <a:endParaRPr lang="en-US" dirty="0"/>
           </a:p>
         </p:txBody>
       </p:sp>
@@ -3456,7 +3419,369 @@
             <a:fld id="{E281BEE5-2167-43D4-9CA5-1C6577398972}" type="slidenum">
               <a:rPr lang="en-GB" smtClean="0"/>
               <a:pPr/>
-              <a:t>37</a:t>
+              <a:t>34</a:t>
+            </a:fld>
+            <a:endParaRPr lang="en-GB"/>
+          </a:p>
+        </p:txBody>
+      </p:sp>
+    </p:spTree>
+    <p:extLst>
+      <p:ext uri="{BB962C8B-B14F-4D97-AF65-F5344CB8AC3E}">
+        <p14:creationId xmlns:p14="http://schemas.microsoft.com/office/powerpoint/2010/main" val="3546700083"/>
+      </p:ext>
+    </p:extLst>
+  </p:cSld>
+  <p:clrMapOvr>
+    <a:masterClrMapping/>
+  </p:clrMapOvr>
+</p:notes>
+</file>
+
+<file path=ppt/notesSlides/notesSlide24.xml><?xml version="1.0" encoding="utf-8"?>
+<p:notes xmlns:a="http://schemas.openxmlformats.org/drawingml/2006/main" xmlns:r="http://schemas.openxmlformats.org/officeDocument/2006/relationships" xmlns:p="http://schemas.openxmlformats.org/presentationml/2006/main">
+  <p:cSld>
+    <p:spTree>
+      <p:nvGrpSpPr>
+        <p:cNvPr id="1" name=""/>
+        <p:cNvGrpSpPr/>
+        <p:nvPr/>
+      </p:nvGrpSpPr>
+      <p:grpSpPr>
+        <a:xfrm>
+          <a:off x="0" y="0"/>
+          <a:ext cx="0" cy="0"/>
+          <a:chOff x="0" y="0"/>
+          <a:chExt cx="0" cy="0"/>
+        </a:xfrm>
+      </p:grpSpPr>
+      <p:sp>
+        <p:nvSpPr>
+          <p:cNvPr id="2" name="Slide Image Placeholder 1"/>
+          <p:cNvSpPr>
+            <a:spLocks noGrp="1" noRot="1" noChangeAspect="1"/>
+          </p:cNvSpPr>
+          <p:nvPr>
+            <p:ph type="sldImg"/>
+          </p:nvPr>
+        </p:nvSpPr>
+        <p:spPr/>
+      </p:sp>
+      <p:sp>
+        <p:nvSpPr>
+          <p:cNvPr id="3" name="Notes Placeholder 2"/>
+          <p:cNvSpPr>
+            <a:spLocks noGrp="1"/>
+          </p:cNvSpPr>
+          <p:nvPr>
+            <p:ph type="body" idx="1"/>
+          </p:nvPr>
+        </p:nvSpPr>
+        <p:spPr/>
+        <p:txBody>
+          <a:bodyPr/>
+          <a:lstStyle/>
+          <a:p>
+            <a:r>
+              <a:rPr lang="en-GB" dirty="0"/>
+              <a:t>Git pull requests ‘pull changes into the main branch – they merge together.’ The should be used to ensure code quality and good practice. This helps reduce the risk of system crashing changes. </a:t>
+            </a:r>
+          </a:p>
+          <a:p>
+            <a:r>
+              <a:rPr lang="en-GB" dirty="0"/>
+              <a:t>git fetch</a:t>
+            </a:r>
+            <a:r>
+              <a:rPr lang="en-GB" b="0" i="0" dirty="0">
+                <a:solidFill>
+                  <a:srgbClr val="4D4D4D"/>
+                </a:solidFill>
+                <a:effectLst/>
+                <a:latin typeface="-apple-system"/>
+              </a:rPr>
+              <a:t> which downloads content from the specified remote repository.</a:t>
+            </a:r>
+          </a:p>
+          <a:p>
+            <a:r>
+              <a:rPr lang="en-GB" b="0" i="0" dirty="0">
+                <a:solidFill>
+                  <a:srgbClr val="4D4D4D"/>
+                </a:solidFill>
+                <a:effectLst/>
+                <a:latin typeface="-apple-system"/>
+              </a:rPr>
+              <a:t>hen a </a:t>
+            </a:r>
+            <a:r>
+              <a:rPr lang="en-GB" dirty="0"/>
+              <a:t>git merge</a:t>
+            </a:r>
+            <a:r>
+              <a:rPr lang="en-GB" b="0" i="0" dirty="0">
+                <a:solidFill>
+                  <a:srgbClr val="4D4D4D"/>
+                </a:solidFill>
+                <a:effectLst/>
+                <a:latin typeface="-apple-system"/>
+              </a:rPr>
+              <a:t> is executed to merge the remote content refs and heads into a new local merge commit</a:t>
+            </a:r>
+          </a:p>
+          <a:p>
+            <a:r>
+              <a:rPr lang="en-GB" dirty="0"/>
+              <a:t>git fetch</a:t>
+            </a:r>
+            <a:r>
+              <a:rPr lang="en-GB" b="0" i="0" dirty="0">
+                <a:solidFill>
+                  <a:srgbClr val="4D4D4D"/>
+                </a:solidFill>
+                <a:effectLst/>
+                <a:latin typeface="-apple-system"/>
+              </a:rPr>
+              <a:t> will download the remote content and not alter the state of the local repository</a:t>
+            </a:r>
+          </a:p>
+          <a:p>
+            <a:r>
+              <a:rPr lang="en-GB" b="0" i="0" dirty="0">
+                <a:solidFill>
+                  <a:srgbClr val="4D4D4D"/>
+                </a:solidFill>
+                <a:effectLst/>
+                <a:latin typeface="-apple-system"/>
+              </a:rPr>
+              <a:t>This means that you need to provide 4 pieces of information to file a pull request: the source repository, the source branch, the destination repository, and the destination branch. When working on feature branch, when wanting to merge into the main to say you have finished development of the feature the source will be your feature branch, and the destination will be the main branch. </a:t>
+            </a:r>
+            <a:r>
+              <a:rPr lang="en-GB" b="0" i="0" dirty="0" err="1">
+                <a:solidFill>
+                  <a:srgbClr val="4D4D4D"/>
+                </a:solidFill>
+                <a:effectLst/>
+                <a:latin typeface="-apple-system"/>
+              </a:rPr>
+              <a:t>Pul</a:t>
+            </a:r>
+            <a:endParaRPr lang="en-GB" b="0" i="0" dirty="0">
+              <a:solidFill>
+                <a:srgbClr val="4D4D4D"/>
+              </a:solidFill>
+              <a:effectLst/>
+              <a:latin typeface="-apple-system"/>
+            </a:endParaRPr>
+          </a:p>
+          <a:p>
+            <a:endParaRPr lang="en-GB"/>
+          </a:p>
+        </p:txBody>
+      </p:sp>
+      <p:sp>
+        <p:nvSpPr>
+          <p:cNvPr id="4" name="Slide Number Placeholder 3"/>
+          <p:cNvSpPr>
+            <a:spLocks noGrp="1"/>
+          </p:cNvSpPr>
+          <p:nvPr>
+            <p:ph type="sldNum" sz="quarter" idx="5"/>
+          </p:nvPr>
+        </p:nvSpPr>
+        <p:spPr/>
+        <p:txBody>
+          <a:bodyPr/>
+          <a:lstStyle/>
+          <a:p>
+            <a:fld id="{E281BEE5-2167-43D4-9CA5-1C6577398972}" type="slidenum">
+              <a:rPr lang="en-GB" smtClean="0"/>
+              <a:pPr/>
+              <a:t>36</a:t>
+            </a:fld>
+            <a:endParaRPr lang="en-GB"/>
+          </a:p>
+        </p:txBody>
+      </p:sp>
+    </p:spTree>
+    <p:extLst>
+      <p:ext uri="{BB962C8B-B14F-4D97-AF65-F5344CB8AC3E}">
+        <p14:creationId xmlns:p14="http://schemas.microsoft.com/office/powerpoint/2010/main" val="827595680"/>
+      </p:ext>
+    </p:extLst>
+  </p:cSld>
+  <p:clrMapOvr>
+    <a:masterClrMapping/>
+  </p:clrMapOvr>
+</p:notes>
+</file>
+
+<file path=ppt/notesSlides/notesSlide25.xml><?xml version="1.0" encoding="utf-8"?>
+<p:notes xmlns:a="http://schemas.openxmlformats.org/drawingml/2006/main" xmlns:r="http://schemas.openxmlformats.org/officeDocument/2006/relationships" xmlns:p="http://schemas.openxmlformats.org/presentationml/2006/main">
+  <p:cSld>
+    <p:spTree>
+      <p:nvGrpSpPr>
+        <p:cNvPr id="1" name=""/>
+        <p:cNvGrpSpPr/>
+        <p:nvPr/>
+      </p:nvGrpSpPr>
+      <p:grpSpPr>
+        <a:xfrm>
+          <a:off x="0" y="0"/>
+          <a:ext cx="0" cy="0"/>
+          <a:chOff x="0" y="0"/>
+          <a:chExt cx="0" cy="0"/>
+        </a:xfrm>
+      </p:grpSpPr>
+      <p:sp>
+        <p:nvSpPr>
+          <p:cNvPr id="2" name="Slide Image Placeholder 1"/>
+          <p:cNvSpPr>
+            <a:spLocks noGrp="1" noRot="1" noChangeAspect="1"/>
+          </p:cNvSpPr>
+          <p:nvPr>
+            <p:ph type="sldImg"/>
+          </p:nvPr>
+        </p:nvSpPr>
+        <p:spPr/>
+      </p:sp>
+      <p:sp>
+        <p:nvSpPr>
+          <p:cNvPr id="3" name="Notes Placeholder 2"/>
+          <p:cNvSpPr>
+            <a:spLocks noGrp="1"/>
+          </p:cNvSpPr>
+          <p:nvPr>
+            <p:ph type="body" idx="1"/>
+          </p:nvPr>
+        </p:nvSpPr>
+        <p:spPr/>
+        <p:txBody>
+          <a:bodyPr/>
+          <a:lstStyle/>
+          <a:p>
+            <a:r>
+              <a:rPr lang="en-GB" dirty="0"/>
+              <a:t>Would you like to pull and merge the new files in feature-001 into main? </a:t>
+            </a:r>
+          </a:p>
+        </p:txBody>
+      </p:sp>
+      <p:sp>
+        <p:nvSpPr>
+          <p:cNvPr id="4" name="Slide Number Placeholder 3"/>
+          <p:cNvSpPr>
+            <a:spLocks noGrp="1"/>
+          </p:cNvSpPr>
+          <p:nvPr>
+            <p:ph type="sldNum" sz="quarter" idx="5"/>
+          </p:nvPr>
+        </p:nvSpPr>
+        <p:spPr/>
+        <p:txBody>
+          <a:bodyPr/>
+          <a:lstStyle/>
+          <a:p>
+            <a:fld id="{E281BEE5-2167-43D4-9CA5-1C6577398972}" type="slidenum">
+              <a:rPr lang="en-GB" smtClean="0"/>
+              <a:pPr/>
+              <a:t>38</a:t>
+            </a:fld>
+            <a:endParaRPr lang="en-GB"/>
+          </a:p>
+        </p:txBody>
+      </p:sp>
+    </p:spTree>
+    <p:extLst>
+      <p:ext uri="{BB962C8B-B14F-4D97-AF65-F5344CB8AC3E}">
+        <p14:creationId xmlns:p14="http://schemas.microsoft.com/office/powerpoint/2010/main" val="2662329651"/>
+      </p:ext>
+    </p:extLst>
+  </p:cSld>
+  <p:clrMapOvr>
+    <a:masterClrMapping/>
+  </p:clrMapOvr>
+</p:notes>
+</file>
+
+<file path=ppt/notesSlides/notesSlide26.xml><?xml version="1.0" encoding="utf-8"?>
+<p:notes xmlns:a="http://schemas.openxmlformats.org/drawingml/2006/main" xmlns:r="http://schemas.openxmlformats.org/officeDocument/2006/relationships" xmlns:p="http://schemas.openxmlformats.org/presentationml/2006/main">
+  <p:cSld>
+    <p:spTree>
+      <p:nvGrpSpPr>
+        <p:cNvPr id="1" name=""/>
+        <p:cNvGrpSpPr/>
+        <p:nvPr/>
+      </p:nvGrpSpPr>
+      <p:grpSpPr>
+        <a:xfrm>
+          <a:off x="0" y="0"/>
+          <a:ext cx="0" cy="0"/>
+          <a:chOff x="0" y="0"/>
+          <a:chExt cx="0" cy="0"/>
+        </a:xfrm>
+      </p:grpSpPr>
+      <p:sp>
+        <p:nvSpPr>
+          <p:cNvPr id="2" name="Slide Image Placeholder 1"/>
+          <p:cNvSpPr>
+            <a:spLocks noGrp="1" noRot="1" noChangeAspect="1"/>
+          </p:cNvSpPr>
+          <p:nvPr>
+            <p:ph type="sldImg"/>
+          </p:nvPr>
+        </p:nvSpPr>
+        <p:spPr/>
+      </p:sp>
+      <p:sp>
+        <p:nvSpPr>
+          <p:cNvPr id="3" name="Notes Placeholder 2"/>
+          <p:cNvSpPr>
+            <a:spLocks noGrp="1"/>
+          </p:cNvSpPr>
+          <p:nvPr>
+            <p:ph type="body" idx="1"/>
+          </p:nvPr>
+        </p:nvSpPr>
+        <p:spPr/>
+        <p:txBody>
+          <a:bodyPr/>
+          <a:lstStyle/>
+          <a:p>
+            <a:r>
+              <a:rPr lang="en-GB" dirty="0"/>
+              <a:t>Forking (which is what we do with git clone (shown </a:t>
+            </a:r>
+            <a:r>
+              <a:rPr lang="en-GB" dirty="0" err="1"/>
+              <a:t>ealier</a:t>
+            </a:r>
+            <a:r>
+              <a:rPr lang="en-GB" dirty="0"/>
+              <a:t>) makes a copy of the repository you are working on. </a:t>
+            </a:r>
+          </a:p>
+        </p:txBody>
+      </p:sp>
+      <p:sp>
+        <p:nvSpPr>
+          <p:cNvPr id="4" name="Slide Number Placeholder 3"/>
+          <p:cNvSpPr>
+            <a:spLocks noGrp="1"/>
+          </p:cNvSpPr>
+          <p:nvPr>
+            <p:ph type="sldNum" sz="quarter" idx="5"/>
+          </p:nvPr>
+        </p:nvSpPr>
+        <p:spPr/>
+        <p:txBody>
+          <a:bodyPr/>
+          <a:lstStyle/>
+          <a:p>
+            <a:fld id="{E281BEE5-2167-43D4-9CA5-1C6577398972}" type="slidenum">
+              <a:rPr lang="en-GB" smtClean="0"/>
+              <a:pPr/>
+              <a:t>39</a:t>
             </a:fld>
             <a:endParaRPr lang="en-GB"/>
           </a:p>
@@ -3970,8 +4295,39 @@
           <a:p>
             <a:r>
               <a:rPr lang="en-GB" dirty="0"/>
-              <a:t>This then sets up the local directory with the information you need it to be a git repository. To check if your directory is a git repository look for a hidden .git file. Without this, the directory is not a repository. Can be done in the bash terminal with ls -a</a:t>
-            </a:r>
+              <a:t>This then sets up the local directory with the information you need it to be a git repository. To check if your directory is a git repository look for a hidden .git file. Without this, the directory is not a repository. Can be done in the bash terminal with ls –a. or in windows command with </a:t>
+            </a:r>
+            <a:r>
+              <a:rPr lang="en-GB" b="0" i="0" u="none" strike="noStrike" dirty="0">
+                <a:solidFill>
+                  <a:srgbClr val="040C28"/>
+                </a:solidFill>
+                <a:effectLst/>
+                <a:latin typeface="Google Sans"/>
+              </a:rPr>
+              <a:t>dir /</a:t>
+            </a:r>
+            <a:r>
+              <a:rPr lang="en-GB" b="0" i="0" u="none" strike="noStrike" dirty="0" err="1">
+                <a:solidFill>
+                  <a:srgbClr val="040C28"/>
+                </a:solidFill>
+                <a:effectLst/>
+                <a:latin typeface="Google Sans"/>
+              </a:rPr>
+              <a:t>a:h</a:t>
+            </a:r>
+            <a:r>
+              <a:rPr lang="en-GB" b="0" i="0" u="none" strike="noStrike" dirty="0">
+                <a:solidFill>
+                  <a:srgbClr val="040C28"/>
+                </a:solidFill>
+                <a:effectLst/>
+                <a:latin typeface="Google Sans"/>
+              </a:rPr>
+              <a:t> </a:t>
+            </a:r>
+            <a:endParaRPr lang="en-GB" dirty="0"/>
           </a:p>
         </p:txBody>
       </p:sp>
@@ -4058,8 +4414,39 @@
           <a:p>
             <a:r>
               <a:rPr lang="en-GB" dirty="0"/>
-              <a:t>This then sets up the local directory with the information you need it to be a git repository. To check if your directory is a git repository look for a hidden .git file. Without this, the directory is not a repository. Can be done in the bash terminal with ls -a</a:t>
-            </a:r>
+              <a:t>This then sets up the local directory with the information you need it to be a git repository. To check if your directory is a git repository look for a hidden .git file. Without this, the directory is not a repository. Can be done in the bash terminal with ls –a. </a:t>
+            </a:r>
+            <a:r>
+              <a:rPr lang="en-GB" b="0" i="0" u="none" strike="noStrike" dirty="0">
+                <a:solidFill>
+                  <a:srgbClr val="040C28"/>
+                </a:solidFill>
+                <a:effectLst/>
+                <a:latin typeface="Google Sans"/>
+              </a:rPr>
+              <a:t>dir /</a:t>
+            </a:r>
+            <a:r>
+              <a:rPr lang="en-GB" b="0" i="0" u="none" strike="noStrike" dirty="0" err="1">
+                <a:solidFill>
+                  <a:srgbClr val="040C28"/>
+                </a:solidFill>
+                <a:effectLst/>
+                <a:latin typeface="Google Sans"/>
+              </a:rPr>
+              <a:t>a:h</a:t>
+            </a:r>
+            <a:r>
+              <a:rPr lang="en-GB" b="0" i="0" u="none" strike="noStrike" dirty="0">
+                <a:solidFill>
+                  <a:srgbClr val="040C28"/>
+                </a:solidFill>
+                <a:effectLst/>
+                <a:latin typeface="Google Sans"/>
+              </a:rPr>
+              <a:t>  </a:t>
+            </a:r>
+            <a:endParaRPr lang="en-GB" dirty="0"/>
           </a:p>
         </p:txBody>
       </p:sp>
@@ -12942,7 +13329,15 @@
             </a:pPr>
             <a:r>
               <a:rPr lang="en-GB" dirty="0"/>
-              <a:t>If you have a local repository already created you have to add the remote connection to that repository, rather than cloning the ‘online’ version </a:t>
+              <a:t>If you have a local repository (git </a:t>
+            </a:r>
+            <a:r>
+              <a:rPr lang="en-GB" dirty="0" err="1"/>
+              <a:t>init</a:t>
+            </a:r>
+            <a:r>
+              <a:rPr lang="en-GB" dirty="0"/>
+              <a:t> in file systems) already created you have to add the remote connection to that repository, rather than cloning the ‘online’ version </a:t>
             </a:r>
           </a:p>
           <a:p>
@@ -14379,7 +14774,7 @@
           <p:nvPr/>
         </p:nvPicPr>
         <p:blipFill>
-          <a:blip r:embed="rId2"/>
+          <a:blip r:embed="rId3"/>
           <a:stretch>
             <a:fillRect/>
           </a:stretch>
@@ -14497,7 +14892,7 @@
           <p:nvPr/>
         </p:nvPicPr>
         <p:blipFill>
-          <a:blip r:embed="rId2"/>
+          <a:blip r:embed="rId3"/>
           <a:stretch>
             <a:fillRect/>
           </a:stretch>
@@ -14755,7 +15150,7 @@
           <p:nvPr/>
         </p:nvPicPr>
         <p:blipFill>
-          <a:blip r:embed="rId2"/>
+          <a:blip r:embed="rId3"/>
           <a:stretch>
             <a:fillRect/>
           </a:stretch>
@@ -15172,74 +15567,70 @@
       </p:grpSpPr>
       <p:sp>
         <p:nvSpPr>
-          <p:cNvPr id="5" name="Title 4"/>
-          <p:cNvSpPr>
-            <a:spLocks noGrp="1"/>
-          </p:cNvSpPr>
-          <p:nvPr>
-            <p:ph type="title"/>
+          <p:cNvPr id="4" name="Slide Number Placeholder 3">
+            <a:extLst>
+              <a:ext uri="{FF2B5EF4-FFF2-40B4-BE49-F238E27FC236}">
+                <a16:creationId xmlns:a16="http://schemas.microsoft.com/office/drawing/2014/main" id="{723F0431-CD18-BC8F-7689-2E985E558788}"/>
+              </a:ext>
+            </a:extLst>
+          </p:cNvPr>
+          <p:cNvSpPr>
+            <a:spLocks noGrp="1"/>
+          </p:cNvSpPr>
+          <p:nvPr>
+            <p:ph type="sldNum" sz="quarter" idx="12"/>
           </p:nvPr>
         </p:nvSpPr>
         <p:spPr/>
         <p:txBody>
-          <a:bodyPr>
-            <a:normAutofit/>
-          </a:bodyPr>
-          <a:lstStyle/>
-          <a:p>
-            <a:r>
-              <a:rPr lang="en-GB" dirty="0"/>
-              <a:t>Git Push	</a:t>
-            </a:r>
-            <a:endParaRPr lang="bs-Latn-BA" dirty="0"/>
-          </a:p>
-        </p:txBody>
-      </p:sp>
-      <p:sp>
-        <p:nvSpPr>
-          <p:cNvPr id="6" name="Text Placeholder 5"/>
-          <p:cNvSpPr>
-            <a:spLocks noGrp="1"/>
-          </p:cNvSpPr>
-          <p:nvPr>
-            <p:ph type="body" idx="1"/>
-          </p:nvPr>
-        </p:nvSpPr>
+          <a:bodyPr/>
+          <a:lstStyle/>
+          <a:p>
+            <a:fld id="{D57F1E4F-1CFF-5643-939E-02111984F565}" type="slidenum">
+              <a:rPr lang="en-US" smtClean="0"/>
+              <a:pPr/>
+              <a:t>29</a:t>
+            </a:fld>
+            <a:endParaRPr lang="en-US" dirty="0"/>
+          </a:p>
+        </p:txBody>
+      </p:sp>
+      <p:pic>
+        <p:nvPicPr>
+          <p:cNvPr id="8" name="Picture 7" descr="A screenshot of a computer&#10;&#10;Description automatically generated">
+            <a:extLst>
+              <a:ext uri="{FF2B5EF4-FFF2-40B4-BE49-F238E27FC236}">
+                <a16:creationId xmlns:a16="http://schemas.microsoft.com/office/drawing/2014/main" id="{EDDE4A3A-8F01-3F29-D741-D23A18B1B8A0}"/>
+              </a:ext>
+            </a:extLst>
+          </p:cNvPr>
+          <p:cNvPicPr>
+            <a:picLocks noChangeAspect="1"/>
+          </p:cNvPicPr>
+          <p:nvPr/>
+        </p:nvPicPr>
+        <p:blipFill>
+          <a:blip r:embed="rId2"/>
+          <a:stretch>
+            <a:fillRect/>
+          </a:stretch>
+        </p:blipFill>
         <p:spPr>
           <a:xfrm>
-            <a:off x="582561" y="1091665"/>
-            <a:ext cx="7801897" cy="3394472"/>
+            <a:off x="161364" y="207867"/>
+            <a:ext cx="8525435" cy="4178782"/>
           </a:xfrm>
+          <a:prstGeom prst="rect">
+            <a:avLst/>
+          </a:prstGeom>
         </p:spPr>
-        <p:txBody>
-          <a:bodyPr>
-            <a:normAutofit/>
-          </a:bodyPr>
-          <a:lstStyle/>
-          <a:p>
-            <a:pPr marL="0" indent="0">
-              <a:buNone/>
-            </a:pPr>
-            <a:r>
-              <a:rPr lang="en-GB" sz="2000" dirty="0"/>
-              <a:t>A push sends all committed changes from your local repository to the remote repository</a:t>
-            </a:r>
-          </a:p>
-          <a:p>
-            <a:pPr marL="0" indent="0" algn="ctr">
-              <a:buNone/>
-            </a:pPr>
-            <a:r>
-              <a:rPr lang="en-GB" sz="2000" dirty="0"/>
-              <a:t>git push &lt;remote repository name&gt; &lt;remote branch name&gt; </a:t>
-            </a:r>
-          </a:p>
-          <a:p>
-            <a:endParaRPr lang="bs-Latn-BA" sz="2000" dirty="0"/>
-          </a:p>
-        </p:txBody>
-      </p:sp>
+      </p:pic>
     </p:spTree>
+    <p:extLst>
+      <p:ext uri="{BB962C8B-B14F-4D97-AF65-F5344CB8AC3E}">
+        <p14:creationId xmlns:p14="http://schemas.microsoft.com/office/powerpoint/2010/main" val="1582533569"/>
+      </p:ext>
+    </p:extLst>
   </p:cSld>
   <p:clrMapOvr>
     <a:masterClrMapping/>
@@ -15779,46 +16170,12 @@
       </p:grpSpPr>
       <p:sp>
         <p:nvSpPr>
-          <p:cNvPr id="5" name="Title 4">
-            <a:extLst>
-              <a:ext uri="{FF2B5EF4-FFF2-40B4-BE49-F238E27FC236}">
-                <a16:creationId xmlns:a16="http://schemas.microsoft.com/office/drawing/2014/main" id="{8C1E2546-12C8-46D4-AD48-28D22F2F5F56}"/>
-              </a:ext>
-            </a:extLst>
-          </p:cNvPr>
+          <p:cNvPr id="5" name="Title 4"/>
           <p:cNvSpPr>
             <a:spLocks noGrp="1"/>
           </p:cNvSpPr>
           <p:nvPr>
             <p:ph type="title"/>
-          </p:nvPr>
-        </p:nvSpPr>
-        <p:spPr/>
-        <p:txBody>
-          <a:bodyPr/>
-          <a:lstStyle/>
-          <a:p>
-            <a:r>
-              <a:rPr lang="en-GB" dirty="0"/>
-              <a:t>Git pull </a:t>
-            </a:r>
-          </a:p>
-        </p:txBody>
-      </p:sp>
-      <p:sp>
-        <p:nvSpPr>
-          <p:cNvPr id="6" name="Text Placeholder 5">
-            <a:extLst>
-              <a:ext uri="{FF2B5EF4-FFF2-40B4-BE49-F238E27FC236}">
-                <a16:creationId xmlns:a16="http://schemas.microsoft.com/office/drawing/2014/main" id="{907F55E3-523E-429C-91B2-E84367E9B3B8}"/>
-              </a:ext>
-            </a:extLst>
-          </p:cNvPr>
-          <p:cNvSpPr>
-            <a:spLocks noGrp="1"/>
-          </p:cNvSpPr>
-          <p:nvPr>
-            <p:ph idx="1"/>
           </p:nvPr>
         </p:nvSpPr>
         <p:spPr/>
@@ -15829,45 +16186,54 @@
           <a:lstStyle/>
           <a:p>
             <a:r>
-              <a:rPr lang="en-GB" sz="1800" dirty="0"/>
-              <a:t>Git pull will bring changes that have been made to a repository into your machine. </a:t>
-            </a:r>
-          </a:p>
-          <a:p>
-            <a:r>
-              <a:rPr lang="en-GB" sz="1800" dirty="0"/>
-              <a:t>It is a joint command of fetch and merge. It synchronises your local repository with the remote one. </a:t>
-            </a:r>
-          </a:p>
-          <a:p>
-            <a:r>
-              <a:rPr lang="en-GB" sz="1800" dirty="0"/>
-              <a:t>When pulling on the main: pull requests are a signal that the developer is finished working on that branch and wishes to integrate it with the main branch.  </a:t>
-            </a:r>
-          </a:p>
-        </p:txBody>
-      </p:sp>
-      <p:sp>
-        <p:nvSpPr>
-          <p:cNvPr id="4" name="Slide Number Placeholder 3"/>
-          <p:cNvSpPr>
-            <a:spLocks noGrp="1"/>
-          </p:cNvSpPr>
-          <p:nvPr>
-            <p:ph type="sldNum" sz="quarter" idx="12"/>
-          </p:nvPr>
-        </p:nvSpPr>
-        <p:spPr/>
-        <p:txBody>
-          <a:bodyPr/>
-          <a:lstStyle/>
-          <a:p>
-            <a:fld id="{A82AD956-1430-46BB-93C5-FEC803E7C388}" type="slidenum">
-              <a:rPr lang="bs-Latn-BA" smtClean="0"/>
-              <a:pPr/>
-              <a:t>30</a:t>
-            </a:fld>
-            <a:endParaRPr lang="bs-Latn-BA"/>
+              <a:rPr lang="en-GB" dirty="0"/>
+              <a:t>Git Push	</a:t>
+            </a:r>
+            <a:endParaRPr lang="bs-Latn-BA" dirty="0"/>
+          </a:p>
+        </p:txBody>
+      </p:sp>
+      <p:sp>
+        <p:nvSpPr>
+          <p:cNvPr id="6" name="Text Placeholder 5"/>
+          <p:cNvSpPr>
+            <a:spLocks noGrp="1"/>
+          </p:cNvSpPr>
+          <p:nvPr>
+            <p:ph type="body" idx="1"/>
+          </p:nvPr>
+        </p:nvSpPr>
+        <p:spPr>
+          <a:xfrm>
+            <a:off x="582561" y="1091665"/>
+            <a:ext cx="7801897" cy="3394472"/>
+          </a:xfrm>
+        </p:spPr>
+        <p:txBody>
+          <a:bodyPr>
+            <a:normAutofit/>
+          </a:bodyPr>
+          <a:lstStyle/>
+          <a:p>
+            <a:pPr marL="0" indent="0">
+              <a:buNone/>
+            </a:pPr>
+            <a:r>
+              <a:rPr lang="en-GB" sz="2000" dirty="0"/>
+              <a:t>A push sends all committed changes from your local repository to the remote repository</a:t>
+            </a:r>
+          </a:p>
+          <a:p>
+            <a:pPr marL="0" indent="0" algn="ctr">
+              <a:buNone/>
+            </a:pPr>
+            <a:r>
+              <a:rPr lang="en-GB" sz="2000" dirty="0"/>
+              <a:t>git push &lt;remote repository name&gt; &lt;remote branch name&gt; </a:t>
+            </a:r>
+          </a:p>
+          <a:p>
+            <a:endParaRPr lang="bs-Latn-BA" sz="2000" dirty="0"/>
           </a:p>
         </p:txBody>
       </p:sp>
@@ -15901,241 +16267,6 @@
           <p:cNvPr id="2" name="Title 1">
             <a:extLst>
               <a:ext uri="{FF2B5EF4-FFF2-40B4-BE49-F238E27FC236}">
-                <a16:creationId xmlns:a16="http://schemas.microsoft.com/office/drawing/2014/main" id="{6FF9C14D-043B-44C7-BA71-92F295CB451D}"/>
-              </a:ext>
-            </a:extLst>
-          </p:cNvPr>
-          <p:cNvSpPr>
-            <a:spLocks noGrp="1"/>
-          </p:cNvSpPr>
-          <p:nvPr>
-            <p:ph type="title"/>
-          </p:nvPr>
-        </p:nvSpPr>
-        <p:spPr/>
-        <p:txBody>
-          <a:bodyPr/>
-          <a:lstStyle/>
-          <a:p>
-            <a:r>
-              <a:rPr lang="en-GB" dirty="0"/>
-              <a:t>Git pull</a:t>
-            </a:r>
-          </a:p>
-        </p:txBody>
-      </p:sp>
-      <p:pic>
-        <p:nvPicPr>
-          <p:cNvPr id="6" name="Content Placeholder 5" descr="Graphical user interface, text, application, email&#10;&#10;Description automatically generated">
-            <a:extLst>
-              <a:ext uri="{FF2B5EF4-FFF2-40B4-BE49-F238E27FC236}">
-                <a16:creationId xmlns:a16="http://schemas.microsoft.com/office/drawing/2014/main" id="{F0FCB649-B630-400B-9DB2-59295ED4D6D5}"/>
-              </a:ext>
-            </a:extLst>
-          </p:cNvPr>
-          <p:cNvPicPr>
-            <a:picLocks noGrp="1" noChangeAspect="1"/>
-          </p:cNvPicPr>
-          <p:nvPr>
-            <p:ph idx="1"/>
-          </p:nvPr>
-        </p:nvPicPr>
-        <p:blipFill>
-          <a:blip r:embed="rId2"/>
-          <a:stretch>
-            <a:fillRect/>
-          </a:stretch>
-        </p:blipFill>
-        <p:spPr>
-          <a:xfrm>
-            <a:off x="465138" y="1407747"/>
-            <a:ext cx="7920037" cy="2037493"/>
-          </a:xfrm>
-        </p:spPr>
-      </p:pic>
-      <p:sp>
-        <p:nvSpPr>
-          <p:cNvPr id="4" name="Slide Number Placeholder 3">
-            <a:extLst>
-              <a:ext uri="{FF2B5EF4-FFF2-40B4-BE49-F238E27FC236}">
-                <a16:creationId xmlns:a16="http://schemas.microsoft.com/office/drawing/2014/main" id="{77F6B32D-1B94-4791-81B1-928E789F4AD2}"/>
-              </a:ext>
-            </a:extLst>
-          </p:cNvPr>
-          <p:cNvSpPr>
-            <a:spLocks noGrp="1"/>
-          </p:cNvSpPr>
-          <p:nvPr>
-            <p:ph type="sldNum" sz="quarter" idx="12"/>
-          </p:nvPr>
-        </p:nvSpPr>
-        <p:spPr/>
-        <p:txBody>
-          <a:bodyPr/>
-          <a:lstStyle/>
-          <a:p>
-            <a:fld id="{D57F1E4F-1CFF-5643-939E-02111984F565}" type="slidenum">
-              <a:rPr lang="en-US" smtClean="0"/>
-              <a:pPr/>
-              <a:t>31</a:t>
-            </a:fld>
-            <a:endParaRPr lang="en-US" dirty="0"/>
-          </a:p>
-        </p:txBody>
-      </p:sp>
-    </p:spTree>
-    <p:extLst>
-      <p:ext uri="{BB962C8B-B14F-4D97-AF65-F5344CB8AC3E}">
-        <p14:creationId xmlns:p14="http://schemas.microsoft.com/office/powerpoint/2010/main" val="4261077506"/>
-      </p:ext>
-    </p:extLst>
-  </p:cSld>
-  <p:clrMapOvr>
-    <a:masterClrMapping/>
-  </p:clrMapOvr>
-</p:sld>
-</file>
-
-<file path=ppt/slides/slide32.xml><?xml version="1.0" encoding="utf-8"?>
-<p:sld xmlns:a="http://schemas.openxmlformats.org/drawingml/2006/main" xmlns:r="http://schemas.openxmlformats.org/officeDocument/2006/relationships" xmlns:p="http://schemas.openxmlformats.org/presentationml/2006/main">
-  <p:cSld>
-    <p:spTree>
-      <p:nvGrpSpPr>
-        <p:cNvPr id="1" name=""/>
-        <p:cNvGrpSpPr/>
-        <p:nvPr/>
-      </p:nvGrpSpPr>
-      <p:grpSpPr>
-        <a:xfrm>
-          <a:off x="0" y="0"/>
-          <a:ext cx="0" cy="0"/>
-          <a:chOff x="0" y="0"/>
-          <a:chExt cx="0" cy="0"/>
-        </a:xfrm>
-      </p:grpSpPr>
-      <p:sp>
-        <p:nvSpPr>
-          <p:cNvPr id="2" name="Title 1">
-            <a:extLst>
-              <a:ext uri="{FF2B5EF4-FFF2-40B4-BE49-F238E27FC236}">
-                <a16:creationId xmlns:a16="http://schemas.microsoft.com/office/drawing/2014/main" id="{564C969A-91E8-4294-A9F9-B35C9BE26BB1}"/>
-              </a:ext>
-            </a:extLst>
-          </p:cNvPr>
-          <p:cNvSpPr>
-            <a:spLocks noGrp="1"/>
-          </p:cNvSpPr>
-          <p:nvPr>
-            <p:ph type="title"/>
-          </p:nvPr>
-        </p:nvSpPr>
-        <p:spPr/>
-        <p:txBody>
-          <a:bodyPr/>
-          <a:lstStyle/>
-          <a:p>
-            <a:r>
-              <a:rPr lang="en-GB" dirty="0"/>
-              <a:t>Open a pull request </a:t>
-            </a:r>
-          </a:p>
-        </p:txBody>
-      </p:sp>
-      <p:sp>
-        <p:nvSpPr>
-          <p:cNvPr id="4" name="Slide Number Placeholder 3">
-            <a:extLst>
-              <a:ext uri="{FF2B5EF4-FFF2-40B4-BE49-F238E27FC236}">
-                <a16:creationId xmlns:a16="http://schemas.microsoft.com/office/drawing/2014/main" id="{1A1C09A8-664E-4F82-8292-9545F495D89F}"/>
-              </a:ext>
-            </a:extLst>
-          </p:cNvPr>
-          <p:cNvSpPr>
-            <a:spLocks noGrp="1"/>
-          </p:cNvSpPr>
-          <p:nvPr>
-            <p:ph type="sldNum" sz="quarter" idx="12"/>
-          </p:nvPr>
-        </p:nvSpPr>
-        <p:spPr/>
-        <p:txBody>
-          <a:bodyPr/>
-          <a:lstStyle/>
-          <a:p>
-            <a:fld id="{D57F1E4F-1CFF-5643-939E-02111984F565}" type="slidenum">
-              <a:rPr lang="en-US" smtClean="0"/>
-              <a:pPr/>
-              <a:t>32</a:t>
-            </a:fld>
-            <a:endParaRPr lang="en-US" dirty="0"/>
-          </a:p>
-        </p:txBody>
-      </p:sp>
-      <p:pic>
-        <p:nvPicPr>
-          <p:cNvPr id="8" name="Picture 7" descr="Graphical user interface, text, application, email&#10;&#10;Description automatically generated">
-            <a:extLst>
-              <a:ext uri="{FF2B5EF4-FFF2-40B4-BE49-F238E27FC236}">
-                <a16:creationId xmlns:a16="http://schemas.microsoft.com/office/drawing/2014/main" id="{B7B5D06A-006E-47E6-B16E-D1EE8C8D0C44}"/>
-              </a:ext>
-            </a:extLst>
-          </p:cNvPr>
-          <p:cNvPicPr>
-            <a:picLocks noChangeAspect="1"/>
-          </p:cNvPicPr>
-          <p:nvPr/>
-        </p:nvPicPr>
-        <p:blipFill>
-          <a:blip r:embed="rId3"/>
-          <a:stretch>
-            <a:fillRect/>
-          </a:stretch>
-        </p:blipFill>
-        <p:spPr>
-          <a:xfrm>
-            <a:off x="484585" y="1117132"/>
-            <a:ext cx="5230415" cy="3150185"/>
-          </a:xfrm>
-          <a:prstGeom prst="rect">
-            <a:avLst/>
-          </a:prstGeom>
-        </p:spPr>
-      </p:pic>
-    </p:spTree>
-    <p:extLst>
-      <p:ext uri="{BB962C8B-B14F-4D97-AF65-F5344CB8AC3E}">
-        <p14:creationId xmlns:p14="http://schemas.microsoft.com/office/powerpoint/2010/main" val="1748174096"/>
-      </p:ext>
-    </p:extLst>
-  </p:cSld>
-  <p:clrMapOvr>
-    <a:masterClrMapping/>
-  </p:clrMapOvr>
-</p:sld>
-</file>
-
-<file path=ppt/slides/slide33.xml><?xml version="1.0" encoding="utf-8"?>
-<p:sld xmlns:a="http://schemas.openxmlformats.org/drawingml/2006/main" xmlns:r="http://schemas.openxmlformats.org/officeDocument/2006/relationships" xmlns:p="http://schemas.openxmlformats.org/presentationml/2006/main">
-  <p:cSld>
-    <p:spTree>
-      <p:nvGrpSpPr>
-        <p:cNvPr id="1" name=""/>
-        <p:cNvGrpSpPr/>
-        <p:nvPr/>
-      </p:nvGrpSpPr>
-      <p:grpSpPr>
-        <a:xfrm>
-          <a:off x="0" y="0"/>
-          <a:ext cx="0" cy="0"/>
-          <a:chOff x="0" y="0"/>
-          <a:chExt cx="0" cy="0"/>
-        </a:xfrm>
-      </p:grpSpPr>
-      <p:sp>
-        <p:nvSpPr>
-          <p:cNvPr id="2" name="Title 1">
-            <a:extLst>
-              <a:ext uri="{FF2B5EF4-FFF2-40B4-BE49-F238E27FC236}">
                 <a16:creationId xmlns:a16="http://schemas.microsoft.com/office/drawing/2014/main" id="{C3227EB0-4993-46EF-835E-02D14820276B}"/>
               </a:ext>
             </a:extLst>
@@ -16183,7 +16314,7 @@
             <a:fld id="{D57F1E4F-1CFF-5643-939E-02111984F565}" type="slidenum">
               <a:rPr lang="en-US" smtClean="0"/>
               <a:pPr/>
-              <a:t>33</a:t>
+              <a:t>31</a:t>
             </a:fld>
             <a:endParaRPr lang="en-US" dirty="0"/>
           </a:p>
@@ -16319,7 +16450,7 @@
 </p:sld>
 </file>
 
-<file path=ppt/slides/slide34.xml><?xml version="1.0" encoding="utf-8"?>
+<file path=ppt/slides/slide32.xml><?xml version="1.0" encoding="utf-8"?>
 <p:sld xmlns:a="http://schemas.openxmlformats.org/drawingml/2006/main" xmlns:r="http://schemas.openxmlformats.org/officeDocument/2006/relationships" xmlns:p="http://schemas.openxmlformats.org/presentationml/2006/main">
   <p:cSld>
     <p:spTree>
@@ -16388,7 +16519,7 @@
             <a:fld id="{D57F1E4F-1CFF-5643-939E-02111984F565}" type="slidenum">
               <a:rPr lang="en-US" smtClean="0"/>
               <a:pPr/>
-              <a:t>34</a:t>
+              <a:t>32</a:t>
             </a:fld>
             <a:endParaRPr lang="en-US" dirty="0"/>
           </a:p>
@@ -16766,6 +16897,303 @@
 </p:sld>
 </file>
 
+<file path=ppt/slides/slide33.xml><?xml version="1.0" encoding="utf-8"?>
+<p:sld xmlns:a="http://schemas.openxmlformats.org/drawingml/2006/main" xmlns:r="http://schemas.openxmlformats.org/officeDocument/2006/relationships" xmlns:p="http://schemas.openxmlformats.org/presentationml/2006/main">
+  <p:cSld>
+    <p:spTree>
+      <p:nvGrpSpPr>
+        <p:cNvPr id="1" name=""/>
+        <p:cNvGrpSpPr/>
+        <p:nvPr/>
+      </p:nvGrpSpPr>
+      <p:grpSpPr>
+        <a:xfrm>
+          <a:off x="0" y="0"/>
+          <a:ext cx="0" cy="0"/>
+          <a:chOff x="0" y="0"/>
+          <a:chExt cx="0" cy="0"/>
+        </a:xfrm>
+      </p:grpSpPr>
+      <p:sp>
+        <p:nvSpPr>
+          <p:cNvPr id="2" name="Title 1">
+            <a:extLst>
+              <a:ext uri="{FF2B5EF4-FFF2-40B4-BE49-F238E27FC236}">
+                <a16:creationId xmlns:a16="http://schemas.microsoft.com/office/drawing/2014/main" id="{BA771583-BE53-4D1D-8CC0-ACE9E4DE7A20}"/>
+              </a:ext>
+            </a:extLst>
+          </p:cNvPr>
+          <p:cNvSpPr>
+            <a:spLocks noGrp="1"/>
+          </p:cNvSpPr>
+          <p:nvPr>
+            <p:ph type="title"/>
+          </p:nvPr>
+        </p:nvSpPr>
+        <p:spPr/>
+        <p:txBody>
+          <a:bodyPr/>
+          <a:lstStyle/>
+          <a:p>
+            <a:r>
+              <a:rPr lang="en-GB" dirty="0"/>
+              <a:t>Viewing Branches</a:t>
+            </a:r>
+          </a:p>
+        </p:txBody>
+      </p:sp>
+      <p:sp>
+        <p:nvSpPr>
+          <p:cNvPr id="3" name="Content Placeholder 2">
+            <a:extLst>
+              <a:ext uri="{FF2B5EF4-FFF2-40B4-BE49-F238E27FC236}">
+                <a16:creationId xmlns:a16="http://schemas.microsoft.com/office/drawing/2014/main" id="{D9A81AC1-1E74-416D-A459-1FAD037858B1}"/>
+              </a:ext>
+            </a:extLst>
+          </p:cNvPr>
+          <p:cNvSpPr>
+            <a:spLocks noGrp="1"/>
+          </p:cNvSpPr>
+          <p:nvPr>
+            <p:ph idx="1"/>
+          </p:nvPr>
+        </p:nvSpPr>
+        <p:spPr/>
+        <p:txBody>
+          <a:bodyPr/>
+          <a:lstStyle/>
+          <a:p>
+            <a:r>
+              <a:rPr lang="en-GB" dirty="0"/>
+              <a:t>Git branch –</a:t>
+            </a:r>
+            <a:r>
+              <a:rPr lang="en-GB" dirty="0" err="1"/>
+              <a:t>vv</a:t>
+            </a:r>
+            <a:r>
+              <a:rPr lang="en-GB" dirty="0"/>
+              <a:t> </a:t>
+            </a:r>
+          </a:p>
+          <a:p>
+            <a:r>
+              <a:rPr lang="en-GB" dirty="0"/>
+              <a:t>Git branch -a</a:t>
+            </a:r>
+          </a:p>
+        </p:txBody>
+      </p:sp>
+      <p:sp>
+        <p:nvSpPr>
+          <p:cNvPr id="4" name="Slide Number Placeholder 3">
+            <a:extLst>
+              <a:ext uri="{FF2B5EF4-FFF2-40B4-BE49-F238E27FC236}">
+                <a16:creationId xmlns:a16="http://schemas.microsoft.com/office/drawing/2014/main" id="{01F99AC8-E0BB-4CD8-9CCE-FF5CEF5B3AEB}"/>
+              </a:ext>
+            </a:extLst>
+          </p:cNvPr>
+          <p:cNvSpPr>
+            <a:spLocks noGrp="1"/>
+          </p:cNvSpPr>
+          <p:nvPr>
+            <p:ph type="sldNum" sz="quarter" idx="12"/>
+          </p:nvPr>
+        </p:nvSpPr>
+        <p:spPr/>
+        <p:txBody>
+          <a:bodyPr/>
+          <a:lstStyle/>
+          <a:p>
+            <a:fld id="{D57F1E4F-1CFF-5643-939E-02111984F565}" type="slidenum">
+              <a:rPr lang="en-US" smtClean="0"/>
+              <a:pPr/>
+              <a:t>33</a:t>
+            </a:fld>
+            <a:endParaRPr lang="en-US" dirty="0"/>
+          </a:p>
+        </p:txBody>
+      </p:sp>
+    </p:spTree>
+    <p:extLst>
+      <p:ext uri="{BB962C8B-B14F-4D97-AF65-F5344CB8AC3E}">
+        <p14:creationId xmlns:p14="http://schemas.microsoft.com/office/powerpoint/2010/main" val="2279967754"/>
+      </p:ext>
+    </p:extLst>
+  </p:cSld>
+  <p:clrMapOvr>
+    <a:masterClrMapping/>
+  </p:clrMapOvr>
+</p:sld>
+</file>
+
+<file path=ppt/slides/slide34.xml><?xml version="1.0" encoding="utf-8"?>
+<p:sld xmlns:a="http://schemas.openxmlformats.org/drawingml/2006/main" xmlns:r="http://schemas.openxmlformats.org/officeDocument/2006/relationships" xmlns:p="http://schemas.openxmlformats.org/presentationml/2006/main">
+  <p:cSld>
+    <p:spTree>
+      <p:nvGrpSpPr>
+        <p:cNvPr id="1" name=""/>
+        <p:cNvGrpSpPr/>
+        <p:nvPr/>
+      </p:nvGrpSpPr>
+      <p:grpSpPr>
+        <a:xfrm>
+          <a:off x="0" y="0"/>
+          <a:ext cx="0" cy="0"/>
+          <a:chOff x="0" y="0"/>
+          <a:chExt cx="0" cy="0"/>
+        </a:xfrm>
+      </p:grpSpPr>
+      <p:sp>
+        <p:nvSpPr>
+          <p:cNvPr id="2" name="Title 1">
+            <a:extLst>
+              <a:ext uri="{FF2B5EF4-FFF2-40B4-BE49-F238E27FC236}">
+                <a16:creationId xmlns:a16="http://schemas.microsoft.com/office/drawing/2014/main" id="{E50C4A29-C301-4A76-8649-006F5A611AD1}"/>
+              </a:ext>
+            </a:extLst>
+          </p:cNvPr>
+          <p:cNvSpPr>
+            <a:spLocks noGrp="1"/>
+          </p:cNvSpPr>
+          <p:nvPr>
+            <p:ph type="title"/>
+          </p:nvPr>
+        </p:nvSpPr>
+        <p:spPr/>
+        <p:txBody>
+          <a:bodyPr/>
+          <a:lstStyle/>
+          <a:p>
+            <a:r>
+              <a:rPr lang="en-GB" dirty="0"/>
+              <a:t>Creating Branches </a:t>
+            </a:r>
+          </a:p>
+        </p:txBody>
+      </p:sp>
+      <p:sp>
+        <p:nvSpPr>
+          <p:cNvPr id="3" name="Content Placeholder 2">
+            <a:extLst>
+              <a:ext uri="{FF2B5EF4-FFF2-40B4-BE49-F238E27FC236}">
+                <a16:creationId xmlns:a16="http://schemas.microsoft.com/office/drawing/2014/main" id="{C8C7C62D-A84C-4886-B38B-F0496041753E}"/>
+              </a:ext>
+            </a:extLst>
+          </p:cNvPr>
+          <p:cNvSpPr>
+            <a:spLocks noGrp="1"/>
+          </p:cNvSpPr>
+          <p:nvPr>
+            <p:ph idx="1"/>
+          </p:nvPr>
+        </p:nvSpPr>
+        <p:spPr/>
+        <p:txBody>
+          <a:bodyPr/>
+          <a:lstStyle/>
+          <a:p>
+            <a:r>
+              <a:rPr lang="en-GB" dirty="0"/>
+              <a:t>Git branch </a:t>
+            </a:r>
+            <a:r>
+              <a:rPr lang="en-GB" dirty="0" err="1"/>
+              <a:t>branchName</a:t>
+            </a:r>
+            <a:r>
+              <a:rPr lang="en-GB" dirty="0"/>
+              <a:t>  </a:t>
+            </a:r>
+          </a:p>
+          <a:p>
+            <a:r>
+              <a:rPr lang="en-GB" dirty="0"/>
+              <a:t>Git branch </a:t>
+            </a:r>
+          </a:p>
+          <a:p>
+            <a:r>
+              <a:rPr lang="en-GB" dirty="0"/>
+              <a:t>Git checkout –b </a:t>
+            </a:r>
+            <a:r>
+              <a:rPr lang="en-GB" dirty="0" err="1"/>
+              <a:t>branchName</a:t>
+            </a:r>
+            <a:endParaRPr lang="en-GB" dirty="0"/>
+          </a:p>
+          <a:p>
+            <a:r>
+              <a:rPr lang="en-GB" dirty="0"/>
+              <a:t>Git checkout </a:t>
+            </a:r>
+            <a:r>
+              <a:rPr lang="en-GB" dirty="0" err="1"/>
+              <a:t>branchname</a:t>
+            </a:r>
+            <a:endParaRPr lang="en-GB" dirty="0"/>
+          </a:p>
+          <a:p>
+            <a:endParaRPr lang="en-GB" dirty="0"/>
+          </a:p>
+          <a:p>
+            <a:pPr marL="0" indent="0" algn="ctr">
+              <a:buNone/>
+            </a:pPr>
+            <a:r>
+              <a:rPr lang="en-GB" dirty="0"/>
+              <a:t>What is the difference between these commands?  </a:t>
+            </a:r>
+          </a:p>
+          <a:p>
+            <a:endParaRPr lang="en-GB" dirty="0"/>
+          </a:p>
+        </p:txBody>
+      </p:sp>
+      <p:sp>
+        <p:nvSpPr>
+          <p:cNvPr id="4" name="Slide Number Placeholder 3">
+            <a:extLst>
+              <a:ext uri="{FF2B5EF4-FFF2-40B4-BE49-F238E27FC236}">
+                <a16:creationId xmlns:a16="http://schemas.microsoft.com/office/drawing/2014/main" id="{FBCECEDB-CA8C-4415-87E5-1177810829B9}"/>
+              </a:ext>
+            </a:extLst>
+          </p:cNvPr>
+          <p:cNvSpPr>
+            <a:spLocks noGrp="1"/>
+          </p:cNvSpPr>
+          <p:nvPr>
+            <p:ph type="sldNum" sz="quarter" idx="12"/>
+          </p:nvPr>
+        </p:nvSpPr>
+        <p:spPr/>
+        <p:txBody>
+          <a:bodyPr/>
+          <a:lstStyle/>
+          <a:p>
+            <a:fld id="{D57F1E4F-1CFF-5643-939E-02111984F565}" type="slidenum">
+              <a:rPr lang="en-US" smtClean="0"/>
+              <a:pPr/>
+              <a:t>34</a:t>
+            </a:fld>
+            <a:endParaRPr lang="en-US" dirty="0"/>
+          </a:p>
+        </p:txBody>
+      </p:sp>
+    </p:spTree>
+    <p:extLst>
+      <p:ext uri="{BB962C8B-B14F-4D97-AF65-F5344CB8AC3E}">
+        <p14:creationId xmlns:p14="http://schemas.microsoft.com/office/powerpoint/2010/main" val="805120502"/>
+      </p:ext>
+    </p:extLst>
+  </p:cSld>
+  <p:clrMapOvr>
+    <a:masterClrMapping/>
+  </p:clrMapOvr>
+</p:sld>
+</file>
+
 <file path=ppt/slides/slide35.xml><?xml version="1.0" encoding="utf-8"?>
 <p:sld xmlns:a="http://schemas.openxmlformats.org/drawingml/2006/main" xmlns:r="http://schemas.openxmlformats.org/officeDocument/2006/relationships" xmlns:p="http://schemas.openxmlformats.org/presentationml/2006/main">
   <p:cSld>
@@ -16788,7 +17216,7 @@
           <p:cNvPr id="2" name="Title 1">
             <a:extLst>
               <a:ext uri="{FF2B5EF4-FFF2-40B4-BE49-F238E27FC236}">
-                <a16:creationId xmlns:a16="http://schemas.microsoft.com/office/drawing/2014/main" id="{BA771583-BE53-4D1D-8CC0-ACE9E4DE7A20}"/>
+                <a16:creationId xmlns:a16="http://schemas.microsoft.com/office/drawing/2014/main" id="{B297370B-47D4-43B7-4CF6-4B300875A4C2}"/>
               </a:ext>
             </a:extLst>
           </p:cNvPr>
@@ -16801,12 +17229,14 @@
         </p:nvSpPr>
         <p:spPr/>
         <p:txBody>
-          <a:bodyPr/>
-          <a:lstStyle/>
-          <a:p>
-            <a:r>
-              <a:rPr lang="en-GB" dirty="0"/>
-              <a:t>Viewing Branches</a:t>
+          <a:bodyPr>
+            <a:normAutofit fontScale="90000"/>
+          </a:bodyPr>
+          <a:lstStyle/>
+          <a:p>
+            <a:r>
+              <a:rPr lang="en-US" dirty="0"/>
+              <a:t>Task: Create a story using git branches</a:t>
             </a:r>
           </a:p>
         </p:txBody>
@@ -16816,7 +17246,7 @@
           <p:cNvPr id="3" name="Content Placeholder 2">
             <a:extLst>
               <a:ext uri="{FF2B5EF4-FFF2-40B4-BE49-F238E27FC236}">
-                <a16:creationId xmlns:a16="http://schemas.microsoft.com/office/drawing/2014/main" id="{D9A81AC1-1E74-416D-A459-1FAD037858B1}"/>
+                <a16:creationId xmlns:a16="http://schemas.microsoft.com/office/drawing/2014/main" id="{9642B1DA-64F2-8322-EF84-DBF2609B57F0}"/>
               </a:ext>
             </a:extLst>
           </p:cNvPr>
@@ -16829,27 +17259,236 @@
         </p:nvSpPr>
         <p:spPr/>
         <p:txBody>
-          <a:bodyPr/>
-          <a:lstStyle/>
-          <a:p>
-            <a:r>
-              <a:rPr lang="en-GB" dirty="0"/>
-              <a:t>Git branch –</a:t>
-            </a:r>
-            <a:r>
-              <a:rPr lang="en-GB" dirty="0" err="1"/>
-              <a:t>vv</a:t>
-            </a:r>
-            <a:r>
-              <a:rPr lang="en-GB" dirty="0"/>
-              <a:t> </a:t>
-            </a:r>
-          </a:p>
-          <a:p>
-            <a:r>
-              <a:rPr lang="en-GB" dirty="0"/>
-              <a:t>Git branch -a</a:t>
-            </a:r>
+          <a:bodyPr>
+            <a:normAutofit fontScale="92500"/>
+          </a:bodyPr>
+          <a:lstStyle/>
+          <a:p>
+            <a:pPr algn="l">
+              <a:buFont typeface="+mj-lt"/>
+              <a:buAutoNum type="arabicPeriod"/>
+            </a:pPr>
+            <a:r>
+              <a:rPr lang="en-GB" sz="2000" b="1" i="0" u="none" strike="noStrike" dirty="0">
+                <a:solidFill>
+                  <a:srgbClr val="212121"/>
+                </a:solidFill>
+                <a:effectLst/>
+                <a:latin typeface="+mn-lt"/>
+              </a:rPr>
+              <a:t>Setup:</a:t>
+            </a:r>
+            <a:endParaRPr lang="en-GB" sz="2000" b="0" i="0" u="none" strike="noStrike" dirty="0">
+              <a:solidFill>
+                <a:srgbClr val="212121"/>
+              </a:solidFill>
+              <a:effectLst/>
+              <a:latin typeface="+mn-lt"/>
+            </a:endParaRPr>
+          </a:p>
+          <a:p>
+            <a:pPr marL="742950" lvl="1" indent="-285750" algn="l">
+              <a:buFont typeface="Courier New" panose="02070309020205020404" pitchFamily="49" charset="0"/>
+              <a:buChar char="o"/>
+            </a:pPr>
+            <a:r>
+              <a:rPr lang="en-GB" b="0" i="0" u="none" strike="noStrike" dirty="0">
+                <a:solidFill>
+                  <a:srgbClr val="212121"/>
+                </a:solidFill>
+                <a:effectLst/>
+                <a:latin typeface="+mn-lt"/>
+              </a:rPr>
+              <a:t>Create a new git repository remotely and locally, then connect them. </a:t>
+            </a:r>
+          </a:p>
+          <a:p>
+            <a:pPr algn="l">
+              <a:buFont typeface="+mj-lt"/>
+              <a:buAutoNum type="arabicPeriod"/>
+            </a:pPr>
+            <a:r>
+              <a:rPr lang="en-GB" sz="2000" b="1" i="0" u="none" strike="noStrike" dirty="0">
+                <a:solidFill>
+                  <a:srgbClr val="212121"/>
+                </a:solidFill>
+                <a:effectLst/>
+                <a:latin typeface="+mn-lt"/>
+              </a:rPr>
+              <a:t>Create the Main Story:</a:t>
+            </a:r>
+            <a:endParaRPr lang="en-GB" sz="2000" b="0" i="0" u="none" strike="noStrike" dirty="0">
+              <a:solidFill>
+                <a:srgbClr val="212121"/>
+              </a:solidFill>
+              <a:effectLst/>
+              <a:latin typeface="+mn-lt"/>
+            </a:endParaRPr>
+          </a:p>
+          <a:p>
+            <a:pPr marL="742950" lvl="1" indent="-285750" algn="l">
+              <a:buFont typeface="Courier New" panose="02070309020205020404" pitchFamily="49" charset="0"/>
+              <a:buChar char="o"/>
+            </a:pPr>
+            <a:r>
+              <a:rPr lang="en-GB" b="0" i="0" u="none" strike="noStrike" dirty="0">
+                <a:solidFill>
+                  <a:srgbClr val="212121"/>
+                </a:solidFill>
+                <a:effectLst/>
+                <a:latin typeface="+mn-lt"/>
+              </a:rPr>
+              <a:t>Create a new file named </a:t>
+            </a:r>
+            <a:r>
+              <a:rPr lang="en-GB" b="0" i="0" u="none" strike="noStrike" dirty="0" err="1">
+                <a:solidFill>
+                  <a:srgbClr val="212121"/>
+                </a:solidFill>
+                <a:effectLst/>
+                <a:latin typeface="+mn-lt"/>
+              </a:rPr>
+              <a:t>story.txt</a:t>
+            </a:r>
+            <a:r>
+              <a:rPr lang="en-GB" b="0" i="0" u="none" strike="noStrike" dirty="0">
+                <a:solidFill>
+                  <a:srgbClr val="212121"/>
+                </a:solidFill>
+                <a:effectLst/>
+                <a:latin typeface="+mn-lt"/>
+              </a:rPr>
+              <a:t> and write the beginning of a story. </a:t>
+            </a:r>
+          </a:p>
+          <a:p>
+            <a:pPr marL="742950" lvl="1" indent="-285750" algn="l">
+              <a:buFont typeface="Courier New" panose="02070309020205020404" pitchFamily="49" charset="0"/>
+              <a:buChar char="o"/>
+            </a:pPr>
+            <a:r>
+              <a:rPr lang="en-GB" b="0" i="0" u="none" strike="noStrike" dirty="0">
+                <a:solidFill>
+                  <a:srgbClr val="212121"/>
+                </a:solidFill>
+                <a:effectLst/>
+                <a:latin typeface="+mn-lt"/>
+              </a:rPr>
+              <a:t>Save and commit the story. </a:t>
+            </a:r>
+          </a:p>
+          <a:p>
+            <a:pPr algn="l">
+              <a:buFont typeface="+mj-lt"/>
+              <a:buAutoNum type="arabicPeriod"/>
+            </a:pPr>
+            <a:r>
+              <a:rPr lang="en-GB" sz="2000" b="1" i="0" u="none" strike="noStrike" dirty="0">
+                <a:solidFill>
+                  <a:srgbClr val="212121"/>
+                </a:solidFill>
+                <a:effectLst/>
+                <a:latin typeface="+mn-lt"/>
+              </a:rPr>
+              <a:t>Create a Branch for each chapter / section ( have at least three):</a:t>
+            </a:r>
+            <a:endParaRPr lang="en-GB" sz="2000" b="0" i="0" u="none" strike="noStrike" dirty="0">
+              <a:solidFill>
+                <a:srgbClr val="212121"/>
+              </a:solidFill>
+              <a:effectLst/>
+              <a:latin typeface="+mn-lt"/>
+            </a:endParaRPr>
+          </a:p>
+          <a:p>
+            <a:pPr algn="l">
+              <a:buFont typeface="+mj-lt"/>
+              <a:buAutoNum type="arabicPeriod"/>
+            </a:pPr>
+            <a:r>
+              <a:rPr lang="en-GB" sz="2000" b="1" i="0" u="none" strike="noStrike" dirty="0">
+                <a:solidFill>
+                  <a:srgbClr val="212121"/>
+                </a:solidFill>
+                <a:effectLst/>
+                <a:latin typeface="+mn-lt"/>
+              </a:rPr>
+              <a:t>Develop each section </a:t>
+            </a:r>
+            <a:endParaRPr lang="en-GB" sz="2000" b="0" i="0" u="none" strike="noStrike" dirty="0">
+              <a:solidFill>
+                <a:srgbClr val="212121"/>
+              </a:solidFill>
+              <a:effectLst/>
+              <a:latin typeface="+mn-lt"/>
+            </a:endParaRPr>
+          </a:p>
+          <a:p>
+            <a:pPr algn="l">
+              <a:buFont typeface="+mj-lt"/>
+              <a:buAutoNum type="arabicPeriod"/>
+            </a:pPr>
+            <a:r>
+              <a:rPr lang="en-GB" sz="2000" b="1" i="0" u="none" strike="noStrike" dirty="0">
+                <a:solidFill>
+                  <a:srgbClr val="212121"/>
+                </a:solidFill>
+                <a:effectLst/>
+                <a:latin typeface="+mn-lt"/>
+              </a:rPr>
+              <a:t>Review the different Storylines (using checkout):</a:t>
+            </a:r>
+          </a:p>
+          <a:p>
+            <a:pPr algn="l">
+              <a:buFont typeface="+mj-lt"/>
+              <a:buAutoNum type="arabicPeriod"/>
+            </a:pPr>
+            <a:r>
+              <a:rPr lang="en-GB" sz="2000" b="1" dirty="0">
+                <a:solidFill>
+                  <a:srgbClr val="212121"/>
+                </a:solidFill>
+                <a:latin typeface="+mn-lt"/>
+              </a:rPr>
+              <a:t>Push everything together. </a:t>
+            </a:r>
+          </a:p>
+          <a:p>
+            <a:pPr algn="l">
+              <a:buFont typeface="+mj-lt"/>
+              <a:buAutoNum type="arabicPeriod"/>
+            </a:pPr>
+            <a:r>
+              <a:rPr lang="en-GB" sz="2000" b="1" i="0" u="none" strike="noStrike" dirty="0">
+                <a:solidFill>
+                  <a:srgbClr val="212121"/>
+                </a:solidFill>
+                <a:effectLst/>
+                <a:latin typeface="+mn-lt"/>
+              </a:rPr>
+              <a:t>Clone a friends story </a:t>
+            </a:r>
+            <a:endParaRPr lang="en-GB" sz="2000" b="0" i="0" u="none" strike="noStrike" dirty="0">
+              <a:solidFill>
+                <a:srgbClr val="212121"/>
+              </a:solidFill>
+              <a:effectLst/>
+              <a:latin typeface="+mn-lt"/>
+            </a:endParaRPr>
+          </a:p>
+          <a:p>
+            <a:pPr indent="-285750">
+              <a:buFont typeface="Courier New" panose="02070309020205020404" pitchFamily="49" charset="0"/>
+              <a:buChar char="o"/>
+            </a:pPr>
+            <a:endParaRPr lang="en-GB" sz="1500" b="0" i="0" u="none" strike="noStrike" dirty="0">
+              <a:solidFill>
+                <a:srgbClr val="212121"/>
+              </a:solidFill>
+              <a:effectLst/>
+              <a:latin typeface="Calibri" panose="020F0502020204030204" pitchFamily="34" charset="0"/>
+            </a:endParaRPr>
           </a:p>
         </p:txBody>
       </p:sp>
@@ -16858,7 +17497,7 @@
           <p:cNvPr id="4" name="Slide Number Placeholder 3">
             <a:extLst>
               <a:ext uri="{FF2B5EF4-FFF2-40B4-BE49-F238E27FC236}">
-                <a16:creationId xmlns:a16="http://schemas.microsoft.com/office/drawing/2014/main" id="{01F99AC8-E0BB-4CD8-9CCE-FF5CEF5B3AEB}"/>
+                <a16:creationId xmlns:a16="http://schemas.microsoft.com/office/drawing/2014/main" id="{12A91BF3-D98A-4F96-1AC3-2ACBFFC6E881}"/>
               </a:ext>
             </a:extLst>
           </p:cNvPr>
@@ -16886,7 +17525,7 @@
     </p:spTree>
     <p:extLst>
       <p:ext uri="{BB962C8B-B14F-4D97-AF65-F5344CB8AC3E}">
-        <p14:creationId xmlns:p14="http://schemas.microsoft.com/office/powerpoint/2010/main" val="2279967754"/>
+        <p14:creationId xmlns:p14="http://schemas.microsoft.com/office/powerpoint/2010/main" val="2812945731"/>
       </p:ext>
     </p:extLst>
   </p:cSld>
@@ -16915,10 +17554,10 @@
       </p:grpSpPr>
       <p:sp>
         <p:nvSpPr>
-          <p:cNvPr id="2" name="Title 1">
+          <p:cNvPr id="5" name="Title 4">
             <a:extLst>
               <a:ext uri="{FF2B5EF4-FFF2-40B4-BE49-F238E27FC236}">
-                <a16:creationId xmlns:a16="http://schemas.microsoft.com/office/drawing/2014/main" id="{E50C4A29-C301-4A76-8649-006F5A611AD1}"/>
+                <a16:creationId xmlns:a16="http://schemas.microsoft.com/office/drawing/2014/main" id="{8C1E2546-12C8-46D4-AD48-28D22F2F5F56}"/>
               </a:ext>
             </a:extLst>
           </p:cNvPr>
@@ -16936,17 +17575,17 @@
           <a:p>
             <a:r>
               <a:rPr lang="en-GB" dirty="0"/>
-              <a:t>Creating Branches </a:t>
-            </a:r>
-          </a:p>
-        </p:txBody>
-      </p:sp>
-      <p:sp>
-        <p:nvSpPr>
-          <p:cNvPr id="3" name="Content Placeholder 2">
+              <a:t>Git pull </a:t>
+            </a:r>
+          </a:p>
+        </p:txBody>
+      </p:sp>
+      <p:sp>
+        <p:nvSpPr>
+          <p:cNvPr id="6" name="Text Placeholder 5">
             <a:extLst>
               <a:ext uri="{FF2B5EF4-FFF2-40B4-BE49-F238E27FC236}">
-                <a16:creationId xmlns:a16="http://schemas.microsoft.com/office/drawing/2014/main" id="{C8C7C62D-A84C-4886-B38B-F0496041753E}"/>
+                <a16:creationId xmlns:a16="http://schemas.microsoft.com/office/drawing/2014/main" id="{907F55E3-523E-429C-91B2-E84367E9B3B8}"/>
               </a:ext>
             </a:extLst>
           </p:cNvPr>
@@ -16959,95 +17598,58 @@
         </p:nvSpPr>
         <p:spPr/>
         <p:txBody>
+          <a:bodyPr>
+            <a:normAutofit/>
+          </a:bodyPr>
+          <a:lstStyle/>
+          <a:p>
+            <a:r>
+              <a:rPr lang="en-GB" sz="1800" dirty="0"/>
+              <a:t>Git pull will bring changes that have been made to a repository into your machine. </a:t>
+            </a:r>
+          </a:p>
+          <a:p>
+            <a:r>
+              <a:rPr lang="en-GB" sz="1800" dirty="0"/>
+              <a:t>It is a joint command of fetch and merge. It synchronises your local repository with the remote one. </a:t>
+            </a:r>
+          </a:p>
+          <a:p>
+            <a:r>
+              <a:rPr lang="en-GB" sz="1800" dirty="0"/>
+              <a:t>When pulling on the main: pull requests are a signal that the developer is finished working on that branch and wishes to integrate it with the main branch.  </a:t>
+            </a:r>
+          </a:p>
+        </p:txBody>
+      </p:sp>
+      <p:sp>
+        <p:nvSpPr>
+          <p:cNvPr id="4" name="Slide Number Placeholder 3"/>
+          <p:cNvSpPr>
+            <a:spLocks noGrp="1"/>
+          </p:cNvSpPr>
+          <p:nvPr>
+            <p:ph type="sldNum" sz="quarter" idx="12"/>
+          </p:nvPr>
+        </p:nvSpPr>
+        <p:spPr/>
+        <p:txBody>
           <a:bodyPr/>
           <a:lstStyle/>
           <a:p>
-            <a:r>
-              <a:rPr lang="en-GB" dirty="0"/>
-              <a:t>Git branch </a:t>
-            </a:r>
-            <a:r>
-              <a:rPr lang="en-GB" dirty="0" err="1"/>
-              <a:t>branchName</a:t>
-            </a:r>
-            <a:endParaRPr lang="en-GB" dirty="0"/>
-          </a:p>
-          <a:p>
-            <a:r>
-              <a:rPr lang="en-GB" dirty="0"/>
-              <a:t>Git checkout –b </a:t>
-            </a:r>
-            <a:r>
-              <a:rPr lang="en-GB" dirty="0" err="1"/>
-              <a:t>branchName</a:t>
-            </a:r>
-            <a:r>
-              <a:rPr lang="en-GB" dirty="0"/>
-              <a:t> </a:t>
-            </a:r>
-          </a:p>
-          <a:p>
-            <a:r>
-              <a:rPr lang="en-GB" dirty="0"/>
-              <a:t>Git checkout </a:t>
-            </a:r>
-            <a:r>
-              <a:rPr lang="en-GB" dirty="0" err="1"/>
-              <a:t>branchname</a:t>
-            </a:r>
-            <a:endParaRPr lang="en-GB" dirty="0"/>
-          </a:p>
-          <a:p>
-            <a:endParaRPr lang="en-GB" dirty="0"/>
-          </a:p>
-          <a:p>
-            <a:pPr marL="0" indent="0" algn="ctr">
-              <a:buNone/>
-            </a:pPr>
-            <a:r>
-              <a:rPr lang="en-GB" dirty="0"/>
-              <a:t>What is the difference between these three commands?  </a:t>
-            </a:r>
-          </a:p>
-          <a:p>
-            <a:endParaRPr lang="en-GB" dirty="0"/>
-          </a:p>
-        </p:txBody>
-      </p:sp>
-      <p:sp>
-        <p:nvSpPr>
-          <p:cNvPr id="4" name="Slide Number Placeholder 3">
-            <a:extLst>
-              <a:ext uri="{FF2B5EF4-FFF2-40B4-BE49-F238E27FC236}">
-                <a16:creationId xmlns:a16="http://schemas.microsoft.com/office/drawing/2014/main" id="{FBCECEDB-CA8C-4415-87E5-1177810829B9}"/>
-              </a:ext>
-            </a:extLst>
-          </p:cNvPr>
-          <p:cNvSpPr>
-            <a:spLocks noGrp="1"/>
-          </p:cNvSpPr>
-          <p:nvPr>
-            <p:ph type="sldNum" sz="quarter" idx="12"/>
-          </p:nvPr>
-        </p:nvSpPr>
-        <p:spPr/>
-        <p:txBody>
-          <a:bodyPr/>
-          <a:lstStyle/>
-          <a:p>
-            <a:fld id="{D57F1E4F-1CFF-5643-939E-02111984F565}" type="slidenum">
-              <a:rPr lang="en-US" smtClean="0"/>
+            <a:fld id="{A82AD956-1430-46BB-93C5-FEC803E7C388}" type="slidenum">
+              <a:rPr lang="bs-Latn-BA" smtClean="0"/>
               <a:pPr/>
               <a:t>36</a:t>
             </a:fld>
-            <a:endParaRPr lang="en-US" dirty="0"/>
+            <a:endParaRPr lang="bs-Latn-BA"/>
           </a:p>
         </p:txBody>
       </p:sp>
     </p:spTree>
     <p:extLst>
       <p:ext uri="{BB962C8B-B14F-4D97-AF65-F5344CB8AC3E}">
-        <p14:creationId xmlns:p14="http://schemas.microsoft.com/office/powerpoint/2010/main" val="805120502"/>
+        <p14:creationId xmlns:p14="http://schemas.microsoft.com/office/powerpoint/2010/main" val="1907351695"/>
       </p:ext>
     </p:extLst>
   </p:cSld>
@@ -17079,6 +17681,241 @@
           <p:cNvPr id="2" name="Title 1">
             <a:extLst>
               <a:ext uri="{FF2B5EF4-FFF2-40B4-BE49-F238E27FC236}">
+                <a16:creationId xmlns:a16="http://schemas.microsoft.com/office/drawing/2014/main" id="{6FF9C14D-043B-44C7-BA71-92F295CB451D}"/>
+              </a:ext>
+            </a:extLst>
+          </p:cNvPr>
+          <p:cNvSpPr>
+            <a:spLocks noGrp="1"/>
+          </p:cNvSpPr>
+          <p:nvPr>
+            <p:ph type="title"/>
+          </p:nvPr>
+        </p:nvSpPr>
+        <p:spPr/>
+        <p:txBody>
+          <a:bodyPr/>
+          <a:lstStyle/>
+          <a:p>
+            <a:r>
+              <a:rPr lang="en-GB" dirty="0"/>
+              <a:t>Git pull</a:t>
+            </a:r>
+          </a:p>
+        </p:txBody>
+      </p:sp>
+      <p:pic>
+        <p:nvPicPr>
+          <p:cNvPr id="6" name="Content Placeholder 5" descr="Graphical user interface, text, application, email&#10;&#10;Description automatically generated">
+            <a:extLst>
+              <a:ext uri="{FF2B5EF4-FFF2-40B4-BE49-F238E27FC236}">
+                <a16:creationId xmlns:a16="http://schemas.microsoft.com/office/drawing/2014/main" id="{F0FCB649-B630-400B-9DB2-59295ED4D6D5}"/>
+              </a:ext>
+            </a:extLst>
+          </p:cNvPr>
+          <p:cNvPicPr>
+            <a:picLocks noGrp="1" noChangeAspect="1"/>
+          </p:cNvPicPr>
+          <p:nvPr>
+            <p:ph idx="1"/>
+          </p:nvPr>
+        </p:nvPicPr>
+        <p:blipFill>
+          <a:blip r:embed="rId2"/>
+          <a:stretch>
+            <a:fillRect/>
+          </a:stretch>
+        </p:blipFill>
+        <p:spPr>
+          <a:xfrm>
+            <a:off x="465138" y="1407747"/>
+            <a:ext cx="7920037" cy="2037493"/>
+          </a:xfrm>
+        </p:spPr>
+      </p:pic>
+      <p:sp>
+        <p:nvSpPr>
+          <p:cNvPr id="4" name="Slide Number Placeholder 3">
+            <a:extLst>
+              <a:ext uri="{FF2B5EF4-FFF2-40B4-BE49-F238E27FC236}">
+                <a16:creationId xmlns:a16="http://schemas.microsoft.com/office/drawing/2014/main" id="{77F6B32D-1B94-4791-81B1-928E789F4AD2}"/>
+              </a:ext>
+            </a:extLst>
+          </p:cNvPr>
+          <p:cNvSpPr>
+            <a:spLocks noGrp="1"/>
+          </p:cNvSpPr>
+          <p:nvPr>
+            <p:ph type="sldNum" sz="quarter" idx="12"/>
+          </p:nvPr>
+        </p:nvSpPr>
+        <p:spPr/>
+        <p:txBody>
+          <a:bodyPr/>
+          <a:lstStyle/>
+          <a:p>
+            <a:fld id="{D57F1E4F-1CFF-5643-939E-02111984F565}" type="slidenum">
+              <a:rPr lang="en-US" smtClean="0"/>
+              <a:pPr/>
+              <a:t>37</a:t>
+            </a:fld>
+            <a:endParaRPr lang="en-US" dirty="0"/>
+          </a:p>
+        </p:txBody>
+      </p:sp>
+    </p:spTree>
+    <p:extLst>
+      <p:ext uri="{BB962C8B-B14F-4D97-AF65-F5344CB8AC3E}">
+        <p14:creationId xmlns:p14="http://schemas.microsoft.com/office/powerpoint/2010/main" val="243771680"/>
+      </p:ext>
+    </p:extLst>
+  </p:cSld>
+  <p:clrMapOvr>
+    <a:masterClrMapping/>
+  </p:clrMapOvr>
+</p:sld>
+</file>
+
+<file path=ppt/slides/slide38.xml><?xml version="1.0" encoding="utf-8"?>
+<p:sld xmlns:a="http://schemas.openxmlformats.org/drawingml/2006/main" xmlns:r="http://schemas.openxmlformats.org/officeDocument/2006/relationships" xmlns:p="http://schemas.openxmlformats.org/presentationml/2006/main">
+  <p:cSld>
+    <p:spTree>
+      <p:nvGrpSpPr>
+        <p:cNvPr id="1" name=""/>
+        <p:cNvGrpSpPr/>
+        <p:nvPr/>
+      </p:nvGrpSpPr>
+      <p:grpSpPr>
+        <a:xfrm>
+          <a:off x="0" y="0"/>
+          <a:ext cx="0" cy="0"/>
+          <a:chOff x="0" y="0"/>
+          <a:chExt cx="0" cy="0"/>
+        </a:xfrm>
+      </p:grpSpPr>
+      <p:sp>
+        <p:nvSpPr>
+          <p:cNvPr id="2" name="Title 1">
+            <a:extLst>
+              <a:ext uri="{FF2B5EF4-FFF2-40B4-BE49-F238E27FC236}">
+                <a16:creationId xmlns:a16="http://schemas.microsoft.com/office/drawing/2014/main" id="{564C969A-91E8-4294-A9F9-B35C9BE26BB1}"/>
+              </a:ext>
+            </a:extLst>
+          </p:cNvPr>
+          <p:cNvSpPr>
+            <a:spLocks noGrp="1"/>
+          </p:cNvSpPr>
+          <p:nvPr>
+            <p:ph type="title"/>
+          </p:nvPr>
+        </p:nvSpPr>
+        <p:spPr/>
+        <p:txBody>
+          <a:bodyPr/>
+          <a:lstStyle/>
+          <a:p>
+            <a:r>
+              <a:rPr lang="en-GB" dirty="0"/>
+              <a:t>Open a pull request </a:t>
+            </a:r>
+          </a:p>
+        </p:txBody>
+      </p:sp>
+      <p:sp>
+        <p:nvSpPr>
+          <p:cNvPr id="4" name="Slide Number Placeholder 3">
+            <a:extLst>
+              <a:ext uri="{FF2B5EF4-FFF2-40B4-BE49-F238E27FC236}">
+                <a16:creationId xmlns:a16="http://schemas.microsoft.com/office/drawing/2014/main" id="{1A1C09A8-664E-4F82-8292-9545F495D89F}"/>
+              </a:ext>
+            </a:extLst>
+          </p:cNvPr>
+          <p:cNvSpPr>
+            <a:spLocks noGrp="1"/>
+          </p:cNvSpPr>
+          <p:nvPr>
+            <p:ph type="sldNum" sz="quarter" idx="12"/>
+          </p:nvPr>
+        </p:nvSpPr>
+        <p:spPr/>
+        <p:txBody>
+          <a:bodyPr/>
+          <a:lstStyle/>
+          <a:p>
+            <a:fld id="{D57F1E4F-1CFF-5643-939E-02111984F565}" type="slidenum">
+              <a:rPr lang="en-US" smtClean="0"/>
+              <a:pPr/>
+              <a:t>38</a:t>
+            </a:fld>
+            <a:endParaRPr lang="en-US" dirty="0"/>
+          </a:p>
+        </p:txBody>
+      </p:sp>
+      <p:pic>
+        <p:nvPicPr>
+          <p:cNvPr id="8" name="Picture 7" descr="Graphical user interface, text, application, email&#10;&#10;Description automatically generated">
+            <a:extLst>
+              <a:ext uri="{FF2B5EF4-FFF2-40B4-BE49-F238E27FC236}">
+                <a16:creationId xmlns:a16="http://schemas.microsoft.com/office/drawing/2014/main" id="{B7B5D06A-006E-47E6-B16E-D1EE8C8D0C44}"/>
+              </a:ext>
+            </a:extLst>
+          </p:cNvPr>
+          <p:cNvPicPr>
+            <a:picLocks noChangeAspect="1"/>
+          </p:cNvPicPr>
+          <p:nvPr/>
+        </p:nvPicPr>
+        <p:blipFill>
+          <a:blip r:embed="rId3"/>
+          <a:stretch>
+            <a:fillRect/>
+          </a:stretch>
+        </p:blipFill>
+        <p:spPr>
+          <a:xfrm>
+            <a:off x="484585" y="1117132"/>
+            <a:ext cx="5230415" cy="3150185"/>
+          </a:xfrm>
+          <a:prstGeom prst="rect">
+            <a:avLst/>
+          </a:prstGeom>
+        </p:spPr>
+      </p:pic>
+    </p:spTree>
+    <p:extLst>
+      <p:ext uri="{BB962C8B-B14F-4D97-AF65-F5344CB8AC3E}">
+        <p14:creationId xmlns:p14="http://schemas.microsoft.com/office/powerpoint/2010/main" val="122330475"/>
+      </p:ext>
+    </p:extLst>
+  </p:cSld>
+  <p:clrMapOvr>
+    <a:masterClrMapping/>
+  </p:clrMapOvr>
+</p:sld>
+</file>
+
+<file path=ppt/slides/slide39.xml><?xml version="1.0" encoding="utf-8"?>
+<p:sld xmlns:a="http://schemas.openxmlformats.org/drawingml/2006/main" xmlns:r="http://schemas.openxmlformats.org/officeDocument/2006/relationships" xmlns:p="http://schemas.openxmlformats.org/presentationml/2006/main">
+  <p:cSld>
+    <p:spTree>
+      <p:nvGrpSpPr>
+        <p:cNvPr id="1" name=""/>
+        <p:cNvGrpSpPr/>
+        <p:nvPr/>
+      </p:nvGrpSpPr>
+      <p:grpSpPr>
+        <a:xfrm>
+          <a:off x="0" y="0"/>
+          <a:ext cx="0" cy="0"/>
+          <a:chOff x="0" y="0"/>
+          <a:chExt cx="0" cy="0"/>
+        </a:xfrm>
+      </p:grpSpPr>
+      <p:sp>
+        <p:nvSpPr>
+          <p:cNvPr id="2" name="Title 1">
+            <a:extLst>
+              <a:ext uri="{FF2B5EF4-FFF2-40B4-BE49-F238E27FC236}">
                 <a16:creationId xmlns:a16="http://schemas.microsoft.com/office/drawing/2014/main" id="{39C8C750-3FDE-4FE4-93A2-D3B8AB7037FD}"/>
               </a:ext>
             </a:extLst>
@@ -17154,7 +17991,7 @@
             <a:fld id="{D57F1E4F-1CFF-5643-939E-02111984F565}" type="slidenum">
               <a:rPr lang="en-US" smtClean="0"/>
               <a:pPr/>
-              <a:t>37</a:t>
+              <a:t>39</a:t>
             </a:fld>
             <a:endParaRPr lang="en-US" dirty="0"/>
           </a:p>
@@ -17859,519 +18696,6 @@
         <p14:creationId xmlns:p14="http://schemas.microsoft.com/office/powerpoint/2010/main" val="4212285105"/>
       </p:ext>
     </p:extLst>
-  </p:cSld>
-  <p:clrMapOvr>
-    <a:masterClrMapping/>
-  </p:clrMapOvr>
-</p:sld>
-</file>
-
-<file path=ppt/slides/slide38.xml><?xml version="1.0" encoding="utf-8"?>
-<p:sld xmlns:a="http://schemas.openxmlformats.org/drawingml/2006/main" xmlns:r="http://schemas.openxmlformats.org/officeDocument/2006/relationships" xmlns:p="http://schemas.openxmlformats.org/presentationml/2006/main">
-  <p:cSld>
-    <p:spTree>
-      <p:nvGrpSpPr>
-        <p:cNvPr id="1" name=""/>
-        <p:cNvGrpSpPr/>
-        <p:nvPr/>
-      </p:nvGrpSpPr>
-      <p:grpSpPr>
-        <a:xfrm>
-          <a:off x="0" y="0"/>
-          <a:ext cx="0" cy="0"/>
-          <a:chOff x="0" y="0"/>
-          <a:chExt cx="0" cy="0"/>
-        </a:xfrm>
-      </p:grpSpPr>
-      <p:sp>
-        <p:nvSpPr>
-          <p:cNvPr id="2" name="Title 1">
-            <a:extLst>
-              <a:ext uri="{FF2B5EF4-FFF2-40B4-BE49-F238E27FC236}">
-                <a16:creationId xmlns:a16="http://schemas.microsoft.com/office/drawing/2014/main" id="{B297370B-47D4-43B7-4CF6-4B300875A4C2}"/>
-              </a:ext>
-            </a:extLst>
-          </p:cNvPr>
-          <p:cNvSpPr>
-            <a:spLocks noGrp="1"/>
-          </p:cNvSpPr>
-          <p:nvPr>
-            <p:ph type="title"/>
-          </p:nvPr>
-        </p:nvSpPr>
-        <p:spPr/>
-        <p:txBody>
-          <a:bodyPr>
-            <a:normAutofit fontScale="90000"/>
-          </a:bodyPr>
-          <a:lstStyle/>
-          <a:p>
-            <a:r>
-              <a:rPr lang="en-US" dirty="0"/>
-              <a:t>Task: Create a story using git branches</a:t>
-            </a:r>
-          </a:p>
-        </p:txBody>
-      </p:sp>
-      <p:sp>
-        <p:nvSpPr>
-          <p:cNvPr id="3" name="Content Placeholder 2">
-            <a:extLst>
-              <a:ext uri="{FF2B5EF4-FFF2-40B4-BE49-F238E27FC236}">
-                <a16:creationId xmlns:a16="http://schemas.microsoft.com/office/drawing/2014/main" id="{9642B1DA-64F2-8322-EF84-DBF2609B57F0}"/>
-              </a:ext>
-            </a:extLst>
-          </p:cNvPr>
-          <p:cNvSpPr>
-            <a:spLocks noGrp="1"/>
-          </p:cNvSpPr>
-          <p:nvPr>
-            <p:ph idx="1"/>
-          </p:nvPr>
-        </p:nvSpPr>
-        <p:spPr/>
-        <p:txBody>
-          <a:bodyPr>
-            <a:normAutofit fontScale="92500"/>
-          </a:bodyPr>
-          <a:lstStyle/>
-          <a:p>
-            <a:pPr algn="l">
-              <a:buFont typeface="+mj-lt"/>
-              <a:buAutoNum type="arabicPeriod"/>
-            </a:pPr>
-            <a:r>
-              <a:rPr lang="en-GB" sz="2000" b="1" i="0" u="none" strike="noStrike" dirty="0">
-                <a:solidFill>
-                  <a:srgbClr val="212121"/>
-                </a:solidFill>
-                <a:effectLst/>
-                <a:latin typeface="+mn-lt"/>
-              </a:rPr>
-              <a:t>Setup:</a:t>
-            </a:r>
-            <a:endParaRPr lang="en-GB" sz="2000" b="0" i="0" u="none" strike="noStrike" dirty="0">
-              <a:solidFill>
-                <a:srgbClr val="212121"/>
-              </a:solidFill>
-              <a:effectLst/>
-              <a:latin typeface="+mn-lt"/>
-            </a:endParaRPr>
-          </a:p>
-          <a:p>
-            <a:pPr marL="742950" lvl="1" indent="-285750" algn="l">
-              <a:buFont typeface="Courier New" panose="02070309020205020404" pitchFamily="49" charset="0"/>
-              <a:buChar char="o"/>
-            </a:pPr>
-            <a:r>
-              <a:rPr lang="en-GB" b="0" i="0" u="none" strike="noStrike" dirty="0">
-                <a:solidFill>
-                  <a:srgbClr val="212121"/>
-                </a:solidFill>
-                <a:effectLst/>
-                <a:latin typeface="+mn-lt"/>
-              </a:rPr>
-              <a:t>Create a new git repository remotely and locally, then connect them. </a:t>
-            </a:r>
-          </a:p>
-          <a:p>
-            <a:pPr algn="l">
-              <a:buFont typeface="+mj-lt"/>
-              <a:buAutoNum type="arabicPeriod"/>
-            </a:pPr>
-            <a:r>
-              <a:rPr lang="en-GB" sz="2000" b="1" i="0" u="none" strike="noStrike" dirty="0">
-                <a:solidFill>
-                  <a:srgbClr val="212121"/>
-                </a:solidFill>
-                <a:effectLst/>
-                <a:latin typeface="+mn-lt"/>
-              </a:rPr>
-              <a:t>Create the Main Story:</a:t>
-            </a:r>
-            <a:endParaRPr lang="en-GB" sz="2000" b="0" i="0" u="none" strike="noStrike" dirty="0">
-              <a:solidFill>
-                <a:srgbClr val="212121"/>
-              </a:solidFill>
-              <a:effectLst/>
-              <a:latin typeface="+mn-lt"/>
-            </a:endParaRPr>
-          </a:p>
-          <a:p>
-            <a:pPr marL="742950" lvl="1" indent="-285750" algn="l">
-              <a:buFont typeface="Courier New" panose="02070309020205020404" pitchFamily="49" charset="0"/>
-              <a:buChar char="o"/>
-            </a:pPr>
-            <a:r>
-              <a:rPr lang="en-GB" b="0" i="0" u="none" strike="noStrike" dirty="0">
-                <a:solidFill>
-                  <a:srgbClr val="212121"/>
-                </a:solidFill>
-                <a:effectLst/>
-                <a:latin typeface="+mn-lt"/>
-              </a:rPr>
-              <a:t>Create a new file named </a:t>
-            </a:r>
-            <a:r>
-              <a:rPr lang="en-GB" b="0" i="0" u="none" strike="noStrike" dirty="0" err="1">
-                <a:solidFill>
-                  <a:srgbClr val="212121"/>
-                </a:solidFill>
-                <a:effectLst/>
-                <a:latin typeface="+mn-lt"/>
-              </a:rPr>
-              <a:t>story.txt</a:t>
-            </a:r>
-            <a:r>
-              <a:rPr lang="en-GB" b="0" i="0" u="none" strike="noStrike" dirty="0">
-                <a:solidFill>
-                  <a:srgbClr val="212121"/>
-                </a:solidFill>
-                <a:effectLst/>
-                <a:latin typeface="+mn-lt"/>
-              </a:rPr>
-              <a:t> and write the beginning of a story. </a:t>
-            </a:r>
-          </a:p>
-          <a:p>
-            <a:pPr marL="742950" lvl="1" indent="-285750" algn="l">
-              <a:buFont typeface="Courier New" panose="02070309020205020404" pitchFamily="49" charset="0"/>
-              <a:buChar char="o"/>
-            </a:pPr>
-            <a:r>
-              <a:rPr lang="en-GB" b="0" i="0" u="none" strike="noStrike" dirty="0">
-                <a:solidFill>
-                  <a:srgbClr val="212121"/>
-                </a:solidFill>
-                <a:effectLst/>
-                <a:latin typeface="+mn-lt"/>
-              </a:rPr>
-              <a:t>Save and commit the story. </a:t>
-            </a:r>
-          </a:p>
-          <a:p>
-            <a:pPr algn="l">
-              <a:buFont typeface="+mj-lt"/>
-              <a:buAutoNum type="arabicPeriod"/>
-            </a:pPr>
-            <a:r>
-              <a:rPr lang="en-GB" sz="2000" b="1" i="0" u="none" strike="noStrike" dirty="0">
-                <a:solidFill>
-                  <a:srgbClr val="212121"/>
-                </a:solidFill>
-                <a:effectLst/>
-                <a:latin typeface="+mn-lt"/>
-              </a:rPr>
-              <a:t>Create a Branch for each chapter / section ( have at least three):</a:t>
-            </a:r>
-            <a:endParaRPr lang="en-GB" sz="2000" b="0" i="0" u="none" strike="noStrike" dirty="0">
-              <a:solidFill>
-                <a:srgbClr val="212121"/>
-              </a:solidFill>
-              <a:effectLst/>
-              <a:latin typeface="+mn-lt"/>
-            </a:endParaRPr>
-          </a:p>
-          <a:p>
-            <a:pPr algn="l">
-              <a:buFont typeface="+mj-lt"/>
-              <a:buAutoNum type="arabicPeriod"/>
-            </a:pPr>
-            <a:r>
-              <a:rPr lang="en-GB" sz="2000" b="1" i="0" u="none" strike="noStrike" dirty="0">
-                <a:solidFill>
-                  <a:srgbClr val="212121"/>
-                </a:solidFill>
-                <a:effectLst/>
-                <a:latin typeface="+mn-lt"/>
-              </a:rPr>
-              <a:t>Develop each section </a:t>
-            </a:r>
-            <a:endParaRPr lang="en-GB" sz="2000" b="0" i="0" u="none" strike="noStrike" dirty="0">
-              <a:solidFill>
-                <a:srgbClr val="212121"/>
-              </a:solidFill>
-              <a:effectLst/>
-              <a:latin typeface="+mn-lt"/>
-            </a:endParaRPr>
-          </a:p>
-          <a:p>
-            <a:pPr algn="l">
-              <a:buFont typeface="+mj-lt"/>
-              <a:buAutoNum type="arabicPeriod"/>
-            </a:pPr>
-            <a:r>
-              <a:rPr lang="en-GB" sz="2000" b="1" i="0" u="none" strike="noStrike" dirty="0">
-                <a:solidFill>
-                  <a:srgbClr val="212121"/>
-                </a:solidFill>
-                <a:effectLst/>
-                <a:latin typeface="+mn-lt"/>
-              </a:rPr>
-              <a:t>Review the different Storylines (using checkout):</a:t>
-            </a:r>
-          </a:p>
-          <a:p>
-            <a:pPr algn="l">
-              <a:buFont typeface="+mj-lt"/>
-              <a:buAutoNum type="arabicPeriod"/>
-            </a:pPr>
-            <a:r>
-              <a:rPr lang="en-GB" sz="2000" b="1" dirty="0">
-                <a:solidFill>
-                  <a:srgbClr val="212121"/>
-                </a:solidFill>
-                <a:latin typeface="+mn-lt"/>
-              </a:rPr>
-              <a:t>Push everything together. </a:t>
-            </a:r>
-          </a:p>
-          <a:p>
-            <a:pPr algn="l">
-              <a:buFont typeface="+mj-lt"/>
-              <a:buAutoNum type="arabicPeriod"/>
-            </a:pPr>
-            <a:r>
-              <a:rPr lang="en-GB" sz="2000" b="1" i="0" u="none" strike="noStrike" dirty="0">
-                <a:solidFill>
-                  <a:srgbClr val="212121"/>
-                </a:solidFill>
-                <a:effectLst/>
-                <a:latin typeface="+mn-lt"/>
-              </a:rPr>
-              <a:t>Clone a friends story </a:t>
-            </a:r>
-            <a:endParaRPr lang="en-GB" sz="2000" b="0" i="0" u="none" strike="noStrike" dirty="0">
-              <a:solidFill>
-                <a:srgbClr val="212121"/>
-              </a:solidFill>
-              <a:effectLst/>
-              <a:latin typeface="+mn-lt"/>
-            </a:endParaRPr>
-          </a:p>
-          <a:p>
-            <a:pPr indent="-285750">
-              <a:buFont typeface="Courier New" panose="02070309020205020404" pitchFamily="49" charset="0"/>
-              <a:buChar char="o"/>
-            </a:pPr>
-            <a:endParaRPr lang="en-GB" sz="1500" b="0" i="0" u="none" strike="noStrike" dirty="0">
-              <a:solidFill>
-                <a:srgbClr val="212121"/>
-              </a:solidFill>
-              <a:effectLst/>
-              <a:latin typeface="Calibri" panose="020F0502020204030204" pitchFamily="34" charset="0"/>
-            </a:endParaRPr>
-          </a:p>
-        </p:txBody>
-      </p:sp>
-      <p:sp>
-        <p:nvSpPr>
-          <p:cNvPr id="4" name="Slide Number Placeholder 3">
-            <a:extLst>
-              <a:ext uri="{FF2B5EF4-FFF2-40B4-BE49-F238E27FC236}">
-                <a16:creationId xmlns:a16="http://schemas.microsoft.com/office/drawing/2014/main" id="{12A91BF3-D98A-4F96-1AC3-2ACBFFC6E881}"/>
-              </a:ext>
-            </a:extLst>
-          </p:cNvPr>
-          <p:cNvSpPr>
-            <a:spLocks noGrp="1"/>
-          </p:cNvSpPr>
-          <p:nvPr>
-            <p:ph type="sldNum" sz="quarter" idx="12"/>
-          </p:nvPr>
-        </p:nvSpPr>
-        <p:spPr/>
-        <p:txBody>
-          <a:bodyPr/>
-          <a:lstStyle/>
-          <a:p>
-            <a:fld id="{D57F1E4F-1CFF-5643-939E-02111984F565}" type="slidenum">
-              <a:rPr lang="en-US" smtClean="0"/>
-              <a:pPr/>
-              <a:t>38</a:t>
-            </a:fld>
-            <a:endParaRPr lang="en-US" dirty="0"/>
-          </a:p>
-        </p:txBody>
-      </p:sp>
-    </p:spTree>
-    <p:extLst>
-      <p:ext uri="{BB962C8B-B14F-4D97-AF65-F5344CB8AC3E}">
-        <p14:creationId xmlns:p14="http://schemas.microsoft.com/office/powerpoint/2010/main" val="2812945731"/>
-      </p:ext>
-    </p:extLst>
-  </p:cSld>
-  <p:clrMapOvr>
-    <a:masterClrMapping/>
-  </p:clrMapOvr>
-</p:sld>
-</file>
-
-<file path=ppt/slides/slide39.xml><?xml version="1.0" encoding="utf-8"?>
-<p:sld xmlns:a="http://schemas.openxmlformats.org/drawingml/2006/main" xmlns:r="http://schemas.openxmlformats.org/officeDocument/2006/relationships" xmlns:p="http://schemas.openxmlformats.org/presentationml/2006/main">
-  <p:cSld>
-    <p:spTree>
-      <p:nvGrpSpPr>
-        <p:cNvPr id="1" name=""/>
-        <p:cNvGrpSpPr/>
-        <p:nvPr/>
-      </p:nvGrpSpPr>
-      <p:grpSpPr>
-        <a:xfrm>
-          <a:off x="0" y="0"/>
-          <a:ext cx="0" cy="0"/>
-          <a:chOff x="0" y="0"/>
-          <a:chExt cx="0" cy="0"/>
-        </a:xfrm>
-      </p:grpSpPr>
-      <p:sp>
-        <p:nvSpPr>
-          <p:cNvPr id="5" name="Title 4"/>
-          <p:cNvSpPr>
-            <a:spLocks noGrp="1"/>
-          </p:cNvSpPr>
-          <p:nvPr>
-            <p:ph type="title"/>
-          </p:nvPr>
-        </p:nvSpPr>
-        <p:spPr>
-          <a:xfrm>
-            <a:off x="457200" y="456395"/>
-            <a:ext cx="8229600" cy="857250"/>
-          </a:xfrm>
-        </p:spPr>
-        <p:txBody>
-          <a:bodyPr/>
-          <a:lstStyle/>
-          <a:p>
-            <a:r>
-              <a:rPr lang="en-US" dirty="0">
-                <a:solidFill>
-                  <a:schemeClr val="tx2"/>
-                </a:solidFill>
-              </a:rPr>
-              <a:t>Finished everything? Try this…. </a:t>
-            </a:r>
-            <a:endParaRPr lang="bs-Latn-BA" dirty="0">
-              <a:solidFill>
-                <a:schemeClr val="tx2"/>
-              </a:solidFill>
-            </a:endParaRPr>
-          </a:p>
-        </p:txBody>
-      </p:sp>
-      <p:sp>
-        <p:nvSpPr>
-          <p:cNvPr id="6" name="Text Placeholder 5"/>
-          <p:cNvSpPr>
-            <a:spLocks noGrp="1"/>
-          </p:cNvSpPr>
-          <p:nvPr>
-            <p:ph type="body" idx="1"/>
-          </p:nvPr>
-        </p:nvSpPr>
-        <p:spPr>
-          <a:xfrm>
-            <a:off x="546518" y="1313645"/>
-            <a:ext cx="8229600" cy="2827257"/>
-          </a:xfrm>
-        </p:spPr>
-        <p:txBody>
-          <a:bodyPr>
-            <a:noAutofit/>
-          </a:bodyPr>
-          <a:lstStyle/>
-          <a:p>
-            <a:pPr marL="0" indent="0">
-              <a:buNone/>
-            </a:pPr>
-            <a:r>
-              <a:rPr lang="en-US" sz="2000" dirty="0">
-                <a:hlinkClick r:id="rId2"/>
-              </a:rPr>
-              <a:t>Research specifying git pull </a:t>
-            </a:r>
-          </a:p>
-          <a:p>
-            <a:pPr marL="0" indent="0">
-              <a:buNone/>
-            </a:pPr>
-            <a:endParaRPr lang="en-US" sz="2000" dirty="0">
-              <a:hlinkClick r:id="rId2"/>
-            </a:endParaRPr>
-          </a:p>
-          <a:p>
-            <a:pPr marL="0" indent="0">
-              <a:buNone/>
-            </a:pPr>
-            <a:r>
-              <a:rPr lang="en-US" sz="2000" dirty="0">
-                <a:hlinkClick r:id="rId2"/>
-              </a:rPr>
-              <a:t>Research git merging </a:t>
-            </a:r>
-          </a:p>
-          <a:p>
-            <a:pPr marL="0" indent="0">
-              <a:buNone/>
-            </a:pPr>
-            <a:endParaRPr lang="en-US" sz="2000" dirty="0">
-              <a:hlinkClick r:id="rId2"/>
-            </a:endParaRPr>
-          </a:p>
-          <a:p>
-            <a:pPr marL="0" indent="0">
-              <a:buNone/>
-            </a:pPr>
-            <a:r>
-              <a:rPr lang="en-US" sz="2000">
-                <a:hlinkClick r:id="rId2"/>
-              </a:rPr>
-              <a:t>Git tutorial: https</a:t>
-            </a:r>
-            <a:r>
-              <a:rPr lang="en-US" sz="2000" dirty="0">
-                <a:hlinkClick r:id="rId2"/>
-              </a:rPr>
-              <a:t>://tinyurl.com/bdcsckhz</a:t>
-            </a:r>
-            <a:r>
-              <a:rPr lang="en-GB" sz="1400" dirty="0">
-                <a:latin typeface="Open Sans" panose="020B0606030504020204" pitchFamily="34" charset="0"/>
-                <a:ea typeface="Open Sans" panose="020B0606030504020204" pitchFamily="34" charset="0"/>
-                <a:cs typeface="Open Sans" panose="020B0606030504020204" pitchFamily="34" charset="0"/>
-              </a:rPr>
-              <a:t> </a:t>
-            </a:r>
-            <a:endParaRPr lang="en-US" sz="2000" dirty="0"/>
-          </a:p>
-        </p:txBody>
-      </p:sp>
-      <p:sp>
-        <p:nvSpPr>
-          <p:cNvPr id="4" name="Slide Number Placeholder 3"/>
-          <p:cNvSpPr>
-            <a:spLocks noGrp="1"/>
-          </p:cNvSpPr>
-          <p:nvPr>
-            <p:ph type="sldNum" sz="quarter" idx="12"/>
-          </p:nvPr>
-        </p:nvSpPr>
-        <p:spPr/>
-        <p:txBody>
-          <a:bodyPr/>
-          <a:lstStyle/>
-          <a:p>
-            <a:fld id="{A82AD956-1430-46BB-93C5-FEC803E7C388}" type="slidenum">
-              <a:rPr lang="bs-Latn-BA" smtClean="0"/>
-              <a:pPr/>
-              <a:t>39</a:t>
-            </a:fld>
-            <a:endParaRPr lang="bs-Latn-BA"/>
-          </a:p>
-        </p:txBody>
-      </p:sp>
-    </p:spTree>
   </p:cSld>
   <p:clrMapOvr>
     <a:masterClrMapping/>
@@ -19048,6 +19372,178 @@
       </p:par>
     </p:tnLst>
   </p:timing>
+</p:sld>
+</file>
+
+<file path=ppt/slides/slide40.xml><?xml version="1.0" encoding="utf-8"?>
+<p:sld xmlns:a="http://schemas.openxmlformats.org/drawingml/2006/main" xmlns:r="http://schemas.openxmlformats.org/officeDocument/2006/relationships" xmlns:p="http://schemas.openxmlformats.org/presentationml/2006/main">
+  <p:cSld>
+    <p:spTree>
+      <p:nvGrpSpPr>
+        <p:cNvPr id="1" name=""/>
+        <p:cNvGrpSpPr/>
+        <p:nvPr/>
+      </p:nvGrpSpPr>
+      <p:grpSpPr>
+        <a:xfrm>
+          <a:off x="0" y="0"/>
+          <a:ext cx="0" cy="0"/>
+          <a:chOff x="0" y="0"/>
+          <a:chExt cx="0" cy="0"/>
+        </a:xfrm>
+      </p:grpSpPr>
+      <p:sp>
+        <p:nvSpPr>
+          <p:cNvPr id="5" name="Title 4"/>
+          <p:cNvSpPr>
+            <a:spLocks noGrp="1"/>
+          </p:cNvSpPr>
+          <p:nvPr>
+            <p:ph type="title"/>
+          </p:nvPr>
+        </p:nvSpPr>
+        <p:spPr>
+          <a:xfrm>
+            <a:off x="457200" y="456395"/>
+            <a:ext cx="8229600" cy="857250"/>
+          </a:xfrm>
+        </p:spPr>
+        <p:txBody>
+          <a:bodyPr/>
+          <a:lstStyle/>
+          <a:p>
+            <a:r>
+              <a:rPr lang="en-US" dirty="0">
+                <a:solidFill>
+                  <a:schemeClr val="tx2"/>
+                </a:solidFill>
+              </a:rPr>
+              <a:t>Finished everything? Try this…. </a:t>
+            </a:r>
+            <a:endParaRPr lang="bs-Latn-BA" dirty="0">
+              <a:solidFill>
+                <a:schemeClr val="tx2"/>
+              </a:solidFill>
+            </a:endParaRPr>
+          </a:p>
+        </p:txBody>
+      </p:sp>
+      <p:sp>
+        <p:nvSpPr>
+          <p:cNvPr id="6" name="Text Placeholder 5"/>
+          <p:cNvSpPr>
+            <a:spLocks noGrp="1"/>
+          </p:cNvSpPr>
+          <p:nvPr>
+            <p:ph type="body" idx="1"/>
+          </p:nvPr>
+        </p:nvSpPr>
+        <p:spPr>
+          <a:xfrm>
+            <a:off x="546518" y="1313645"/>
+            <a:ext cx="8229600" cy="2827257"/>
+          </a:xfrm>
+        </p:spPr>
+        <p:txBody>
+          <a:bodyPr>
+            <a:noAutofit/>
+          </a:bodyPr>
+          <a:lstStyle/>
+          <a:p>
+            <a:pPr marL="0" indent="0">
+              <a:buNone/>
+            </a:pPr>
+            <a:r>
+              <a:rPr lang="en-US" sz="2000" dirty="0">
+                <a:hlinkClick r:id="rId2"/>
+              </a:rPr>
+              <a:t>Research specifying git pull </a:t>
+            </a:r>
+          </a:p>
+          <a:p>
+            <a:pPr marL="0" indent="0">
+              <a:buNone/>
+            </a:pPr>
+            <a:endParaRPr lang="en-US" sz="2000" dirty="0">
+              <a:hlinkClick r:id="rId2"/>
+            </a:endParaRPr>
+          </a:p>
+          <a:p>
+            <a:pPr marL="0" indent="0">
+              <a:buNone/>
+            </a:pPr>
+            <a:r>
+              <a:rPr lang="en-US" sz="2000" dirty="0">
+                <a:hlinkClick r:id="rId2"/>
+              </a:rPr>
+              <a:t>Research git merging </a:t>
+            </a:r>
+          </a:p>
+          <a:p>
+            <a:pPr marL="0" indent="0">
+              <a:buNone/>
+            </a:pPr>
+            <a:endParaRPr lang="en-US" sz="2000" dirty="0">
+              <a:hlinkClick r:id="rId2"/>
+            </a:endParaRPr>
+          </a:p>
+          <a:p>
+            <a:pPr marL="0" indent="0">
+              <a:buNone/>
+            </a:pPr>
+            <a:r>
+              <a:rPr lang="en-US" sz="2000">
+                <a:hlinkClick r:id="rId2"/>
+              </a:rPr>
+              <a:t>Git tutorial: https</a:t>
+            </a:r>
+            <a:r>
+              <a:rPr lang="en-US" sz="2000" dirty="0">
+                <a:hlinkClick r:id="rId2"/>
+              </a:rPr>
+              <a:t>://tinyurl.com/bdcsckhz</a:t>
+            </a:r>
+            <a:r>
+              <a:rPr lang="en-GB" sz="1400" dirty="0">
+                <a:latin typeface="Open Sans" panose="020B0606030504020204" pitchFamily="34" charset="0"/>
+                <a:ea typeface="Open Sans" panose="020B0606030504020204" pitchFamily="34" charset="0"/>
+                <a:cs typeface="Open Sans" panose="020B0606030504020204" pitchFamily="34" charset="0"/>
+              </a:rPr>
+              <a:t> </a:t>
+            </a:r>
+            <a:endParaRPr lang="en-US" sz="2000" dirty="0"/>
+          </a:p>
+        </p:txBody>
+      </p:sp>
+      <p:sp>
+        <p:nvSpPr>
+          <p:cNvPr id="4" name="Slide Number Placeholder 3"/>
+          <p:cNvSpPr>
+            <a:spLocks noGrp="1"/>
+          </p:cNvSpPr>
+          <p:nvPr>
+            <p:ph type="sldNum" sz="quarter" idx="12"/>
+          </p:nvPr>
+        </p:nvSpPr>
+        <p:spPr/>
+        <p:txBody>
+          <a:bodyPr/>
+          <a:lstStyle/>
+          <a:p>
+            <a:fld id="{A82AD956-1430-46BB-93C5-FEC803E7C388}" type="slidenum">
+              <a:rPr lang="bs-Latn-BA" smtClean="0"/>
+              <a:pPr/>
+              <a:t>40</a:t>
+            </a:fld>
+            <a:endParaRPr lang="bs-Latn-BA"/>
+          </a:p>
+        </p:txBody>
+      </p:sp>
+    </p:spTree>
+  </p:cSld>
+  <p:clrMapOvr>
+    <a:masterClrMapping/>
+  </p:clrMapOvr>
 </p:sld>
 </file>
 

--- a/Introduction to Version Control.pptx
+++ b/Introduction to Version Control.pptx
@@ -5,10 +5,10 @@
     <p:sldMasterId id="2147483648" r:id="rId1"/>
   </p:sldMasterIdLst>
   <p:notesMasterIdLst>
-    <p:notesMasterId r:id="rId42"/>
+    <p:notesMasterId r:id="rId43"/>
   </p:notesMasterIdLst>
   <p:handoutMasterIdLst>
-    <p:handoutMasterId r:id="rId43"/>
+    <p:handoutMasterId r:id="rId44"/>
   </p:handoutMasterIdLst>
   <p:sldIdLst>
     <p:sldId id="265" r:id="rId2"/>
@@ -16,41 +16,42 @@
     <p:sldId id="447" r:id="rId4"/>
     <p:sldId id="389" r:id="rId5"/>
     <p:sldId id="446" r:id="rId6"/>
-    <p:sldId id="452" r:id="rId7"/>
+    <p:sldId id="457" r:id="rId7"/>
     <p:sldId id="445" r:id="rId8"/>
     <p:sldId id="394" r:id="rId9"/>
-    <p:sldId id="448" r:id="rId10"/>
-    <p:sldId id="441" r:id="rId11"/>
-    <p:sldId id="438" r:id="rId12"/>
-    <p:sldId id="421" r:id="rId13"/>
-    <p:sldId id="450" r:id="rId14"/>
-    <p:sldId id="449" r:id="rId15"/>
-    <p:sldId id="422" r:id="rId16"/>
-    <p:sldId id="425" r:id="rId17"/>
-    <p:sldId id="453" r:id="rId18"/>
-    <p:sldId id="423" r:id="rId19"/>
-    <p:sldId id="424" r:id="rId20"/>
-    <p:sldId id="442" r:id="rId21"/>
-    <p:sldId id="426" r:id="rId22"/>
-    <p:sldId id="395" r:id="rId23"/>
-    <p:sldId id="414" r:id="rId24"/>
-    <p:sldId id="415" r:id="rId25"/>
-    <p:sldId id="419" r:id="rId26"/>
-    <p:sldId id="416" r:id="rId27"/>
-    <p:sldId id="417" r:id="rId28"/>
-    <p:sldId id="420" r:id="rId29"/>
-    <p:sldId id="454" r:id="rId30"/>
-    <p:sldId id="386" r:id="rId31"/>
-    <p:sldId id="436" r:id="rId32"/>
-    <p:sldId id="443" r:id="rId33"/>
-    <p:sldId id="439" r:id="rId34"/>
-    <p:sldId id="440" r:id="rId35"/>
+    <p:sldId id="441" r:id="rId10"/>
+    <p:sldId id="438" r:id="rId11"/>
+    <p:sldId id="421" r:id="rId12"/>
+    <p:sldId id="450" r:id="rId13"/>
+    <p:sldId id="449" r:id="rId14"/>
+    <p:sldId id="422" r:id="rId15"/>
+    <p:sldId id="425" r:id="rId16"/>
+    <p:sldId id="453" r:id="rId17"/>
+    <p:sldId id="423" r:id="rId18"/>
+    <p:sldId id="424" r:id="rId19"/>
+    <p:sldId id="442" r:id="rId20"/>
+    <p:sldId id="426" r:id="rId21"/>
+    <p:sldId id="395" r:id="rId22"/>
+    <p:sldId id="414" r:id="rId23"/>
+    <p:sldId id="415" r:id="rId24"/>
+    <p:sldId id="419" r:id="rId25"/>
+    <p:sldId id="416" r:id="rId26"/>
+    <p:sldId id="417" r:id="rId27"/>
+    <p:sldId id="420" r:id="rId28"/>
+    <p:sldId id="454" r:id="rId29"/>
+    <p:sldId id="386" r:id="rId30"/>
+    <p:sldId id="436" r:id="rId31"/>
+    <p:sldId id="443" r:id="rId32"/>
+    <p:sldId id="439" r:id="rId33"/>
+    <p:sldId id="440" r:id="rId34"/>
+    <p:sldId id="456" r:id="rId35"/>
     <p:sldId id="451" r:id="rId36"/>
-    <p:sldId id="387" r:id="rId37"/>
-    <p:sldId id="430" r:id="rId38"/>
-    <p:sldId id="431" r:id="rId39"/>
-    <p:sldId id="437" r:id="rId40"/>
-    <p:sldId id="397" r:id="rId41"/>
+    <p:sldId id="455" r:id="rId37"/>
+    <p:sldId id="387" r:id="rId38"/>
+    <p:sldId id="430" r:id="rId39"/>
+    <p:sldId id="431" r:id="rId40"/>
+    <p:sldId id="437" r:id="rId41"/>
+    <p:sldId id="397" r:id="rId42"/>
   </p:sldIdLst>
   <p:sldSz cx="9144000" cy="5143500" type="screen16x9"/>
   <p:notesSz cx="6858000" cy="9144000"/>
@@ -171,7 +172,7 @@
 <file path=ppt/revisionInfo.xml><?xml version="1.0" encoding="utf-8"?>
 <p1510:revInfo xmlns:a="http://schemas.openxmlformats.org/drawingml/2006/main" xmlns:r="http://schemas.openxmlformats.org/officeDocument/2006/relationships" xmlns:p1510="http://schemas.microsoft.com/office/powerpoint/2015/10/main">
   <p1510:revLst>
-    <p1510:client id="{2BB880AB-3602-4C89-99DC-CB8EFB0EE825}" v="13" dt="2023-07-28T16:00:01.556"/>
+    <p1510:client id="{2BB880AB-3602-4C89-99DC-CB8EFB0EE825}" v="48" dt="2023-08-01T10:32:44.010"/>
   </p1510:revLst>
 </p1510:revInfo>
 </file>
@@ -603,7 +604,7 @@
   <pc:docChgLst>
     <pc:chgData name="CROSBY, RYAN" userId="d329d70d-8452-427b-967f-7cff56055148" providerId="ADAL" clId="{2BB880AB-3602-4C89-99DC-CB8EFB0EE825}"/>
     <pc:docChg chg="undo redo custSel addSld delSld modSld sldOrd">
-      <pc:chgData name="CROSBY, RYAN" userId="d329d70d-8452-427b-967f-7cff56055148" providerId="ADAL" clId="{2BB880AB-3602-4C89-99DC-CB8EFB0EE825}" dt="2023-07-28T16:00:06.443" v="1467" actId="478"/>
+      <pc:chgData name="CROSBY, RYAN" userId="d329d70d-8452-427b-967f-7cff56055148" providerId="ADAL" clId="{2BB880AB-3602-4C89-99DC-CB8EFB0EE825}" dt="2023-08-01T10:32:44.010" v="1504" actId="1076"/>
       <pc:docMkLst>
         <pc:docMk/>
       </pc:docMkLst>
@@ -629,6 +630,21 @@
             <ac:picMk id="4" creationId="{8FAA91FA-DA04-94DB-32F5-EB9BCC050486}"/>
           </ac:picMkLst>
         </pc:picChg>
+      </pc:sldChg>
+      <pc:sldChg chg="modSp mod">
+        <pc:chgData name="CROSBY, RYAN" userId="d329d70d-8452-427b-967f-7cff56055148" providerId="ADAL" clId="{2BB880AB-3602-4C89-99DC-CB8EFB0EE825}" dt="2023-08-01T10:26:25.856" v="1485" actId="20577"/>
+        <pc:sldMkLst>
+          <pc:docMk/>
+          <pc:sldMk cId="1907351695" sldId="387"/>
+        </pc:sldMkLst>
+        <pc:spChg chg="mod">
+          <ac:chgData name="CROSBY, RYAN" userId="d329d70d-8452-427b-967f-7cff56055148" providerId="ADAL" clId="{2BB880AB-3602-4C89-99DC-CB8EFB0EE825}" dt="2023-08-01T10:26:25.856" v="1485" actId="20577"/>
+          <ac:spMkLst>
+            <pc:docMk/>
+            <pc:sldMk cId="1907351695" sldId="387"/>
+            <ac:spMk id="6" creationId="{907F55E3-523E-429C-91B2-E84367E9B3B8}"/>
+          </ac:spMkLst>
+        </pc:spChg>
       </pc:sldChg>
       <pc:sldChg chg="del">
         <pc:chgData name="CROSBY, RYAN" userId="d329d70d-8452-427b-967f-7cff56055148" providerId="ADAL" clId="{2BB880AB-3602-4C89-99DC-CB8EFB0EE825}" dt="2023-07-24T13:09:09.531" v="1134" actId="2696"/>
@@ -918,6 +934,53 @@
           <pc:docMk/>
           <pc:sldMk cId="4184851089" sldId="429"/>
         </pc:sldMkLst>
+      </pc:sldChg>
+      <pc:sldChg chg="addSp delSp modSp mod">
+        <pc:chgData name="CROSBY, RYAN" userId="d329d70d-8452-427b-967f-7cff56055148" providerId="ADAL" clId="{2BB880AB-3602-4C89-99DC-CB8EFB0EE825}" dt="2023-08-01T10:27:56.917" v="1495" actId="962"/>
+        <pc:sldMkLst>
+          <pc:docMk/>
+          <pc:sldMk cId="243771680" sldId="430"/>
+        </pc:sldMkLst>
+        <pc:spChg chg="add del mod">
+          <ac:chgData name="CROSBY, RYAN" userId="d329d70d-8452-427b-967f-7cff56055148" providerId="ADAL" clId="{2BB880AB-3602-4C89-99DC-CB8EFB0EE825}" dt="2023-08-01T10:26:49.271" v="1487" actId="931"/>
+          <ac:spMkLst>
+            <pc:docMk/>
+            <pc:sldMk cId="243771680" sldId="430"/>
+            <ac:spMk id="5" creationId="{E4C83F1A-D12D-C014-F024-A7EF55EDD9F1}"/>
+          </ac:spMkLst>
+        </pc:spChg>
+        <pc:spChg chg="add del mod">
+          <ac:chgData name="CROSBY, RYAN" userId="d329d70d-8452-427b-967f-7cff56055148" providerId="ADAL" clId="{2BB880AB-3602-4C89-99DC-CB8EFB0EE825}" dt="2023-08-01T10:27:56.417" v="1493"/>
+          <ac:spMkLst>
+            <pc:docMk/>
+            <pc:sldMk cId="243771680" sldId="430"/>
+            <ac:spMk id="10" creationId="{BA966130-0C13-7C1A-74E6-FF3AF2D8EA29}"/>
+          </ac:spMkLst>
+        </pc:spChg>
+        <pc:picChg chg="del">
+          <ac:chgData name="CROSBY, RYAN" userId="d329d70d-8452-427b-967f-7cff56055148" providerId="ADAL" clId="{2BB880AB-3602-4C89-99DC-CB8EFB0EE825}" dt="2023-08-01T10:26:35.273" v="1486" actId="478"/>
+          <ac:picMkLst>
+            <pc:docMk/>
+            <pc:sldMk cId="243771680" sldId="430"/>
+            <ac:picMk id="6" creationId="{F0FCB649-B630-400B-9DB2-59295ED4D6D5}"/>
+          </ac:picMkLst>
+        </pc:picChg>
+        <pc:picChg chg="add del mod">
+          <ac:chgData name="CROSBY, RYAN" userId="d329d70d-8452-427b-967f-7cff56055148" providerId="ADAL" clId="{2BB880AB-3602-4C89-99DC-CB8EFB0EE825}" dt="2023-08-01T10:27:50.150" v="1492" actId="478"/>
+          <ac:picMkLst>
+            <pc:docMk/>
+            <pc:sldMk cId="243771680" sldId="430"/>
+            <ac:picMk id="8" creationId="{2C86F34A-307A-3B08-A163-FEC2BB2BE503}"/>
+          </ac:picMkLst>
+        </pc:picChg>
+        <pc:picChg chg="add mod">
+          <ac:chgData name="CROSBY, RYAN" userId="d329d70d-8452-427b-967f-7cff56055148" providerId="ADAL" clId="{2BB880AB-3602-4C89-99DC-CB8EFB0EE825}" dt="2023-08-01T10:27:56.917" v="1495" actId="962"/>
+          <ac:picMkLst>
+            <pc:docMk/>
+            <pc:sldMk cId="243771680" sldId="430"/>
+            <ac:picMk id="12" creationId="{A52957EE-2E57-25CC-C1A6-A613EAFD098A}"/>
+          </ac:picMkLst>
+        </pc:picChg>
       </pc:sldChg>
       <pc:sldChg chg="del">
         <pc:chgData name="CROSBY, RYAN" userId="d329d70d-8452-427b-967f-7cff56055148" providerId="ADAL" clId="{2BB880AB-3602-4C89-99DC-CB8EFB0EE825}" dt="2023-07-26T14:46:18.033" v="1238" actId="2696"/>
@@ -1276,6 +1339,60 @@
           </ac:picMkLst>
         </pc:picChg>
       </pc:sldChg>
+      <pc:sldChg chg="addSp delSp modSp new mod">
+        <pc:chgData name="CROSBY, RYAN" userId="d329d70d-8452-427b-967f-7cff56055148" providerId="ADAL" clId="{2BB880AB-3602-4C89-99DC-CB8EFB0EE825}" dt="2023-08-01T10:28:19.207" v="1499" actId="962"/>
+        <pc:sldMkLst>
+          <pc:docMk/>
+          <pc:sldMk cId="196429111" sldId="455"/>
+        </pc:sldMkLst>
+        <pc:spChg chg="del">
+          <ac:chgData name="CROSBY, RYAN" userId="d329d70d-8452-427b-967f-7cff56055148" providerId="ADAL" clId="{2BB880AB-3602-4C89-99DC-CB8EFB0EE825}" dt="2023-08-01T10:28:18.713" v="1497"/>
+          <ac:spMkLst>
+            <pc:docMk/>
+            <pc:sldMk cId="196429111" sldId="455"/>
+            <ac:spMk id="3" creationId="{7C815224-5DB1-9C7A-BCF7-4E8BC2DCCBB7}"/>
+          </ac:spMkLst>
+        </pc:spChg>
+        <pc:picChg chg="add mod">
+          <ac:chgData name="CROSBY, RYAN" userId="d329d70d-8452-427b-967f-7cff56055148" providerId="ADAL" clId="{2BB880AB-3602-4C89-99DC-CB8EFB0EE825}" dt="2023-08-01T10:28:19.207" v="1499" actId="962"/>
+          <ac:picMkLst>
+            <pc:docMk/>
+            <pc:sldMk cId="196429111" sldId="455"/>
+            <ac:picMk id="6" creationId="{3044971D-5CD1-B803-5447-029782323039}"/>
+          </ac:picMkLst>
+        </pc:picChg>
+      </pc:sldChg>
+      <pc:sldChg chg="addSp delSp modSp new mod">
+        <pc:chgData name="CROSBY, RYAN" userId="d329d70d-8452-427b-967f-7cff56055148" providerId="ADAL" clId="{2BB880AB-3602-4C89-99DC-CB8EFB0EE825}" dt="2023-08-01T10:32:44.010" v="1504" actId="1076"/>
+        <pc:sldMkLst>
+          <pc:docMk/>
+          <pc:sldMk cId="2374337803" sldId="456"/>
+        </pc:sldMkLst>
+        <pc:spChg chg="del">
+          <ac:chgData name="CROSBY, RYAN" userId="d329d70d-8452-427b-967f-7cff56055148" providerId="ADAL" clId="{2BB880AB-3602-4C89-99DC-CB8EFB0EE825}" dt="2023-08-01T10:32:42.147" v="1503" actId="478"/>
+          <ac:spMkLst>
+            <pc:docMk/>
+            <pc:sldMk cId="2374337803" sldId="456"/>
+            <ac:spMk id="2" creationId="{831470C6-BC60-128B-823E-49561C22102F}"/>
+          </ac:spMkLst>
+        </pc:spChg>
+        <pc:spChg chg="del">
+          <ac:chgData name="CROSBY, RYAN" userId="d329d70d-8452-427b-967f-7cff56055148" providerId="ADAL" clId="{2BB880AB-3602-4C89-99DC-CB8EFB0EE825}" dt="2023-08-01T10:32:17.448" v="1501"/>
+          <ac:spMkLst>
+            <pc:docMk/>
+            <pc:sldMk cId="2374337803" sldId="456"/>
+            <ac:spMk id="3" creationId="{226FEE27-FBF5-E3BC-1F69-42E7689D9C7A}"/>
+          </ac:spMkLst>
+        </pc:spChg>
+        <pc:picChg chg="add mod">
+          <ac:chgData name="CROSBY, RYAN" userId="d329d70d-8452-427b-967f-7cff56055148" providerId="ADAL" clId="{2BB880AB-3602-4C89-99DC-CB8EFB0EE825}" dt="2023-08-01T10:32:44.010" v="1504" actId="1076"/>
+          <ac:picMkLst>
+            <pc:docMk/>
+            <pc:sldMk cId="2374337803" sldId="456"/>
+            <ac:picMk id="6" creationId="{100549C3-2945-314A-0F27-AFC88D056366}"/>
+          </ac:picMkLst>
+        </pc:picChg>
+      </pc:sldChg>
     </pc:docChg>
   </pc:docChgLst>
 </pc:chgInfo>
@@ -1364,7 +1481,7 @@
             <a:fld id="{3C5ACD56-CA7D-3A42-9B42-9FD56464B91C}" type="datetimeFigureOut">
               <a:rPr lang="en-US" smtClean="0"/>
               <a:pPr/>
-              <a:t>7/31/23</a:t>
+              <a:t>8/1/2023</a:t>
             </a:fld>
             <a:endParaRPr lang="en-US"/>
           </a:p>
@@ -1531,7 +1648,7 @@
             <a:fld id="{068896D7-E867-4676-8327-F933828D825C}" type="datetimeFigureOut">
               <a:rPr lang="en-GB" smtClean="0"/>
               <a:pPr/>
-              <a:t>31/07/2023</a:t>
+              <a:t>01/08/2023</a:t>
             </a:fld>
             <a:endParaRPr lang="en-GB"/>
           </a:p>
@@ -1841,12 +1958,22 @@
         </p:nvSpPr>
         <p:spPr/>
         <p:txBody>
-          <a:bodyPr>
-            <a:normAutofit/>
-          </a:bodyPr>
-          <a:lstStyle/>
-          <a:p>
-            <a:endParaRPr lang="bs-Latn-BA" dirty="0"/>
+          <a:bodyPr/>
+          <a:lstStyle/>
+          <a:p>
+            <a:r>
+              <a:rPr lang="en-GB" dirty="0" err="1">
+                <a:hlinkClick r:id="rId3"/>
+              </a:rPr>
+              <a:t>ryancrosbyr</a:t>
+            </a:r>
+            <a:r>
+              <a:rPr lang="en-GB" dirty="0">
+                <a:hlinkClick r:id="rId3"/>
+              </a:rPr>
+              <a:t>/SuttonTrust8-23: A main repository for the Sutton Trust summer school version control session (github.com)</a:t>
+            </a:r>
+            <a:endParaRPr lang="en-GB" dirty="0"/>
           </a:p>
         </p:txBody>
       </p:sp>
@@ -1857,7 +1984,7 @@
             <a:spLocks noGrp="1"/>
           </p:cNvSpPr>
           <p:nvPr>
-            <p:ph type="sldNum" sz="quarter" idx="10"/>
+            <p:ph type="sldNum" sz="quarter" idx="5"/>
           </p:nvPr>
         </p:nvSpPr>
         <p:spPr/>
@@ -1868,7 +1995,7 @@
             <a:fld id="{E281BEE5-2167-43D4-9CA5-1C6577398972}" type="slidenum">
               <a:rPr lang="en-GB" smtClean="0"/>
               <a:pPr/>
-              <a:t>2</a:t>
+              <a:t>1</a:t>
             </a:fld>
             <a:endParaRPr lang="en-GB"/>
           </a:p>
@@ -1877,7 +2004,7 @@
     </p:spTree>
     <p:extLst>
       <p:ext uri="{BB962C8B-B14F-4D97-AF65-F5344CB8AC3E}">
-        <p14:creationId xmlns:p14="http://schemas.microsoft.com/office/powerpoint/2010/main" val="1355456304"/>
+        <p14:creationId xmlns:p14="http://schemas.microsoft.com/office/powerpoint/2010/main" val="1115275124"/>
       </p:ext>
     </p:extLst>
   </p:cSld>
@@ -1933,10 +2060,38 @@
           <a:p>
             <a:r>
               <a:rPr lang="en-GB" dirty="0"/>
-              <a:t>git push -u origin main – tells git to always push to the remote repository that is defined as origin, so you don’t have to keep specifying </a:t>
-            </a:r>
-          </a:p>
-          <a:p>
+              <a:t>This then sets up the local directory with the information you need it to be a git repository. To check if your directory is a git repository look for a hidden .git file. Without this, the directory is not a repository. Can be done in the bash terminal with ls –a. or in windows command with </a:t>
+            </a:r>
+            <a:r>
+              <a:rPr lang="en-GB" b="0" i="0" u="none" strike="noStrike" dirty="0">
+                <a:solidFill>
+                  <a:srgbClr val="040C28"/>
+                </a:solidFill>
+                <a:effectLst/>
+                <a:latin typeface="Google Sans"/>
+              </a:rPr>
+              <a:t>dir /</a:t>
+            </a:r>
+            <a:r>
+              <a:rPr lang="en-GB" b="0" i="0" u="none" strike="noStrike" dirty="0" err="1">
+                <a:solidFill>
+                  <a:srgbClr val="040C28"/>
+                </a:solidFill>
+                <a:effectLst/>
+                <a:latin typeface="Google Sans"/>
+              </a:rPr>
+              <a:t>a:h</a:t>
+            </a:r>
+            <a:r>
+              <a:rPr lang="en-GB" b="0" i="0" u="none" strike="noStrike" dirty="0">
+                <a:solidFill>
+                  <a:srgbClr val="040C28"/>
+                </a:solidFill>
+                <a:effectLst/>
+                <a:latin typeface="Google Sans"/>
+              </a:rPr>
+              <a:t> </a:t>
+            </a:r>
             <a:endParaRPr lang="en-GB" dirty="0"/>
           </a:p>
         </p:txBody>
@@ -1959,7 +2114,7 @@
             <a:fld id="{E281BEE5-2167-43D4-9CA5-1C6577398972}" type="slidenum">
               <a:rPr lang="en-GB" smtClean="0"/>
               <a:pPr/>
-              <a:t>18</a:t>
+              <a:t>15</a:t>
             </a:fld>
             <a:endParaRPr lang="en-GB"/>
           </a:p>
@@ -1968,7 +2123,7 @@
     </p:spTree>
     <p:extLst>
       <p:ext uri="{BB962C8B-B14F-4D97-AF65-F5344CB8AC3E}">
-        <p14:creationId xmlns:p14="http://schemas.microsoft.com/office/powerpoint/2010/main" val="3703010995"/>
+        <p14:creationId xmlns:p14="http://schemas.microsoft.com/office/powerpoint/2010/main" val="2102889841"/>
       </p:ext>
     </p:extLst>
   </p:cSld>
@@ -2024,10 +2179,38 @@
           <a:p>
             <a:r>
               <a:rPr lang="en-GB" dirty="0"/>
-              <a:t>Remote –v allows you to check what connections you have. As you can see it is telling you where your connections are going to. Fetch is where you will get information from, and push is where you will send information too. </a:t>
-            </a:r>
-          </a:p>
-          <a:p>
+              <a:t>This then sets up the local directory with the information you need it to be a git repository. To check if your directory is a git repository look for a hidden .git file. Without this, the directory is not a repository. Can be done in the bash terminal with ls –a. </a:t>
+            </a:r>
+            <a:r>
+              <a:rPr lang="en-GB" b="0" i="0" u="none" strike="noStrike" dirty="0">
+                <a:solidFill>
+                  <a:srgbClr val="040C28"/>
+                </a:solidFill>
+                <a:effectLst/>
+                <a:latin typeface="Google Sans"/>
+              </a:rPr>
+              <a:t>dir /</a:t>
+            </a:r>
+            <a:r>
+              <a:rPr lang="en-GB" b="0" i="0" u="none" strike="noStrike" dirty="0" err="1">
+                <a:solidFill>
+                  <a:srgbClr val="040C28"/>
+                </a:solidFill>
+                <a:effectLst/>
+                <a:latin typeface="Google Sans"/>
+              </a:rPr>
+              <a:t>a:h</a:t>
+            </a:r>
+            <a:r>
+              <a:rPr lang="en-GB" b="0" i="0" u="none" strike="noStrike" dirty="0">
+                <a:solidFill>
+                  <a:srgbClr val="040C28"/>
+                </a:solidFill>
+                <a:effectLst/>
+                <a:latin typeface="Google Sans"/>
+              </a:rPr>
+              <a:t>  </a:t>
+            </a:r>
             <a:endParaRPr lang="en-GB" dirty="0"/>
           </a:p>
         </p:txBody>
@@ -2050,7 +2233,7 @@
             <a:fld id="{E281BEE5-2167-43D4-9CA5-1C6577398972}" type="slidenum">
               <a:rPr lang="en-GB" smtClean="0"/>
               <a:pPr/>
-              <a:t>19</a:t>
+              <a:t>16</a:t>
             </a:fld>
             <a:endParaRPr lang="en-GB"/>
           </a:p>
@@ -2059,7 +2242,7 @@
     </p:spTree>
     <p:extLst>
       <p:ext uri="{BB962C8B-B14F-4D97-AF65-F5344CB8AC3E}">
-        <p14:creationId xmlns:p14="http://schemas.microsoft.com/office/powerpoint/2010/main" val="1978666915"/>
+        <p14:creationId xmlns:p14="http://schemas.microsoft.com/office/powerpoint/2010/main" val="1045572873"/>
       </p:ext>
     </p:extLst>
   </p:cSld>
@@ -2115,8 +2298,11 @@
           <a:p>
             <a:r>
               <a:rPr lang="en-GB" dirty="0"/>
-              <a:t>Now we have set up the git repositories the general flow is as follows </a:t>
-            </a:r>
+              <a:t>git push -u origin main – tells git to always push to the remote repository that is defined as origin, so you don’t have to keep specifying </a:t>
+            </a:r>
+          </a:p>
+          <a:p>
+            <a:endParaRPr lang="en-GB" dirty="0"/>
           </a:p>
         </p:txBody>
       </p:sp>
@@ -2138,7 +2324,7 @@
             <a:fld id="{E281BEE5-2167-43D4-9CA5-1C6577398972}" type="slidenum">
               <a:rPr lang="en-GB" smtClean="0"/>
               <a:pPr/>
-              <a:t>21</a:t>
+              <a:t>17</a:t>
             </a:fld>
             <a:endParaRPr lang="en-GB"/>
           </a:p>
@@ -2147,7 +2333,7 @@
     </p:spTree>
     <p:extLst>
       <p:ext uri="{BB962C8B-B14F-4D97-AF65-F5344CB8AC3E}">
-        <p14:creationId xmlns:p14="http://schemas.microsoft.com/office/powerpoint/2010/main" val="1168218324"/>
+        <p14:creationId xmlns:p14="http://schemas.microsoft.com/office/powerpoint/2010/main" val="3703010995"/>
       </p:ext>
     </p:extLst>
   </p:cSld>
@@ -2203,7 +2389,7 @@
           <a:p>
             <a:r>
               <a:rPr lang="en-GB" dirty="0"/>
-              <a:t>To understand what git is aware of – we use git status. Git status will tell us if a file has had changes to it that git is unaware of. If it has changes that it is aware of, or if nothing needs to happen. </a:t>
+              <a:t>Remote –v allows you to check what connections you have. As you can see it is telling you where your connections are going to. Fetch is where you will get information from, and push is where you will send information too. </a:t>
             </a:r>
           </a:p>
           <a:p>
@@ -2229,7 +2415,7 @@
             <a:fld id="{E281BEE5-2167-43D4-9CA5-1C6577398972}" type="slidenum">
               <a:rPr lang="en-GB" smtClean="0"/>
               <a:pPr/>
-              <a:t>22</a:t>
+              <a:t>18</a:t>
             </a:fld>
             <a:endParaRPr lang="en-GB"/>
           </a:p>
@@ -2238,7 +2424,7 @@
     </p:spTree>
     <p:extLst>
       <p:ext uri="{BB962C8B-B14F-4D97-AF65-F5344CB8AC3E}">
-        <p14:creationId xmlns:p14="http://schemas.microsoft.com/office/powerpoint/2010/main" val="937383554"/>
+        <p14:creationId xmlns:p14="http://schemas.microsoft.com/office/powerpoint/2010/main" val="1978666915"/>
       </p:ext>
     </p:extLst>
   </p:cSld>
@@ -2293,12 +2479,9 @@
           <a:lstStyle/>
           <a:p>
             <a:r>
-              <a:rPr lang="en-US" dirty="0"/>
-              <a:t>A clean working tree means that the branch (discussed later) has no changes or commits needed. </a:t>
-            </a:r>
-          </a:p>
-          <a:p>
-            <a:endParaRPr lang="en-US" dirty="0"/>
+              <a:rPr lang="en-GB" dirty="0"/>
+              <a:t>Now we have set up the git repositories the general flow is as follows </a:t>
+            </a:r>
           </a:p>
         </p:txBody>
       </p:sp>
@@ -2320,7 +2503,7 @@
             <a:fld id="{E281BEE5-2167-43D4-9CA5-1C6577398972}" type="slidenum">
               <a:rPr lang="en-GB" smtClean="0"/>
               <a:pPr/>
-              <a:t>23</a:t>
+              <a:t>20</a:t>
             </a:fld>
             <a:endParaRPr lang="en-GB"/>
           </a:p>
@@ -2329,7 +2512,7 @@
     </p:spTree>
     <p:extLst>
       <p:ext uri="{BB962C8B-B14F-4D97-AF65-F5344CB8AC3E}">
-        <p14:creationId xmlns:p14="http://schemas.microsoft.com/office/powerpoint/2010/main" val="3098594709"/>
+        <p14:creationId xmlns:p14="http://schemas.microsoft.com/office/powerpoint/2010/main" val="1168218324"/>
       </p:ext>
     </p:extLst>
   </p:cSld>
@@ -2384,9 +2567,12 @@
           <a:lstStyle/>
           <a:p>
             <a:r>
-              <a:rPr lang="en-US" dirty="0"/>
-              <a:t>If a file is red or untracked, this means that you have made changes to the file (or created a new file) that you need to tell git about. We do this using the command git add. </a:t>
-            </a:r>
+              <a:rPr lang="en-GB" dirty="0"/>
+              <a:t>To understand what git is aware of – we use git status. Git status will tell us if a file has had changes to it that git is unaware of. If it has changes that it is aware of, or if nothing needs to happen. </a:t>
+            </a:r>
+          </a:p>
+          <a:p>
+            <a:endParaRPr lang="en-GB" dirty="0"/>
           </a:p>
         </p:txBody>
       </p:sp>
@@ -2408,7 +2594,7 @@
             <a:fld id="{E281BEE5-2167-43D4-9CA5-1C6577398972}" type="slidenum">
               <a:rPr lang="en-GB" smtClean="0"/>
               <a:pPr/>
-              <a:t>24</a:t>
+              <a:t>21</a:t>
             </a:fld>
             <a:endParaRPr lang="en-GB"/>
           </a:p>
@@ -2417,7 +2603,7 @@
     </p:spTree>
     <p:extLst>
       <p:ext uri="{BB962C8B-B14F-4D97-AF65-F5344CB8AC3E}">
-        <p14:creationId xmlns:p14="http://schemas.microsoft.com/office/powerpoint/2010/main" val="273834879"/>
+        <p14:creationId xmlns:p14="http://schemas.microsoft.com/office/powerpoint/2010/main" val="937383554"/>
       </p:ext>
     </p:extLst>
   </p:cSld>
@@ -2473,7 +2659,7 @@
           <a:p>
             <a:r>
               <a:rPr lang="en-US" dirty="0"/>
-              <a:t>This will now tell us that git is aware of changes made to the files. However, this has not been added into the staging area. So as far as git is aware nothing has been changed. </a:t>
+              <a:t>A clean working tree means that the branch (discussed later) has no changes or commits needed. </a:t>
             </a:r>
           </a:p>
           <a:p>
@@ -2499,7 +2685,7 @@
             <a:fld id="{E281BEE5-2167-43D4-9CA5-1C6577398972}" type="slidenum">
               <a:rPr lang="en-GB" smtClean="0"/>
               <a:pPr/>
-              <a:t>26</a:t>
+              <a:t>22</a:t>
             </a:fld>
             <a:endParaRPr lang="en-GB"/>
           </a:p>
@@ -2508,7 +2694,7 @@
     </p:spTree>
     <p:extLst>
       <p:ext uri="{BB962C8B-B14F-4D97-AF65-F5344CB8AC3E}">
-        <p14:creationId xmlns:p14="http://schemas.microsoft.com/office/powerpoint/2010/main" val="2848853162"/>
+        <p14:creationId xmlns:p14="http://schemas.microsoft.com/office/powerpoint/2010/main" val="3098594709"/>
       </p:ext>
     </p:extLst>
   </p:cSld>
@@ -2562,63 +2748,10 @@
           <a:bodyPr/>
           <a:lstStyle/>
           <a:p>
-            <a:pPr marL="0" marR="0" lvl="0" indent="0" algn="l" defTabSz="914400" rtl="0" eaLnBrk="1" fontAlgn="auto" latinLnBrk="0" hangingPunct="1">
-              <a:lnSpc>
-                <a:spcPct val="100000"/>
-              </a:lnSpc>
-              <a:spcBef>
-                <a:spcPts val="0"/>
-              </a:spcBef>
-              <a:spcAft>
-                <a:spcPts val="0"/>
-              </a:spcAft>
-              <a:buClrTx/>
-              <a:buSzTx/>
-              <a:buFontTx/>
-              <a:buNone/>
-              <a:tabLst/>
-              <a:defRPr/>
-            </a:pPr>
-            <a:r>
-              <a:rPr lang="en-GB" sz="1200" dirty="0">
-                <a:effectLst/>
-                <a:latin typeface="Calibri" panose="020F0502020204030204" pitchFamily="34" charset="0"/>
-                <a:ea typeface="Calibri" panose="020F0502020204030204" pitchFamily="34" charset="0"/>
-                <a:cs typeface="Times New Roman" panose="02020603050405020304" pitchFamily="18" charset="0"/>
-              </a:rPr>
-              <a:t>When you do a git commit you should always give a good message and description regarding what changes you have made. This is not just for other people who may look at your code, but for future you. It doesn’t matter how much you think your code makes sense to you now, in 6+ months when you look at it again some parts of it will be confusing. A commit message has a title and a description. In Git Hub this looks like the figure below. </a:t>
-            </a:r>
-          </a:p>
-          <a:p>
-            <a:pPr marL="0" marR="0" lvl="0" indent="0" algn="l" defTabSz="914400" rtl="0" eaLnBrk="1" fontAlgn="auto" latinLnBrk="0" hangingPunct="1">
-              <a:lnSpc>
-                <a:spcPct val="100000"/>
-              </a:lnSpc>
-              <a:spcBef>
-                <a:spcPts val="0"/>
-              </a:spcBef>
-              <a:spcAft>
-                <a:spcPts val="0"/>
-              </a:spcAft>
-              <a:buClrTx/>
-              <a:buSzTx/>
-              <a:buFontTx/>
-              <a:buNone/>
-              <a:tabLst/>
-              <a:defRPr/>
-            </a:pPr>
-            <a:r>
-              <a:rPr lang="en-GB" sz="1200" dirty="0">
-                <a:effectLst/>
-                <a:latin typeface="Calibri" panose="020F0502020204030204" pitchFamily="34" charset="0"/>
-                <a:ea typeface="Calibri" panose="020F0502020204030204" pitchFamily="34" charset="0"/>
-                <a:cs typeface="Times New Roman" panose="02020603050405020304" pitchFamily="18" charset="0"/>
-              </a:rPr>
-              <a:t>Each git commit should only have one change. After each change commit your files. This allows for an efficient version control. </a:t>
-            </a:r>
-          </a:p>
-          <a:p>
-            <a:endParaRPr lang="en-GB" dirty="0"/>
+            <a:r>
+              <a:rPr lang="en-US" dirty="0"/>
+              <a:t>If a file is red or untracked, this means that you have made changes to the file (or created a new file) that you need to tell git about. We do this using the command git add. </a:t>
+            </a:r>
           </a:p>
         </p:txBody>
       </p:sp>
@@ -2640,7 +2773,7 @@
             <a:fld id="{E281BEE5-2167-43D4-9CA5-1C6577398972}" type="slidenum">
               <a:rPr lang="en-GB" smtClean="0"/>
               <a:pPr/>
-              <a:t>27</a:t>
+              <a:t>23</a:t>
             </a:fld>
             <a:endParaRPr lang="en-GB"/>
           </a:p>
@@ -2649,7 +2782,7 @@
     </p:spTree>
     <p:extLst>
       <p:ext uri="{BB962C8B-B14F-4D97-AF65-F5344CB8AC3E}">
-        <p14:creationId xmlns:p14="http://schemas.microsoft.com/office/powerpoint/2010/main" val="675051374"/>
+        <p14:creationId xmlns:p14="http://schemas.microsoft.com/office/powerpoint/2010/main" val="273834879"/>
       </p:ext>
     </p:extLst>
   </p:cSld>
@@ -2704,9 +2837,12 @@
           <a:lstStyle/>
           <a:p>
             <a:r>
-              <a:rPr lang="en-GB" dirty="0"/>
-              <a:t>This has now put the changes into the git staging area – how do we view the staging area?</a:t>
-            </a:r>
+              <a:rPr lang="en-US" dirty="0"/>
+              <a:t>This will now tell us that git is aware of changes made to the files. However, this has not been added into the staging area. So as far as git is aware nothing has been changed. </a:t>
+            </a:r>
+          </a:p>
+          <a:p>
+            <a:endParaRPr lang="en-US" dirty="0"/>
           </a:p>
         </p:txBody>
       </p:sp>
@@ -2728,7 +2864,7 @@
             <a:fld id="{E281BEE5-2167-43D4-9CA5-1C6577398972}" type="slidenum">
               <a:rPr lang="en-GB" smtClean="0"/>
               <a:pPr/>
-              <a:t>28</a:t>
+              <a:t>25</a:t>
             </a:fld>
             <a:endParaRPr lang="en-GB"/>
           </a:p>
@@ -2737,7 +2873,7 @@
     </p:spTree>
     <p:extLst>
       <p:ext uri="{BB962C8B-B14F-4D97-AF65-F5344CB8AC3E}">
-        <p14:creationId xmlns:p14="http://schemas.microsoft.com/office/powerpoint/2010/main" val="3289759317"/>
+        <p14:creationId xmlns:p14="http://schemas.microsoft.com/office/powerpoint/2010/main" val="2848853162"/>
       </p:ext>
     </p:extLst>
   </p:cSld>
@@ -2788,40 +2924,8 @@
         </p:nvSpPr>
         <p:spPr/>
         <p:txBody>
-          <a:bodyPr>
-            <a:normAutofit/>
-          </a:bodyPr>
-          <a:lstStyle/>
-          <a:p>
-            <a:r>
-              <a:rPr lang="en-GB" dirty="0"/>
-              <a:t>When you push you need to tell git what to push too – the command on screen tells git to push the main branch you are working on to the remote repository ‘origin’</a:t>
-            </a:r>
-          </a:p>
-          <a:p>
-            <a:r>
-              <a:rPr lang="en-GB" dirty="0"/>
-              <a:t>Git push ‘publishes’ the local changes to the remote repository. </a:t>
-            </a:r>
-          </a:p>
-          <a:p>
-            <a:r>
-              <a:rPr lang="en-GB" dirty="0"/>
-              <a:t>You set the upstream to be the branch you are working on at that given time. </a:t>
-            </a:r>
-          </a:p>
-          <a:p>
-            <a:endParaRPr lang="en-GB" dirty="0"/>
-          </a:p>
-          <a:p>
-            <a:endParaRPr lang="en-GB" dirty="0"/>
-          </a:p>
-          <a:p>
-            <a:r>
-              <a:rPr lang="en-GB" dirty="0"/>
-              <a:t>---- additional info ---- </a:t>
-            </a:r>
-          </a:p>
+          <a:bodyPr/>
+          <a:lstStyle/>
           <a:p>
             <a:pPr marL="0" marR="0" lvl="0" indent="0" algn="l" defTabSz="914400" rtl="0" eaLnBrk="1" fontAlgn="auto" latinLnBrk="0" hangingPunct="1">
               <a:lnSpc>
@@ -2841,22 +2945,46 @@
               <a:defRPr/>
             </a:pPr>
             <a:r>
-              <a:rPr lang="en-GB" dirty="0"/>
-              <a:t>Let us briefly look at a feature called branches (we will get to more descriptions of this later). When you want to push, you have to inform git where you wish to push too and which branch on that repository. As you can see main has a destination already specified (in the blue, we have already set the upstream). Therefore you will only ever need to type ‘git push’ when in the main. For feature-001 there is currently no destination. We have two options here, we can either tell git where we want the pushes to go every time we push, or we can set an upstream. </a:t>
-            </a:r>
-          </a:p>
-          <a:p>
-            <a:r>
-              <a:rPr lang="en-GB" dirty="0"/>
-              <a:t> </a:t>
+              <a:rPr lang="en-GB" sz="1200" dirty="0">
+                <a:effectLst/>
+                <a:latin typeface="Calibri" panose="020F0502020204030204" pitchFamily="34" charset="0"/>
+                <a:ea typeface="Calibri" panose="020F0502020204030204" pitchFamily="34" charset="0"/>
+                <a:cs typeface="Times New Roman" panose="02020603050405020304" pitchFamily="18" charset="0"/>
+              </a:rPr>
+              <a:t>When you do a git commit you should always give a good message and description regarding what changes you have made. This is not just for other people who may look at your code, but for future you. It doesn’t matter how much you think your code makes sense to you now, in 6+ months when you look at it again some parts of it will be confusing. A commit message has a title and a description. In Git Hub this looks like the figure below. </a:t>
+            </a:r>
+          </a:p>
+          <a:p>
+            <a:pPr marL="0" marR="0" lvl="0" indent="0" algn="l" defTabSz="914400" rtl="0" eaLnBrk="1" fontAlgn="auto" latinLnBrk="0" hangingPunct="1">
+              <a:lnSpc>
+                <a:spcPct val="100000"/>
+              </a:lnSpc>
+              <a:spcBef>
+                <a:spcPts val="0"/>
+              </a:spcBef>
+              <a:spcAft>
+                <a:spcPts val="0"/>
+              </a:spcAft>
+              <a:buClrTx/>
+              <a:buSzTx/>
+              <a:buFontTx/>
+              <a:buNone/>
+              <a:tabLst/>
+              <a:defRPr/>
+            </a:pPr>
+            <a:r>
+              <a:rPr lang="en-GB" sz="1200" dirty="0">
+                <a:effectLst/>
+                <a:latin typeface="Calibri" panose="020F0502020204030204" pitchFamily="34" charset="0"/>
+                <a:ea typeface="Calibri" panose="020F0502020204030204" pitchFamily="34" charset="0"/>
+                <a:cs typeface="Times New Roman" panose="02020603050405020304" pitchFamily="18" charset="0"/>
+              </a:rPr>
+              <a:t>Each git commit should only have one change. After each change commit your files. This allows for an efficient version control. </a:t>
             </a:r>
           </a:p>
           <a:p>
             <a:endParaRPr lang="en-GB" dirty="0"/>
           </a:p>
-          <a:p>
-            <a:endParaRPr lang="bs-Latn-BA" dirty="0"/>
-          </a:p>
         </p:txBody>
       </p:sp>
       <p:sp>
@@ -2866,7 +2994,7 @@
             <a:spLocks noGrp="1"/>
           </p:cNvSpPr>
           <p:nvPr>
-            <p:ph type="sldNum" sz="quarter" idx="10"/>
+            <p:ph type="sldNum" sz="quarter" idx="5"/>
           </p:nvPr>
         </p:nvSpPr>
         <p:spPr/>
@@ -2877,13 +3005,18 @@
             <a:fld id="{E281BEE5-2167-43D4-9CA5-1C6577398972}" type="slidenum">
               <a:rPr lang="en-GB" smtClean="0"/>
               <a:pPr/>
-              <a:t>30</a:t>
+              <a:t>26</a:t>
             </a:fld>
             <a:endParaRPr lang="en-GB"/>
           </a:p>
         </p:txBody>
       </p:sp>
     </p:spTree>
+    <p:extLst>
+      <p:ext uri="{BB962C8B-B14F-4D97-AF65-F5344CB8AC3E}">
+        <p14:creationId xmlns:p14="http://schemas.microsoft.com/office/powerpoint/2010/main" val="675051374"/>
+      </p:ext>
+    </p:extLst>
   </p:cSld>
   <p:clrMapOvr>
     <a:masterClrMapping/>
@@ -2959,7 +3092,7 @@
             <a:fld id="{E281BEE5-2167-43D4-9CA5-1C6577398972}" type="slidenum">
               <a:rPr lang="en-GB" smtClean="0"/>
               <a:pPr/>
-              <a:t>3</a:t>
+              <a:t>2</a:t>
             </a:fld>
             <a:endParaRPr lang="en-GB"/>
           </a:p>
@@ -2968,7 +3101,7 @@
     </p:spTree>
     <p:extLst>
       <p:ext uri="{BB962C8B-B14F-4D97-AF65-F5344CB8AC3E}">
-        <p14:creationId xmlns:p14="http://schemas.microsoft.com/office/powerpoint/2010/main" val="3671519472"/>
+        <p14:creationId xmlns:p14="http://schemas.microsoft.com/office/powerpoint/2010/main" val="1355456304"/>
       </p:ext>
     </p:extLst>
   </p:cSld>
@@ -3024,59 +3157,7 @@
           <a:p>
             <a:r>
               <a:rPr lang="en-GB" dirty="0"/>
-              <a:t>You typically branch in git to allow yourself an area to modify codes / develop features / fix bugs. Whenever you work in git you want to avoid working on the main. </a:t>
-            </a:r>
-            <a:br>
-              <a:rPr lang="en-GB" dirty="0"/>
-            </a:br>
-            <a:br>
-              <a:rPr lang="en-GB" dirty="0"/>
-            </a:br>
-            <a:r>
-              <a:rPr lang="en-GB" dirty="0"/>
-              <a:t>Branch –</a:t>
-            </a:r>
-            <a:r>
-              <a:rPr lang="en-GB" dirty="0" err="1"/>
-              <a:t>vv</a:t>
-            </a:r>
-            <a:r>
-              <a:rPr lang="en-GB" dirty="0"/>
-              <a:t> </a:t>
-            </a:r>
-          </a:p>
-          <a:p>
-            <a:r>
-              <a:rPr lang="en-GB" dirty="0"/>
-              <a:t>Git checkout –b </a:t>
-            </a:r>
-            <a:r>
-              <a:rPr lang="en-GB" dirty="0" err="1"/>
-              <a:t>branchName</a:t>
-            </a:r>
-            <a:r>
-              <a:rPr lang="en-GB" dirty="0"/>
-              <a:t> </a:t>
-            </a:r>
-          </a:p>
-          <a:p>
-            <a:r>
-              <a:rPr lang="en-GB" dirty="0"/>
-              <a:t>Git checkout </a:t>
-            </a:r>
-            <a:r>
-              <a:rPr lang="en-GB" dirty="0" err="1"/>
-              <a:t>branchname</a:t>
-            </a:r>
-            <a:r>
-              <a:rPr lang="en-GB" dirty="0"/>
-              <a:t> </a:t>
-            </a:r>
-          </a:p>
-          <a:p>
-            <a:r>
-              <a:rPr lang="en-GB" dirty="0"/>
-              <a:t>Git branch a – list all remote branches </a:t>
+              <a:t>This has now put the changes into the git staging area – how do we view the staging area?</a:t>
             </a:r>
           </a:p>
         </p:txBody>
@@ -3099,7 +3180,7 @@
             <a:fld id="{E281BEE5-2167-43D4-9CA5-1C6577398972}" type="slidenum">
               <a:rPr lang="en-GB" smtClean="0"/>
               <a:pPr/>
-              <a:t>31</a:t>
+              <a:t>27</a:t>
             </a:fld>
             <a:endParaRPr lang="en-GB"/>
           </a:p>
@@ -3108,7 +3189,7 @@
     </p:spTree>
     <p:extLst>
       <p:ext uri="{BB962C8B-B14F-4D97-AF65-F5344CB8AC3E}">
-        <p14:creationId xmlns:p14="http://schemas.microsoft.com/office/powerpoint/2010/main" val="2492146935"/>
+        <p14:creationId xmlns:p14="http://schemas.microsoft.com/office/powerpoint/2010/main" val="3289759317"/>
       </p:ext>
     </p:extLst>
   </p:cSld>
@@ -3159,11 +3240,75 @@
         </p:nvSpPr>
         <p:spPr/>
         <p:txBody>
-          <a:bodyPr/>
-          <a:lstStyle/>
+          <a:bodyPr>
+            <a:normAutofit/>
+          </a:bodyPr>
+          <a:lstStyle/>
+          <a:p>
+            <a:r>
+              <a:rPr lang="en-GB" dirty="0"/>
+              <a:t>When you push you need to tell git what to push too – the command on screen tells git to push the main branch you are working on to the remote repository ‘origin’</a:t>
+            </a:r>
+          </a:p>
+          <a:p>
+            <a:r>
+              <a:rPr lang="en-GB" dirty="0"/>
+              <a:t>Git push ‘publishes’ the local changes to the remote repository. </a:t>
+            </a:r>
+          </a:p>
+          <a:p>
+            <a:r>
+              <a:rPr lang="en-GB" dirty="0"/>
+              <a:t>You set the upstream to be the branch you are working on at that given time. </a:t>
+            </a:r>
+          </a:p>
           <a:p>
             <a:endParaRPr lang="en-GB" dirty="0"/>
           </a:p>
+          <a:p>
+            <a:endParaRPr lang="en-GB" dirty="0"/>
+          </a:p>
+          <a:p>
+            <a:r>
+              <a:rPr lang="en-GB" dirty="0"/>
+              <a:t>---- additional info ---- </a:t>
+            </a:r>
+          </a:p>
+          <a:p>
+            <a:pPr marL="0" marR="0" lvl="0" indent="0" algn="l" defTabSz="914400" rtl="0" eaLnBrk="1" fontAlgn="auto" latinLnBrk="0" hangingPunct="1">
+              <a:lnSpc>
+                <a:spcPct val="100000"/>
+              </a:lnSpc>
+              <a:spcBef>
+                <a:spcPts val="0"/>
+              </a:spcBef>
+              <a:spcAft>
+                <a:spcPts val="0"/>
+              </a:spcAft>
+              <a:buClrTx/>
+              <a:buSzTx/>
+              <a:buFontTx/>
+              <a:buNone/>
+              <a:tabLst/>
+              <a:defRPr/>
+            </a:pPr>
+            <a:r>
+              <a:rPr lang="en-GB" dirty="0"/>
+              <a:t>Let us briefly look at a feature called branches (we will get to more descriptions of this later). When you want to push, you have to inform git where you wish to push too and which branch on that repository. As you can see main has a destination already specified (in the blue, we have already set the upstream). Therefore you will only ever need to type ‘git push’ when in the main. For feature-001 there is currently no destination. We have two options here, we can either tell git where we want the pushes to go every time we push, or we can set an upstream. </a:t>
+            </a:r>
+          </a:p>
+          <a:p>
+            <a:r>
+              <a:rPr lang="en-GB" dirty="0"/>
+              <a:t> </a:t>
+            </a:r>
+          </a:p>
+          <a:p>
+            <a:endParaRPr lang="en-GB" dirty="0"/>
+          </a:p>
+          <a:p>
+            <a:endParaRPr lang="bs-Latn-BA" dirty="0"/>
+          </a:p>
         </p:txBody>
       </p:sp>
       <p:sp>
@@ -3173,7 +3318,7 @@
             <a:spLocks noGrp="1"/>
           </p:cNvSpPr>
           <p:nvPr>
-            <p:ph type="sldNum" sz="quarter" idx="5"/>
+            <p:ph type="sldNum" sz="quarter" idx="10"/>
           </p:nvPr>
         </p:nvSpPr>
         <p:spPr/>
@@ -3184,18 +3329,13 @@
             <a:fld id="{E281BEE5-2167-43D4-9CA5-1C6577398972}" type="slidenum">
               <a:rPr lang="en-GB" smtClean="0"/>
               <a:pPr/>
-              <a:t>32</a:t>
+              <a:t>29</a:t>
             </a:fld>
             <a:endParaRPr lang="en-GB"/>
           </a:p>
         </p:txBody>
       </p:sp>
     </p:spTree>
-    <p:extLst>
-      <p:ext uri="{BB962C8B-B14F-4D97-AF65-F5344CB8AC3E}">
-        <p14:creationId xmlns:p14="http://schemas.microsoft.com/office/powerpoint/2010/main" val="1233101356"/>
-      </p:ext>
-    </p:extLst>
   </p:cSld>
   <p:clrMapOvr>
     <a:masterClrMapping/>
@@ -3248,22 +3388,60 @@
           <a:lstStyle/>
           <a:p>
             <a:r>
-              <a:rPr lang="en-US" dirty="0"/>
+              <a:rPr lang="en-GB" dirty="0"/>
+              <a:t>You typically branch in git to allow yourself an area to modify codes / develop features / fix bugs. Whenever you work in git you want to avoid working on the main. </a:t>
+            </a:r>
+            <a:br>
+              <a:rPr lang="en-GB" dirty="0"/>
+            </a:br>
+            <a:br>
+              <a:rPr lang="en-GB" dirty="0"/>
+            </a:br>
+            <a:r>
+              <a:rPr lang="en-GB" dirty="0"/>
               <a:t>Branch –</a:t>
             </a:r>
             <a:r>
-              <a:rPr lang="en-US" dirty="0" err="1"/>
+              <a:rPr lang="en-GB" dirty="0" err="1"/>
               <a:t>vv</a:t>
             </a:r>
             <a:r>
-              <a:rPr lang="en-US" dirty="0"/>
-              <a:t> shows all the branches you have (locally), the upstream in the branches and the last git commit title </a:t>
-            </a:r>
-          </a:p>
-          <a:p>
-            <a:r>
-              <a:rPr lang="en-US" dirty="0"/>
-              <a:t>Branch –a shows all the branches remotely </a:t>
+              <a:rPr lang="en-GB" dirty="0"/>
+              <a:t> </a:t>
+            </a:r>
+          </a:p>
+          <a:p>
+            <a:r>
+              <a:rPr lang="en-GB" dirty="0"/>
+              <a:t>Git checkout –b </a:t>
+            </a:r>
+            <a:r>
+              <a:rPr lang="en-GB" dirty="0" err="1"/>
+              <a:t>branchName</a:t>
+            </a:r>
+            <a:r>
+              <a:rPr lang="en-GB" dirty="0"/>
+              <a:t> </a:t>
+            </a:r>
+          </a:p>
+          <a:p>
+            <a:r>
+              <a:rPr lang="en-GB" dirty="0"/>
+              <a:t>Git checkout </a:t>
+            </a:r>
+            <a:r>
+              <a:rPr lang="en-GB" dirty="0" err="1"/>
+              <a:t>branchname</a:t>
+            </a:r>
+            <a:r>
+              <a:rPr lang="en-GB" dirty="0"/>
+              <a:t> </a:t>
+            </a:r>
+          </a:p>
+          <a:p>
+            <a:r>
+              <a:rPr lang="en-GB" dirty="0"/>
+              <a:t>Git branch a – list all remote branches </a:t>
             </a:r>
           </a:p>
         </p:txBody>
@@ -3286,7 +3464,7 @@
             <a:fld id="{E281BEE5-2167-43D4-9CA5-1C6577398972}" type="slidenum">
               <a:rPr lang="en-GB" smtClean="0"/>
               <a:pPr/>
-              <a:t>33</a:t>
+              <a:t>30</a:t>
             </a:fld>
             <a:endParaRPr lang="en-GB"/>
           </a:p>
@@ -3295,7 +3473,7 @@
     </p:spTree>
     <p:extLst>
       <p:ext uri="{BB962C8B-B14F-4D97-AF65-F5344CB8AC3E}">
-        <p14:creationId xmlns:p14="http://schemas.microsoft.com/office/powerpoint/2010/main" val="1694629273"/>
+        <p14:creationId xmlns:p14="http://schemas.microsoft.com/office/powerpoint/2010/main" val="2492146935"/>
       </p:ext>
     </p:extLst>
   </p:cSld>
@@ -3349,55 +3527,7 @@
           <a:bodyPr/>
           <a:lstStyle/>
           <a:p>
-            <a:r>
-              <a:rPr lang="en-GB" dirty="0"/>
-              <a:t>Git branch </a:t>
-            </a:r>
-            <a:r>
-              <a:rPr lang="en-GB" dirty="0" err="1"/>
-              <a:t>branchName</a:t>
-            </a:r>
-            <a:r>
-              <a:rPr lang="en-GB" dirty="0"/>
-              <a:t> (Creates a new branch) </a:t>
-            </a:r>
-          </a:p>
-          <a:p>
-            <a:r>
-              <a:rPr lang="en-GB" dirty="0"/>
-              <a:t>Git branch –a list all branches </a:t>
-            </a:r>
-          </a:p>
-          <a:p>
-            <a:r>
-              <a:rPr lang="en-GB" dirty="0"/>
-              <a:t>Git checkout –b </a:t>
-            </a:r>
-            <a:r>
-              <a:rPr lang="en-GB" dirty="0" err="1"/>
-              <a:t>branchName</a:t>
-            </a:r>
-            <a:r>
-              <a:rPr lang="en-GB" dirty="0"/>
-              <a:t> (Create a new branch and switch to it.)</a:t>
-            </a:r>
-          </a:p>
-          <a:p>
-            <a:r>
-              <a:rPr lang="en-GB" dirty="0"/>
-              <a:t>Git checkout </a:t>
-            </a:r>
-            <a:r>
-              <a:rPr lang="en-GB" dirty="0" err="1"/>
-              <a:t>branchname</a:t>
-            </a:r>
-            <a:r>
-              <a:rPr lang="en-GB" dirty="0"/>
-              <a:t> (Switch to a branch)</a:t>
-            </a:r>
-          </a:p>
-          <a:p>
-            <a:endParaRPr lang="en-US" dirty="0"/>
+            <a:endParaRPr lang="en-GB" dirty="0"/>
           </a:p>
         </p:txBody>
       </p:sp>
@@ -3419,7 +3549,7 @@
             <a:fld id="{E281BEE5-2167-43D4-9CA5-1C6577398972}" type="slidenum">
               <a:rPr lang="en-GB" smtClean="0"/>
               <a:pPr/>
-              <a:t>34</a:t>
+              <a:t>31</a:t>
             </a:fld>
             <a:endParaRPr lang="en-GB"/>
           </a:p>
@@ -3428,7 +3558,7 @@
     </p:spTree>
     <p:extLst>
       <p:ext uri="{BB962C8B-B14F-4D97-AF65-F5344CB8AC3E}">
-        <p14:creationId xmlns:p14="http://schemas.microsoft.com/office/powerpoint/2010/main" val="3546700083"/>
+        <p14:creationId xmlns:p14="http://schemas.microsoft.com/office/powerpoint/2010/main" val="1233101356"/>
       </p:ext>
     </p:extLst>
   </p:cSld>
@@ -3483,99 +3613,23 @@
           <a:lstStyle/>
           <a:p>
             <a:r>
-              <a:rPr lang="en-GB" dirty="0"/>
-              <a:t>Git pull requests ‘pull changes into the main branch – they merge together.’ The should be used to ensure code quality and good practice. This helps reduce the risk of system crashing changes. </a:t>
-            </a:r>
-          </a:p>
-          <a:p>
-            <a:r>
-              <a:rPr lang="en-GB" dirty="0"/>
-              <a:t>git fetch</a:t>
-            </a:r>
-            <a:r>
-              <a:rPr lang="en-GB" b="0" i="0" dirty="0">
-                <a:solidFill>
-                  <a:srgbClr val="4D4D4D"/>
-                </a:solidFill>
-                <a:effectLst/>
-                <a:latin typeface="-apple-system"/>
-              </a:rPr>
-              <a:t> which downloads content from the specified remote repository.</a:t>
-            </a:r>
-          </a:p>
-          <a:p>
-            <a:r>
-              <a:rPr lang="en-GB" b="0" i="0" dirty="0">
-                <a:solidFill>
-                  <a:srgbClr val="4D4D4D"/>
-                </a:solidFill>
-                <a:effectLst/>
-                <a:latin typeface="-apple-system"/>
-              </a:rPr>
-              <a:t>hen a </a:t>
-            </a:r>
-            <a:r>
-              <a:rPr lang="en-GB" dirty="0"/>
-              <a:t>git merge</a:t>
-            </a:r>
-            <a:r>
-              <a:rPr lang="en-GB" b="0" i="0" dirty="0">
-                <a:solidFill>
-                  <a:srgbClr val="4D4D4D"/>
-                </a:solidFill>
-                <a:effectLst/>
-                <a:latin typeface="-apple-system"/>
-              </a:rPr>
-              <a:t> is executed to merge the remote content refs and heads into a new local merge commit</a:t>
-            </a:r>
-          </a:p>
-          <a:p>
-            <a:r>
-              <a:rPr lang="en-GB" dirty="0"/>
-              <a:t>git fetch</a:t>
-            </a:r>
-            <a:r>
-              <a:rPr lang="en-GB" b="0" i="0" dirty="0">
-                <a:solidFill>
-                  <a:srgbClr val="4D4D4D"/>
-                </a:solidFill>
-                <a:effectLst/>
-                <a:latin typeface="-apple-system"/>
-              </a:rPr>
-              <a:t> will download the remote content and not alter the state of the local repository</a:t>
-            </a:r>
-          </a:p>
-          <a:p>
-            <a:r>
-              <a:rPr lang="en-GB" b="0" i="0" dirty="0">
-                <a:solidFill>
-                  <a:srgbClr val="4D4D4D"/>
-                </a:solidFill>
-                <a:effectLst/>
-                <a:latin typeface="-apple-system"/>
-              </a:rPr>
-              <a:t>This means that you need to provide 4 pieces of information to file a pull request: the source repository, the source branch, the destination repository, and the destination branch. When working on feature branch, when wanting to merge into the main to say you have finished development of the feature the source will be your feature branch, and the destination will be the main branch. </a:t>
-            </a:r>
-            <a:r>
-              <a:rPr lang="en-GB" b="0" i="0" dirty="0" err="1">
-                <a:solidFill>
-                  <a:srgbClr val="4D4D4D"/>
-                </a:solidFill>
-                <a:effectLst/>
-                <a:latin typeface="-apple-system"/>
-              </a:rPr>
-              <a:t>Pul</a:t>
-            </a:r>
-            <a:endParaRPr lang="en-GB" b="0" i="0" dirty="0">
-              <a:solidFill>
-                <a:srgbClr val="4D4D4D"/>
-              </a:solidFill>
-              <a:effectLst/>
-              <a:latin typeface="-apple-system"/>
-            </a:endParaRPr>
-          </a:p>
-          <a:p>
-            <a:endParaRPr lang="en-GB"/>
+              <a:rPr lang="en-US" dirty="0"/>
+              <a:t>Branch –</a:t>
+            </a:r>
+            <a:r>
+              <a:rPr lang="en-US" dirty="0" err="1"/>
+              <a:t>vv</a:t>
+            </a:r>
+            <a:r>
+              <a:rPr lang="en-US" dirty="0"/>
+              <a:t> shows all the branches you have (locally), the upstream in the branches and the last git commit title </a:t>
+            </a:r>
+          </a:p>
+          <a:p>
+            <a:r>
+              <a:rPr lang="en-US" dirty="0"/>
+              <a:t>Branch –a shows all the branches remotely </a:t>
+            </a:r>
           </a:p>
         </p:txBody>
       </p:sp>
@@ -3597,7 +3651,7 @@
             <a:fld id="{E281BEE5-2167-43D4-9CA5-1C6577398972}" type="slidenum">
               <a:rPr lang="en-GB" smtClean="0"/>
               <a:pPr/>
-              <a:t>36</a:t>
+              <a:t>32</a:t>
             </a:fld>
             <a:endParaRPr lang="en-GB"/>
           </a:p>
@@ -3606,7 +3660,7 @@
     </p:spTree>
     <p:extLst>
       <p:ext uri="{BB962C8B-B14F-4D97-AF65-F5344CB8AC3E}">
-        <p14:creationId xmlns:p14="http://schemas.microsoft.com/office/powerpoint/2010/main" val="827595680"/>
+        <p14:creationId xmlns:p14="http://schemas.microsoft.com/office/powerpoint/2010/main" val="1694629273"/>
       </p:ext>
     </p:extLst>
   </p:cSld>
@@ -3662,8 +3716,53 @@
           <a:p>
             <a:r>
               <a:rPr lang="en-GB" dirty="0"/>
-              <a:t>Would you like to pull and merge the new files in feature-001 into main? </a:t>
-            </a:r>
+              <a:t>Git branch </a:t>
+            </a:r>
+            <a:r>
+              <a:rPr lang="en-GB" dirty="0" err="1"/>
+              <a:t>branchName</a:t>
+            </a:r>
+            <a:r>
+              <a:rPr lang="en-GB" dirty="0"/>
+              <a:t> (Creates a new branch) </a:t>
+            </a:r>
+          </a:p>
+          <a:p>
+            <a:r>
+              <a:rPr lang="en-GB" dirty="0"/>
+              <a:t>Git branch –a list all branches </a:t>
+            </a:r>
+          </a:p>
+          <a:p>
+            <a:r>
+              <a:rPr lang="en-GB" dirty="0"/>
+              <a:t>Git checkout –b </a:t>
+            </a:r>
+            <a:r>
+              <a:rPr lang="en-GB" dirty="0" err="1"/>
+              <a:t>branchName</a:t>
+            </a:r>
+            <a:r>
+              <a:rPr lang="en-GB" dirty="0"/>
+              <a:t> (Create a new branch and switch to it.)</a:t>
+            </a:r>
+          </a:p>
+          <a:p>
+            <a:r>
+              <a:rPr lang="en-GB" dirty="0"/>
+              <a:t>Git checkout </a:t>
+            </a:r>
+            <a:r>
+              <a:rPr lang="en-GB" dirty="0" err="1"/>
+              <a:t>branchname</a:t>
+            </a:r>
+            <a:r>
+              <a:rPr lang="en-GB" dirty="0"/>
+              <a:t> (Switch to a branch)</a:t>
+            </a:r>
+          </a:p>
+          <a:p>
+            <a:endParaRPr lang="en-US" dirty="0"/>
           </a:p>
         </p:txBody>
       </p:sp>
@@ -3685,7 +3784,7 @@
             <a:fld id="{E281BEE5-2167-43D4-9CA5-1C6577398972}" type="slidenum">
               <a:rPr lang="en-GB" smtClean="0"/>
               <a:pPr/>
-              <a:t>38</a:t>
+              <a:t>33</a:t>
             </a:fld>
             <a:endParaRPr lang="en-GB"/>
           </a:p>
@@ -3694,7 +3793,7 @@
     </p:spTree>
     <p:extLst>
       <p:ext uri="{BB962C8B-B14F-4D97-AF65-F5344CB8AC3E}">
-        <p14:creationId xmlns:p14="http://schemas.microsoft.com/office/powerpoint/2010/main" val="2662329651"/>
+        <p14:creationId xmlns:p14="http://schemas.microsoft.com/office/powerpoint/2010/main" val="3546700083"/>
       </p:ext>
     </p:extLst>
   </p:cSld>
@@ -3750,15 +3849,270 @@
           <a:p>
             <a:r>
               <a:rPr lang="en-GB" dirty="0"/>
-              <a:t>Forking (which is what we do with git clone (shown </a:t>
-            </a:r>
-            <a:r>
-              <a:rPr lang="en-GB" dirty="0" err="1"/>
-              <a:t>ealier</a:t>
-            </a:r>
+              <a:t>Git pull requests ‘pull changes into the main branch – they merge together.’ The should be used to ensure code quality and good practice. This helps reduce the risk of system crashing changes. </a:t>
+            </a:r>
+          </a:p>
+          <a:p>
             <a:r>
               <a:rPr lang="en-GB" dirty="0"/>
-              <a:t>) makes a copy of the repository you are working on. </a:t>
+              <a:t>git fetch</a:t>
+            </a:r>
+            <a:r>
+              <a:rPr lang="en-GB" b="0" i="0" dirty="0">
+                <a:solidFill>
+                  <a:srgbClr val="4D4D4D"/>
+                </a:solidFill>
+                <a:effectLst/>
+                <a:latin typeface="-apple-system"/>
+              </a:rPr>
+              <a:t> which downloads content from the specified remote repository.</a:t>
+            </a:r>
+          </a:p>
+          <a:p>
+            <a:r>
+              <a:rPr lang="en-GB" b="0" i="0" dirty="0">
+                <a:solidFill>
+                  <a:srgbClr val="4D4D4D"/>
+                </a:solidFill>
+                <a:effectLst/>
+                <a:latin typeface="-apple-system"/>
+              </a:rPr>
+              <a:t>hen a </a:t>
+            </a:r>
+            <a:r>
+              <a:rPr lang="en-GB" dirty="0"/>
+              <a:t>git merge</a:t>
+            </a:r>
+            <a:r>
+              <a:rPr lang="en-GB" b="0" i="0" dirty="0">
+                <a:solidFill>
+                  <a:srgbClr val="4D4D4D"/>
+                </a:solidFill>
+                <a:effectLst/>
+                <a:latin typeface="-apple-system"/>
+              </a:rPr>
+              <a:t> is executed to merge the remote content refs and heads into a new local merge commit</a:t>
+            </a:r>
+          </a:p>
+          <a:p>
+            <a:r>
+              <a:rPr lang="en-GB" dirty="0"/>
+              <a:t>git fetch</a:t>
+            </a:r>
+            <a:r>
+              <a:rPr lang="en-GB" b="0" i="0" dirty="0">
+                <a:solidFill>
+                  <a:srgbClr val="4D4D4D"/>
+                </a:solidFill>
+                <a:effectLst/>
+                <a:latin typeface="-apple-system"/>
+              </a:rPr>
+              <a:t> will download the remote content and not alter the state of the local repository</a:t>
+            </a:r>
+          </a:p>
+          <a:p>
+            <a:r>
+              <a:rPr lang="en-GB" b="0" i="0" dirty="0">
+                <a:solidFill>
+                  <a:srgbClr val="4D4D4D"/>
+                </a:solidFill>
+                <a:effectLst/>
+                <a:latin typeface="-apple-system"/>
+              </a:rPr>
+              <a:t>This means that you need to provide 4 pieces of information to file a pull request: the source repository, the source branch, the destination repository, and the destination branch. When working on feature branch, when wanting to merge into the main to say you have finished development of the feature the source will be your feature branch, and the destination will be the main branch. </a:t>
+            </a:r>
+            <a:r>
+              <a:rPr lang="en-GB" b="0" i="0" dirty="0" err="1">
+                <a:solidFill>
+                  <a:srgbClr val="4D4D4D"/>
+                </a:solidFill>
+                <a:effectLst/>
+                <a:latin typeface="-apple-system"/>
+              </a:rPr>
+              <a:t>Pul</a:t>
+            </a:r>
+            <a:endParaRPr lang="en-GB" b="0" i="0" dirty="0">
+              <a:solidFill>
+                <a:srgbClr val="4D4D4D"/>
+              </a:solidFill>
+              <a:effectLst/>
+              <a:latin typeface="-apple-system"/>
+            </a:endParaRPr>
+          </a:p>
+          <a:p>
+            <a:endParaRPr lang="en-GB"/>
+          </a:p>
+        </p:txBody>
+      </p:sp>
+      <p:sp>
+        <p:nvSpPr>
+          <p:cNvPr id="4" name="Slide Number Placeholder 3"/>
+          <p:cNvSpPr>
+            <a:spLocks noGrp="1"/>
+          </p:cNvSpPr>
+          <p:nvPr>
+            <p:ph type="sldNum" sz="quarter" idx="5"/>
+          </p:nvPr>
+        </p:nvSpPr>
+        <p:spPr/>
+        <p:txBody>
+          <a:bodyPr/>
+          <a:lstStyle/>
+          <a:p>
+            <a:fld id="{E281BEE5-2167-43D4-9CA5-1C6577398972}" type="slidenum">
+              <a:rPr lang="en-GB" smtClean="0"/>
+              <a:pPr/>
+              <a:t>37</a:t>
+            </a:fld>
+            <a:endParaRPr lang="en-GB"/>
+          </a:p>
+        </p:txBody>
+      </p:sp>
+    </p:spTree>
+    <p:extLst>
+      <p:ext uri="{BB962C8B-B14F-4D97-AF65-F5344CB8AC3E}">
+        <p14:creationId xmlns:p14="http://schemas.microsoft.com/office/powerpoint/2010/main" val="827595680"/>
+      </p:ext>
+    </p:extLst>
+  </p:cSld>
+  <p:clrMapOvr>
+    <a:masterClrMapping/>
+  </p:clrMapOvr>
+</p:notes>
+</file>
+
+<file path=ppt/notesSlides/notesSlide27.xml><?xml version="1.0" encoding="utf-8"?>
+<p:notes xmlns:a="http://schemas.openxmlformats.org/drawingml/2006/main" xmlns:r="http://schemas.openxmlformats.org/officeDocument/2006/relationships" xmlns:p="http://schemas.openxmlformats.org/presentationml/2006/main">
+  <p:cSld>
+    <p:spTree>
+      <p:nvGrpSpPr>
+        <p:cNvPr id="1" name=""/>
+        <p:cNvGrpSpPr/>
+        <p:nvPr/>
+      </p:nvGrpSpPr>
+      <p:grpSpPr>
+        <a:xfrm>
+          <a:off x="0" y="0"/>
+          <a:ext cx="0" cy="0"/>
+          <a:chOff x="0" y="0"/>
+          <a:chExt cx="0" cy="0"/>
+        </a:xfrm>
+      </p:grpSpPr>
+      <p:sp>
+        <p:nvSpPr>
+          <p:cNvPr id="2" name="Slide Image Placeholder 1"/>
+          <p:cNvSpPr>
+            <a:spLocks noGrp="1" noRot="1" noChangeAspect="1"/>
+          </p:cNvSpPr>
+          <p:nvPr>
+            <p:ph type="sldImg"/>
+          </p:nvPr>
+        </p:nvSpPr>
+        <p:spPr/>
+      </p:sp>
+      <p:sp>
+        <p:nvSpPr>
+          <p:cNvPr id="3" name="Notes Placeholder 2"/>
+          <p:cNvSpPr>
+            <a:spLocks noGrp="1"/>
+          </p:cNvSpPr>
+          <p:nvPr>
+            <p:ph type="body" idx="1"/>
+          </p:nvPr>
+        </p:nvSpPr>
+        <p:spPr/>
+        <p:txBody>
+          <a:bodyPr/>
+          <a:lstStyle/>
+          <a:p>
+            <a:endParaRPr lang="en-GB" dirty="0"/>
+          </a:p>
+        </p:txBody>
+      </p:sp>
+      <p:sp>
+        <p:nvSpPr>
+          <p:cNvPr id="4" name="Slide Number Placeholder 3"/>
+          <p:cNvSpPr>
+            <a:spLocks noGrp="1"/>
+          </p:cNvSpPr>
+          <p:nvPr>
+            <p:ph type="sldNum" sz="quarter" idx="5"/>
+          </p:nvPr>
+        </p:nvSpPr>
+        <p:spPr/>
+        <p:txBody>
+          <a:bodyPr/>
+          <a:lstStyle/>
+          <a:p>
+            <a:fld id="{E281BEE5-2167-43D4-9CA5-1C6577398972}" type="slidenum">
+              <a:rPr lang="en-GB" smtClean="0"/>
+              <a:pPr/>
+              <a:t>38</a:t>
+            </a:fld>
+            <a:endParaRPr lang="en-GB"/>
+          </a:p>
+        </p:txBody>
+      </p:sp>
+    </p:spTree>
+    <p:extLst>
+      <p:ext uri="{BB962C8B-B14F-4D97-AF65-F5344CB8AC3E}">
+        <p14:creationId xmlns:p14="http://schemas.microsoft.com/office/powerpoint/2010/main" val="1372542652"/>
+      </p:ext>
+    </p:extLst>
+  </p:cSld>
+  <p:clrMapOvr>
+    <a:masterClrMapping/>
+  </p:clrMapOvr>
+</p:notes>
+</file>
+
+<file path=ppt/notesSlides/notesSlide28.xml><?xml version="1.0" encoding="utf-8"?>
+<p:notes xmlns:a="http://schemas.openxmlformats.org/drawingml/2006/main" xmlns:r="http://schemas.openxmlformats.org/officeDocument/2006/relationships" xmlns:p="http://schemas.openxmlformats.org/presentationml/2006/main">
+  <p:cSld>
+    <p:spTree>
+      <p:nvGrpSpPr>
+        <p:cNvPr id="1" name=""/>
+        <p:cNvGrpSpPr/>
+        <p:nvPr/>
+      </p:nvGrpSpPr>
+      <p:grpSpPr>
+        <a:xfrm>
+          <a:off x="0" y="0"/>
+          <a:ext cx="0" cy="0"/>
+          <a:chOff x="0" y="0"/>
+          <a:chExt cx="0" cy="0"/>
+        </a:xfrm>
+      </p:grpSpPr>
+      <p:sp>
+        <p:nvSpPr>
+          <p:cNvPr id="2" name="Slide Image Placeholder 1"/>
+          <p:cNvSpPr>
+            <a:spLocks noGrp="1" noRot="1" noChangeAspect="1"/>
+          </p:cNvSpPr>
+          <p:nvPr>
+            <p:ph type="sldImg"/>
+          </p:nvPr>
+        </p:nvSpPr>
+        <p:spPr/>
+      </p:sp>
+      <p:sp>
+        <p:nvSpPr>
+          <p:cNvPr id="3" name="Notes Placeholder 2"/>
+          <p:cNvSpPr>
+            <a:spLocks noGrp="1"/>
+          </p:cNvSpPr>
+          <p:nvPr>
+            <p:ph type="body" idx="1"/>
+          </p:nvPr>
+        </p:nvSpPr>
+        <p:spPr/>
+        <p:txBody>
+          <a:bodyPr/>
+          <a:lstStyle/>
+          <a:p>
+            <a:r>
+              <a:rPr lang="en-GB" dirty="0"/>
+              <a:t>Would you like to pull and merge the new files in feature-001 into main? </a:t>
             </a:r>
           </a:p>
         </p:txBody>
@@ -3782,6 +4136,102 @@
               <a:rPr lang="en-GB" smtClean="0"/>
               <a:pPr/>
               <a:t>39</a:t>
+            </a:fld>
+            <a:endParaRPr lang="en-GB"/>
+          </a:p>
+        </p:txBody>
+      </p:sp>
+    </p:spTree>
+    <p:extLst>
+      <p:ext uri="{BB962C8B-B14F-4D97-AF65-F5344CB8AC3E}">
+        <p14:creationId xmlns:p14="http://schemas.microsoft.com/office/powerpoint/2010/main" val="2662329651"/>
+      </p:ext>
+    </p:extLst>
+  </p:cSld>
+  <p:clrMapOvr>
+    <a:masterClrMapping/>
+  </p:clrMapOvr>
+</p:notes>
+</file>
+
+<file path=ppt/notesSlides/notesSlide29.xml><?xml version="1.0" encoding="utf-8"?>
+<p:notes xmlns:a="http://schemas.openxmlformats.org/drawingml/2006/main" xmlns:r="http://schemas.openxmlformats.org/officeDocument/2006/relationships" xmlns:p="http://schemas.openxmlformats.org/presentationml/2006/main">
+  <p:cSld>
+    <p:spTree>
+      <p:nvGrpSpPr>
+        <p:cNvPr id="1" name=""/>
+        <p:cNvGrpSpPr/>
+        <p:nvPr/>
+      </p:nvGrpSpPr>
+      <p:grpSpPr>
+        <a:xfrm>
+          <a:off x="0" y="0"/>
+          <a:ext cx="0" cy="0"/>
+          <a:chOff x="0" y="0"/>
+          <a:chExt cx="0" cy="0"/>
+        </a:xfrm>
+      </p:grpSpPr>
+      <p:sp>
+        <p:nvSpPr>
+          <p:cNvPr id="2" name="Slide Image Placeholder 1"/>
+          <p:cNvSpPr>
+            <a:spLocks noGrp="1" noRot="1" noChangeAspect="1"/>
+          </p:cNvSpPr>
+          <p:nvPr>
+            <p:ph type="sldImg"/>
+          </p:nvPr>
+        </p:nvSpPr>
+        <p:spPr/>
+      </p:sp>
+      <p:sp>
+        <p:nvSpPr>
+          <p:cNvPr id="3" name="Notes Placeholder 2"/>
+          <p:cNvSpPr>
+            <a:spLocks noGrp="1"/>
+          </p:cNvSpPr>
+          <p:nvPr>
+            <p:ph type="body" idx="1"/>
+          </p:nvPr>
+        </p:nvSpPr>
+        <p:spPr/>
+        <p:txBody>
+          <a:bodyPr/>
+          <a:lstStyle/>
+          <a:p>
+            <a:r>
+              <a:rPr lang="en-GB" dirty="0"/>
+              <a:t>Forking (which is what we do with git clone (shown </a:t>
+            </a:r>
+            <a:r>
+              <a:rPr lang="en-GB" dirty="0" err="1"/>
+              <a:t>ealier</a:t>
+            </a:r>
+            <a:r>
+              <a:rPr lang="en-GB" dirty="0"/>
+              <a:t>) makes a copy of the repository you are working on. </a:t>
+            </a:r>
+          </a:p>
+        </p:txBody>
+      </p:sp>
+      <p:sp>
+        <p:nvSpPr>
+          <p:cNvPr id="4" name="Slide Number Placeholder 3"/>
+          <p:cNvSpPr>
+            <a:spLocks noGrp="1"/>
+          </p:cNvSpPr>
+          <p:nvPr>
+            <p:ph type="sldNum" sz="quarter" idx="5"/>
+          </p:nvPr>
+        </p:nvSpPr>
+        <p:spPr/>
+        <p:txBody>
+          <a:bodyPr/>
+          <a:lstStyle/>
+          <a:p>
+            <a:fld id="{E281BEE5-2167-43D4-9CA5-1C6577398972}" type="slidenum">
+              <a:rPr lang="en-GB" smtClean="0"/>
+              <a:pPr/>
+              <a:t>40</a:t>
             </a:fld>
             <a:endParaRPr lang="en-GB"/>
           </a:p>
@@ -3868,13 +4318,18 @@
             <a:fld id="{E281BEE5-2167-43D4-9CA5-1C6577398972}" type="slidenum">
               <a:rPr lang="en-GB" smtClean="0"/>
               <a:pPr/>
-              <a:t>4</a:t>
+              <a:t>3</a:t>
             </a:fld>
             <a:endParaRPr lang="en-GB"/>
           </a:p>
         </p:txBody>
       </p:sp>
     </p:spTree>
+    <p:extLst>
+      <p:ext uri="{BB962C8B-B14F-4D97-AF65-F5344CB8AC3E}">
+        <p14:creationId xmlns:p14="http://schemas.microsoft.com/office/powerpoint/2010/main" val="3671519472"/>
+      </p:ext>
+    </p:extLst>
   </p:cSld>
   <p:clrMapOvr>
     <a:masterClrMapping/>
@@ -3923,10 +4378,12 @@
         </p:nvSpPr>
         <p:spPr/>
         <p:txBody>
-          <a:bodyPr/>
-          <a:lstStyle/>
-          <a:p>
-            <a:endParaRPr lang="en-GB" dirty="0"/>
+          <a:bodyPr>
+            <a:normAutofit/>
+          </a:bodyPr>
+          <a:lstStyle/>
+          <a:p>
+            <a:endParaRPr lang="bs-Latn-BA" dirty="0"/>
           </a:p>
         </p:txBody>
       </p:sp>
@@ -3937,7 +4394,7 @@
             <a:spLocks noGrp="1"/>
           </p:cNvSpPr>
           <p:nvPr>
-            <p:ph type="sldNum" sz="quarter" idx="5"/>
+            <p:ph type="sldNum" sz="quarter" idx="10"/>
           </p:nvPr>
         </p:nvSpPr>
         <p:spPr/>
@@ -3948,18 +4405,13 @@
             <a:fld id="{E281BEE5-2167-43D4-9CA5-1C6577398972}" type="slidenum">
               <a:rPr lang="en-GB" smtClean="0"/>
               <a:pPr/>
-              <a:t>5</a:t>
+              <a:t>4</a:t>
             </a:fld>
             <a:endParaRPr lang="en-GB"/>
           </a:p>
         </p:txBody>
       </p:sp>
     </p:spTree>
-    <p:extLst>
-      <p:ext uri="{BB962C8B-B14F-4D97-AF65-F5344CB8AC3E}">
-        <p14:creationId xmlns:p14="http://schemas.microsoft.com/office/powerpoint/2010/main" val="935042702"/>
-      </p:ext>
-    </p:extLst>
   </p:cSld>
   <p:clrMapOvr>
     <a:masterClrMapping/>
@@ -4033,7 +4485,7 @@
             <a:fld id="{E281BEE5-2167-43D4-9CA5-1C6577398972}" type="slidenum">
               <a:rPr lang="en-GB" smtClean="0"/>
               <a:pPr/>
-              <a:t>8</a:t>
+              <a:t>5</a:t>
             </a:fld>
             <a:endParaRPr lang="en-GB"/>
           </a:p>
@@ -4042,7 +4494,7 @@
     </p:spTree>
     <p:extLst>
       <p:ext uri="{BB962C8B-B14F-4D97-AF65-F5344CB8AC3E}">
-        <p14:creationId xmlns:p14="http://schemas.microsoft.com/office/powerpoint/2010/main" val="244103089"/>
+        <p14:creationId xmlns:p14="http://schemas.microsoft.com/office/powerpoint/2010/main" val="935042702"/>
       </p:ext>
     </p:extLst>
   </p:cSld>
@@ -4118,7 +4570,7 @@
             <a:fld id="{E281BEE5-2167-43D4-9CA5-1C6577398972}" type="slidenum">
               <a:rPr lang="en-GB" smtClean="0"/>
               <a:pPr/>
-              <a:t>11</a:t>
+              <a:t>6</a:t>
             </a:fld>
             <a:endParaRPr lang="en-GB"/>
           </a:p>
@@ -4127,7 +4579,7 @@
     </p:spTree>
     <p:extLst>
       <p:ext uri="{BB962C8B-B14F-4D97-AF65-F5344CB8AC3E}">
-        <p14:creationId xmlns:p14="http://schemas.microsoft.com/office/powerpoint/2010/main" val="4150372349"/>
+        <p14:creationId xmlns:p14="http://schemas.microsoft.com/office/powerpoint/2010/main" val="155134508"/>
       </p:ext>
     </p:extLst>
   </p:cSld>
@@ -4181,34 +4633,7 @@
           <a:bodyPr/>
           <a:lstStyle/>
           <a:p>
-            <a:r>
-              <a:rPr lang="en-US" dirty="0"/>
-              <a:t>HTTPS gives read access </a:t>
-            </a:r>
-          </a:p>
-          <a:p>
-            <a:r>
-              <a:rPr lang="en-US" dirty="0"/>
-              <a:t>SSH gives edit access </a:t>
-            </a:r>
-          </a:p>
-          <a:p>
-            <a:r>
-              <a:rPr lang="en-GB" dirty="0">
-                <a:effectLst/>
-              </a:rPr>
-              <a:t>git push -u origin main</a:t>
-            </a:r>
-            <a:r>
-              <a:rPr lang="en-US" dirty="0">
-                <a:effectLst/>
-              </a:rPr>
-              <a:t> – tells git to always push to the remote repository that is defined as origin, so you don’t have to keep specifying </a:t>
-            </a:r>
-            <a:endParaRPr lang="en-US" dirty="0"/>
-          </a:p>
-          <a:p>
-            <a:endParaRPr lang="en-US" dirty="0"/>
+            <a:endParaRPr lang="en-GB" dirty="0"/>
           </a:p>
         </p:txBody>
       </p:sp>
@@ -4230,7 +4655,7 @@
             <a:fld id="{E281BEE5-2167-43D4-9CA5-1C6577398972}" type="slidenum">
               <a:rPr lang="en-GB" smtClean="0"/>
               <a:pPr/>
-              <a:t>15</a:t>
+              <a:t>8</a:t>
             </a:fld>
             <a:endParaRPr lang="en-GB"/>
           </a:p>
@@ -4239,7 +4664,7 @@
     </p:spTree>
     <p:extLst>
       <p:ext uri="{BB962C8B-B14F-4D97-AF65-F5344CB8AC3E}">
-        <p14:creationId xmlns:p14="http://schemas.microsoft.com/office/powerpoint/2010/main" val="4255191483"/>
+        <p14:creationId xmlns:p14="http://schemas.microsoft.com/office/powerpoint/2010/main" val="244103089"/>
       </p:ext>
     </p:extLst>
   </p:cSld>
@@ -4293,40 +4718,6 @@
           <a:bodyPr/>
           <a:lstStyle/>
           <a:p>
-            <a:r>
-              <a:rPr lang="en-GB" dirty="0"/>
-              <a:t>This then sets up the local directory with the information you need it to be a git repository. To check if your directory is a git repository look for a hidden .git file. Without this, the directory is not a repository. Can be done in the bash terminal with ls –a. or in windows command with </a:t>
-            </a:r>
-            <a:r>
-              <a:rPr lang="en-GB" b="0" i="0" u="none" strike="noStrike" dirty="0">
-                <a:solidFill>
-                  <a:srgbClr val="040C28"/>
-                </a:solidFill>
-                <a:effectLst/>
-                <a:latin typeface="Google Sans"/>
-              </a:rPr>
-              <a:t>dir /</a:t>
-            </a:r>
-            <a:r>
-              <a:rPr lang="en-GB" b="0" i="0" u="none" strike="noStrike" dirty="0" err="1">
-                <a:solidFill>
-                  <a:srgbClr val="040C28"/>
-                </a:solidFill>
-                <a:effectLst/>
-                <a:latin typeface="Google Sans"/>
-              </a:rPr>
-              <a:t>a:h</a:t>
-            </a:r>
-            <a:r>
-              <a:rPr lang="en-GB" b="0" i="0" u="none" strike="noStrike" dirty="0">
-                <a:solidFill>
-                  <a:srgbClr val="040C28"/>
-                </a:solidFill>
-                <a:effectLst/>
-                <a:latin typeface="Google Sans"/>
-              </a:rPr>
-              <a:t> </a:t>
-            </a:r>
             <a:endParaRPr lang="en-GB" dirty="0"/>
           </a:p>
         </p:txBody>
@@ -4349,7 +4740,7 @@
             <a:fld id="{E281BEE5-2167-43D4-9CA5-1C6577398972}" type="slidenum">
               <a:rPr lang="en-GB" smtClean="0"/>
               <a:pPr/>
-              <a:t>16</a:t>
+              <a:t>10</a:t>
             </a:fld>
             <a:endParaRPr lang="en-GB"/>
           </a:p>
@@ -4358,7 +4749,7 @@
     </p:spTree>
     <p:extLst>
       <p:ext uri="{BB962C8B-B14F-4D97-AF65-F5344CB8AC3E}">
-        <p14:creationId xmlns:p14="http://schemas.microsoft.com/office/powerpoint/2010/main" val="2102889841"/>
+        <p14:creationId xmlns:p14="http://schemas.microsoft.com/office/powerpoint/2010/main" val="4150372349"/>
       </p:ext>
     </p:extLst>
   </p:cSld>
@@ -4413,40 +4804,33 @@
           <a:lstStyle/>
           <a:p>
             <a:r>
-              <a:rPr lang="en-GB" dirty="0"/>
-              <a:t>This then sets up the local directory with the information you need it to be a git repository. To check if your directory is a git repository look for a hidden .git file. Without this, the directory is not a repository. Can be done in the bash terminal with ls –a. </a:t>
-            </a:r>
-            <a:r>
-              <a:rPr lang="en-GB" b="0" i="0" u="none" strike="noStrike" dirty="0">
-                <a:solidFill>
-                  <a:srgbClr val="040C28"/>
-                </a:solidFill>
+              <a:rPr lang="en-US" dirty="0"/>
+              <a:t>HTTPS gives read access </a:t>
+            </a:r>
+          </a:p>
+          <a:p>
+            <a:r>
+              <a:rPr lang="en-US" dirty="0"/>
+              <a:t>SSH gives edit access </a:t>
+            </a:r>
+          </a:p>
+          <a:p>
+            <a:r>
+              <a:rPr lang="en-GB" dirty="0">
                 <a:effectLst/>
-                <a:latin typeface="Google Sans"/>
               </a:rPr>
-              <a:t>dir /</a:t>
-            </a:r>
-            <a:r>
-              <a:rPr lang="en-GB" b="0" i="0" u="none" strike="noStrike" dirty="0" err="1">
-                <a:solidFill>
-                  <a:srgbClr val="040C28"/>
-                </a:solidFill>
+              <a:t>git push -u origin main</a:t>
+            </a:r>
+            <a:r>
+              <a:rPr lang="en-US" dirty="0">
                 <a:effectLst/>
-                <a:latin typeface="Google Sans"/>
               </a:rPr>
-              <a:t>a:h</a:t>
-            </a:r>
-            <a:r>
-              <a:rPr lang="en-GB" b="0" i="0" u="none" strike="noStrike" dirty="0">
-                <a:solidFill>
-                  <a:srgbClr val="040C28"/>
-                </a:solidFill>
-                <a:effectLst/>
-                <a:latin typeface="Google Sans"/>
-              </a:rPr>
-              <a:t>  </a:t>
-            </a:r>
-            <a:endParaRPr lang="en-GB" dirty="0"/>
+              <a:t> – tells git to always push to the remote repository that is defined as origin, so you don’t have to keep specifying </a:t>
+            </a:r>
+            <a:endParaRPr lang="en-US" dirty="0"/>
+          </a:p>
+          <a:p>
+            <a:endParaRPr lang="en-US" dirty="0"/>
           </a:p>
         </p:txBody>
       </p:sp>
@@ -4468,7 +4852,7 @@
             <a:fld id="{E281BEE5-2167-43D4-9CA5-1C6577398972}" type="slidenum">
               <a:rPr lang="en-GB" smtClean="0"/>
               <a:pPr/>
-              <a:t>17</a:t>
+              <a:t>14</a:t>
             </a:fld>
             <a:endParaRPr lang="en-GB"/>
           </a:p>
@@ -4477,7 +4861,7 @@
     </p:spTree>
     <p:extLst>
       <p:ext uri="{BB962C8B-B14F-4D97-AF65-F5344CB8AC3E}">
-        <p14:creationId xmlns:p14="http://schemas.microsoft.com/office/powerpoint/2010/main" val="1045572873"/>
+        <p14:creationId xmlns:p14="http://schemas.microsoft.com/office/powerpoint/2010/main" val="4255191483"/>
       </p:ext>
     </p:extLst>
   </p:cSld>
@@ -11691,124 +12075,6 @@
       </p:grpSpPr>
       <p:sp>
         <p:nvSpPr>
-          <p:cNvPr id="5" name="Title 4">
-            <a:extLst>
-              <a:ext uri="{FF2B5EF4-FFF2-40B4-BE49-F238E27FC236}">
-                <a16:creationId xmlns:a16="http://schemas.microsoft.com/office/drawing/2014/main" id="{6E06CE56-1EEC-5229-C574-9552C9C0A7DD}"/>
-              </a:ext>
-            </a:extLst>
-          </p:cNvPr>
-          <p:cNvSpPr>
-            <a:spLocks noGrp="1"/>
-          </p:cNvSpPr>
-          <p:nvPr>
-            <p:ph type="ctrTitle"/>
-          </p:nvPr>
-        </p:nvSpPr>
-        <p:spPr/>
-        <p:txBody>
-          <a:bodyPr/>
-          <a:lstStyle/>
-          <a:p>
-            <a:r>
-              <a:rPr lang="en-US" dirty="0"/>
-              <a:t>Repositories </a:t>
-            </a:r>
-          </a:p>
-        </p:txBody>
-      </p:sp>
-      <p:sp>
-        <p:nvSpPr>
-          <p:cNvPr id="6" name="Subtitle 5">
-            <a:extLst>
-              <a:ext uri="{FF2B5EF4-FFF2-40B4-BE49-F238E27FC236}">
-                <a16:creationId xmlns:a16="http://schemas.microsoft.com/office/drawing/2014/main" id="{3D8E3A5C-6203-9DD6-DCC6-5638031E6B35}"/>
-              </a:ext>
-            </a:extLst>
-          </p:cNvPr>
-          <p:cNvSpPr>
-            <a:spLocks noGrp="1"/>
-          </p:cNvSpPr>
-          <p:nvPr>
-            <p:ph type="subTitle" idx="1"/>
-          </p:nvPr>
-        </p:nvSpPr>
-        <p:spPr/>
-        <p:txBody>
-          <a:bodyPr/>
-          <a:lstStyle/>
-          <a:p>
-            <a:endParaRPr lang="en-US"/>
-          </a:p>
-        </p:txBody>
-      </p:sp>
-      <p:sp>
-        <p:nvSpPr>
-          <p:cNvPr id="4" name="Slide Number Placeholder 3">
-            <a:extLst>
-              <a:ext uri="{FF2B5EF4-FFF2-40B4-BE49-F238E27FC236}">
-                <a16:creationId xmlns:a16="http://schemas.microsoft.com/office/drawing/2014/main" id="{5A022488-BBA7-911B-0552-2618FE4CB876}"/>
-              </a:ext>
-            </a:extLst>
-          </p:cNvPr>
-          <p:cNvSpPr>
-            <a:spLocks noGrp="1"/>
-          </p:cNvSpPr>
-          <p:nvPr>
-            <p:ph type="sldNum" sz="quarter" idx="4294967295"/>
-          </p:nvPr>
-        </p:nvSpPr>
-        <p:spPr>
-          <a:xfrm>
-            <a:off x="7010400" y="4767263"/>
-            <a:ext cx="2133600" cy="274637"/>
-          </a:xfrm>
-        </p:spPr>
-        <p:txBody>
-          <a:bodyPr/>
-          <a:lstStyle/>
-          <a:p>
-            <a:fld id="{D57F1E4F-1CFF-5643-939E-02111984F565}" type="slidenum">
-              <a:rPr lang="en-US" smtClean="0"/>
-              <a:pPr/>
-              <a:t>10</a:t>
-            </a:fld>
-            <a:endParaRPr lang="en-US" dirty="0"/>
-          </a:p>
-        </p:txBody>
-      </p:sp>
-    </p:spTree>
-    <p:extLst>
-      <p:ext uri="{BB962C8B-B14F-4D97-AF65-F5344CB8AC3E}">
-        <p14:creationId xmlns:p14="http://schemas.microsoft.com/office/powerpoint/2010/main" val="213382425"/>
-      </p:ext>
-    </p:extLst>
-  </p:cSld>
-  <p:clrMapOvr>
-    <a:masterClrMapping/>
-  </p:clrMapOvr>
-</p:sld>
-</file>
-
-<file path=ppt/slides/slide11.xml><?xml version="1.0" encoding="utf-8"?>
-<p:sld xmlns:a="http://schemas.openxmlformats.org/drawingml/2006/main" xmlns:r="http://schemas.openxmlformats.org/officeDocument/2006/relationships" xmlns:p="http://schemas.openxmlformats.org/presentationml/2006/main">
-  <p:cSld>
-    <p:spTree>
-      <p:nvGrpSpPr>
-        <p:cNvPr id="1" name=""/>
-        <p:cNvGrpSpPr/>
-        <p:nvPr/>
-      </p:nvGrpSpPr>
-      <p:grpSpPr>
-        <a:xfrm>
-          <a:off x="0" y="0"/>
-          <a:ext cx="0" cy="0"/>
-          <a:chOff x="0" y="0"/>
-          <a:chExt cx="0" cy="0"/>
-        </a:xfrm>
-      </p:grpSpPr>
-      <p:sp>
-        <p:nvSpPr>
           <p:cNvPr id="2" name="Title 1">
             <a:extLst>
               <a:ext uri="{FF2B5EF4-FFF2-40B4-BE49-F238E27FC236}">
@@ -11864,7 +12130,7 @@
             <a:fld id="{D57F1E4F-1CFF-5643-939E-02111984F565}" type="slidenum">
               <a:rPr lang="en-US" smtClean="0"/>
               <a:pPr/>
-              <a:t>11</a:t>
+              <a:t>10</a:t>
             </a:fld>
             <a:endParaRPr lang="en-US" dirty="0"/>
           </a:p>
@@ -12148,7 +12414,7 @@
 </p:sld>
 </file>
 
-<file path=ppt/slides/slide12.xml><?xml version="1.0" encoding="utf-8"?>
+<file path=ppt/slides/slide11.xml><?xml version="1.0" encoding="utf-8"?>
 <p:sld xmlns:a="http://schemas.openxmlformats.org/drawingml/2006/main" xmlns:r="http://schemas.openxmlformats.org/officeDocument/2006/relationships" xmlns:p="http://schemas.openxmlformats.org/presentationml/2006/main">
   <p:cSld>
     <p:spTree>
@@ -12247,7 +12513,7 @@
             <a:fld id="{A82AD956-1430-46BB-93C5-FEC803E7C388}" type="slidenum">
               <a:rPr lang="bs-Latn-BA" smtClean="0"/>
               <a:pPr/>
-              <a:t>12</a:t>
+              <a:t>11</a:t>
             </a:fld>
             <a:endParaRPr lang="bs-Latn-BA"/>
           </a:p>
@@ -12296,7 +12562,7 @@
 </p:sld>
 </file>
 
-<file path=ppt/slides/slide13.xml><?xml version="1.0" encoding="utf-8"?>
+<file path=ppt/slides/slide12.xml><?xml version="1.0" encoding="utf-8"?>
 <p:sld xmlns:a="http://schemas.openxmlformats.org/drawingml/2006/main" xmlns:r="http://schemas.openxmlformats.org/officeDocument/2006/relationships" xmlns:p="http://schemas.openxmlformats.org/presentationml/2006/main">
   <p:cSld>
     <p:spTree>
@@ -12365,7 +12631,7 @@
             <a:fld id="{A82AD956-1430-46BB-93C5-FEC803E7C388}" type="slidenum">
               <a:rPr lang="bs-Latn-BA" smtClean="0"/>
               <a:pPr/>
-              <a:t>13</a:t>
+              <a:t>12</a:t>
             </a:fld>
             <a:endParaRPr lang="bs-Latn-BA"/>
           </a:p>
@@ -12414,7 +12680,7 @@
 </p:sld>
 </file>
 
-<file path=ppt/slides/slide14.xml><?xml version="1.0" encoding="utf-8"?>
+<file path=ppt/slides/slide13.xml><?xml version="1.0" encoding="utf-8"?>
 <p:sld xmlns:a="http://schemas.openxmlformats.org/drawingml/2006/main" xmlns:r="http://schemas.openxmlformats.org/officeDocument/2006/relationships" xmlns:p="http://schemas.openxmlformats.org/presentationml/2006/main">
   <p:cSld>
     <p:spTree>
@@ -12513,7 +12779,7 @@
             <a:fld id="{A82AD956-1430-46BB-93C5-FEC803E7C388}" type="slidenum">
               <a:rPr lang="bs-Latn-BA" smtClean="0"/>
               <a:pPr/>
-              <a:t>14</a:t>
+              <a:t>13</a:t>
             </a:fld>
             <a:endParaRPr lang="bs-Latn-BA"/>
           </a:p>
@@ -12562,7 +12828,7 @@
 </p:sld>
 </file>
 
-<file path=ppt/slides/slide15.xml><?xml version="1.0" encoding="utf-8"?>
+<file path=ppt/slides/slide14.xml><?xml version="1.0" encoding="utf-8"?>
 <p:sld xmlns:a="http://schemas.openxmlformats.org/drawingml/2006/main" xmlns:r="http://schemas.openxmlformats.org/officeDocument/2006/relationships" xmlns:p="http://schemas.openxmlformats.org/presentationml/2006/main">
   <p:cSld>
     <p:spTree>
@@ -12696,7 +12962,7 @@
             <a:fld id="{A82AD956-1430-46BB-93C5-FEC803E7C388}" type="slidenum">
               <a:rPr lang="bs-Latn-BA" smtClean="0"/>
               <a:pPr/>
-              <a:t>15</a:t>
+              <a:t>14</a:t>
             </a:fld>
             <a:endParaRPr lang="bs-Latn-BA"/>
           </a:p>
@@ -12845,7 +13111,7 @@
 </p:sld>
 </file>
 
-<file path=ppt/slides/slide16.xml><?xml version="1.0" encoding="utf-8"?>
+<file path=ppt/slides/slide15.xml><?xml version="1.0" encoding="utf-8"?>
 <p:sld xmlns:a="http://schemas.openxmlformats.org/drawingml/2006/main" xmlns:r="http://schemas.openxmlformats.org/officeDocument/2006/relationships" xmlns:p="http://schemas.openxmlformats.org/presentationml/2006/main">
   <p:cSld>
     <p:spTree>
@@ -12968,7 +13234,7 @@
             <a:fld id="{A82AD956-1430-46BB-93C5-FEC803E7C388}" type="slidenum">
               <a:rPr lang="bs-Latn-BA" smtClean="0"/>
               <a:pPr/>
-              <a:t>16</a:t>
+              <a:t>15</a:t>
             </a:fld>
             <a:endParaRPr lang="bs-Latn-BA"/>
           </a:p>
@@ -13016,7 +13282,7 @@
 </p:sld>
 </file>
 
-<file path=ppt/slides/slide17.xml><?xml version="1.0" encoding="utf-8"?>
+<file path=ppt/slides/slide16.xml><?xml version="1.0" encoding="utf-8"?>
 <p:sld xmlns:a="http://schemas.openxmlformats.org/drawingml/2006/main" xmlns:r="http://schemas.openxmlformats.org/officeDocument/2006/relationships" xmlns:p="http://schemas.openxmlformats.org/presentationml/2006/main">
   <p:cSld>
     <p:spTree>
@@ -13123,7 +13389,7 @@
             <a:fld id="{A82AD956-1430-46BB-93C5-FEC803E7C388}" type="slidenum">
               <a:rPr lang="bs-Latn-BA" smtClean="0"/>
               <a:pPr/>
-              <a:t>17</a:t>
+              <a:t>16</a:t>
             </a:fld>
             <a:endParaRPr lang="bs-Latn-BA"/>
           </a:p>
@@ -13221,7 +13487,7 @@
 </p:sld>
 </file>
 
-<file path=ppt/slides/slide18.xml><?xml version="1.0" encoding="utf-8"?>
+<file path=ppt/slides/slide17.xml><?xml version="1.0" encoding="utf-8"?>
 <p:sld xmlns:a="http://schemas.openxmlformats.org/drawingml/2006/main" xmlns:r="http://schemas.openxmlformats.org/officeDocument/2006/relationships" xmlns:p="http://schemas.openxmlformats.org/presentationml/2006/main">
   <p:cSld>
     <p:spTree>
@@ -13290,7 +13556,7 @@
             <a:fld id="{A82AD956-1430-46BB-93C5-FEC803E7C388}" type="slidenum">
               <a:rPr lang="bs-Latn-BA" smtClean="0"/>
               <a:pPr/>
-              <a:t>18</a:t>
+              <a:t>17</a:t>
             </a:fld>
             <a:endParaRPr lang="bs-Latn-BA"/>
           </a:p>
@@ -13420,7 +13686,7 @@
 </p:sld>
 </file>
 
-<file path=ppt/slides/slide19.xml><?xml version="1.0" encoding="utf-8"?>
+<file path=ppt/slides/slide18.xml><?xml version="1.0" encoding="utf-8"?>
 <p:sld xmlns:a="http://schemas.openxmlformats.org/drawingml/2006/main" xmlns:r="http://schemas.openxmlformats.org/officeDocument/2006/relationships" xmlns:p="http://schemas.openxmlformats.org/presentationml/2006/main">
   <p:cSld>
     <p:spTree>
@@ -13495,7 +13761,7 @@
             <a:fld id="{A82AD956-1430-46BB-93C5-FEC803E7C388}" type="slidenum">
               <a:rPr lang="bs-Latn-BA" smtClean="0"/>
               <a:pPr/>
-              <a:t>19</a:t>
+              <a:t>18</a:t>
             </a:fld>
             <a:endParaRPr lang="bs-Latn-BA"/>
           </a:p>
@@ -13544,6 +13810,124 @@
 </p:sld>
 </file>
 
+<file path=ppt/slides/slide19.xml><?xml version="1.0" encoding="utf-8"?>
+<p:sld xmlns:a="http://schemas.openxmlformats.org/drawingml/2006/main" xmlns:r="http://schemas.openxmlformats.org/officeDocument/2006/relationships" xmlns:p="http://schemas.openxmlformats.org/presentationml/2006/main">
+  <p:cSld>
+    <p:spTree>
+      <p:nvGrpSpPr>
+        <p:cNvPr id="1" name=""/>
+        <p:cNvGrpSpPr/>
+        <p:nvPr/>
+      </p:nvGrpSpPr>
+      <p:grpSpPr>
+        <a:xfrm>
+          <a:off x="0" y="0"/>
+          <a:ext cx="0" cy="0"/>
+          <a:chOff x="0" y="0"/>
+          <a:chExt cx="0" cy="0"/>
+        </a:xfrm>
+      </p:grpSpPr>
+      <p:sp>
+        <p:nvSpPr>
+          <p:cNvPr id="5" name="Title 4">
+            <a:extLst>
+              <a:ext uri="{FF2B5EF4-FFF2-40B4-BE49-F238E27FC236}">
+                <a16:creationId xmlns:a16="http://schemas.microsoft.com/office/drawing/2014/main" id="{A35CF6EF-3A8E-EA3C-8E1C-D477C7E31C6F}"/>
+              </a:ext>
+            </a:extLst>
+          </p:cNvPr>
+          <p:cNvSpPr>
+            <a:spLocks noGrp="1"/>
+          </p:cNvSpPr>
+          <p:nvPr>
+            <p:ph type="ctrTitle"/>
+          </p:nvPr>
+        </p:nvSpPr>
+        <p:spPr/>
+        <p:txBody>
+          <a:bodyPr/>
+          <a:lstStyle/>
+          <a:p>
+            <a:r>
+              <a:rPr lang="en-US" dirty="0"/>
+              <a:t>Git Procedures </a:t>
+            </a:r>
+          </a:p>
+        </p:txBody>
+      </p:sp>
+      <p:sp>
+        <p:nvSpPr>
+          <p:cNvPr id="6" name="Subtitle 5">
+            <a:extLst>
+              <a:ext uri="{FF2B5EF4-FFF2-40B4-BE49-F238E27FC236}">
+                <a16:creationId xmlns:a16="http://schemas.microsoft.com/office/drawing/2014/main" id="{3ADAF044-30C1-D91B-678A-6679327C1CD2}"/>
+              </a:ext>
+            </a:extLst>
+          </p:cNvPr>
+          <p:cNvSpPr>
+            <a:spLocks noGrp="1"/>
+          </p:cNvSpPr>
+          <p:nvPr>
+            <p:ph type="subTitle" idx="1"/>
+          </p:nvPr>
+        </p:nvSpPr>
+        <p:spPr/>
+        <p:txBody>
+          <a:bodyPr/>
+          <a:lstStyle/>
+          <a:p>
+            <a:endParaRPr lang="en-US"/>
+          </a:p>
+        </p:txBody>
+      </p:sp>
+      <p:sp>
+        <p:nvSpPr>
+          <p:cNvPr id="4" name="Slide Number Placeholder 3">
+            <a:extLst>
+              <a:ext uri="{FF2B5EF4-FFF2-40B4-BE49-F238E27FC236}">
+                <a16:creationId xmlns:a16="http://schemas.microsoft.com/office/drawing/2014/main" id="{2B182D8A-B210-B6A4-598F-FE91CEB2EC8B}"/>
+              </a:ext>
+            </a:extLst>
+          </p:cNvPr>
+          <p:cNvSpPr>
+            <a:spLocks noGrp="1"/>
+          </p:cNvSpPr>
+          <p:nvPr>
+            <p:ph type="sldNum" sz="quarter" idx="4294967295"/>
+          </p:nvPr>
+        </p:nvSpPr>
+        <p:spPr>
+          <a:xfrm>
+            <a:off x="7010400" y="4767263"/>
+            <a:ext cx="2133600" cy="274637"/>
+          </a:xfrm>
+        </p:spPr>
+        <p:txBody>
+          <a:bodyPr/>
+          <a:lstStyle/>
+          <a:p>
+            <a:fld id="{A82AD956-1430-46BB-93C5-FEC803E7C388}" type="slidenum">
+              <a:rPr lang="bs-Latn-BA" smtClean="0"/>
+              <a:pPr/>
+              <a:t>19</a:t>
+            </a:fld>
+            <a:endParaRPr lang="bs-Latn-BA"/>
+          </a:p>
+        </p:txBody>
+      </p:sp>
+    </p:spTree>
+    <p:extLst>
+      <p:ext uri="{BB962C8B-B14F-4D97-AF65-F5344CB8AC3E}">
+        <p14:creationId xmlns:p14="http://schemas.microsoft.com/office/powerpoint/2010/main" val="1671897137"/>
+      </p:ext>
+    </p:extLst>
+  </p:cSld>
+  <p:clrMapOvr>
+    <a:masterClrMapping/>
+  </p:clrMapOvr>
+</p:sld>
+</file>
+
 <file path=ppt/slides/slide2.xml><?xml version="1.0" encoding="utf-8"?>
 <p:sld xmlns:a="http://schemas.openxmlformats.org/drawingml/2006/main" xmlns:r="http://schemas.openxmlformats.org/officeDocument/2006/relationships" xmlns:p="http://schemas.openxmlformats.org/presentationml/2006/main">
   <p:cSld>
@@ -13671,124 +14055,6 @@
       </p:grpSpPr>
       <p:sp>
         <p:nvSpPr>
-          <p:cNvPr id="5" name="Title 4">
-            <a:extLst>
-              <a:ext uri="{FF2B5EF4-FFF2-40B4-BE49-F238E27FC236}">
-                <a16:creationId xmlns:a16="http://schemas.microsoft.com/office/drawing/2014/main" id="{A35CF6EF-3A8E-EA3C-8E1C-D477C7E31C6F}"/>
-              </a:ext>
-            </a:extLst>
-          </p:cNvPr>
-          <p:cNvSpPr>
-            <a:spLocks noGrp="1"/>
-          </p:cNvSpPr>
-          <p:nvPr>
-            <p:ph type="ctrTitle"/>
-          </p:nvPr>
-        </p:nvSpPr>
-        <p:spPr/>
-        <p:txBody>
-          <a:bodyPr/>
-          <a:lstStyle/>
-          <a:p>
-            <a:r>
-              <a:rPr lang="en-US" dirty="0"/>
-              <a:t>Git Procedures </a:t>
-            </a:r>
-          </a:p>
-        </p:txBody>
-      </p:sp>
-      <p:sp>
-        <p:nvSpPr>
-          <p:cNvPr id="6" name="Subtitle 5">
-            <a:extLst>
-              <a:ext uri="{FF2B5EF4-FFF2-40B4-BE49-F238E27FC236}">
-                <a16:creationId xmlns:a16="http://schemas.microsoft.com/office/drawing/2014/main" id="{3ADAF044-30C1-D91B-678A-6679327C1CD2}"/>
-              </a:ext>
-            </a:extLst>
-          </p:cNvPr>
-          <p:cNvSpPr>
-            <a:spLocks noGrp="1"/>
-          </p:cNvSpPr>
-          <p:nvPr>
-            <p:ph type="subTitle" idx="1"/>
-          </p:nvPr>
-        </p:nvSpPr>
-        <p:spPr/>
-        <p:txBody>
-          <a:bodyPr/>
-          <a:lstStyle/>
-          <a:p>
-            <a:endParaRPr lang="en-US"/>
-          </a:p>
-        </p:txBody>
-      </p:sp>
-      <p:sp>
-        <p:nvSpPr>
-          <p:cNvPr id="4" name="Slide Number Placeholder 3">
-            <a:extLst>
-              <a:ext uri="{FF2B5EF4-FFF2-40B4-BE49-F238E27FC236}">
-                <a16:creationId xmlns:a16="http://schemas.microsoft.com/office/drawing/2014/main" id="{2B182D8A-B210-B6A4-598F-FE91CEB2EC8B}"/>
-              </a:ext>
-            </a:extLst>
-          </p:cNvPr>
-          <p:cNvSpPr>
-            <a:spLocks noGrp="1"/>
-          </p:cNvSpPr>
-          <p:nvPr>
-            <p:ph type="sldNum" sz="quarter" idx="4294967295"/>
-          </p:nvPr>
-        </p:nvSpPr>
-        <p:spPr>
-          <a:xfrm>
-            <a:off x="7010400" y="4767263"/>
-            <a:ext cx="2133600" cy="274637"/>
-          </a:xfrm>
-        </p:spPr>
-        <p:txBody>
-          <a:bodyPr/>
-          <a:lstStyle/>
-          <a:p>
-            <a:fld id="{A82AD956-1430-46BB-93C5-FEC803E7C388}" type="slidenum">
-              <a:rPr lang="bs-Latn-BA" smtClean="0"/>
-              <a:pPr/>
-              <a:t>20</a:t>
-            </a:fld>
-            <a:endParaRPr lang="bs-Latn-BA"/>
-          </a:p>
-        </p:txBody>
-      </p:sp>
-    </p:spTree>
-    <p:extLst>
-      <p:ext uri="{BB962C8B-B14F-4D97-AF65-F5344CB8AC3E}">
-        <p14:creationId xmlns:p14="http://schemas.microsoft.com/office/powerpoint/2010/main" val="1671897137"/>
-      </p:ext>
-    </p:extLst>
-  </p:cSld>
-  <p:clrMapOvr>
-    <a:masterClrMapping/>
-  </p:clrMapOvr>
-</p:sld>
-</file>
-
-<file path=ppt/slides/slide21.xml><?xml version="1.0" encoding="utf-8"?>
-<p:sld xmlns:a="http://schemas.openxmlformats.org/drawingml/2006/main" xmlns:r="http://schemas.openxmlformats.org/officeDocument/2006/relationships" xmlns:p="http://schemas.openxmlformats.org/presentationml/2006/main">
-  <p:cSld>
-    <p:spTree>
-      <p:nvGrpSpPr>
-        <p:cNvPr id="1" name=""/>
-        <p:cNvGrpSpPr/>
-        <p:nvPr/>
-      </p:nvGrpSpPr>
-      <p:grpSpPr>
-        <a:xfrm>
-          <a:off x="0" y="0"/>
-          <a:ext cx="0" cy="0"/>
-          <a:chOff x="0" y="0"/>
-          <a:chExt cx="0" cy="0"/>
-        </a:xfrm>
-      </p:grpSpPr>
-      <p:sp>
-        <p:nvSpPr>
           <p:cNvPr id="2" name="Title 1">
             <a:extLst>
               <a:ext uri="{FF2B5EF4-FFF2-40B4-BE49-F238E27FC236}">
@@ -13839,7 +14105,7 @@
             <a:fld id="{A82AD956-1430-46BB-93C5-FEC803E7C388}" type="slidenum">
               <a:rPr lang="bs-Latn-BA" smtClean="0"/>
               <a:pPr/>
-              <a:t>21</a:t>
+              <a:t>20</a:t>
             </a:fld>
             <a:endParaRPr lang="bs-Latn-BA"/>
           </a:p>
@@ -14572,6 +14838,118 @@
 </p:sld>
 </file>
 
+<file path=ppt/slides/slide21.xml><?xml version="1.0" encoding="utf-8"?>
+<p:sld xmlns:a="http://schemas.openxmlformats.org/drawingml/2006/main" xmlns:r="http://schemas.openxmlformats.org/officeDocument/2006/relationships" xmlns:p="http://schemas.openxmlformats.org/presentationml/2006/main">
+  <p:cSld>
+    <p:spTree>
+      <p:nvGrpSpPr>
+        <p:cNvPr id="1" name=""/>
+        <p:cNvGrpSpPr/>
+        <p:nvPr/>
+      </p:nvGrpSpPr>
+      <p:grpSpPr>
+        <a:xfrm>
+          <a:off x="0" y="0"/>
+          <a:ext cx="0" cy="0"/>
+          <a:chOff x="0" y="0"/>
+          <a:chExt cx="0" cy="0"/>
+        </a:xfrm>
+      </p:grpSpPr>
+      <p:sp>
+        <p:nvSpPr>
+          <p:cNvPr id="2" name="Title 1"/>
+          <p:cNvSpPr>
+            <a:spLocks noGrp="1"/>
+          </p:cNvSpPr>
+          <p:nvPr>
+            <p:ph type="title"/>
+          </p:nvPr>
+        </p:nvSpPr>
+        <p:spPr/>
+        <p:txBody>
+          <a:bodyPr/>
+          <a:lstStyle/>
+          <a:p>
+            <a:r>
+              <a:rPr lang="en-US" sz="3600" dirty="0"/>
+              <a:t>Git Status</a:t>
+            </a:r>
+            <a:endParaRPr lang="bs-Latn-BA" dirty="0"/>
+          </a:p>
+        </p:txBody>
+      </p:sp>
+      <p:sp>
+        <p:nvSpPr>
+          <p:cNvPr id="5" name="Content Placeholder 4"/>
+          <p:cNvSpPr>
+            <a:spLocks noGrp="1"/>
+          </p:cNvSpPr>
+          <p:nvPr>
+            <p:ph idx="1"/>
+          </p:nvPr>
+        </p:nvSpPr>
+        <p:spPr/>
+        <p:txBody>
+          <a:bodyPr/>
+          <a:lstStyle/>
+          <a:p>
+            <a:r>
+              <a:rPr lang="en-GB" dirty="0"/>
+              <a:t>Git status tells you what information git is aware of. If a file is untracked git has no knowledge that the file exists. Git will be able to tell you if one of the files in git has been changed or added too. </a:t>
+            </a:r>
+          </a:p>
+          <a:p>
+            <a:pPr marL="0" indent="0">
+              <a:buNone/>
+            </a:pPr>
+            <a:r>
+              <a:rPr lang="en-GB" sz="1800" dirty="0">
+                <a:latin typeface="Menlo" panose="020B0609030804020204" pitchFamily="49" charset="0"/>
+                <a:ea typeface="Menlo" panose="020B0609030804020204" pitchFamily="49" charset="0"/>
+                <a:cs typeface="Menlo" panose="020B0609030804020204" pitchFamily="49" charset="0"/>
+              </a:rPr>
+              <a:t>							git status </a:t>
+            </a:r>
+            <a:endParaRPr lang="en-US" sz="1800" dirty="0">
+              <a:latin typeface="Menlo" panose="020B0609030804020204" pitchFamily="49" charset="0"/>
+              <a:ea typeface="Menlo" panose="020B0609030804020204" pitchFamily="49" charset="0"/>
+              <a:cs typeface="Menlo" panose="020B0609030804020204" pitchFamily="49" charset="0"/>
+            </a:endParaRPr>
+          </a:p>
+        </p:txBody>
+      </p:sp>
+      <p:sp>
+        <p:nvSpPr>
+          <p:cNvPr id="4" name="Slide Number Placeholder 3"/>
+          <p:cNvSpPr>
+            <a:spLocks noGrp="1"/>
+          </p:cNvSpPr>
+          <p:nvPr>
+            <p:ph type="sldNum" sz="quarter" idx="12"/>
+          </p:nvPr>
+        </p:nvSpPr>
+        <p:spPr/>
+        <p:txBody>
+          <a:bodyPr/>
+          <a:lstStyle/>
+          <a:p>
+            <a:fld id="{A82AD956-1430-46BB-93C5-FEC803E7C388}" type="slidenum">
+              <a:rPr lang="bs-Latn-BA" smtClean="0"/>
+              <a:pPr/>
+              <a:t>21</a:t>
+            </a:fld>
+            <a:endParaRPr lang="bs-Latn-BA"/>
+          </a:p>
+        </p:txBody>
+      </p:sp>
+    </p:spTree>
+  </p:cSld>
+  <p:clrMapOvr>
+    <a:masterClrMapping/>
+  </p:clrMapOvr>
+</p:sld>
+</file>
+
 <file path=ppt/slides/slide22.xml><?xml version="1.0" encoding="utf-8"?>
 <p:sld xmlns:a="http://schemas.openxmlformats.org/drawingml/2006/main" xmlns:r="http://schemas.openxmlformats.org/officeDocument/2006/relationships" xmlns:p="http://schemas.openxmlformats.org/presentationml/2006/main">
   <p:cSld>
@@ -14591,118 +14969,6 @@
       </p:grpSpPr>
       <p:sp>
         <p:nvSpPr>
-          <p:cNvPr id="2" name="Title 1"/>
-          <p:cNvSpPr>
-            <a:spLocks noGrp="1"/>
-          </p:cNvSpPr>
-          <p:nvPr>
-            <p:ph type="title"/>
-          </p:nvPr>
-        </p:nvSpPr>
-        <p:spPr/>
-        <p:txBody>
-          <a:bodyPr/>
-          <a:lstStyle/>
-          <a:p>
-            <a:r>
-              <a:rPr lang="en-US" sz="3600" dirty="0"/>
-              <a:t>Git Status</a:t>
-            </a:r>
-            <a:endParaRPr lang="bs-Latn-BA" dirty="0"/>
-          </a:p>
-        </p:txBody>
-      </p:sp>
-      <p:sp>
-        <p:nvSpPr>
-          <p:cNvPr id="5" name="Content Placeholder 4"/>
-          <p:cNvSpPr>
-            <a:spLocks noGrp="1"/>
-          </p:cNvSpPr>
-          <p:nvPr>
-            <p:ph idx="1"/>
-          </p:nvPr>
-        </p:nvSpPr>
-        <p:spPr/>
-        <p:txBody>
-          <a:bodyPr/>
-          <a:lstStyle/>
-          <a:p>
-            <a:r>
-              <a:rPr lang="en-GB" dirty="0"/>
-              <a:t>Git status tells you what information git is aware of. If a file is untracked git has no knowledge that the file exists. Git will be able to tell you if one of the files in git has been changed or added too. </a:t>
-            </a:r>
-          </a:p>
-          <a:p>
-            <a:pPr marL="0" indent="0">
-              <a:buNone/>
-            </a:pPr>
-            <a:r>
-              <a:rPr lang="en-GB" sz="1800" dirty="0">
-                <a:latin typeface="Menlo" panose="020B0609030804020204" pitchFamily="49" charset="0"/>
-                <a:ea typeface="Menlo" panose="020B0609030804020204" pitchFamily="49" charset="0"/>
-                <a:cs typeface="Menlo" panose="020B0609030804020204" pitchFamily="49" charset="0"/>
-              </a:rPr>
-              <a:t>							git status </a:t>
-            </a:r>
-            <a:endParaRPr lang="en-US" sz="1800" dirty="0">
-              <a:latin typeface="Menlo" panose="020B0609030804020204" pitchFamily="49" charset="0"/>
-              <a:ea typeface="Menlo" panose="020B0609030804020204" pitchFamily="49" charset="0"/>
-              <a:cs typeface="Menlo" panose="020B0609030804020204" pitchFamily="49" charset="0"/>
-            </a:endParaRPr>
-          </a:p>
-        </p:txBody>
-      </p:sp>
-      <p:sp>
-        <p:nvSpPr>
-          <p:cNvPr id="4" name="Slide Number Placeholder 3"/>
-          <p:cNvSpPr>
-            <a:spLocks noGrp="1"/>
-          </p:cNvSpPr>
-          <p:nvPr>
-            <p:ph type="sldNum" sz="quarter" idx="12"/>
-          </p:nvPr>
-        </p:nvSpPr>
-        <p:spPr/>
-        <p:txBody>
-          <a:bodyPr/>
-          <a:lstStyle/>
-          <a:p>
-            <a:fld id="{A82AD956-1430-46BB-93C5-FEC803E7C388}" type="slidenum">
-              <a:rPr lang="bs-Latn-BA" smtClean="0"/>
-              <a:pPr/>
-              <a:t>22</a:t>
-            </a:fld>
-            <a:endParaRPr lang="bs-Latn-BA"/>
-          </a:p>
-        </p:txBody>
-      </p:sp>
-    </p:spTree>
-  </p:cSld>
-  <p:clrMapOvr>
-    <a:masterClrMapping/>
-  </p:clrMapOvr>
-</p:sld>
-</file>
-
-<file path=ppt/slides/slide23.xml><?xml version="1.0" encoding="utf-8"?>
-<p:sld xmlns:a="http://schemas.openxmlformats.org/drawingml/2006/main" xmlns:r="http://schemas.openxmlformats.org/officeDocument/2006/relationships" xmlns:p="http://schemas.openxmlformats.org/presentationml/2006/main">
-  <p:cSld>
-    <p:spTree>
-      <p:nvGrpSpPr>
-        <p:cNvPr id="1" name=""/>
-        <p:cNvGrpSpPr/>
-        <p:nvPr/>
-      </p:nvGrpSpPr>
-      <p:grpSpPr>
-        <a:xfrm>
-          <a:off x="0" y="0"/>
-          <a:ext cx="0" cy="0"/>
-          <a:chOff x="0" y="0"/>
-          <a:chExt cx="0" cy="0"/>
-        </a:xfrm>
-      </p:grpSpPr>
-      <p:sp>
-        <p:nvSpPr>
           <p:cNvPr id="2" name="Title 1">
             <a:extLst>
               <a:ext uri="{FF2B5EF4-FFF2-40B4-BE49-F238E27FC236}">
@@ -14753,7 +15019,7 @@
             <a:fld id="{D57F1E4F-1CFF-5643-939E-02111984F565}" type="slidenum">
               <a:rPr lang="en-US" smtClean="0"/>
               <a:pPr/>
-              <a:t>23</a:t>
+              <a:t>22</a:t>
             </a:fld>
             <a:endParaRPr lang="en-US" dirty="0"/>
           </a:p>
@@ -14802,7 +15068,7 @@
 </p:sld>
 </file>
 
-<file path=ppt/slides/slide24.xml><?xml version="1.0" encoding="utf-8"?>
+<file path=ppt/slides/slide23.xml><?xml version="1.0" encoding="utf-8"?>
 <p:sld xmlns:a="http://schemas.openxmlformats.org/drawingml/2006/main" xmlns:r="http://schemas.openxmlformats.org/officeDocument/2006/relationships" xmlns:p="http://schemas.openxmlformats.org/presentationml/2006/main">
   <p:cSld>
     <p:spTree>
@@ -14871,7 +15137,7 @@
             <a:fld id="{D57F1E4F-1CFF-5643-939E-02111984F565}" type="slidenum">
               <a:rPr lang="en-US" smtClean="0"/>
               <a:pPr/>
-              <a:t>24</a:t>
+              <a:t>23</a:t>
             </a:fld>
             <a:endParaRPr lang="en-US" dirty="0"/>
           </a:p>
@@ -14920,6 +15186,146 @@
 </p:sld>
 </file>
 
+<file path=ppt/slides/slide24.xml><?xml version="1.0" encoding="utf-8"?>
+<p:sld xmlns:a="http://schemas.openxmlformats.org/drawingml/2006/main" xmlns:r="http://schemas.openxmlformats.org/officeDocument/2006/relationships" xmlns:p="http://schemas.openxmlformats.org/presentationml/2006/main">
+  <p:cSld>
+    <p:spTree>
+      <p:nvGrpSpPr>
+        <p:cNvPr id="1" name=""/>
+        <p:cNvGrpSpPr/>
+        <p:nvPr/>
+      </p:nvGrpSpPr>
+      <p:grpSpPr>
+        <a:xfrm>
+          <a:off x="0" y="0"/>
+          <a:ext cx="0" cy="0"/>
+          <a:chOff x="0" y="0"/>
+          <a:chExt cx="0" cy="0"/>
+        </a:xfrm>
+      </p:grpSpPr>
+      <p:sp>
+        <p:nvSpPr>
+          <p:cNvPr id="2" name="Title 1">
+            <a:extLst>
+              <a:ext uri="{FF2B5EF4-FFF2-40B4-BE49-F238E27FC236}">
+                <a16:creationId xmlns:a16="http://schemas.microsoft.com/office/drawing/2014/main" id="{6E98CA57-67A7-4ACB-82DE-698D8852129B}"/>
+              </a:ext>
+            </a:extLst>
+          </p:cNvPr>
+          <p:cNvSpPr>
+            <a:spLocks noGrp="1"/>
+          </p:cNvSpPr>
+          <p:nvPr>
+            <p:ph type="title"/>
+          </p:nvPr>
+        </p:nvSpPr>
+        <p:spPr/>
+        <p:txBody>
+          <a:bodyPr/>
+          <a:lstStyle/>
+          <a:p>
+            <a:r>
+              <a:rPr lang="en-GB" dirty="0"/>
+              <a:t>Git Add </a:t>
+            </a:r>
+          </a:p>
+        </p:txBody>
+      </p:sp>
+      <p:sp>
+        <p:nvSpPr>
+          <p:cNvPr id="3" name="Content Placeholder 2">
+            <a:extLst>
+              <a:ext uri="{FF2B5EF4-FFF2-40B4-BE49-F238E27FC236}">
+                <a16:creationId xmlns:a16="http://schemas.microsoft.com/office/drawing/2014/main" id="{9743AA31-67D2-4729-9858-CFFB9047E682}"/>
+              </a:ext>
+            </a:extLst>
+          </p:cNvPr>
+          <p:cNvSpPr>
+            <a:spLocks noGrp="1"/>
+          </p:cNvSpPr>
+          <p:nvPr>
+            <p:ph idx="1"/>
+          </p:nvPr>
+        </p:nvSpPr>
+        <p:spPr/>
+        <p:txBody>
+          <a:bodyPr/>
+          <a:lstStyle/>
+          <a:p>
+            <a:r>
+              <a:rPr lang="en-GB" dirty="0"/>
+              <a:t>If you have an untracked file or a file with changes you need to add it to the git stating area: </a:t>
+            </a:r>
+          </a:p>
+          <a:p>
+            <a:pPr marL="0" indent="0" algn="ctr">
+              <a:buNone/>
+            </a:pPr>
+            <a:r>
+              <a:rPr lang="en-GB" dirty="0"/>
+              <a:t>git add filename.txt</a:t>
+            </a:r>
+          </a:p>
+          <a:p>
+            <a:endParaRPr lang="en-GB" dirty="0"/>
+          </a:p>
+          <a:p>
+            <a:pPr marL="0" indent="0" algn="ctr">
+              <a:buNone/>
+            </a:pPr>
+            <a:r>
+              <a:rPr lang="en-GB" dirty="0"/>
+              <a:t>git add . </a:t>
+            </a:r>
+          </a:p>
+          <a:p>
+            <a:endParaRPr lang="en-GB" dirty="0"/>
+          </a:p>
+        </p:txBody>
+      </p:sp>
+      <p:sp>
+        <p:nvSpPr>
+          <p:cNvPr id="4" name="Slide Number Placeholder 3">
+            <a:extLst>
+              <a:ext uri="{FF2B5EF4-FFF2-40B4-BE49-F238E27FC236}">
+                <a16:creationId xmlns:a16="http://schemas.microsoft.com/office/drawing/2014/main" id="{D35D159A-EA7C-4CE8-A30E-3AD5467709B6}"/>
+              </a:ext>
+            </a:extLst>
+          </p:cNvPr>
+          <p:cNvSpPr>
+            <a:spLocks noGrp="1"/>
+          </p:cNvSpPr>
+          <p:nvPr>
+            <p:ph type="sldNum" sz="quarter" idx="12"/>
+          </p:nvPr>
+        </p:nvSpPr>
+        <p:spPr/>
+        <p:txBody>
+          <a:bodyPr/>
+          <a:lstStyle/>
+          <a:p>
+            <a:fld id="{D57F1E4F-1CFF-5643-939E-02111984F565}" type="slidenum">
+              <a:rPr lang="en-US" smtClean="0"/>
+              <a:pPr/>
+              <a:t>24</a:t>
+            </a:fld>
+            <a:endParaRPr lang="en-US" dirty="0"/>
+          </a:p>
+        </p:txBody>
+      </p:sp>
+    </p:spTree>
+    <p:extLst>
+      <p:ext uri="{BB962C8B-B14F-4D97-AF65-F5344CB8AC3E}">
+        <p14:creationId xmlns:p14="http://schemas.microsoft.com/office/powerpoint/2010/main" val="1490756319"/>
+      </p:ext>
+    </p:extLst>
+  </p:cSld>
+  <p:clrMapOvr>
+    <a:masterClrMapping/>
+  </p:clrMapOvr>
+</p:sld>
+</file>
+
 <file path=ppt/slides/slide25.xml><?xml version="1.0" encoding="utf-8"?>
 <p:sld xmlns:a="http://schemas.openxmlformats.org/drawingml/2006/main" xmlns:r="http://schemas.openxmlformats.org/officeDocument/2006/relationships" xmlns:p="http://schemas.openxmlformats.org/presentationml/2006/main">
   <p:cSld>
@@ -14939,146 +15345,6 @@
       </p:grpSpPr>
       <p:sp>
         <p:nvSpPr>
-          <p:cNvPr id="2" name="Title 1">
-            <a:extLst>
-              <a:ext uri="{FF2B5EF4-FFF2-40B4-BE49-F238E27FC236}">
-                <a16:creationId xmlns:a16="http://schemas.microsoft.com/office/drawing/2014/main" id="{6E98CA57-67A7-4ACB-82DE-698D8852129B}"/>
-              </a:ext>
-            </a:extLst>
-          </p:cNvPr>
-          <p:cNvSpPr>
-            <a:spLocks noGrp="1"/>
-          </p:cNvSpPr>
-          <p:nvPr>
-            <p:ph type="title"/>
-          </p:nvPr>
-        </p:nvSpPr>
-        <p:spPr/>
-        <p:txBody>
-          <a:bodyPr/>
-          <a:lstStyle/>
-          <a:p>
-            <a:r>
-              <a:rPr lang="en-GB" dirty="0"/>
-              <a:t>Git Add </a:t>
-            </a:r>
-          </a:p>
-        </p:txBody>
-      </p:sp>
-      <p:sp>
-        <p:nvSpPr>
-          <p:cNvPr id="3" name="Content Placeholder 2">
-            <a:extLst>
-              <a:ext uri="{FF2B5EF4-FFF2-40B4-BE49-F238E27FC236}">
-                <a16:creationId xmlns:a16="http://schemas.microsoft.com/office/drawing/2014/main" id="{9743AA31-67D2-4729-9858-CFFB9047E682}"/>
-              </a:ext>
-            </a:extLst>
-          </p:cNvPr>
-          <p:cNvSpPr>
-            <a:spLocks noGrp="1"/>
-          </p:cNvSpPr>
-          <p:nvPr>
-            <p:ph idx="1"/>
-          </p:nvPr>
-        </p:nvSpPr>
-        <p:spPr/>
-        <p:txBody>
-          <a:bodyPr/>
-          <a:lstStyle/>
-          <a:p>
-            <a:r>
-              <a:rPr lang="en-GB" dirty="0"/>
-              <a:t>If you have an untracked file or a file with changes you need to add it to the git stating area: </a:t>
-            </a:r>
-          </a:p>
-          <a:p>
-            <a:pPr marL="0" indent="0" algn="ctr">
-              <a:buNone/>
-            </a:pPr>
-            <a:r>
-              <a:rPr lang="en-GB" dirty="0"/>
-              <a:t>git add filename.txt</a:t>
-            </a:r>
-          </a:p>
-          <a:p>
-            <a:endParaRPr lang="en-GB" dirty="0"/>
-          </a:p>
-          <a:p>
-            <a:pPr marL="0" indent="0" algn="ctr">
-              <a:buNone/>
-            </a:pPr>
-            <a:r>
-              <a:rPr lang="en-GB" dirty="0"/>
-              <a:t>git add . </a:t>
-            </a:r>
-          </a:p>
-          <a:p>
-            <a:endParaRPr lang="en-GB" dirty="0"/>
-          </a:p>
-        </p:txBody>
-      </p:sp>
-      <p:sp>
-        <p:nvSpPr>
-          <p:cNvPr id="4" name="Slide Number Placeholder 3">
-            <a:extLst>
-              <a:ext uri="{FF2B5EF4-FFF2-40B4-BE49-F238E27FC236}">
-                <a16:creationId xmlns:a16="http://schemas.microsoft.com/office/drawing/2014/main" id="{D35D159A-EA7C-4CE8-A30E-3AD5467709B6}"/>
-              </a:ext>
-            </a:extLst>
-          </p:cNvPr>
-          <p:cNvSpPr>
-            <a:spLocks noGrp="1"/>
-          </p:cNvSpPr>
-          <p:nvPr>
-            <p:ph type="sldNum" sz="quarter" idx="12"/>
-          </p:nvPr>
-        </p:nvSpPr>
-        <p:spPr/>
-        <p:txBody>
-          <a:bodyPr/>
-          <a:lstStyle/>
-          <a:p>
-            <a:fld id="{D57F1E4F-1CFF-5643-939E-02111984F565}" type="slidenum">
-              <a:rPr lang="en-US" smtClean="0"/>
-              <a:pPr/>
-              <a:t>25</a:t>
-            </a:fld>
-            <a:endParaRPr lang="en-US" dirty="0"/>
-          </a:p>
-        </p:txBody>
-      </p:sp>
-    </p:spTree>
-    <p:extLst>
-      <p:ext uri="{BB962C8B-B14F-4D97-AF65-F5344CB8AC3E}">
-        <p14:creationId xmlns:p14="http://schemas.microsoft.com/office/powerpoint/2010/main" val="1490756319"/>
-      </p:ext>
-    </p:extLst>
-  </p:cSld>
-  <p:clrMapOvr>
-    <a:masterClrMapping/>
-  </p:clrMapOvr>
-</p:sld>
-</file>
-
-<file path=ppt/slides/slide26.xml><?xml version="1.0" encoding="utf-8"?>
-<p:sld xmlns:a="http://schemas.openxmlformats.org/drawingml/2006/main" xmlns:r="http://schemas.openxmlformats.org/officeDocument/2006/relationships" xmlns:p="http://schemas.openxmlformats.org/presentationml/2006/main">
-  <p:cSld>
-    <p:spTree>
-      <p:nvGrpSpPr>
-        <p:cNvPr id="1" name=""/>
-        <p:cNvGrpSpPr/>
-        <p:nvPr/>
-      </p:nvGrpSpPr>
-      <p:grpSpPr>
-        <a:xfrm>
-          <a:off x="0" y="0"/>
-          <a:ext cx="0" cy="0"/>
-          <a:chOff x="0" y="0"/>
-          <a:chExt cx="0" cy="0"/>
-        </a:xfrm>
-      </p:grpSpPr>
-      <p:sp>
-        <p:nvSpPr>
           <p:cNvPr id="7" name="Title 1">
             <a:extLst>
               <a:ext uri="{FF2B5EF4-FFF2-40B4-BE49-F238E27FC236}">
@@ -15129,7 +15395,7 @@
             <a:fld id="{D57F1E4F-1CFF-5643-939E-02111984F565}" type="slidenum">
               <a:rPr lang="en-US" smtClean="0"/>
               <a:pPr/>
-              <a:t>26</a:t>
+              <a:t>25</a:t>
             </a:fld>
             <a:endParaRPr lang="en-US" dirty="0"/>
           </a:p>
@@ -15178,6 +15444,258 @@
 </p:sld>
 </file>
 
+<file path=ppt/slides/slide26.xml><?xml version="1.0" encoding="utf-8"?>
+<p:sld xmlns:a="http://schemas.openxmlformats.org/drawingml/2006/main" xmlns:r="http://schemas.openxmlformats.org/officeDocument/2006/relationships" xmlns:p="http://schemas.openxmlformats.org/presentationml/2006/main">
+  <p:cSld>
+    <p:spTree>
+      <p:nvGrpSpPr>
+        <p:cNvPr id="1" name=""/>
+        <p:cNvGrpSpPr/>
+        <p:nvPr/>
+      </p:nvGrpSpPr>
+      <p:grpSpPr>
+        <a:xfrm>
+          <a:off x="0" y="0"/>
+          <a:ext cx="0" cy="0"/>
+          <a:chOff x="0" y="0"/>
+          <a:chExt cx="0" cy="0"/>
+        </a:xfrm>
+      </p:grpSpPr>
+      <p:sp>
+        <p:nvSpPr>
+          <p:cNvPr id="2" name="Title 1">
+            <a:extLst>
+              <a:ext uri="{FF2B5EF4-FFF2-40B4-BE49-F238E27FC236}">
+                <a16:creationId xmlns:a16="http://schemas.microsoft.com/office/drawing/2014/main" id="{47ECDF65-BED6-48D3-98B8-2C45530CE906}"/>
+              </a:ext>
+            </a:extLst>
+          </p:cNvPr>
+          <p:cNvSpPr>
+            <a:spLocks noGrp="1"/>
+          </p:cNvSpPr>
+          <p:nvPr>
+            <p:ph type="title"/>
+          </p:nvPr>
+        </p:nvSpPr>
+        <p:spPr/>
+        <p:txBody>
+          <a:bodyPr/>
+          <a:lstStyle/>
+          <a:p>
+            <a:r>
+              <a:rPr lang="en-GB" dirty="0"/>
+              <a:t>Git Commit </a:t>
+            </a:r>
+          </a:p>
+        </p:txBody>
+      </p:sp>
+      <p:sp>
+        <p:nvSpPr>
+          <p:cNvPr id="4" name="Slide Number Placeholder 3">
+            <a:extLst>
+              <a:ext uri="{FF2B5EF4-FFF2-40B4-BE49-F238E27FC236}">
+                <a16:creationId xmlns:a16="http://schemas.microsoft.com/office/drawing/2014/main" id="{CA880BCF-3ACF-4210-9A3C-67556C584D74}"/>
+              </a:ext>
+            </a:extLst>
+          </p:cNvPr>
+          <p:cNvSpPr>
+            <a:spLocks noGrp="1"/>
+          </p:cNvSpPr>
+          <p:nvPr>
+            <p:ph type="sldNum" sz="quarter" idx="12"/>
+          </p:nvPr>
+        </p:nvSpPr>
+        <p:spPr/>
+        <p:txBody>
+          <a:bodyPr/>
+          <a:lstStyle/>
+          <a:p>
+            <a:fld id="{D57F1E4F-1CFF-5643-939E-02111984F565}" type="slidenum">
+              <a:rPr lang="en-US" smtClean="0"/>
+              <a:pPr/>
+              <a:t>26</a:t>
+            </a:fld>
+            <a:endParaRPr lang="en-US" dirty="0"/>
+          </a:p>
+        </p:txBody>
+      </p:sp>
+      <p:sp>
+        <p:nvSpPr>
+          <p:cNvPr id="8" name="TextBox 7">
+            <a:extLst>
+              <a:ext uri="{FF2B5EF4-FFF2-40B4-BE49-F238E27FC236}">
+                <a16:creationId xmlns:a16="http://schemas.microsoft.com/office/drawing/2014/main" id="{25391B19-34FD-4ACF-ABB6-42670CC2C150}"/>
+              </a:ext>
+            </a:extLst>
+          </p:cNvPr>
+          <p:cNvSpPr txBox="1"/>
+          <p:nvPr/>
+        </p:nvSpPr>
+        <p:spPr>
+          <a:xfrm>
+            <a:off x="395763" y="898072"/>
+            <a:ext cx="8068614" cy="3559949"/>
+          </a:xfrm>
+          <a:prstGeom prst="rect">
+            <a:avLst/>
+          </a:prstGeom>
+          <a:noFill/>
+        </p:spPr>
+        <p:txBody>
+          <a:bodyPr wrap="square">
+            <a:spAutoFit/>
+          </a:bodyPr>
+          <a:lstStyle/>
+          <a:p>
+            <a:r>
+              <a:rPr lang="en-GB" sz="1800" dirty="0">
+                <a:effectLst/>
+                <a:latin typeface="Calibri" panose="020F0502020204030204" pitchFamily="34" charset="0"/>
+                <a:ea typeface="Calibri" panose="020F0502020204030204" pitchFamily="34" charset="0"/>
+                <a:cs typeface="Times New Roman" panose="02020603050405020304" pitchFamily="18" charset="0"/>
+              </a:rPr>
+              <a:t>After you have added your files to the staging area you need to commit them. Think of this as saying to git “Yes I am ready for these changes to go onto the branch I am committing to it”. </a:t>
+            </a:r>
+            <a:r>
+              <a:rPr lang="en-GB" sz="1800" dirty="0" err="1">
+                <a:effectLst/>
+                <a:latin typeface="Calibri" panose="020F0502020204030204" pitchFamily="34" charset="0"/>
+                <a:ea typeface="Calibri" panose="020F0502020204030204" pitchFamily="34" charset="0"/>
+                <a:cs typeface="Times New Roman" panose="02020603050405020304" pitchFamily="18" charset="0"/>
+              </a:rPr>
+              <a:t>P.s</a:t>
+            </a:r>
+            <a:r>
+              <a:rPr lang="en-GB" sz="1800" dirty="0">
+                <a:effectLst/>
+                <a:latin typeface="Calibri" panose="020F0502020204030204" pitchFamily="34" charset="0"/>
+                <a:ea typeface="Calibri" panose="020F0502020204030204" pitchFamily="34" charset="0"/>
+                <a:cs typeface="Times New Roman" panose="02020603050405020304" pitchFamily="18" charset="0"/>
+              </a:rPr>
+              <a:t> this doesn’t mean you cannot change your mind. </a:t>
+            </a:r>
+          </a:p>
+          <a:p>
+            <a:r>
+              <a:rPr lang="en-GB" sz="1800" dirty="0">
+                <a:effectLst/>
+                <a:latin typeface="Calibri" panose="020F0502020204030204" pitchFamily="34" charset="0"/>
+                <a:ea typeface="Calibri" panose="020F0502020204030204" pitchFamily="34" charset="0"/>
+                <a:cs typeface="Times New Roman" panose="02020603050405020304" pitchFamily="18" charset="0"/>
+              </a:rPr>
+              <a:t>  </a:t>
+            </a:r>
+          </a:p>
+          <a:p>
+            <a:r>
+              <a:rPr lang="en-GB" sz="1800" dirty="0">
+                <a:effectLst/>
+                <a:latin typeface="Calibri" panose="020F0502020204030204" pitchFamily="34" charset="0"/>
+                <a:ea typeface="Calibri" panose="020F0502020204030204" pitchFamily="34" charset="0"/>
+                <a:cs typeface="Times New Roman" panose="02020603050405020304" pitchFamily="18" charset="0"/>
+              </a:rPr>
+              <a:t>The command to run a git commit in the terminal is as follows</a:t>
+            </a:r>
+          </a:p>
+          <a:p>
+            <a:pPr algn="ctr">
+              <a:spcAft>
+                <a:spcPts val="800"/>
+              </a:spcAft>
+            </a:pPr>
+            <a:endParaRPr lang="en-GB" sz="1600" spc="75" dirty="0">
+              <a:solidFill>
+                <a:srgbClr val="00E400"/>
+              </a:solidFill>
+              <a:effectLst/>
+              <a:latin typeface="Menlo"/>
+              <a:ea typeface="Times New Roman" panose="02020603050405020304" pitchFamily="18" charset="0"/>
+              <a:cs typeface="Times New Roman" panose="02020603050405020304" pitchFamily="18" charset="0"/>
+            </a:endParaRPr>
+          </a:p>
+          <a:p>
+            <a:pPr algn="ctr">
+              <a:spcAft>
+                <a:spcPts val="800"/>
+              </a:spcAft>
+            </a:pPr>
+            <a:r>
+              <a:rPr lang="en-GB" sz="1600" spc="75" dirty="0">
+                <a:effectLst/>
+                <a:latin typeface="Menlo"/>
+                <a:ea typeface="Times New Roman" panose="02020603050405020304" pitchFamily="18" charset="0"/>
+                <a:cs typeface="Times New Roman" panose="02020603050405020304" pitchFamily="18" charset="0"/>
+              </a:rPr>
+              <a:t>git commit -m “Title” -m “Description”</a:t>
+            </a:r>
+          </a:p>
+          <a:p>
+            <a:endParaRPr lang="en-GB" sz="1800" dirty="0">
+              <a:effectLst/>
+              <a:latin typeface="Calibri" panose="020F0502020204030204" pitchFamily="34" charset="0"/>
+              <a:ea typeface="Calibri" panose="020F0502020204030204" pitchFamily="34" charset="0"/>
+              <a:cs typeface="Times New Roman" panose="02020603050405020304" pitchFamily="18" charset="0"/>
+            </a:endParaRPr>
+          </a:p>
+          <a:p>
+            <a:r>
+              <a:rPr lang="en-GB" sz="1800" dirty="0">
+                <a:effectLst/>
+                <a:latin typeface="Calibri" panose="020F0502020204030204" pitchFamily="34" charset="0"/>
+                <a:ea typeface="Calibri" panose="020F0502020204030204" pitchFamily="34" charset="0"/>
+                <a:cs typeface="Times New Roman" panose="02020603050405020304" pitchFamily="18" charset="0"/>
+              </a:rPr>
+              <a:t>-m is an instruction that a message will follow. If there are two -m the order</a:t>
+            </a:r>
+          </a:p>
+          <a:p>
+            <a:r>
+              <a:rPr lang="en-GB" sz="1800" dirty="0">
+                <a:effectLst/>
+                <a:latin typeface="Calibri" panose="020F0502020204030204" pitchFamily="34" charset="0"/>
+                <a:ea typeface="Calibri" panose="020F0502020204030204" pitchFamily="34" charset="0"/>
+                <a:cs typeface="Times New Roman" panose="02020603050405020304" pitchFamily="18" charset="0"/>
+              </a:rPr>
+              <a:t>is the title of the commit and the description. If there is only one, this only </a:t>
+            </a:r>
+          </a:p>
+          <a:p>
+            <a:r>
+              <a:rPr lang="en-GB" sz="1800" dirty="0">
+                <a:effectLst/>
+                <a:latin typeface="Calibri" panose="020F0502020204030204" pitchFamily="34" charset="0"/>
+                <a:ea typeface="Calibri" panose="020F0502020204030204" pitchFamily="34" charset="0"/>
+                <a:cs typeface="Times New Roman" panose="02020603050405020304" pitchFamily="18" charset="0"/>
+              </a:rPr>
+              <a:t>uploads a title. </a:t>
+            </a:r>
+          </a:p>
+          <a:p>
+            <a:r>
+              <a:rPr lang="en-GB" sz="1800" dirty="0">
+                <a:effectLst/>
+                <a:latin typeface="Calibri" panose="020F0502020204030204" pitchFamily="34" charset="0"/>
+                <a:ea typeface="Calibri" panose="020F0502020204030204" pitchFamily="34" charset="0"/>
+                <a:cs typeface="Times New Roman" panose="02020603050405020304" pitchFamily="18" charset="0"/>
+              </a:rPr>
+              <a:t> </a:t>
+            </a:r>
+          </a:p>
+        </p:txBody>
+      </p:sp>
+    </p:spTree>
+    <p:extLst>
+      <p:ext uri="{BB962C8B-B14F-4D97-AF65-F5344CB8AC3E}">
+        <p14:creationId xmlns:p14="http://schemas.microsoft.com/office/powerpoint/2010/main" val="2067236316"/>
+      </p:ext>
+    </p:extLst>
+  </p:cSld>
+  <p:clrMapOvr>
+    <a:masterClrMapping/>
+  </p:clrMapOvr>
+</p:sld>
+</file>
+
 <file path=ppt/slides/slide27.xml><?xml version="1.0" encoding="utf-8"?>
 <p:sld xmlns:a="http://schemas.openxmlformats.org/drawingml/2006/main" xmlns:r="http://schemas.openxmlformats.org/officeDocument/2006/relationships" xmlns:p="http://schemas.openxmlformats.org/presentationml/2006/main">
   <p:cSld>
@@ -15248,258 +15766,6 @@
               <a:rPr lang="en-US" smtClean="0"/>
               <a:pPr/>
               <a:t>27</a:t>
-            </a:fld>
-            <a:endParaRPr lang="en-US" dirty="0"/>
-          </a:p>
-        </p:txBody>
-      </p:sp>
-      <p:sp>
-        <p:nvSpPr>
-          <p:cNvPr id="8" name="TextBox 7">
-            <a:extLst>
-              <a:ext uri="{FF2B5EF4-FFF2-40B4-BE49-F238E27FC236}">
-                <a16:creationId xmlns:a16="http://schemas.microsoft.com/office/drawing/2014/main" id="{25391B19-34FD-4ACF-ABB6-42670CC2C150}"/>
-              </a:ext>
-            </a:extLst>
-          </p:cNvPr>
-          <p:cNvSpPr txBox="1"/>
-          <p:nvPr/>
-        </p:nvSpPr>
-        <p:spPr>
-          <a:xfrm>
-            <a:off x="395763" y="898072"/>
-            <a:ext cx="8068614" cy="3559949"/>
-          </a:xfrm>
-          <a:prstGeom prst="rect">
-            <a:avLst/>
-          </a:prstGeom>
-          <a:noFill/>
-        </p:spPr>
-        <p:txBody>
-          <a:bodyPr wrap="square">
-            <a:spAutoFit/>
-          </a:bodyPr>
-          <a:lstStyle/>
-          <a:p>
-            <a:r>
-              <a:rPr lang="en-GB" sz="1800" dirty="0">
-                <a:effectLst/>
-                <a:latin typeface="Calibri" panose="020F0502020204030204" pitchFamily="34" charset="0"/>
-                <a:ea typeface="Calibri" panose="020F0502020204030204" pitchFamily="34" charset="0"/>
-                <a:cs typeface="Times New Roman" panose="02020603050405020304" pitchFamily="18" charset="0"/>
-              </a:rPr>
-              <a:t>After you have added your files to the staging area you need to commit them. Think of this as saying to git “Yes I am ready for these changes to go onto the branch I am committing to it”. </a:t>
-            </a:r>
-            <a:r>
-              <a:rPr lang="en-GB" sz="1800" dirty="0" err="1">
-                <a:effectLst/>
-                <a:latin typeface="Calibri" panose="020F0502020204030204" pitchFamily="34" charset="0"/>
-                <a:ea typeface="Calibri" panose="020F0502020204030204" pitchFamily="34" charset="0"/>
-                <a:cs typeface="Times New Roman" panose="02020603050405020304" pitchFamily="18" charset="0"/>
-              </a:rPr>
-              <a:t>P.s</a:t>
-            </a:r>
-            <a:r>
-              <a:rPr lang="en-GB" sz="1800" dirty="0">
-                <a:effectLst/>
-                <a:latin typeface="Calibri" panose="020F0502020204030204" pitchFamily="34" charset="0"/>
-                <a:ea typeface="Calibri" panose="020F0502020204030204" pitchFamily="34" charset="0"/>
-                <a:cs typeface="Times New Roman" panose="02020603050405020304" pitchFamily="18" charset="0"/>
-              </a:rPr>
-              <a:t> this doesn’t mean you cannot change your mind. </a:t>
-            </a:r>
-          </a:p>
-          <a:p>
-            <a:r>
-              <a:rPr lang="en-GB" sz="1800" dirty="0">
-                <a:effectLst/>
-                <a:latin typeface="Calibri" panose="020F0502020204030204" pitchFamily="34" charset="0"/>
-                <a:ea typeface="Calibri" panose="020F0502020204030204" pitchFamily="34" charset="0"/>
-                <a:cs typeface="Times New Roman" panose="02020603050405020304" pitchFamily="18" charset="0"/>
-              </a:rPr>
-              <a:t>  </a:t>
-            </a:r>
-          </a:p>
-          <a:p>
-            <a:r>
-              <a:rPr lang="en-GB" sz="1800" dirty="0">
-                <a:effectLst/>
-                <a:latin typeface="Calibri" panose="020F0502020204030204" pitchFamily="34" charset="0"/>
-                <a:ea typeface="Calibri" panose="020F0502020204030204" pitchFamily="34" charset="0"/>
-                <a:cs typeface="Times New Roman" panose="02020603050405020304" pitchFamily="18" charset="0"/>
-              </a:rPr>
-              <a:t>The command to run a git commit in the terminal is as follows</a:t>
-            </a:r>
-          </a:p>
-          <a:p>
-            <a:pPr algn="ctr">
-              <a:spcAft>
-                <a:spcPts val="800"/>
-              </a:spcAft>
-            </a:pPr>
-            <a:endParaRPr lang="en-GB" sz="1600" spc="75" dirty="0">
-              <a:solidFill>
-                <a:srgbClr val="00E400"/>
-              </a:solidFill>
-              <a:effectLst/>
-              <a:latin typeface="Menlo"/>
-              <a:ea typeface="Times New Roman" panose="02020603050405020304" pitchFamily="18" charset="0"/>
-              <a:cs typeface="Times New Roman" panose="02020603050405020304" pitchFamily="18" charset="0"/>
-            </a:endParaRPr>
-          </a:p>
-          <a:p>
-            <a:pPr algn="ctr">
-              <a:spcAft>
-                <a:spcPts val="800"/>
-              </a:spcAft>
-            </a:pPr>
-            <a:r>
-              <a:rPr lang="en-GB" sz="1600" spc="75" dirty="0">
-                <a:effectLst/>
-                <a:latin typeface="Menlo"/>
-                <a:ea typeface="Times New Roman" panose="02020603050405020304" pitchFamily="18" charset="0"/>
-                <a:cs typeface="Times New Roman" panose="02020603050405020304" pitchFamily="18" charset="0"/>
-              </a:rPr>
-              <a:t>git commit -m “Title” -m “Description”</a:t>
-            </a:r>
-          </a:p>
-          <a:p>
-            <a:endParaRPr lang="en-GB" sz="1800" dirty="0">
-              <a:effectLst/>
-              <a:latin typeface="Calibri" panose="020F0502020204030204" pitchFamily="34" charset="0"/>
-              <a:ea typeface="Calibri" panose="020F0502020204030204" pitchFamily="34" charset="0"/>
-              <a:cs typeface="Times New Roman" panose="02020603050405020304" pitchFamily="18" charset="0"/>
-            </a:endParaRPr>
-          </a:p>
-          <a:p>
-            <a:r>
-              <a:rPr lang="en-GB" sz="1800" dirty="0">
-                <a:effectLst/>
-                <a:latin typeface="Calibri" panose="020F0502020204030204" pitchFamily="34" charset="0"/>
-                <a:ea typeface="Calibri" panose="020F0502020204030204" pitchFamily="34" charset="0"/>
-                <a:cs typeface="Times New Roman" panose="02020603050405020304" pitchFamily="18" charset="0"/>
-              </a:rPr>
-              <a:t>-m is an instruction that a message will follow. If there are two -m the order</a:t>
-            </a:r>
-          </a:p>
-          <a:p>
-            <a:r>
-              <a:rPr lang="en-GB" sz="1800" dirty="0">
-                <a:effectLst/>
-                <a:latin typeface="Calibri" panose="020F0502020204030204" pitchFamily="34" charset="0"/>
-                <a:ea typeface="Calibri" panose="020F0502020204030204" pitchFamily="34" charset="0"/>
-                <a:cs typeface="Times New Roman" panose="02020603050405020304" pitchFamily="18" charset="0"/>
-              </a:rPr>
-              <a:t>is the title of the commit and the description. If there is only one, this only </a:t>
-            </a:r>
-          </a:p>
-          <a:p>
-            <a:r>
-              <a:rPr lang="en-GB" sz="1800" dirty="0">
-                <a:effectLst/>
-                <a:latin typeface="Calibri" panose="020F0502020204030204" pitchFamily="34" charset="0"/>
-                <a:ea typeface="Calibri" panose="020F0502020204030204" pitchFamily="34" charset="0"/>
-                <a:cs typeface="Times New Roman" panose="02020603050405020304" pitchFamily="18" charset="0"/>
-              </a:rPr>
-              <a:t>uploads a title. </a:t>
-            </a:r>
-          </a:p>
-          <a:p>
-            <a:r>
-              <a:rPr lang="en-GB" sz="1800" dirty="0">
-                <a:effectLst/>
-                <a:latin typeface="Calibri" panose="020F0502020204030204" pitchFamily="34" charset="0"/>
-                <a:ea typeface="Calibri" panose="020F0502020204030204" pitchFamily="34" charset="0"/>
-                <a:cs typeface="Times New Roman" panose="02020603050405020304" pitchFamily="18" charset="0"/>
-              </a:rPr>
-              <a:t> </a:t>
-            </a:r>
-          </a:p>
-        </p:txBody>
-      </p:sp>
-    </p:spTree>
-    <p:extLst>
-      <p:ext uri="{BB962C8B-B14F-4D97-AF65-F5344CB8AC3E}">
-        <p14:creationId xmlns:p14="http://schemas.microsoft.com/office/powerpoint/2010/main" val="2067236316"/>
-      </p:ext>
-    </p:extLst>
-  </p:cSld>
-  <p:clrMapOvr>
-    <a:masterClrMapping/>
-  </p:clrMapOvr>
-</p:sld>
-</file>
-
-<file path=ppt/slides/slide28.xml><?xml version="1.0" encoding="utf-8"?>
-<p:sld xmlns:a="http://schemas.openxmlformats.org/drawingml/2006/main" xmlns:r="http://schemas.openxmlformats.org/officeDocument/2006/relationships" xmlns:p="http://schemas.openxmlformats.org/presentationml/2006/main">
-  <p:cSld>
-    <p:spTree>
-      <p:nvGrpSpPr>
-        <p:cNvPr id="1" name=""/>
-        <p:cNvGrpSpPr/>
-        <p:nvPr/>
-      </p:nvGrpSpPr>
-      <p:grpSpPr>
-        <a:xfrm>
-          <a:off x="0" y="0"/>
-          <a:ext cx="0" cy="0"/>
-          <a:chOff x="0" y="0"/>
-          <a:chExt cx="0" cy="0"/>
-        </a:xfrm>
-      </p:grpSpPr>
-      <p:sp>
-        <p:nvSpPr>
-          <p:cNvPr id="2" name="Title 1">
-            <a:extLst>
-              <a:ext uri="{FF2B5EF4-FFF2-40B4-BE49-F238E27FC236}">
-                <a16:creationId xmlns:a16="http://schemas.microsoft.com/office/drawing/2014/main" id="{47ECDF65-BED6-48D3-98B8-2C45530CE906}"/>
-              </a:ext>
-            </a:extLst>
-          </p:cNvPr>
-          <p:cNvSpPr>
-            <a:spLocks noGrp="1"/>
-          </p:cNvSpPr>
-          <p:nvPr>
-            <p:ph type="title"/>
-          </p:nvPr>
-        </p:nvSpPr>
-        <p:spPr/>
-        <p:txBody>
-          <a:bodyPr/>
-          <a:lstStyle/>
-          <a:p>
-            <a:r>
-              <a:rPr lang="en-GB" dirty="0"/>
-              <a:t>Git Commit </a:t>
-            </a:r>
-          </a:p>
-        </p:txBody>
-      </p:sp>
-      <p:sp>
-        <p:nvSpPr>
-          <p:cNvPr id="4" name="Slide Number Placeholder 3">
-            <a:extLst>
-              <a:ext uri="{FF2B5EF4-FFF2-40B4-BE49-F238E27FC236}">
-                <a16:creationId xmlns:a16="http://schemas.microsoft.com/office/drawing/2014/main" id="{CA880BCF-3ACF-4210-9A3C-67556C584D74}"/>
-              </a:ext>
-            </a:extLst>
-          </p:cNvPr>
-          <p:cNvSpPr>
-            <a:spLocks noGrp="1"/>
-          </p:cNvSpPr>
-          <p:nvPr>
-            <p:ph type="sldNum" sz="quarter" idx="12"/>
-          </p:nvPr>
-        </p:nvSpPr>
-        <p:spPr/>
-        <p:txBody>
-          <a:bodyPr/>
-          <a:lstStyle/>
-          <a:p>
-            <a:fld id="{D57F1E4F-1CFF-5643-939E-02111984F565}" type="slidenum">
-              <a:rPr lang="en-US" smtClean="0"/>
-              <a:pPr/>
-              <a:t>28</a:t>
             </a:fld>
             <a:endParaRPr lang="en-US" dirty="0"/>
           </a:p>
@@ -15548,7 +15814,7 @@
 </p:sld>
 </file>
 
-<file path=ppt/slides/slide29.xml><?xml version="1.0" encoding="utf-8"?>
+<file path=ppt/slides/slide28.xml><?xml version="1.0" encoding="utf-8"?>
 <p:sld xmlns:a="http://schemas.openxmlformats.org/drawingml/2006/main" xmlns:r="http://schemas.openxmlformats.org/officeDocument/2006/relationships" xmlns:p="http://schemas.openxmlformats.org/presentationml/2006/main">
   <p:cSld>
     <p:spTree>
@@ -15589,7 +15855,7 @@
             <a:fld id="{D57F1E4F-1CFF-5643-939E-02111984F565}" type="slidenum">
               <a:rPr lang="en-US" smtClean="0"/>
               <a:pPr/>
-              <a:t>29</a:t>
+              <a:t>28</a:t>
             </a:fld>
             <a:endParaRPr lang="en-US" dirty="0"/>
           </a:p>
@@ -15631,6 +15897,100 @@
         <p14:creationId xmlns:p14="http://schemas.microsoft.com/office/powerpoint/2010/main" val="1582533569"/>
       </p:ext>
     </p:extLst>
+  </p:cSld>
+  <p:clrMapOvr>
+    <a:masterClrMapping/>
+  </p:clrMapOvr>
+</p:sld>
+</file>
+
+<file path=ppt/slides/slide29.xml><?xml version="1.0" encoding="utf-8"?>
+<p:sld xmlns:a="http://schemas.openxmlformats.org/drawingml/2006/main" xmlns:r="http://schemas.openxmlformats.org/officeDocument/2006/relationships" xmlns:p="http://schemas.openxmlformats.org/presentationml/2006/main">
+  <p:cSld>
+    <p:spTree>
+      <p:nvGrpSpPr>
+        <p:cNvPr id="1" name=""/>
+        <p:cNvGrpSpPr/>
+        <p:nvPr/>
+      </p:nvGrpSpPr>
+      <p:grpSpPr>
+        <a:xfrm>
+          <a:off x="0" y="0"/>
+          <a:ext cx="0" cy="0"/>
+          <a:chOff x="0" y="0"/>
+          <a:chExt cx="0" cy="0"/>
+        </a:xfrm>
+      </p:grpSpPr>
+      <p:sp>
+        <p:nvSpPr>
+          <p:cNvPr id="5" name="Title 4"/>
+          <p:cNvSpPr>
+            <a:spLocks noGrp="1"/>
+          </p:cNvSpPr>
+          <p:nvPr>
+            <p:ph type="title"/>
+          </p:nvPr>
+        </p:nvSpPr>
+        <p:spPr/>
+        <p:txBody>
+          <a:bodyPr>
+            <a:normAutofit/>
+          </a:bodyPr>
+          <a:lstStyle/>
+          <a:p>
+            <a:r>
+              <a:rPr lang="en-GB" dirty="0"/>
+              <a:t>Git Push	</a:t>
+            </a:r>
+            <a:endParaRPr lang="bs-Latn-BA" dirty="0"/>
+          </a:p>
+        </p:txBody>
+      </p:sp>
+      <p:sp>
+        <p:nvSpPr>
+          <p:cNvPr id="6" name="Text Placeholder 5"/>
+          <p:cNvSpPr>
+            <a:spLocks noGrp="1"/>
+          </p:cNvSpPr>
+          <p:nvPr>
+            <p:ph type="body" idx="1"/>
+          </p:nvPr>
+        </p:nvSpPr>
+        <p:spPr>
+          <a:xfrm>
+            <a:off x="582561" y="1091665"/>
+            <a:ext cx="7801897" cy="3394472"/>
+          </a:xfrm>
+        </p:spPr>
+        <p:txBody>
+          <a:bodyPr>
+            <a:normAutofit/>
+          </a:bodyPr>
+          <a:lstStyle/>
+          <a:p>
+            <a:pPr marL="0" indent="0">
+              <a:buNone/>
+            </a:pPr>
+            <a:r>
+              <a:rPr lang="en-GB" sz="2000" dirty="0"/>
+              <a:t>A push sends all committed changes from your local repository to the remote repository</a:t>
+            </a:r>
+          </a:p>
+          <a:p>
+            <a:pPr marL="0" indent="0" algn="ctr">
+              <a:buNone/>
+            </a:pPr>
+            <a:r>
+              <a:rPr lang="en-GB" sz="2000" dirty="0"/>
+              <a:t>git push &lt;remote repository name&gt; &lt;remote branch name&gt; </a:t>
+            </a:r>
+          </a:p>
+          <a:p>
+            <a:endParaRPr lang="bs-Latn-BA" sz="2000" dirty="0"/>
+          </a:p>
+        </p:txBody>
+      </p:sp>
+    </p:spTree>
   </p:cSld>
   <p:clrMapOvr>
     <a:masterClrMapping/>
@@ -16170,100 +16530,6 @@
       </p:grpSpPr>
       <p:sp>
         <p:nvSpPr>
-          <p:cNvPr id="5" name="Title 4"/>
-          <p:cNvSpPr>
-            <a:spLocks noGrp="1"/>
-          </p:cNvSpPr>
-          <p:nvPr>
-            <p:ph type="title"/>
-          </p:nvPr>
-        </p:nvSpPr>
-        <p:spPr/>
-        <p:txBody>
-          <a:bodyPr>
-            <a:normAutofit/>
-          </a:bodyPr>
-          <a:lstStyle/>
-          <a:p>
-            <a:r>
-              <a:rPr lang="en-GB" dirty="0"/>
-              <a:t>Git Push	</a:t>
-            </a:r>
-            <a:endParaRPr lang="bs-Latn-BA" dirty="0"/>
-          </a:p>
-        </p:txBody>
-      </p:sp>
-      <p:sp>
-        <p:nvSpPr>
-          <p:cNvPr id="6" name="Text Placeholder 5"/>
-          <p:cNvSpPr>
-            <a:spLocks noGrp="1"/>
-          </p:cNvSpPr>
-          <p:nvPr>
-            <p:ph type="body" idx="1"/>
-          </p:nvPr>
-        </p:nvSpPr>
-        <p:spPr>
-          <a:xfrm>
-            <a:off x="582561" y="1091665"/>
-            <a:ext cx="7801897" cy="3394472"/>
-          </a:xfrm>
-        </p:spPr>
-        <p:txBody>
-          <a:bodyPr>
-            <a:normAutofit/>
-          </a:bodyPr>
-          <a:lstStyle/>
-          <a:p>
-            <a:pPr marL="0" indent="0">
-              <a:buNone/>
-            </a:pPr>
-            <a:r>
-              <a:rPr lang="en-GB" sz="2000" dirty="0"/>
-              <a:t>A push sends all committed changes from your local repository to the remote repository</a:t>
-            </a:r>
-          </a:p>
-          <a:p>
-            <a:pPr marL="0" indent="0" algn="ctr">
-              <a:buNone/>
-            </a:pPr>
-            <a:r>
-              <a:rPr lang="en-GB" sz="2000" dirty="0"/>
-              <a:t>git push &lt;remote repository name&gt; &lt;remote branch name&gt; </a:t>
-            </a:r>
-          </a:p>
-          <a:p>
-            <a:endParaRPr lang="bs-Latn-BA" sz="2000" dirty="0"/>
-          </a:p>
-        </p:txBody>
-      </p:sp>
-    </p:spTree>
-  </p:cSld>
-  <p:clrMapOvr>
-    <a:masterClrMapping/>
-  </p:clrMapOvr>
-</p:sld>
-</file>
-
-<file path=ppt/slides/slide31.xml><?xml version="1.0" encoding="utf-8"?>
-<p:sld xmlns:a="http://schemas.openxmlformats.org/drawingml/2006/main" xmlns:r="http://schemas.openxmlformats.org/officeDocument/2006/relationships" xmlns:p="http://schemas.openxmlformats.org/presentationml/2006/main">
-  <p:cSld>
-    <p:spTree>
-      <p:nvGrpSpPr>
-        <p:cNvPr id="1" name=""/>
-        <p:cNvGrpSpPr/>
-        <p:nvPr/>
-      </p:nvGrpSpPr>
-      <p:grpSpPr>
-        <a:xfrm>
-          <a:off x="0" y="0"/>
-          <a:ext cx="0" cy="0"/>
-          <a:chOff x="0" y="0"/>
-          <a:chExt cx="0" cy="0"/>
-        </a:xfrm>
-      </p:grpSpPr>
-      <p:sp>
-        <p:nvSpPr>
           <p:cNvPr id="2" name="Title 1">
             <a:extLst>
               <a:ext uri="{FF2B5EF4-FFF2-40B4-BE49-F238E27FC236}">
@@ -16314,7 +16580,7 @@
             <a:fld id="{D57F1E4F-1CFF-5643-939E-02111984F565}" type="slidenum">
               <a:rPr lang="en-US" smtClean="0"/>
               <a:pPr/>
-              <a:t>31</a:t>
+              <a:t>30</a:t>
             </a:fld>
             <a:endParaRPr lang="en-US" dirty="0"/>
           </a:p>
@@ -16450,7 +16716,7 @@
 </p:sld>
 </file>
 
-<file path=ppt/slides/slide32.xml><?xml version="1.0" encoding="utf-8"?>
+<file path=ppt/slides/slide31.xml><?xml version="1.0" encoding="utf-8"?>
 <p:sld xmlns:a="http://schemas.openxmlformats.org/drawingml/2006/main" xmlns:r="http://schemas.openxmlformats.org/officeDocument/2006/relationships" xmlns:p="http://schemas.openxmlformats.org/presentationml/2006/main">
   <p:cSld>
     <p:spTree>
@@ -16519,7 +16785,7 @@
             <a:fld id="{D57F1E4F-1CFF-5643-939E-02111984F565}" type="slidenum">
               <a:rPr lang="en-US" smtClean="0"/>
               <a:pPr/>
-              <a:t>32</a:t>
+              <a:t>31</a:t>
             </a:fld>
             <a:endParaRPr lang="en-US" dirty="0"/>
           </a:p>
@@ -16897,6 +17163,136 @@
 </p:sld>
 </file>
 
+<file path=ppt/slides/slide32.xml><?xml version="1.0" encoding="utf-8"?>
+<p:sld xmlns:a="http://schemas.openxmlformats.org/drawingml/2006/main" xmlns:r="http://schemas.openxmlformats.org/officeDocument/2006/relationships" xmlns:p="http://schemas.openxmlformats.org/presentationml/2006/main">
+  <p:cSld>
+    <p:spTree>
+      <p:nvGrpSpPr>
+        <p:cNvPr id="1" name=""/>
+        <p:cNvGrpSpPr/>
+        <p:nvPr/>
+      </p:nvGrpSpPr>
+      <p:grpSpPr>
+        <a:xfrm>
+          <a:off x="0" y="0"/>
+          <a:ext cx="0" cy="0"/>
+          <a:chOff x="0" y="0"/>
+          <a:chExt cx="0" cy="0"/>
+        </a:xfrm>
+      </p:grpSpPr>
+      <p:sp>
+        <p:nvSpPr>
+          <p:cNvPr id="2" name="Title 1">
+            <a:extLst>
+              <a:ext uri="{FF2B5EF4-FFF2-40B4-BE49-F238E27FC236}">
+                <a16:creationId xmlns:a16="http://schemas.microsoft.com/office/drawing/2014/main" id="{BA771583-BE53-4D1D-8CC0-ACE9E4DE7A20}"/>
+              </a:ext>
+            </a:extLst>
+          </p:cNvPr>
+          <p:cNvSpPr>
+            <a:spLocks noGrp="1"/>
+          </p:cNvSpPr>
+          <p:nvPr>
+            <p:ph type="title"/>
+          </p:nvPr>
+        </p:nvSpPr>
+        <p:spPr/>
+        <p:txBody>
+          <a:bodyPr/>
+          <a:lstStyle/>
+          <a:p>
+            <a:r>
+              <a:rPr lang="en-GB" dirty="0"/>
+              <a:t>Viewing Branches</a:t>
+            </a:r>
+          </a:p>
+        </p:txBody>
+      </p:sp>
+      <p:sp>
+        <p:nvSpPr>
+          <p:cNvPr id="3" name="Content Placeholder 2">
+            <a:extLst>
+              <a:ext uri="{FF2B5EF4-FFF2-40B4-BE49-F238E27FC236}">
+                <a16:creationId xmlns:a16="http://schemas.microsoft.com/office/drawing/2014/main" id="{D9A81AC1-1E74-416D-A459-1FAD037858B1}"/>
+              </a:ext>
+            </a:extLst>
+          </p:cNvPr>
+          <p:cNvSpPr>
+            <a:spLocks noGrp="1"/>
+          </p:cNvSpPr>
+          <p:nvPr>
+            <p:ph idx="1"/>
+          </p:nvPr>
+        </p:nvSpPr>
+        <p:spPr/>
+        <p:txBody>
+          <a:bodyPr/>
+          <a:lstStyle/>
+          <a:p>
+            <a:r>
+              <a:rPr lang="en-GB" dirty="0"/>
+              <a:t>Git branch –</a:t>
+            </a:r>
+            <a:r>
+              <a:rPr lang="en-GB" dirty="0" err="1"/>
+              <a:t>vv</a:t>
+            </a:r>
+            <a:r>
+              <a:rPr lang="en-GB" dirty="0"/>
+              <a:t> </a:t>
+            </a:r>
+          </a:p>
+          <a:p>
+            <a:r>
+              <a:rPr lang="en-GB" dirty="0"/>
+              <a:t>Git branch -a</a:t>
+            </a:r>
+          </a:p>
+        </p:txBody>
+      </p:sp>
+      <p:sp>
+        <p:nvSpPr>
+          <p:cNvPr id="4" name="Slide Number Placeholder 3">
+            <a:extLst>
+              <a:ext uri="{FF2B5EF4-FFF2-40B4-BE49-F238E27FC236}">
+                <a16:creationId xmlns:a16="http://schemas.microsoft.com/office/drawing/2014/main" id="{01F99AC8-E0BB-4CD8-9CCE-FF5CEF5B3AEB}"/>
+              </a:ext>
+            </a:extLst>
+          </p:cNvPr>
+          <p:cNvSpPr>
+            <a:spLocks noGrp="1"/>
+          </p:cNvSpPr>
+          <p:nvPr>
+            <p:ph type="sldNum" sz="quarter" idx="12"/>
+          </p:nvPr>
+        </p:nvSpPr>
+        <p:spPr/>
+        <p:txBody>
+          <a:bodyPr/>
+          <a:lstStyle/>
+          <a:p>
+            <a:fld id="{D57F1E4F-1CFF-5643-939E-02111984F565}" type="slidenum">
+              <a:rPr lang="en-US" smtClean="0"/>
+              <a:pPr/>
+              <a:t>32</a:t>
+            </a:fld>
+            <a:endParaRPr lang="en-US" dirty="0"/>
+          </a:p>
+        </p:txBody>
+      </p:sp>
+    </p:spTree>
+    <p:extLst>
+      <p:ext uri="{BB962C8B-B14F-4D97-AF65-F5344CB8AC3E}">
+        <p14:creationId xmlns:p14="http://schemas.microsoft.com/office/powerpoint/2010/main" val="2279967754"/>
+      </p:ext>
+    </p:extLst>
+  </p:cSld>
+  <p:clrMapOvr>
+    <a:masterClrMapping/>
+  </p:clrMapOvr>
+</p:sld>
+</file>
+
 <file path=ppt/slides/slide33.xml><?xml version="1.0" encoding="utf-8"?>
 <p:sld xmlns:a="http://schemas.openxmlformats.org/drawingml/2006/main" xmlns:r="http://schemas.openxmlformats.org/officeDocument/2006/relationships" xmlns:p="http://schemas.openxmlformats.org/presentationml/2006/main">
   <p:cSld>
@@ -16919,7 +17315,7 @@
           <p:cNvPr id="2" name="Title 1">
             <a:extLst>
               <a:ext uri="{FF2B5EF4-FFF2-40B4-BE49-F238E27FC236}">
-                <a16:creationId xmlns:a16="http://schemas.microsoft.com/office/drawing/2014/main" id="{BA771583-BE53-4D1D-8CC0-ACE9E4DE7A20}"/>
+                <a16:creationId xmlns:a16="http://schemas.microsoft.com/office/drawing/2014/main" id="{E50C4A29-C301-4A76-8649-006F5A611AD1}"/>
               </a:ext>
             </a:extLst>
           </p:cNvPr>
@@ -16937,7 +17333,7 @@
           <a:p>
             <a:r>
               <a:rPr lang="en-GB" dirty="0"/>
-              <a:t>Viewing Branches</a:t>
+              <a:t>Creating Branches </a:t>
             </a:r>
           </a:p>
         </p:txBody>
@@ -16947,7 +17343,7 @@
           <p:cNvPr id="3" name="Content Placeholder 2">
             <a:extLst>
               <a:ext uri="{FF2B5EF4-FFF2-40B4-BE49-F238E27FC236}">
-                <a16:creationId xmlns:a16="http://schemas.microsoft.com/office/drawing/2014/main" id="{D9A81AC1-1E74-416D-A459-1FAD037858B1}"/>
+                <a16:creationId xmlns:a16="http://schemas.microsoft.com/office/drawing/2014/main" id="{C8C7C62D-A84C-4886-B38B-F0496041753E}"/>
               </a:ext>
             </a:extLst>
           </p:cNvPr>
@@ -16965,22 +17361,59 @@
           <a:p>
             <a:r>
               <a:rPr lang="en-GB" dirty="0"/>
-              <a:t>Git branch –</a:t>
+              <a:t>Git branch </a:t>
             </a:r>
             <a:r>
               <a:rPr lang="en-GB" dirty="0" err="1"/>
-              <a:t>vv</a:t>
+              <a:t>branchName</a:t>
             </a:r>
             <a:r>
               <a:rPr lang="en-GB" dirty="0"/>
-              <a:t> </a:t>
+              <a:t>  </a:t>
             </a:r>
           </a:p>
           <a:p>
             <a:r>
               <a:rPr lang="en-GB" dirty="0"/>
-              <a:t>Git branch -a</a:t>
-            </a:r>
+              <a:t>Git branch </a:t>
+            </a:r>
+          </a:p>
+          <a:p>
+            <a:r>
+              <a:rPr lang="en-GB" dirty="0"/>
+              <a:t>Git checkout –b </a:t>
+            </a:r>
+            <a:r>
+              <a:rPr lang="en-GB" dirty="0" err="1"/>
+              <a:t>branchName</a:t>
+            </a:r>
+            <a:endParaRPr lang="en-GB" dirty="0"/>
+          </a:p>
+          <a:p>
+            <a:r>
+              <a:rPr lang="en-GB" dirty="0"/>
+              <a:t>Git checkout </a:t>
+            </a:r>
+            <a:r>
+              <a:rPr lang="en-GB" dirty="0" err="1"/>
+              <a:t>branchname</a:t>
+            </a:r>
+            <a:endParaRPr lang="en-GB" dirty="0"/>
+          </a:p>
+          <a:p>
+            <a:endParaRPr lang="en-GB" dirty="0"/>
+          </a:p>
+          <a:p>
+            <a:pPr marL="0" indent="0" algn="ctr">
+              <a:buNone/>
+            </a:pPr>
+            <a:r>
+              <a:rPr lang="en-GB" dirty="0"/>
+              <a:t>What is the difference between these commands?  </a:t>
+            </a:r>
+          </a:p>
+          <a:p>
+            <a:endParaRPr lang="en-GB" dirty="0"/>
           </a:p>
         </p:txBody>
       </p:sp>
@@ -16989,7 +17422,7 @@
           <p:cNvPr id="4" name="Slide Number Placeholder 3">
             <a:extLst>
               <a:ext uri="{FF2B5EF4-FFF2-40B4-BE49-F238E27FC236}">
-                <a16:creationId xmlns:a16="http://schemas.microsoft.com/office/drawing/2014/main" id="{01F99AC8-E0BB-4CD8-9CCE-FF5CEF5B3AEB}"/>
+                <a16:creationId xmlns:a16="http://schemas.microsoft.com/office/drawing/2014/main" id="{FBCECEDB-CA8C-4415-87E5-1177810829B9}"/>
               </a:ext>
             </a:extLst>
           </p:cNvPr>
@@ -17017,7 +17450,7 @@
     </p:spTree>
     <p:extLst>
       <p:ext uri="{BB962C8B-B14F-4D97-AF65-F5344CB8AC3E}">
-        <p14:creationId xmlns:p14="http://schemas.microsoft.com/office/powerpoint/2010/main" val="2279967754"/>
+        <p14:creationId xmlns:p14="http://schemas.microsoft.com/office/powerpoint/2010/main" val="805120502"/>
       </p:ext>
     </p:extLst>
   </p:cSld>
@@ -17044,119 +17477,41 @@
           <a:chExt cx="0" cy="0"/>
         </a:xfrm>
       </p:grpSpPr>
-      <p:sp>
-        <p:nvSpPr>
-          <p:cNvPr id="2" name="Title 1">
+      <p:pic>
+        <p:nvPicPr>
+          <p:cNvPr id="6" name="Content Placeholder 5" descr="A screenshot of a computer&#10;&#10;Description automatically generated">
             <a:extLst>
               <a:ext uri="{FF2B5EF4-FFF2-40B4-BE49-F238E27FC236}">
-                <a16:creationId xmlns:a16="http://schemas.microsoft.com/office/drawing/2014/main" id="{E50C4A29-C301-4A76-8649-006F5A611AD1}"/>
+                <a16:creationId xmlns:a16="http://schemas.microsoft.com/office/drawing/2014/main" id="{100549C3-2945-314A-0F27-AFC88D056366}"/>
               </a:ext>
             </a:extLst>
           </p:cNvPr>
-          <p:cNvSpPr>
-            <a:spLocks noGrp="1"/>
-          </p:cNvSpPr>
-          <p:nvPr>
-            <p:ph type="title"/>
-          </p:nvPr>
-        </p:nvSpPr>
-        <p:spPr/>
-        <p:txBody>
-          <a:bodyPr/>
-          <a:lstStyle/>
-          <a:p>
-            <a:r>
-              <a:rPr lang="en-GB" dirty="0"/>
-              <a:t>Creating Branches </a:t>
-            </a:r>
-          </a:p>
-        </p:txBody>
-      </p:sp>
-      <p:sp>
-        <p:nvSpPr>
-          <p:cNvPr id="3" name="Content Placeholder 2">
-            <a:extLst>
-              <a:ext uri="{FF2B5EF4-FFF2-40B4-BE49-F238E27FC236}">
-                <a16:creationId xmlns:a16="http://schemas.microsoft.com/office/drawing/2014/main" id="{C8C7C62D-A84C-4886-B38B-F0496041753E}"/>
-              </a:ext>
-            </a:extLst>
-          </p:cNvPr>
-          <p:cNvSpPr>
-            <a:spLocks noGrp="1"/>
-          </p:cNvSpPr>
+          <p:cNvPicPr>
+            <a:picLocks noGrp="1" noChangeAspect="1"/>
+          </p:cNvPicPr>
           <p:nvPr>
             <p:ph idx="1"/>
           </p:nvPr>
-        </p:nvSpPr>
-        <p:spPr/>
-        <p:txBody>
-          <a:bodyPr/>
-          <a:lstStyle/>
-          <a:p>
-            <a:r>
-              <a:rPr lang="en-GB" dirty="0"/>
-              <a:t>Git branch </a:t>
-            </a:r>
-            <a:r>
-              <a:rPr lang="en-GB" dirty="0" err="1"/>
-              <a:t>branchName</a:t>
-            </a:r>
-            <a:r>
-              <a:rPr lang="en-GB" dirty="0"/>
-              <a:t>  </a:t>
-            </a:r>
-          </a:p>
-          <a:p>
-            <a:r>
-              <a:rPr lang="en-GB" dirty="0"/>
-              <a:t>Git branch </a:t>
-            </a:r>
-          </a:p>
-          <a:p>
-            <a:r>
-              <a:rPr lang="en-GB" dirty="0"/>
-              <a:t>Git checkout –b </a:t>
-            </a:r>
-            <a:r>
-              <a:rPr lang="en-GB" dirty="0" err="1"/>
-              <a:t>branchName</a:t>
-            </a:r>
-            <a:endParaRPr lang="en-GB" dirty="0"/>
-          </a:p>
-          <a:p>
-            <a:r>
-              <a:rPr lang="en-GB" dirty="0"/>
-              <a:t>Git checkout </a:t>
-            </a:r>
-            <a:r>
-              <a:rPr lang="en-GB" dirty="0" err="1"/>
-              <a:t>branchname</a:t>
-            </a:r>
-            <a:endParaRPr lang="en-GB" dirty="0"/>
-          </a:p>
-          <a:p>
-            <a:endParaRPr lang="en-GB" dirty="0"/>
-          </a:p>
-          <a:p>
-            <a:pPr marL="0" indent="0" algn="ctr">
-              <a:buNone/>
-            </a:pPr>
-            <a:r>
-              <a:rPr lang="en-GB" dirty="0"/>
-              <a:t>What is the difference between these commands?  </a:t>
-            </a:r>
-          </a:p>
-          <a:p>
-            <a:endParaRPr lang="en-GB" dirty="0"/>
-          </a:p>
-        </p:txBody>
-      </p:sp>
+        </p:nvPicPr>
+        <p:blipFill>
+          <a:blip r:embed="rId2"/>
+          <a:stretch>
+            <a:fillRect/>
+          </a:stretch>
+        </p:blipFill>
+        <p:spPr>
+          <a:xfrm>
+            <a:off x="990400" y="613456"/>
+            <a:ext cx="7163199" cy="3763962"/>
+          </a:xfrm>
+        </p:spPr>
+      </p:pic>
       <p:sp>
         <p:nvSpPr>
           <p:cNvPr id="4" name="Slide Number Placeholder 3">
             <a:extLst>
               <a:ext uri="{FF2B5EF4-FFF2-40B4-BE49-F238E27FC236}">
-                <a16:creationId xmlns:a16="http://schemas.microsoft.com/office/drawing/2014/main" id="{FBCECEDB-CA8C-4415-87E5-1177810829B9}"/>
+                <a16:creationId xmlns:a16="http://schemas.microsoft.com/office/drawing/2014/main" id="{6A8C259D-4FBA-57F6-D543-808F73C785BE}"/>
               </a:ext>
             </a:extLst>
           </p:cNvPr>
@@ -17184,7 +17539,7 @@
     </p:spTree>
     <p:extLst>
       <p:ext uri="{BB962C8B-B14F-4D97-AF65-F5344CB8AC3E}">
-        <p14:creationId xmlns:p14="http://schemas.microsoft.com/office/powerpoint/2010/main" val="805120502"/>
+        <p14:creationId xmlns:p14="http://schemas.microsoft.com/office/powerpoint/2010/main" val="2374337803"/>
       </p:ext>
     </p:extLst>
   </p:cSld>
@@ -17554,10 +17909,10 @@
       </p:grpSpPr>
       <p:sp>
         <p:nvSpPr>
-          <p:cNvPr id="5" name="Title 4">
+          <p:cNvPr id="2" name="Title 1">
             <a:extLst>
               <a:ext uri="{FF2B5EF4-FFF2-40B4-BE49-F238E27FC236}">
-                <a16:creationId xmlns:a16="http://schemas.microsoft.com/office/drawing/2014/main" id="{8C1E2546-12C8-46D4-AD48-28D22F2F5F56}"/>
+                <a16:creationId xmlns:a16="http://schemas.microsoft.com/office/drawing/2014/main" id="{8BB608DF-BA12-4CE9-15CF-074536252B79}"/>
               </a:ext>
             </a:extLst>
           </p:cNvPr>
@@ -17573,83 +17928,73 @@
           <a:bodyPr/>
           <a:lstStyle/>
           <a:p>
-            <a:r>
-              <a:rPr lang="en-GB" dirty="0"/>
-              <a:t>Git pull </a:t>
-            </a:r>
-          </a:p>
-        </p:txBody>
-      </p:sp>
-      <p:sp>
-        <p:nvSpPr>
-          <p:cNvPr id="6" name="Text Placeholder 5">
+            <a:endParaRPr lang="en-GB"/>
+          </a:p>
+        </p:txBody>
+      </p:sp>
+      <p:pic>
+        <p:nvPicPr>
+          <p:cNvPr id="6" name="Content Placeholder 5" descr="A screenshot of a computer&#10;&#10;Description automatically generated">
             <a:extLst>
               <a:ext uri="{FF2B5EF4-FFF2-40B4-BE49-F238E27FC236}">
-                <a16:creationId xmlns:a16="http://schemas.microsoft.com/office/drawing/2014/main" id="{907F55E3-523E-429C-91B2-E84367E9B3B8}"/>
+                <a16:creationId xmlns:a16="http://schemas.microsoft.com/office/drawing/2014/main" id="{3044971D-5CD1-B803-5447-029782323039}"/>
               </a:ext>
             </a:extLst>
           </p:cNvPr>
-          <p:cNvSpPr>
-            <a:spLocks noGrp="1"/>
-          </p:cNvSpPr>
+          <p:cNvPicPr>
+            <a:picLocks noGrp="1" noChangeAspect="1"/>
+          </p:cNvPicPr>
           <p:nvPr>
             <p:ph idx="1"/>
           </p:nvPr>
+        </p:nvPicPr>
+        <p:blipFill>
+          <a:blip r:embed="rId2"/>
+          <a:stretch>
+            <a:fillRect/>
+          </a:stretch>
+        </p:blipFill>
+        <p:spPr>
+          <a:xfrm>
+            <a:off x="465138" y="1200121"/>
+            <a:ext cx="7920037" cy="3519545"/>
+          </a:xfrm>
+        </p:spPr>
+      </p:pic>
+      <p:sp>
+        <p:nvSpPr>
+          <p:cNvPr id="4" name="Slide Number Placeholder 3">
+            <a:extLst>
+              <a:ext uri="{FF2B5EF4-FFF2-40B4-BE49-F238E27FC236}">
+                <a16:creationId xmlns:a16="http://schemas.microsoft.com/office/drawing/2014/main" id="{317BE16D-529A-C762-1E8A-700CE595D481}"/>
+              </a:ext>
+            </a:extLst>
+          </p:cNvPr>
+          <p:cNvSpPr>
+            <a:spLocks noGrp="1"/>
+          </p:cNvSpPr>
+          <p:nvPr>
+            <p:ph type="sldNum" sz="quarter" idx="12"/>
+          </p:nvPr>
         </p:nvSpPr>
         <p:spPr/>
         <p:txBody>
-          <a:bodyPr>
-            <a:normAutofit/>
-          </a:bodyPr>
-          <a:lstStyle/>
-          <a:p>
-            <a:r>
-              <a:rPr lang="en-GB" sz="1800" dirty="0"/>
-              <a:t>Git pull will bring changes that have been made to a repository into your machine. </a:t>
-            </a:r>
-          </a:p>
-          <a:p>
-            <a:r>
-              <a:rPr lang="en-GB" sz="1800" dirty="0"/>
-              <a:t>It is a joint command of fetch and merge. It synchronises your local repository with the remote one. </a:t>
-            </a:r>
-          </a:p>
-          <a:p>
-            <a:r>
-              <a:rPr lang="en-GB" sz="1800" dirty="0"/>
-              <a:t>When pulling on the main: pull requests are a signal that the developer is finished working on that branch and wishes to integrate it with the main branch.  </a:t>
-            </a:r>
-          </a:p>
-        </p:txBody>
-      </p:sp>
-      <p:sp>
-        <p:nvSpPr>
-          <p:cNvPr id="4" name="Slide Number Placeholder 3"/>
-          <p:cNvSpPr>
-            <a:spLocks noGrp="1"/>
-          </p:cNvSpPr>
-          <p:nvPr>
-            <p:ph type="sldNum" sz="quarter" idx="12"/>
-          </p:nvPr>
-        </p:nvSpPr>
-        <p:spPr/>
-        <p:txBody>
           <a:bodyPr/>
           <a:lstStyle/>
           <a:p>
-            <a:fld id="{A82AD956-1430-46BB-93C5-FEC803E7C388}" type="slidenum">
-              <a:rPr lang="bs-Latn-BA" smtClean="0"/>
+            <a:fld id="{D57F1E4F-1CFF-5643-939E-02111984F565}" type="slidenum">
+              <a:rPr lang="en-US" smtClean="0"/>
               <a:pPr/>
               <a:t>36</a:t>
             </a:fld>
-            <a:endParaRPr lang="bs-Latn-BA"/>
+            <a:endParaRPr lang="en-US" dirty="0"/>
           </a:p>
         </p:txBody>
       </p:sp>
     </p:spTree>
     <p:extLst>
       <p:ext uri="{BB962C8B-B14F-4D97-AF65-F5344CB8AC3E}">
-        <p14:creationId xmlns:p14="http://schemas.microsoft.com/office/powerpoint/2010/main" val="1907351695"/>
+        <p14:creationId xmlns:p14="http://schemas.microsoft.com/office/powerpoint/2010/main" val="196429111"/>
       </p:ext>
     </p:extLst>
   </p:cSld>
@@ -17678,10 +18023,10 @@
       </p:grpSpPr>
       <p:sp>
         <p:nvSpPr>
-          <p:cNvPr id="2" name="Title 1">
+          <p:cNvPr id="5" name="Title 4">
             <a:extLst>
               <a:ext uri="{FF2B5EF4-FFF2-40B4-BE49-F238E27FC236}">
-                <a16:creationId xmlns:a16="http://schemas.microsoft.com/office/drawing/2014/main" id="{6FF9C14D-043B-44C7-BA71-92F295CB451D}"/>
+                <a16:creationId xmlns:a16="http://schemas.microsoft.com/office/drawing/2014/main" id="{8C1E2546-12C8-46D4-AD48-28D22F2F5F56}"/>
               </a:ext>
             </a:extLst>
           </p:cNvPr>
@@ -17699,49 +18044,56 @@
           <a:p>
             <a:r>
               <a:rPr lang="en-GB" dirty="0"/>
-              <a:t>Git pull</a:t>
-            </a:r>
-          </a:p>
-        </p:txBody>
-      </p:sp>
-      <p:pic>
-        <p:nvPicPr>
-          <p:cNvPr id="6" name="Content Placeholder 5" descr="Graphical user interface, text, application, email&#10;&#10;Description automatically generated">
+              <a:t>Git pull </a:t>
+            </a:r>
+          </a:p>
+        </p:txBody>
+      </p:sp>
+      <p:sp>
+        <p:nvSpPr>
+          <p:cNvPr id="6" name="Text Placeholder 5">
             <a:extLst>
               <a:ext uri="{FF2B5EF4-FFF2-40B4-BE49-F238E27FC236}">
-                <a16:creationId xmlns:a16="http://schemas.microsoft.com/office/drawing/2014/main" id="{F0FCB649-B630-400B-9DB2-59295ED4D6D5}"/>
+                <a16:creationId xmlns:a16="http://schemas.microsoft.com/office/drawing/2014/main" id="{907F55E3-523E-429C-91B2-E84367E9B3B8}"/>
               </a:ext>
             </a:extLst>
           </p:cNvPr>
-          <p:cNvPicPr>
-            <a:picLocks noGrp="1" noChangeAspect="1"/>
-          </p:cNvPicPr>
+          <p:cNvSpPr>
+            <a:spLocks noGrp="1"/>
+          </p:cNvSpPr>
           <p:nvPr>
             <p:ph idx="1"/>
           </p:nvPr>
-        </p:nvPicPr>
-        <p:blipFill>
-          <a:blip r:embed="rId2"/>
-          <a:stretch>
-            <a:fillRect/>
-          </a:stretch>
-        </p:blipFill>
-        <p:spPr>
-          <a:xfrm>
-            <a:off x="465138" y="1407747"/>
-            <a:ext cx="7920037" cy="2037493"/>
-          </a:xfrm>
-        </p:spPr>
-      </p:pic>
-      <p:sp>
-        <p:nvSpPr>
-          <p:cNvPr id="4" name="Slide Number Placeholder 3">
-            <a:extLst>
-              <a:ext uri="{FF2B5EF4-FFF2-40B4-BE49-F238E27FC236}">
-                <a16:creationId xmlns:a16="http://schemas.microsoft.com/office/drawing/2014/main" id="{77F6B32D-1B94-4791-81B1-928E789F4AD2}"/>
-              </a:ext>
-            </a:extLst>
-          </p:cNvPr>
+        </p:nvSpPr>
+        <p:spPr/>
+        <p:txBody>
+          <a:bodyPr>
+            <a:normAutofit/>
+          </a:bodyPr>
+          <a:lstStyle/>
+          <a:p>
+            <a:r>
+              <a:rPr lang="en-GB" sz="1800" dirty="0"/>
+              <a:t>Git pull will bring changes that have been made to a repository into your machine. (Or Vice Versa) </a:t>
+            </a:r>
+          </a:p>
+          <a:p>
+            <a:r>
+              <a:rPr lang="en-GB" sz="1800" dirty="0"/>
+              <a:t>It is a joint command of fetch and merge. It synchronises your local repository with the remote one. </a:t>
+            </a:r>
+          </a:p>
+          <a:p>
+            <a:r>
+              <a:rPr lang="en-GB" sz="1800" dirty="0"/>
+              <a:t>When pulling on the main: pull requests are a signal that the developer is finished working on that branch and wishes to integrate it with the main branch.  </a:t>
+            </a:r>
+          </a:p>
+        </p:txBody>
+      </p:sp>
+      <p:sp>
+        <p:nvSpPr>
+          <p:cNvPr id="4" name="Slide Number Placeholder 3"/>
           <p:cNvSpPr>
             <a:spLocks noGrp="1"/>
           </p:cNvSpPr>
@@ -17754,19 +18106,19 @@
           <a:bodyPr/>
           <a:lstStyle/>
           <a:p>
-            <a:fld id="{D57F1E4F-1CFF-5643-939E-02111984F565}" type="slidenum">
-              <a:rPr lang="en-US" smtClean="0"/>
+            <a:fld id="{A82AD956-1430-46BB-93C5-FEC803E7C388}" type="slidenum">
+              <a:rPr lang="bs-Latn-BA" smtClean="0"/>
               <a:pPr/>
               <a:t>37</a:t>
             </a:fld>
-            <a:endParaRPr lang="en-US" dirty="0"/>
+            <a:endParaRPr lang="bs-Latn-BA"/>
           </a:p>
         </p:txBody>
       </p:sp>
     </p:spTree>
     <p:extLst>
       <p:ext uri="{BB962C8B-B14F-4D97-AF65-F5344CB8AC3E}">
-        <p14:creationId xmlns:p14="http://schemas.microsoft.com/office/powerpoint/2010/main" val="243771680"/>
+        <p14:creationId xmlns:p14="http://schemas.microsoft.com/office/powerpoint/2010/main" val="1907351695"/>
       </p:ext>
     </p:extLst>
   </p:cSld>
@@ -17798,6 +18150,123 @@
           <p:cNvPr id="2" name="Title 1">
             <a:extLst>
               <a:ext uri="{FF2B5EF4-FFF2-40B4-BE49-F238E27FC236}">
+                <a16:creationId xmlns:a16="http://schemas.microsoft.com/office/drawing/2014/main" id="{6FF9C14D-043B-44C7-BA71-92F295CB451D}"/>
+              </a:ext>
+            </a:extLst>
+          </p:cNvPr>
+          <p:cNvSpPr>
+            <a:spLocks noGrp="1"/>
+          </p:cNvSpPr>
+          <p:nvPr>
+            <p:ph type="title"/>
+          </p:nvPr>
+        </p:nvSpPr>
+        <p:spPr/>
+        <p:txBody>
+          <a:bodyPr/>
+          <a:lstStyle/>
+          <a:p>
+            <a:r>
+              <a:rPr lang="en-GB" dirty="0"/>
+              <a:t>Git pull</a:t>
+            </a:r>
+          </a:p>
+        </p:txBody>
+      </p:sp>
+      <p:sp>
+        <p:nvSpPr>
+          <p:cNvPr id="4" name="Slide Number Placeholder 3">
+            <a:extLst>
+              <a:ext uri="{FF2B5EF4-FFF2-40B4-BE49-F238E27FC236}">
+                <a16:creationId xmlns:a16="http://schemas.microsoft.com/office/drawing/2014/main" id="{77F6B32D-1B94-4791-81B1-928E789F4AD2}"/>
+              </a:ext>
+            </a:extLst>
+          </p:cNvPr>
+          <p:cNvSpPr>
+            <a:spLocks noGrp="1"/>
+          </p:cNvSpPr>
+          <p:nvPr>
+            <p:ph type="sldNum" sz="quarter" idx="12"/>
+          </p:nvPr>
+        </p:nvSpPr>
+        <p:spPr/>
+        <p:txBody>
+          <a:bodyPr/>
+          <a:lstStyle/>
+          <a:p>
+            <a:fld id="{D57F1E4F-1CFF-5643-939E-02111984F565}" type="slidenum">
+              <a:rPr lang="en-US" smtClean="0"/>
+              <a:pPr/>
+              <a:t>38</a:t>
+            </a:fld>
+            <a:endParaRPr lang="en-US" dirty="0"/>
+          </a:p>
+        </p:txBody>
+      </p:sp>
+      <p:pic>
+        <p:nvPicPr>
+          <p:cNvPr id="12" name="Content Placeholder 11" descr="A screenshot of a computer&#10;&#10;Description automatically generated">
+            <a:extLst>
+              <a:ext uri="{FF2B5EF4-FFF2-40B4-BE49-F238E27FC236}">
+                <a16:creationId xmlns:a16="http://schemas.microsoft.com/office/drawing/2014/main" id="{A52957EE-2E57-25CC-C1A6-A613EAFD098A}"/>
+              </a:ext>
+            </a:extLst>
+          </p:cNvPr>
+          <p:cNvPicPr>
+            <a:picLocks noGrp="1" noChangeAspect="1"/>
+          </p:cNvPicPr>
+          <p:nvPr>
+            <p:ph idx="1"/>
+          </p:nvPr>
+        </p:nvPicPr>
+        <p:blipFill>
+          <a:blip r:embed="rId3"/>
+          <a:stretch>
+            <a:fillRect/>
+          </a:stretch>
+        </p:blipFill>
+        <p:spPr>
+          <a:xfrm>
+            <a:off x="574997" y="1077913"/>
+            <a:ext cx="7700319" cy="3763962"/>
+          </a:xfrm>
+        </p:spPr>
+      </p:pic>
+    </p:spTree>
+    <p:extLst>
+      <p:ext uri="{BB962C8B-B14F-4D97-AF65-F5344CB8AC3E}">
+        <p14:creationId xmlns:p14="http://schemas.microsoft.com/office/powerpoint/2010/main" val="243771680"/>
+      </p:ext>
+    </p:extLst>
+  </p:cSld>
+  <p:clrMapOvr>
+    <a:masterClrMapping/>
+  </p:clrMapOvr>
+</p:sld>
+</file>
+
+<file path=ppt/slides/slide39.xml><?xml version="1.0" encoding="utf-8"?>
+<p:sld xmlns:a="http://schemas.openxmlformats.org/drawingml/2006/main" xmlns:r="http://schemas.openxmlformats.org/officeDocument/2006/relationships" xmlns:p="http://schemas.openxmlformats.org/presentationml/2006/main">
+  <p:cSld>
+    <p:spTree>
+      <p:nvGrpSpPr>
+        <p:cNvPr id="1" name=""/>
+        <p:cNvGrpSpPr/>
+        <p:nvPr/>
+      </p:nvGrpSpPr>
+      <p:grpSpPr>
+        <a:xfrm>
+          <a:off x="0" y="0"/>
+          <a:ext cx="0" cy="0"/>
+          <a:chOff x="0" y="0"/>
+          <a:chExt cx="0" cy="0"/>
+        </a:xfrm>
+      </p:grpSpPr>
+      <p:sp>
+        <p:nvSpPr>
+          <p:cNvPr id="2" name="Title 1">
+            <a:extLst>
+              <a:ext uri="{FF2B5EF4-FFF2-40B4-BE49-F238E27FC236}">
                 <a16:creationId xmlns:a16="http://schemas.microsoft.com/office/drawing/2014/main" id="{564C969A-91E8-4294-A9F9-B35C9BE26BB1}"/>
               </a:ext>
             </a:extLst>
@@ -17845,7 +18314,7 @@
             <a:fld id="{D57F1E4F-1CFF-5643-939E-02111984F565}" type="slidenum">
               <a:rPr lang="en-US" smtClean="0"/>
               <a:pPr/>
-              <a:t>38</a:t>
+              <a:t>39</a:t>
             </a:fld>
             <a:endParaRPr lang="en-US" dirty="0"/>
           </a:p>
@@ -17885,815 +18354,6 @@
     <p:extLst>
       <p:ext uri="{BB962C8B-B14F-4D97-AF65-F5344CB8AC3E}">
         <p14:creationId xmlns:p14="http://schemas.microsoft.com/office/powerpoint/2010/main" val="122330475"/>
-      </p:ext>
-    </p:extLst>
-  </p:cSld>
-  <p:clrMapOvr>
-    <a:masterClrMapping/>
-  </p:clrMapOvr>
-</p:sld>
-</file>
-
-<file path=ppt/slides/slide39.xml><?xml version="1.0" encoding="utf-8"?>
-<p:sld xmlns:a="http://schemas.openxmlformats.org/drawingml/2006/main" xmlns:r="http://schemas.openxmlformats.org/officeDocument/2006/relationships" xmlns:p="http://schemas.openxmlformats.org/presentationml/2006/main">
-  <p:cSld>
-    <p:spTree>
-      <p:nvGrpSpPr>
-        <p:cNvPr id="1" name=""/>
-        <p:cNvGrpSpPr/>
-        <p:nvPr/>
-      </p:nvGrpSpPr>
-      <p:grpSpPr>
-        <a:xfrm>
-          <a:off x="0" y="0"/>
-          <a:ext cx="0" cy="0"/>
-          <a:chOff x="0" y="0"/>
-          <a:chExt cx="0" cy="0"/>
-        </a:xfrm>
-      </p:grpSpPr>
-      <p:sp>
-        <p:nvSpPr>
-          <p:cNvPr id="2" name="Title 1">
-            <a:extLst>
-              <a:ext uri="{FF2B5EF4-FFF2-40B4-BE49-F238E27FC236}">
-                <a16:creationId xmlns:a16="http://schemas.microsoft.com/office/drawing/2014/main" id="{39C8C750-3FDE-4FE4-93A2-D3B8AB7037FD}"/>
-              </a:ext>
-            </a:extLst>
-          </p:cNvPr>
-          <p:cNvSpPr>
-            <a:spLocks noGrp="1"/>
-          </p:cNvSpPr>
-          <p:nvPr>
-            <p:ph type="title"/>
-          </p:nvPr>
-        </p:nvSpPr>
-        <p:spPr/>
-        <p:txBody>
-          <a:bodyPr/>
-          <a:lstStyle/>
-          <a:p>
-            <a:r>
-              <a:rPr lang="en-GB" dirty="0"/>
-              <a:t>Forking </a:t>
-            </a:r>
-          </a:p>
-        </p:txBody>
-      </p:sp>
-      <p:sp>
-        <p:nvSpPr>
-          <p:cNvPr id="3" name="Content Placeholder 2">
-            <a:extLst>
-              <a:ext uri="{FF2B5EF4-FFF2-40B4-BE49-F238E27FC236}">
-                <a16:creationId xmlns:a16="http://schemas.microsoft.com/office/drawing/2014/main" id="{F16A1AF3-7560-48C7-B9BF-B6111DFBDB16}"/>
-              </a:ext>
-            </a:extLst>
-          </p:cNvPr>
-          <p:cNvSpPr>
-            <a:spLocks noGrp="1"/>
-          </p:cNvSpPr>
-          <p:nvPr>
-            <p:ph idx="1"/>
-          </p:nvPr>
-        </p:nvSpPr>
-        <p:spPr/>
-        <p:txBody>
-          <a:bodyPr/>
-          <a:lstStyle/>
-          <a:p>
-            <a:r>
-              <a:rPr lang="en-GB" dirty="0"/>
-              <a:t>Forking takes a copy of everything in the repository and creates your own version of it. </a:t>
-            </a:r>
-          </a:p>
-        </p:txBody>
-      </p:sp>
-      <p:sp>
-        <p:nvSpPr>
-          <p:cNvPr id="4" name="Slide Number Placeholder 3">
-            <a:extLst>
-              <a:ext uri="{FF2B5EF4-FFF2-40B4-BE49-F238E27FC236}">
-                <a16:creationId xmlns:a16="http://schemas.microsoft.com/office/drawing/2014/main" id="{BF2E1495-76CE-4C81-AA4D-63A4BD69B9BD}"/>
-              </a:ext>
-            </a:extLst>
-          </p:cNvPr>
-          <p:cNvSpPr>
-            <a:spLocks noGrp="1"/>
-          </p:cNvSpPr>
-          <p:nvPr>
-            <p:ph type="sldNum" sz="quarter" idx="12"/>
-          </p:nvPr>
-        </p:nvSpPr>
-        <p:spPr/>
-        <p:txBody>
-          <a:bodyPr/>
-          <a:lstStyle/>
-          <a:p>
-            <a:fld id="{D57F1E4F-1CFF-5643-939E-02111984F565}" type="slidenum">
-              <a:rPr lang="en-US" smtClean="0"/>
-              <a:pPr/>
-              <a:t>39</a:t>
-            </a:fld>
-            <a:endParaRPr lang="en-US" dirty="0"/>
-          </a:p>
-        </p:txBody>
-      </p:sp>
-      <p:pic>
-        <p:nvPicPr>
-          <p:cNvPr id="5" name="Graphic 4" descr="Database outline">
-            <a:extLst>
-              <a:ext uri="{FF2B5EF4-FFF2-40B4-BE49-F238E27FC236}">
-                <a16:creationId xmlns:a16="http://schemas.microsoft.com/office/drawing/2014/main" id="{E64171C7-20ED-062C-B15D-8DC178CA095F}"/>
-              </a:ext>
-            </a:extLst>
-          </p:cNvPr>
-          <p:cNvPicPr>
-            <a:picLocks noChangeAspect="1"/>
-          </p:cNvPicPr>
-          <p:nvPr/>
-        </p:nvPicPr>
-        <p:blipFill>
-          <a:blip r:embed="rId3">
-            <a:extLst>
-              <a:ext uri="{96DAC541-7B7A-43D3-8B79-37D633B846F1}">
-                <asvg:svgBlip xmlns:asvg="http://schemas.microsoft.com/office/drawing/2016/SVG/main" r:embed="rId4"/>
-              </a:ext>
-            </a:extLst>
-          </a:blip>
-          <a:stretch>
-            <a:fillRect/>
-          </a:stretch>
-        </p:blipFill>
-        <p:spPr>
-          <a:xfrm>
-            <a:off x="1850964" y="2188026"/>
-            <a:ext cx="1156366" cy="1156366"/>
-          </a:xfrm>
-          <a:prstGeom prst="rect">
-            <a:avLst/>
-          </a:prstGeom>
-        </p:spPr>
-      </p:pic>
-      <p:pic>
-        <p:nvPicPr>
-          <p:cNvPr id="6" name="Graphic 5" descr="Database outline">
-            <a:extLst>
-              <a:ext uri="{FF2B5EF4-FFF2-40B4-BE49-F238E27FC236}">
-                <a16:creationId xmlns:a16="http://schemas.microsoft.com/office/drawing/2014/main" id="{FF83C274-6601-A903-0DCC-5DC593FBC3AE}"/>
-              </a:ext>
-            </a:extLst>
-          </p:cNvPr>
-          <p:cNvPicPr>
-            <a:picLocks noChangeAspect="1"/>
-          </p:cNvPicPr>
-          <p:nvPr/>
-        </p:nvPicPr>
-        <p:blipFill>
-          <a:blip r:embed="rId3">
-            <a:extLst>
-              <a:ext uri="{96DAC541-7B7A-43D3-8B79-37D633B846F1}">
-                <asvg:svgBlip xmlns:asvg="http://schemas.microsoft.com/office/drawing/2016/SVG/main" r:embed="rId4"/>
-              </a:ext>
-            </a:extLst>
-          </a:blip>
-          <a:stretch>
-            <a:fillRect/>
-          </a:stretch>
-        </p:blipFill>
-        <p:spPr>
-          <a:xfrm>
-            <a:off x="5162201" y="2188026"/>
-            <a:ext cx="1156366" cy="1156366"/>
-          </a:xfrm>
-          <a:prstGeom prst="rect">
-            <a:avLst/>
-          </a:prstGeom>
-        </p:spPr>
-      </p:pic>
-      <p:pic>
-        <p:nvPicPr>
-          <p:cNvPr id="7" name="Graphic 6" descr="Database outline">
-            <a:extLst>
-              <a:ext uri="{FF2B5EF4-FFF2-40B4-BE49-F238E27FC236}">
-                <a16:creationId xmlns:a16="http://schemas.microsoft.com/office/drawing/2014/main" id="{2BDBDD93-BDF9-E663-4C82-28A57084EC46}"/>
-              </a:ext>
-            </a:extLst>
-          </p:cNvPr>
-          <p:cNvPicPr>
-            <a:picLocks noChangeAspect="1"/>
-          </p:cNvPicPr>
-          <p:nvPr/>
-        </p:nvPicPr>
-        <p:blipFill>
-          <a:blip r:embed="rId3">
-            <a:extLst>
-              <a:ext uri="{96DAC541-7B7A-43D3-8B79-37D633B846F1}">
-                <asvg:svgBlip xmlns:asvg="http://schemas.microsoft.com/office/drawing/2016/SVG/main" r:embed="rId4"/>
-              </a:ext>
-            </a:extLst>
-          </a:blip>
-          <a:stretch>
-            <a:fillRect/>
-          </a:stretch>
-        </p:blipFill>
-        <p:spPr>
-          <a:xfrm>
-            <a:off x="7041817" y="2188026"/>
-            <a:ext cx="1156366" cy="1156366"/>
-          </a:xfrm>
-          <a:prstGeom prst="rect">
-            <a:avLst/>
-          </a:prstGeom>
-        </p:spPr>
-      </p:pic>
-      <p:cxnSp>
-        <p:nvCxnSpPr>
-          <p:cNvPr id="13" name="Straight Arrow Connector 12">
-            <a:extLst>
-              <a:ext uri="{FF2B5EF4-FFF2-40B4-BE49-F238E27FC236}">
-                <a16:creationId xmlns:a16="http://schemas.microsoft.com/office/drawing/2014/main" id="{7058D791-C395-79EB-697C-AFF35EE7DCBB}"/>
-              </a:ext>
-            </a:extLst>
-          </p:cNvPr>
-          <p:cNvCxnSpPr/>
-          <p:nvPr/>
-        </p:nvCxnSpPr>
-        <p:spPr>
-          <a:xfrm flipH="1">
-            <a:off x="1850964" y="3574470"/>
-            <a:ext cx="578183" cy="391886"/>
-          </a:xfrm>
-          <a:prstGeom prst="straightConnector1">
-            <a:avLst/>
-          </a:prstGeom>
-          <a:ln>
-            <a:solidFill>
-              <a:schemeClr val="tx2"/>
-            </a:solidFill>
-            <a:tailEnd type="triangle"/>
-          </a:ln>
-        </p:spPr>
-        <p:style>
-          <a:lnRef idx="2">
-            <a:schemeClr val="accent1"/>
-          </a:lnRef>
-          <a:fillRef idx="0">
-            <a:schemeClr val="accent1"/>
-          </a:fillRef>
-          <a:effectRef idx="1">
-            <a:schemeClr val="accent1"/>
-          </a:effectRef>
-          <a:fontRef idx="minor">
-            <a:schemeClr val="tx1"/>
-          </a:fontRef>
-        </p:style>
-      </p:cxnSp>
-      <p:cxnSp>
-        <p:nvCxnSpPr>
-          <p:cNvPr id="15" name="Straight Connector 14">
-            <a:extLst>
-              <a:ext uri="{FF2B5EF4-FFF2-40B4-BE49-F238E27FC236}">
-                <a16:creationId xmlns:a16="http://schemas.microsoft.com/office/drawing/2014/main" id="{24315867-33C9-A2D3-E6A9-0E2F0B08B227}"/>
-              </a:ext>
-            </a:extLst>
-          </p:cNvPr>
-          <p:cNvCxnSpPr>
-            <a:cxnSpLocks/>
-          </p:cNvCxnSpPr>
-          <p:nvPr/>
-        </p:nvCxnSpPr>
-        <p:spPr>
-          <a:xfrm>
-            <a:off x="2429147" y="3261267"/>
-            <a:ext cx="0" cy="1156352"/>
-          </a:xfrm>
-          <a:prstGeom prst="line">
-            <a:avLst/>
-          </a:prstGeom>
-          <a:ln>
-            <a:solidFill>
-              <a:schemeClr val="tx2"/>
-            </a:solidFill>
-          </a:ln>
-        </p:spPr>
-        <p:style>
-          <a:lnRef idx="2">
-            <a:schemeClr val="accent1"/>
-          </a:lnRef>
-          <a:fillRef idx="0">
-            <a:schemeClr val="accent1"/>
-          </a:fillRef>
-          <a:effectRef idx="1">
-            <a:schemeClr val="accent1"/>
-          </a:effectRef>
-          <a:fontRef idx="minor">
-            <a:schemeClr val="tx1"/>
-          </a:fontRef>
-        </p:style>
-      </p:cxnSp>
-      <p:cxnSp>
-        <p:nvCxnSpPr>
-          <p:cNvPr id="17" name="Straight Arrow Connector 16">
-            <a:extLst>
-              <a:ext uri="{FF2B5EF4-FFF2-40B4-BE49-F238E27FC236}">
-                <a16:creationId xmlns:a16="http://schemas.microsoft.com/office/drawing/2014/main" id="{5F41EC72-E46F-2771-5AB9-767738137455}"/>
-              </a:ext>
-            </a:extLst>
-          </p:cNvPr>
-          <p:cNvCxnSpPr>
-            <a:cxnSpLocks/>
-          </p:cNvCxnSpPr>
-          <p:nvPr/>
-        </p:nvCxnSpPr>
-        <p:spPr>
-          <a:xfrm>
-            <a:off x="2429147" y="3764675"/>
-            <a:ext cx="441441" cy="453851"/>
-          </a:xfrm>
-          <a:prstGeom prst="straightConnector1">
-            <a:avLst/>
-          </a:prstGeom>
-          <a:ln>
-            <a:solidFill>
-              <a:schemeClr val="tx2"/>
-            </a:solidFill>
-            <a:tailEnd type="triangle"/>
-          </a:ln>
-        </p:spPr>
-        <p:style>
-          <a:lnRef idx="2">
-            <a:schemeClr val="accent1"/>
-          </a:lnRef>
-          <a:fillRef idx="0">
-            <a:schemeClr val="accent1"/>
-          </a:fillRef>
-          <a:effectRef idx="1">
-            <a:schemeClr val="accent1"/>
-          </a:effectRef>
-          <a:fontRef idx="minor">
-            <a:schemeClr val="tx1"/>
-          </a:fontRef>
-        </p:style>
-      </p:cxnSp>
-      <p:cxnSp>
-        <p:nvCxnSpPr>
-          <p:cNvPr id="19" name="Straight Arrow Connector 18">
-            <a:extLst>
-              <a:ext uri="{FF2B5EF4-FFF2-40B4-BE49-F238E27FC236}">
-                <a16:creationId xmlns:a16="http://schemas.microsoft.com/office/drawing/2014/main" id="{FA632AE0-9710-06CD-07F3-49691F102E61}"/>
-              </a:ext>
-            </a:extLst>
-          </p:cNvPr>
-          <p:cNvCxnSpPr/>
-          <p:nvPr/>
-        </p:nvCxnSpPr>
-        <p:spPr>
-          <a:xfrm flipH="1">
-            <a:off x="7067371" y="3574470"/>
-            <a:ext cx="578183" cy="391886"/>
-          </a:xfrm>
-          <a:prstGeom prst="straightConnector1">
-            <a:avLst/>
-          </a:prstGeom>
-          <a:ln>
-            <a:solidFill>
-              <a:schemeClr val="tx2"/>
-            </a:solidFill>
-            <a:tailEnd type="triangle"/>
-          </a:ln>
-        </p:spPr>
-        <p:style>
-          <a:lnRef idx="2">
-            <a:schemeClr val="accent1"/>
-          </a:lnRef>
-          <a:fillRef idx="0">
-            <a:schemeClr val="accent1"/>
-          </a:fillRef>
-          <a:effectRef idx="1">
-            <a:schemeClr val="accent1"/>
-          </a:effectRef>
-          <a:fontRef idx="minor">
-            <a:schemeClr val="tx1"/>
-          </a:fontRef>
-        </p:style>
-      </p:cxnSp>
-      <p:cxnSp>
-        <p:nvCxnSpPr>
-          <p:cNvPr id="20" name="Straight Connector 19">
-            <a:extLst>
-              <a:ext uri="{FF2B5EF4-FFF2-40B4-BE49-F238E27FC236}">
-                <a16:creationId xmlns:a16="http://schemas.microsoft.com/office/drawing/2014/main" id="{68159707-66C5-BFD2-E0D7-1056BA7A4E2C}"/>
-              </a:ext>
-            </a:extLst>
-          </p:cNvPr>
-          <p:cNvCxnSpPr>
-            <a:cxnSpLocks/>
-          </p:cNvCxnSpPr>
-          <p:nvPr/>
-        </p:nvCxnSpPr>
-        <p:spPr>
-          <a:xfrm>
-            <a:off x="7645554" y="3261267"/>
-            <a:ext cx="0" cy="1156352"/>
-          </a:xfrm>
-          <a:prstGeom prst="line">
-            <a:avLst/>
-          </a:prstGeom>
-          <a:ln>
-            <a:solidFill>
-              <a:schemeClr val="tx2"/>
-            </a:solidFill>
-          </a:ln>
-        </p:spPr>
-        <p:style>
-          <a:lnRef idx="2">
-            <a:schemeClr val="accent1"/>
-          </a:lnRef>
-          <a:fillRef idx="0">
-            <a:schemeClr val="accent1"/>
-          </a:fillRef>
-          <a:effectRef idx="1">
-            <a:schemeClr val="accent1"/>
-          </a:effectRef>
-          <a:fontRef idx="minor">
-            <a:schemeClr val="tx1"/>
-          </a:fontRef>
-        </p:style>
-      </p:cxnSp>
-      <p:cxnSp>
-        <p:nvCxnSpPr>
-          <p:cNvPr id="21" name="Straight Arrow Connector 20">
-            <a:extLst>
-              <a:ext uri="{FF2B5EF4-FFF2-40B4-BE49-F238E27FC236}">
-                <a16:creationId xmlns:a16="http://schemas.microsoft.com/office/drawing/2014/main" id="{7FC5E737-3686-9817-22FF-FC86D0A58551}"/>
-              </a:ext>
-            </a:extLst>
-          </p:cNvPr>
-          <p:cNvCxnSpPr>
-            <a:cxnSpLocks/>
-          </p:cNvCxnSpPr>
-          <p:nvPr/>
-        </p:nvCxnSpPr>
-        <p:spPr>
-          <a:xfrm>
-            <a:off x="7645554" y="3764675"/>
-            <a:ext cx="441441" cy="453851"/>
-          </a:xfrm>
-          <a:prstGeom prst="straightConnector1">
-            <a:avLst/>
-          </a:prstGeom>
-          <a:ln>
-            <a:solidFill>
-              <a:schemeClr val="tx2"/>
-            </a:solidFill>
-            <a:tailEnd type="triangle"/>
-          </a:ln>
-        </p:spPr>
-        <p:style>
-          <a:lnRef idx="2">
-            <a:schemeClr val="accent1"/>
-          </a:lnRef>
-          <a:fillRef idx="0">
-            <a:schemeClr val="accent1"/>
-          </a:fillRef>
-          <a:effectRef idx="1">
-            <a:schemeClr val="accent1"/>
-          </a:effectRef>
-          <a:fontRef idx="minor">
-            <a:schemeClr val="tx1"/>
-          </a:fontRef>
-        </p:style>
-      </p:cxnSp>
-      <p:cxnSp>
-        <p:nvCxnSpPr>
-          <p:cNvPr id="22" name="Straight Arrow Connector 21">
-            <a:extLst>
-              <a:ext uri="{FF2B5EF4-FFF2-40B4-BE49-F238E27FC236}">
-                <a16:creationId xmlns:a16="http://schemas.microsoft.com/office/drawing/2014/main" id="{C7FC17E2-284B-0F1B-D43B-78F4515A4C4D}"/>
-              </a:ext>
-            </a:extLst>
-          </p:cNvPr>
-          <p:cNvCxnSpPr>
-            <a:cxnSpLocks/>
-          </p:cNvCxnSpPr>
-          <p:nvPr/>
-        </p:nvCxnSpPr>
-        <p:spPr>
-          <a:xfrm>
-            <a:off x="6107305" y="2688277"/>
-            <a:ext cx="1170291" cy="0"/>
-          </a:xfrm>
-          <a:prstGeom prst="straightConnector1">
-            <a:avLst/>
-          </a:prstGeom>
-          <a:ln>
-            <a:solidFill>
-              <a:schemeClr val="tx2"/>
-            </a:solidFill>
-            <a:tailEnd type="triangle"/>
-          </a:ln>
-        </p:spPr>
-        <p:style>
-          <a:lnRef idx="2">
-            <a:schemeClr val="accent1"/>
-          </a:lnRef>
-          <a:fillRef idx="0">
-            <a:schemeClr val="accent1"/>
-          </a:fillRef>
-          <a:effectRef idx="1">
-            <a:schemeClr val="accent1"/>
-          </a:effectRef>
-          <a:fontRef idx="minor">
-            <a:schemeClr val="tx1"/>
-          </a:fontRef>
-        </p:style>
-      </p:cxnSp>
-      <p:sp>
-        <p:nvSpPr>
-          <p:cNvPr id="24" name="TextBox 23">
-            <a:extLst>
-              <a:ext uri="{FF2B5EF4-FFF2-40B4-BE49-F238E27FC236}">
-                <a16:creationId xmlns:a16="http://schemas.microsoft.com/office/drawing/2014/main" id="{38C57824-2134-B2AB-389F-9813B77314AC}"/>
-              </a:ext>
-            </a:extLst>
-          </p:cNvPr>
-          <p:cNvSpPr txBox="1"/>
-          <p:nvPr/>
-        </p:nvSpPr>
-        <p:spPr>
-          <a:xfrm>
-            <a:off x="1856556" y="1952002"/>
-            <a:ext cx="1698172" cy="369332"/>
-          </a:xfrm>
-          <a:prstGeom prst="rect">
-            <a:avLst/>
-          </a:prstGeom>
-          <a:noFill/>
-        </p:spPr>
-        <p:txBody>
-          <a:bodyPr wrap="square" rtlCol="0">
-            <a:spAutoFit/>
-          </a:bodyPr>
-          <a:lstStyle/>
-          <a:p>
-            <a:r>
-              <a:rPr lang="en-US" dirty="0" err="1"/>
-              <a:t>gitLesson</a:t>
-            </a:r>
-            <a:endParaRPr lang="en-US" dirty="0"/>
-          </a:p>
-        </p:txBody>
-      </p:sp>
-      <p:sp>
-        <p:nvSpPr>
-          <p:cNvPr id="25" name="TextBox 24">
-            <a:extLst>
-              <a:ext uri="{FF2B5EF4-FFF2-40B4-BE49-F238E27FC236}">
-                <a16:creationId xmlns:a16="http://schemas.microsoft.com/office/drawing/2014/main" id="{71F38EA9-3ECF-6B47-6001-63E75CF65FE3}"/>
-              </a:ext>
-            </a:extLst>
-          </p:cNvPr>
-          <p:cNvSpPr txBox="1"/>
-          <p:nvPr/>
-        </p:nvSpPr>
-        <p:spPr>
-          <a:xfrm>
-            <a:off x="5162201" y="1908154"/>
-            <a:ext cx="1698172" cy="369332"/>
-          </a:xfrm>
-          <a:prstGeom prst="rect">
-            <a:avLst/>
-          </a:prstGeom>
-          <a:noFill/>
-        </p:spPr>
-        <p:txBody>
-          <a:bodyPr wrap="square" rtlCol="0">
-            <a:spAutoFit/>
-          </a:bodyPr>
-          <a:lstStyle/>
-          <a:p>
-            <a:r>
-              <a:rPr lang="en-US" dirty="0" err="1"/>
-              <a:t>gitLesson</a:t>
-            </a:r>
-            <a:endParaRPr lang="en-US" dirty="0"/>
-          </a:p>
-        </p:txBody>
-      </p:sp>
-      <p:sp>
-        <p:nvSpPr>
-          <p:cNvPr id="26" name="TextBox 25">
-            <a:extLst>
-              <a:ext uri="{FF2B5EF4-FFF2-40B4-BE49-F238E27FC236}">
-                <a16:creationId xmlns:a16="http://schemas.microsoft.com/office/drawing/2014/main" id="{B6B625DE-4153-A43B-F061-7ADA504DCA90}"/>
-              </a:ext>
-            </a:extLst>
-          </p:cNvPr>
-          <p:cNvSpPr txBox="1"/>
-          <p:nvPr/>
-        </p:nvSpPr>
-        <p:spPr>
-          <a:xfrm>
-            <a:off x="6892435" y="1908154"/>
-            <a:ext cx="1879616" cy="369332"/>
-          </a:xfrm>
-          <a:prstGeom prst="rect">
-            <a:avLst/>
-          </a:prstGeom>
-          <a:noFill/>
-        </p:spPr>
-        <p:txBody>
-          <a:bodyPr wrap="square" rtlCol="0">
-            <a:spAutoFit/>
-          </a:bodyPr>
-          <a:lstStyle/>
-          <a:p>
-            <a:r>
-              <a:rPr lang="en-US" dirty="0" err="1"/>
-              <a:t>studentGitLesson</a:t>
-            </a:r>
-            <a:endParaRPr lang="en-US" dirty="0"/>
-          </a:p>
-        </p:txBody>
-      </p:sp>
-      <p:sp>
-        <p:nvSpPr>
-          <p:cNvPr id="27" name="TextBox 26">
-            <a:extLst>
-              <a:ext uri="{FF2B5EF4-FFF2-40B4-BE49-F238E27FC236}">
-                <a16:creationId xmlns:a16="http://schemas.microsoft.com/office/drawing/2014/main" id="{15629A31-936B-63B2-8CAE-2F9F0BA1D06F}"/>
-              </a:ext>
-            </a:extLst>
-          </p:cNvPr>
-          <p:cNvSpPr txBox="1"/>
-          <p:nvPr/>
-        </p:nvSpPr>
-        <p:spPr>
-          <a:xfrm>
-            <a:off x="6318567" y="2309037"/>
-            <a:ext cx="1156366" cy="369332"/>
-          </a:xfrm>
-          <a:prstGeom prst="rect">
-            <a:avLst/>
-          </a:prstGeom>
-          <a:noFill/>
-        </p:spPr>
-        <p:txBody>
-          <a:bodyPr wrap="square" rtlCol="0">
-            <a:spAutoFit/>
-          </a:bodyPr>
-          <a:lstStyle/>
-          <a:p>
-            <a:r>
-              <a:rPr lang="en-US" dirty="0"/>
-              <a:t>Fork</a:t>
-            </a:r>
-          </a:p>
-        </p:txBody>
-      </p:sp>
-      <p:sp>
-        <p:nvSpPr>
-          <p:cNvPr id="28" name="TextBox 27">
-            <a:extLst>
-              <a:ext uri="{FF2B5EF4-FFF2-40B4-BE49-F238E27FC236}">
-                <a16:creationId xmlns:a16="http://schemas.microsoft.com/office/drawing/2014/main" id="{09B50EE1-68E8-D461-82AE-40D642A91D65}"/>
-              </a:ext>
-            </a:extLst>
-          </p:cNvPr>
-          <p:cNvSpPr txBox="1"/>
-          <p:nvPr/>
-        </p:nvSpPr>
-        <p:spPr>
-          <a:xfrm>
-            <a:off x="2976544" y="4074266"/>
-            <a:ext cx="1785461" cy="369332"/>
-          </a:xfrm>
-          <a:prstGeom prst="rect">
-            <a:avLst/>
-          </a:prstGeom>
-          <a:noFill/>
-        </p:spPr>
-        <p:txBody>
-          <a:bodyPr wrap="square" rtlCol="0">
-            <a:spAutoFit/>
-          </a:bodyPr>
-          <a:lstStyle/>
-          <a:p>
-            <a:r>
-              <a:rPr lang="en-US" dirty="0"/>
-              <a:t>Student 2 Branch </a:t>
-            </a:r>
-          </a:p>
-        </p:txBody>
-      </p:sp>
-      <p:sp>
-        <p:nvSpPr>
-          <p:cNvPr id="29" name="TextBox 28">
-            <a:extLst>
-              <a:ext uri="{FF2B5EF4-FFF2-40B4-BE49-F238E27FC236}">
-                <a16:creationId xmlns:a16="http://schemas.microsoft.com/office/drawing/2014/main" id="{8CF95BDF-F913-E063-DA2B-5621A47D6445}"/>
-              </a:ext>
-            </a:extLst>
-          </p:cNvPr>
-          <p:cNvSpPr txBox="1"/>
-          <p:nvPr/>
-        </p:nvSpPr>
-        <p:spPr>
-          <a:xfrm>
-            <a:off x="484585" y="3971942"/>
-            <a:ext cx="1785461" cy="369332"/>
-          </a:xfrm>
-          <a:prstGeom prst="rect">
-            <a:avLst/>
-          </a:prstGeom>
-          <a:noFill/>
-        </p:spPr>
-        <p:txBody>
-          <a:bodyPr wrap="square" rtlCol="0">
-            <a:spAutoFit/>
-          </a:bodyPr>
-          <a:lstStyle/>
-          <a:p>
-            <a:r>
-              <a:rPr lang="en-US" dirty="0"/>
-              <a:t>Student 1 Branch </a:t>
-            </a:r>
-          </a:p>
-        </p:txBody>
-      </p:sp>
-      <p:sp>
-        <p:nvSpPr>
-          <p:cNvPr id="30" name="TextBox 29">
-            <a:extLst>
-              <a:ext uri="{FF2B5EF4-FFF2-40B4-BE49-F238E27FC236}">
-                <a16:creationId xmlns:a16="http://schemas.microsoft.com/office/drawing/2014/main" id="{0F4E6708-4D2A-DAD1-CC79-CEA90BECA17E}"/>
-              </a:ext>
-            </a:extLst>
-          </p:cNvPr>
-          <p:cNvSpPr txBox="1"/>
-          <p:nvPr/>
-        </p:nvSpPr>
-        <p:spPr>
-          <a:xfrm>
-            <a:off x="5660469" y="3987139"/>
-            <a:ext cx="1785461" cy="369332"/>
-          </a:xfrm>
-          <a:prstGeom prst="rect">
-            <a:avLst/>
-          </a:prstGeom>
-          <a:noFill/>
-        </p:spPr>
-        <p:txBody>
-          <a:bodyPr wrap="square" rtlCol="0">
-            <a:spAutoFit/>
-          </a:bodyPr>
-          <a:lstStyle/>
-          <a:p>
-            <a:r>
-              <a:rPr lang="en-US" dirty="0"/>
-              <a:t>Your Branch </a:t>
-            </a:r>
-          </a:p>
-        </p:txBody>
-      </p:sp>
-      <p:sp>
-        <p:nvSpPr>
-          <p:cNvPr id="31" name="TextBox 30">
-            <a:extLst>
-              <a:ext uri="{FF2B5EF4-FFF2-40B4-BE49-F238E27FC236}">
-                <a16:creationId xmlns:a16="http://schemas.microsoft.com/office/drawing/2014/main" id="{B769167A-13EC-60E3-F1F2-429F68371D37}"/>
-              </a:ext>
-            </a:extLst>
-          </p:cNvPr>
-          <p:cNvSpPr txBox="1"/>
-          <p:nvPr/>
-        </p:nvSpPr>
-        <p:spPr>
-          <a:xfrm>
-            <a:off x="7832243" y="4171805"/>
-            <a:ext cx="1785461" cy="369332"/>
-          </a:xfrm>
-          <a:prstGeom prst="rect">
-            <a:avLst/>
-          </a:prstGeom>
-          <a:noFill/>
-        </p:spPr>
-        <p:txBody>
-          <a:bodyPr wrap="square" rtlCol="0">
-            <a:spAutoFit/>
-          </a:bodyPr>
-          <a:lstStyle/>
-          <a:p>
-            <a:r>
-              <a:rPr lang="en-US" dirty="0"/>
-              <a:t>Your Branch </a:t>
-            </a:r>
-          </a:p>
-        </p:txBody>
-      </p:sp>
-    </p:spTree>
-    <p:extLst>
-      <p:ext uri="{BB962C8B-B14F-4D97-AF65-F5344CB8AC3E}">
-        <p14:creationId xmlns:p14="http://schemas.microsoft.com/office/powerpoint/2010/main" val="4212285105"/>
       </p:ext>
     </p:extLst>
   </p:cSld>
@@ -19394,6 +19054,815 @@
       </p:grpSpPr>
       <p:sp>
         <p:nvSpPr>
+          <p:cNvPr id="2" name="Title 1">
+            <a:extLst>
+              <a:ext uri="{FF2B5EF4-FFF2-40B4-BE49-F238E27FC236}">
+                <a16:creationId xmlns:a16="http://schemas.microsoft.com/office/drawing/2014/main" id="{39C8C750-3FDE-4FE4-93A2-D3B8AB7037FD}"/>
+              </a:ext>
+            </a:extLst>
+          </p:cNvPr>
+          <p:cNvSpPr>
+            <a:spLocks noGrp="1"/>
+          </p:cNvSpPr>
+          <p:nvPr>
+            <p:ph type="title"/>
+          </p:nvPr>
+        </p:nvSpPr>
+        <p:spPr/>
+        <p:txBody>
+          <a:bodyPr/>
+          <a:lstStyle/>
+          <a:p>
+            <a:r>
+              <a:rPr lang="en-GB" dirty="0"/>
+              <a:t>Forking </a:t>
+            </a:r>
+          </a:p>
+        </p:txBody>
+      </p:sp>
+      <p:sp>
+        <p:nvSpPr>
+          <p:cNvPr id="3" name="Content Placeholder 2">
+            <a:extLst>
+              <a:ext uri="{FF2B5EF4-FFF2-40B4-BE49-F238E27FC236}">
+                <a16:creationId xmlns:a16="http://schemas.microsoft.com/office/drawing/2014/main" id="{F16A1AF3-7560-48C7-B9BF-B6111DFBDB16}"/>
+              </a:ext>
+            </a:extLst>
+          </p:cNvPr>
+          <p:cNvSpPr>
+            <a:spLocks noGrp="1"/>
+          </p:cNvSpPr>
+          <p:nvPr>
+            <p:ph idx="1"/>
+          </p:nvPr>
+        </p:nvSpPr>
+        <p:spPr/>
+        <p:txBody>
+          <a:bodyPr/>
+          <a:lstStyle/>
+          <a:p>
+            <a:r>
+              <a:rPr lang="en-GB" dirty="0"/>
+              <a:t>Forking takes a copy of everything in the repository and creates your own version of it. </a:t>
+            </a:r>
+          </a:p>
+        </p:txBody>
+      </p:sp>
+      <p:sp>
+        <p:nvSpPr>
+          <p:cNvPr id="4" name="Slide Number Placeholder 3">
+            <a:extLst>
+              <a:ext uri="{FF2B5EF4-FFF2-40B4-BE49-F238E27FC236}">
+                <a16:creationId xmlns:a16="http://schemas.microsoft.com/office/drawing/2014/main" id="{BF2E1495-76CE-4C81-AA4D-63A4BD69B9BD}"/>
+              </a:ext>
+            </a:extLst>
+          </p:cNvPr>
+          <p:cNvSpPr>
+            <a:spLocks noGrp="1"/>
+          </p:cNvSpPr>
+          <p:nvPr>
+            <p:ph type="sldNum" sz="quarter" idx="12"/>
+          </p:nvPr>
+        </p:nvSpPr>
+        <p:spPr/>
+        <p:txBody>
+          <a:bodyPr/>
+          <a:lstStyle/>
+          <a:p>
+            <a:fld id="{D57F1E4F-1CFF-5643-939E-02111984F565}" type="slidenum">
+              <a:rPr lang="en-US" smtClean="0"/>
+              <a:pPr/>
+              <a:t>40</a:t>
+            </a:fld>
+            <a:endParaRPr lang="en-US" dirty="0"/>
+          </a:p>
+        </p:txBody>
+      </p:sp>
+      <p:pic>
+        <p:nvPicPr>
+          <p:cNvPr id="5" name="Graphic 4" descr="Database outline">
+            <a:extLst>
+              <a:ext uri="{FF2B5EF4-FFF2-40B4-BE49-F238E27FC236}">
+                <a16:creationId xmlns:a16="http://schemas.microsoft.com/office/drawing/2014/main" id="{E64171C7-20ED-062C-B15D-8DC178CA095F}"/>
+              </a:ext>
+            </a:extLst>
+          </p:cNvPr>
+          <p:cNvPicPr>
+            <a:picLocks noChangeAspect="1"/>
+          </p:cNvPicPr>
+          <p:nvPr/>
+        </p:nvPicPr>
+        <p:blipFill>
+          <a:blip r:embed="rId3">
+            <a:extLst>
+              <a:ext uri="{96DAC541-7B7A-43D3-8B79-37D633B846F1}">
+                <asvg:svgBlip xmlns:asvg="http://schemas.microsoft.com/office/drawing/2016/SVG/main" r:embed="rId4"/>
+              </a:ext>
+            </a:extLst>
+          </a:blip>
+          <a:stretch>
+            <a:fillRect/>
+          </a:stretch>
+        </p:blipFill>
+        <p:spPr>
+          <a:xfrm>
+            <a:off x="1850964" y="2188026"/>
+            <a:ext cx="1156366" cy="1156366"/>
+          </a:xfrm>
+          <a:prstGeom prst="rect">
+            <a:avLst/>
+          </a:prstGeom>
+        </p:spPr>
+      </p:pic>
+      <p:pic>
+        <p:nvPicPr>
+          <p:cNvPr id="6" name="Graphic 5" descr="Database outline">
+            <a:extLst>
+              <a:ext uri="{FF2B5EF4-FFF2-40B4-BE49-F238E27FC236}">
+                <a16:creationId xmlns:a16="http://schemas.microsoft.com/office/drawing/2014/main" id="{FF83C274-6601-A903-0DCC-5DC593FBC3AE}"/>
+              </a:ext>
+            </a:extLst>
+          </p:cNvPr>
+          <p:cNvPicPr>
+            <a:picLocks noChangeAspect="1"/>
+          </p:cNvPicPr>
+          <p:nvPr/>
+        </p:nvPicPr>
+        <p:blipFill>
+          <a:blip r:embed="rId3">
+            <a:extLst>
+              <a:ext uri="{96DAC541-7B7A-43D3-8B79-37D633B846F1}">
+                <asvg:svgBlip xmlns:asvg="http://schemas.microsoft.com/office/drawing/2016/SVG/main" r:embed="rId4"/>
+              </a:ext>
+            </a:extLst>
+          </a:blip>
+          <a:stretch>
+            <a:fillRect/>
+          </a:stretch>
+        </p:blipFill>
+        <p:spPr>
+          <a:xfrm>
+            <a:off x="5162201" y="2188026"/>
+            <a:ext cx="1156366" cy="1156366"/>
+          </a:xfrm>
+          <a:prstGeom prst="rect">
+            <a:avLst/>
+          </a:prstGeom>
+        </p:spPr>
+      </p:pic>
+      <p:pic>
+        <p:nvPicPr>
+          <p:cNvPr id="7" name="Graphic 6" descr="Database outline">
+            <a:extLst>
+              <a:ext uri="{FF2B5EF4-FFF2-40B4-BE49-F238E27FC236}">
+                <a16:creationId xmlns:a16="http://schemas.microsoft.com/office/drawing/2014/main" id="{2BDBDD93-BDF9-E663-4C82-28A57084EC46}"/>
+              </a:ext>
+            </a:extLst>
+          </p:cNvPr>
+          <p:cNvPicPr>
+            <a:picLocks noChangeAspect="1"/>
+          </p:cNvPicPr>
+          <p:nvPr/>
+        </p:nvPicPr>
+        <p:blipFill>
+          <a:blip r:embed="rId3">
+            <a:extLst>
+              <a:ext uri="{96DAC541-7B7A-43D3-8B79-37D633B846F1}">
+                <asvg:svgBlip xmlns:asvg="http://schemas.microsoft.com/office/drawing/2016/SVG/main" r:embed="rId4"/>
+              </a:ext>
+            </a:extLst>
+          </a:blip>
+          <a:stretch>
+            <a:fillRect/>
+          </a:stretch>
+        </p:blipFill>
+        <p:spPr>
+          <a:xfrm>
+            <a:off x="7041817" y="2188026"/>
+            <a:ext cx="1156366" cy="1156366"/>
+          </a:xfrm>
+          <a:prstGeom prst="rect">
+            <a:avLst/>
+          </a:prstGeom>
+        </p:spPr>
+      </p:pic>
+      <p:cxnSp>
+        <p:nvCxnSpPr>
+          <p:cNvPr id="13" name="Straight Arrow Connector 12">
+            <a:extLst>
+              <a:ext uri="{FF2B5EF4-FFF2-40B4-BE49-F238E27FC236}">
+                <a16:creationId xmlns:a16="http://schemas.microsoft.com/office/drawing/2014/main" id="{7058D791-C395-79EB-697C-AFF35EE7DCBB}"/>
+              </a:ext>
+            </a:extLst>
+          </p:cNvPr>
+          <p:cNvCxnSpPr/>
+          <p:nvPr/>
+        </p:nvCxnSpPr>
+        <p:spPr>
+          <a:xfrm flipH="1">
+            <a:off x="1850964" y="3574470"/>
+            <a:ext cx="578183" cy="391886"/>
+          </a:xfrm>
+          <a:prstGeom prst="straightConnector1">
+            <a:avLst/>
+          </a:prstGeom>
+          <a:ln>
+            <a:solidFill>
+              <a:schemeClr val="tx2"/>
+            </a:solidFill>
+            <a:tailEnd type="triangle"/>
+          </a:ln>
+        </p:spPr>
+        <p:style>
+          <a:lnRef idx="2">
+            <a:schemeClr val="accent1"/>
+          </a:lnRef>
+          <a:fillRef idx="0">
+            <a:schemeClr val="accent1"/>
+          </a:fillRef>
+          <a:effectRef idx="1">
+            <a:schemeClr val="accent1"/>
+          </a:effectRef>
+          <a:fontRef idx="minor">
+            <a:schemeClr val="tx1"/>
+          </a:fontRef>
+        </p:style>
+      </p:cxnSp>
+      <p:cxnSp>
+        <p:nvCxnSpPr>
+          <p:cNvPr id="15" name="Straight Connector 14">
+            <a:extLst>
+              <a:ext uri="{FF2B5EF4-FFF2-40B4-BE49-F238E27FC236}">
+                <a16:creationId xmlns:a16="http://schemas.microsoft.com/office/drawing/2014/main" id="{24315867-33C9-A2D3-E6A9-0E2F0B08B227}"/>
+              </a:ext>
+            </a:extLst>
+          </p:cNvPr>
+          <p:cNvCxnSpPr>
+            <a:cxnSpLocks/>
+          </p:cNvCxnSpPr>
+          <p:nvPr/>
+        </p:nvCxnSpPr>
+        <p:spPr>
+          <a:xfrm>
+            <a:off x="2429147" y="3261267"/>
+            <a:ext cx="0" cy="1156352"/>
+          </a:xfrm>
+          <a:prstGeom prst="line">
+            <a:avLst/>
+          </a:prstGeom>
+          <a:ln>
+            <a:solidFill>
+              <a:schemeClr val="tx2"/>
+            </a:solidFill>
+          </a:ln>
+        </p:spPr>
+        <p:style>
+          <a:lnRef idx="2">
+            <a:schemeClr val="accent1"/>
+          </a:lnRef>
+          <a:fillRef idx="0">
+            <a:schemeClr val="accent1"/>
+          </a:fillRef>
+          <a:effectRef idx="1">
+            <a:schemeClr val="accent1"/>
+          </a:effectRef>
+          <a:fontRef idx="minor">
+            <a:schemeClr val="tx1"/>
+          </a:fontRef>
+        </p:style>
+      </p:cxnSp>
+      <p:cxnSp>
+        <p:nvCxnSpPr>
+          <p:cNvPr id="17" name="Straight Arrow Connector 16">
+            <a:extLst>
+              <a:ext uri="{FF2B5EF4-FFF2-40B4-BE49-F238E27FC236}">
+                <a16:creationId xmlns:a16="http://schemas.microsoft.com/office/drawing/2014/main" id="{5F41EC72-E46F-2771-5AB9-767738137455}"/>
+              </a:ext>
+            </a:extLst>
+          </p:cNvPr>
+          <p:cNvCxnSpPr>
+            <a:cxnSpLocks/>
+          </p:cNvCxnSpPr>
+          <p:nvPr/>
+        </p:nvCxnSpPr>
+        <p:spPr>
+          <a:xfrm>
+            <a:off x="2429147" y="3764675"/>
+            <a:ext cx="441441" cy="453851"/>
+          </a:xfrm>
+          <a:prstGeom prst="straightConnector1">
+            <a:avLst/>
+          </a:prstGeom>
+          <a:ln>
+            <a:solidFill>
+              <a:schemeClr val="tx2"/>
+            </a:solidFill>
+            <a:tailEnd type="triangle"/>
+          </a:ln>
+        </p:spPr>
+        <p:style>
+          <a:lnRef idx="2">
+            <a:schemeClr val="accent1"/>
+          </a:lnRef>
+          <a:fillRef idx="0">
+            <a:schemeClr val="accent1"/>
+          </a:fillRef>
+          <a:effectRef idx="1">
+            <a:schemeClr val="accent1"/>
+          </a:effectRef>
+          <a:fontRef idx="minor">
+            <a:schemeClr val="tx1"/>
+          </a:fontRef>
+        </p:style>
+      </p:cxnSp>
+      <p:cxnSp>
+        <p:nvCxnSpPr>
+          <p:cNvPr id="19" name="Straight Arrow Connector 18">
+            <a:extLst>
+              <a:ext uri="{FF2B5EF4-FFF2-40B4-BE49-F238E27FC236}">
+                <a16:creationId xmlns:a16="http://schemas.microsoft.com/office/drawing/2014/main" id="{FA632AE0-9710-06CD-07F3-49691F102E61}"/>
+              </a:ext>
+            </a:extLst>
+          </p:cNvPr>
+          <p:cNvCxnSpPr/>
+          <p:nvPr/>
+        </p:nvCxnSpPr>
+        <p:spPr>
+          <a:xfrm flipH="1">
+            <a:off x="7067371" y="3574470"/>
+            <a:ext cx="578183" cy="391886"/>
+          </a:xfrm>
+          <a:prstGeom prst="straightConnector1">
+            <a:avLst/>
+          </a:prstGeom>
+          <a:ln>
+            <a:solidFill>
+              <a:schemeClr val="tx2"/>
+            </a:solidFill>
+            <a:tailEnd type="triangle"/>
+          </a:ln>
+        </p:spPr>
+        <p:style>
+          <a:lnRef idx="2">
+            <a:schemeClr val="accent1"/>
+          </a:lnRef>
+          <a:fillRef idx="0">
+            <a:schemeClr val="accent1"/>
+          </a:fillRef>
+          <a:effectRef idx="1">
+            <a:schemeClr val="accent1"/>
+          </a:effectRef>
+          <a:fontRef idx="minor">
+            <a:schemeClr val="tx1"/>
+          </a:fontRef>
+        </p:style>
+      </p:cxnSp>
+      <p:cxnSp>
+        <p:nvCxnSpPr>
+          <p:cNvPr id="20" name="Straight Connector 19">
+            <a:extLst>
+              <a:ext uri="{FF2B5EF4-FFF2-40B4-BE49-F238E27FC236}">
+                <a16:creationId xmlns:a16="http://schemas.microsoft.com/office/drawing/2014/main" id="{68159707-66C5-BFD2-E0D7-1056BA7A4E2C}"/>
+              </a:ext>
+            </a:extLst>
+          </p:cNvPr>
+          <p:cNvCxnSpPr>
+            <a:cxnSpLocks/>
+          </p:cNvCxnSpPr>
+          <p:nvPr/>
+        </p:nvCxnSpPr>
+        <p:spPr>
+          <a:xfrm>
+            <a:off x="7645554" y="3261267"/>
+            <a:ext cx="0" cy="1156352"/>
+          </a:xfrm>
+          <a:prstGeom prst="line">
+            <a:avLst/>
+          </a:prstGeom>
+          <a:ln>
+            <a:solidFill>
+              <a:schemeClr val="tx2"/>
+            </a:solidFill>
+          </a:ln>
+        </p:spPr>
+        <p:style>
+          <a:lnRef idx="2">
+            <a:schemeClr val="accent1"/>
+          </a:lnRef>
+          <a:fillRef idx="0">
+            <a:schemeClr val="accent1"/>
+          </a:fillRef>
+          <a:effectRef idx="1">
+            <a:schemeClr val="accent1"/>
+          </a:effectRef>
+          <a:fontRef idx="minor">
+            <a:schemeClr val="tx1"/>
+          </a:fontRef>
+        </p:style>
+      </p:cxnSp>
+      <p:cxnSp>
+        <p:nvCxnSpPr>
+          <p:cNvPr id="21" name="Straight Arrow Connector 20">
+            <a:extLst>
+              <a:ext uri="{FF2B5EF4-FFF2-40B4-BE49-F238E27FC236}">
+                <a16:creationId xmlns:a16="http://schemas.microsoft.com/office/drawing/2014/main" id="{7FC5E737-3686-9817-22FF-FC86D0A58551}"/>
+              </a:ext>
+            </a:extLst>
+          </p:cNvPr>
+          <p:cNvCxnSpPr>
+            <a:cxnSpLocks/>
+          </p:cNvCxnSpPr>
+          <p:nvPr/>
+        </p:nvCxnSpPr>
+        <p:spPr>
+          <a:xfrm>
+            <a:off x="7645554" y="3764675"/>
+            <a:ext cx="441441" cy="453851"/>
+          </a:xfrm>
+          <a:prstGeom prst="straightConnector1">
+            <a:avLst/>
+          </a:prstGeom>
+          <a:ln>
+            <a:solidFill>
+              <a:schemeClr val="tx2"/>
+            </a:solidFill>
+            <a:tailEnd type="triangle"/>
+          </a:ln>
+        </p:spPr>
+        <p:style>
+          <a:lnRef idx="2">
+            <a:schemeClr val="accent1"/>
+          </a:lnRef>
+          <a:fillRef idx="0">
+            <a:schemeClr val="accent1"/>
+          </a:fillRef>
+          <a:effectRef idx="1">
+            <a:schemeClr val="accent1"/>
+          </a:effectRef>
+          <a:fontRef idx="minor">
+            <a:schemeClr val="tx1"/>
+          </a:fontRef>
+        </p:style>
+      </p:cxnSp>
+      <p:cxnSp>
+        <p:nvCxnSpPr>
+          <p:cNvPr id="22" name="Straight Arrow Connector 21">
+            <a:extLst>
+              <a:ext uri="{FF2B5EF4-FFF2-40B4-BE49-F238E27FC236}">
+                <a16:creationId xmlns:a16="http://schemas.microsoft.com/office/drawing/2014/main" id="{C7FC17E2-284B-0F1B-D43B-78F4515A4C4D}"/>
+              </a:ext>
+            </a:extLst>
+          </p:cNvPr>
+          <p:cNvCxnSpPr>
+            <a:cxnSpLocks/>
+          </p:cNvCxnSpPr>
+          <p:nvPr/>
+        </p:nvCxnSpPr>
+        <p:spPr>
+          <a:xfrm>
+            <a:off x="6107305" y="2688277"/>
+            <a:ext cx="1170291" cy="0"/>
+          </a:xfrm>
+          <a:prstGeom prst="straightConnector1">
+            <a:avLst/>
+          </a:prstGeom>
+          <a:ln>
+            <a:solidFill>
+              <a:schemeClr val="tx2"/>
+            </a:solidFill>
+            <a:tailEnd type="triangle"/>
+          </a:ln>
+        </p:spPr>
+        <p:style>
+          <a:lnRef idx="2">
+            <a:schemeClr val="accent1"/>
+          </a:lnRef>
+          <a:fillRef idx="0">
+            <a:schemeClr val="accent1"/>
+          </a:fillRef>
+          <a:effectRef idx="1">
+            <a:schemeClr val="accent1"/>
+          </a:effectRef>
+          <a:fontRef idx="minor">
+            <a:schemeClr val="tx1"/>
+          </a:fontRef>
+        </p:style>
+      </p:cxnSp>
+      <p:sp>
+        <p:nvSpPr>
+          <p:cNvPr id="24" name="TextBox 23">
+            <a:extLst>
+              <a:ext uri="{FF2B5EF4-FFF2-40B4-BE49-F238E27FC236}">
+                <a16:creationId xmlns:a16="http://schemas.microsoft.com/office/drawing/2014/main" id="{38C57824-2134-B2AB-389F-9813B77314AC}"/>
+              </a:ext>
+            </a:extLst>
+          </p:cNvPr>
+          <p:cNvSpPr txBox="1"/>
+          <p:nvPr/>
+        </p:nvSpPr>
+        <p:spPr>
+          <a:xfrm>
+            <a:off x="1856556" y="1952002"/>
+            <a:ext cx="1698172" cy="369332"/>
+          </a:xfrm>
+          <a:prstGeom prst="rect">
+            <a:avLst/>
+          </a:prstGeom>
+          <a:noFill/>
+        </p:spPr>
+        <p:txBody>
+          <a:bodyPr wrap="square" rtlCol="0">
+            <a:spAutoFit/>
+          </a:bodyPr>
+          <a:lstStyle/>
+          <a:p>
+            <a:r>
+              <a:rPr lang="en-US" dirty="0" err="1"/>
+              <a:t>gitLesson</a:t>
+            </a:r>
+            <a:endParaRPr lang="en-US" dirty="0"/>
+          </a:p>
+        </p:txBody>
+      </p:sp>
+      <p:sp>
+        <p:nvSpPr>
+          <p:cNvPr id="25" name="TextBox 24">
+            <a:extLst>
+              <a:ext uri="{FF2B5EF4-FFF2-40B4-BE49-F238E27FC236}">
+                <a16:creationId xmlns:a16="http://schemas.microsoft.com/office/drawing/2014/main" id="{71F38EA9-3ECF-6B47-6001-63E75CF65FE3}"/>
+              </a:ext>
+            </a:extLst>
+          </p:cNvPr>
+          <p:cNvSpPr txBox="1"/>
+          <p:nvPr/>
+        </p:nvSpPr>
+        <p:spPr>
+          <a:xfrm>
+            <a:off x="5162201" y="1908154"/>
+            <a:ext cx="1698172" cy="369332"/>
+          </a:xfrm>
+          <a:prstGeom prst="rect">
+            <a:avLst/>
+          </a:prstGeom>
+          <a:noFill/>
+        </p:spPr>
+        <p:txBody>
+          <a:bodyPr wrap="square" rtlCol="0">
+            <a:spAutoFit/>
+          </a:bodyPr>
+          <a:lstStyle/>
+          <a:p>
+            <a:r>
+              <a:rPr lang="en-US" dirty="0" err="1"/>
+              <a:t>gitLesson</a:t>
+            </a:r>
+            <a:endParaRPr lang="en-US" dirty="0"/>
+          </a:p>
+        </p:txBody>
+      </p:sp>
+      <p:sp>
+        <p:nvSpPr>
+          <p:cNvPr id="26" name="TextBox 25">
+            <a:extLst>
+              <a:ext uri="{FF2B5EF4-FFF2-40B4-BE49-F238E27FC236}">
+                <a16:creationId xmlns:a16="http://schemas.microsoft.com/office/drawing/2014/main" id="{B6B625DE-4153-A43B-F061-7ADA504DCA90}"/>
+              </a:ext>
+            </a:extLst>
+          </p:cNvPr>
+          <p:cNvSpPr txBox="1"/>
+          <p:nvPr/>
+        </p:nvSpPr>
+        <p:spPr>
+          <a:xfrm>
+            <a:off x="6892435" y="1908154"/>
+            <a:ext cx="1879616" cy="369332"/>
+          </a:xfrm>
+          <a:prstGeom prst="rect">
+            <a:avLst/>
+          </a:prstGeom>
+          <a:noFill/>
+        </p:spPr>
+        <p:txBody>
+          <a:bodyPr wrap="square" rtlCol="0">
+            <a:spAutoFit/>
+          </a:bodyPr>
+          <a:lstStyle/>
+          <a:p>
+            <a:r>
+              <a:rPr lang="en-US" dirty="0" err="1"/>
+              <a:t>studentGitLesson</a:t>
+            </a:r>
+            <a:endParaRPr lang="en-US" dirty="0"/>
+          </a:p>
+        </p:txBody>
+      </p:sp>
+      <p:sp>
+        <p:nvSpPr>
+          <p:cNvPr id="27" name="TextBox 26">
+            <a:extLst>
+              <a:ext uri="{FF2B5EF4-FFF2-40B4-BE49-F238E27FC236}">
+                <a16:creationId xmlns:a16="http://schemas.microsoft.com/office/drawing/2014/main" id="{15629A31-936B-63B2-8CAE-2F9F0BA1D06F}"/>
+              </a:ext>
+            </a:extLst>
+          </p:cNvPr>
+          <p:cNvSpPr txBox="1"/>
+          <p:nvPr/>
+        </p:nvSpPr>
+        <p:spPr>
+          <a:xfrm>
+            <a:off x="6318567" y="2309037"/>
+            <a:ext cx="1156366" cy="369332"/>
+          </a:xfrm>
+          <a:prstGeom prst="rect">
+            <a:avLst/>
+          </a:prstGeom>
+          <a:noFill/>
+        </p:spPr>
+        <p:txBody>
+          <a:bodyPr wrap="square" rtlCol="0">
+            <a:spAutoFit/>
+          </a:bodyPr>
+          <a:lstStyle/>
+          <a:p>
+            <a:r>
+              <a:rPr lang="en-US" dirty="0"/>
+              <a:t>Fork</a:t>
+            </a:r>
+          </a:p>
+        </p:txBody>
+      </p:sp>
+      <p:sp>
+        <p:nvSpPr>
+          <p:cNvPr id="28" name="TextBox 27">
+            <a:extLst>
+              <a:ext uri="{FF2B5EF4-FFF2-40B4-BE49-F238E27FC236}">
+                <a16:creationId xmlns:a16="http://schemas.microsoft.com/office/drawing/2014/main" id="{09B50EE1-68E8-D461-82AE-40D642A91D65}"/>
+              </a:ext>
+            </a:extLst>
+          </p:cNvPr>
+          <p:cNvSpPr txBox="1"/>
+          <p:nvPr/>
+        </p:nvSpPr>
+        <p:spPr>
+          <a:xfrm>
+            <a:off x="2976544" y="4074266"/>
+            <a:ext cx="1785461" cy="369332"/>
+          </a:xfrm>
+          <a:prstGeom prst="rect">
+            <a:avLst/>
+          </a:prstGeom>
+          <a:noFill/>
+        </p:spPr>
+        <p:txBody>
+          <a:bodyPr wrap="square" rtlCol="0">
+            <a:spAutoFit/>
+          </a:bodyPr>
+          <a:lstStyle/>
+          <a:p>
+            <a:r>
+              <a:rPr lang="en-US" dirty="0"/>
+              <a:t>Student 2 Branch </a:t>
+            </a:r>
+          </a:p>
+        </p:txBody>
+      </p:sp>
+      <p:sp>
+        <p:nvSpPr>
+          <p:cNvPr id="29" name="TextBox 28">
+            <a:extLst>
+              <a:ext uri="{FF2B5EF4-FFF2-40B4-BE49-F238E27FC236}">
+                <a16:creationId xmlns:a16="http://schemas.microsoft.com/office/drawing/2014/main" id="{8CF95BDF-F913-E063-DA2B-5621A47D6445}"/>
+              </a:ext>
+            </a:extLst>
+          </p:cNvPr>
+          <p:cNvSpPr txBox="1"/>
+          <p:nvPr/>
+        </p:nvSpPr>
+        <p:spPr>
+          <a:xfrm>
+            <a:off x="484585" y="3971942"/>
+            <a:ext cx="1785461" cy="369332"/>
+          </a:xfrm>
+          <a:prstGeom prst="rect">
+            <a:avLst/>
+          </a:prstGeom>
+          <a:noFill/>
+        </p:spPr>
+        <p:txBody>
+          <a:bodyPr wrap="square" rtlCol="0">
+            <a:spAutoFit/>
+          </a:bodyPr>
+          <a:lstStyle/>
+          <a:p>
+            <a:r>
+              <a:rPr lang="en-US" dirty="0"/>
+              <a:t>Student 1 Branch </a:t>
+            </a:r>
+          </a:p>
+        </p:txBody>
+      </p:sp>
+      <p:sp>
+        <p:nvSpPr>
+          <p:cNvPr id="30" name="TextBox 29">
+            <a:extLst>
+              <a:ext uri="{FF2B5EF4-FFF2-40B4-BE49-F238E27FC236}">
+                <a16:creationId xmlns:a16="http://schemas.microsoft.com/office/drawing/2014/main" id="{0F4E6708-4D2A-DAD1-CC79-CEA90BECA17E}"/>
+              </a:ext>
+            </a:extLst>
+          </p:cNvPr>
+          <p:cNvSpPr txBox="1"/>
+          <p:nvPr/>
+        </p:nvSpPr>
+        <p:spPr>
+          <a:xfrm>
+            <a:off x="5660469" y="3987139"/>
+            <a:ext cx="1785461" cy="369332"/>
+          </a:xfrm>
+          <a:prstGeom prst="rect">
+            <a:avLst/>
+          </a:prstGeom>
+          <a:noFill/>
+        </p:spPr>
+        <p:txBody>
+          <a:bodyPr wrap="square" rtlCol="0">
+            <a:spAutoFit/>
+          </a:bodyPr>
+          <a:lstStyle/>
+          <a:p>
+            <a:r>
+              <a:rPr lang="en-US" dirty="0"/>
+              <a:t>Your Branch </a:t>
+            </a:r>
+          </a:p>
+        </p:txBody>
+      </p:sp>
+      <p:sp>
+        <p:nvSpPr>
+          <p:cNvPr id="31" name="TextBox 30">
+            <a:extLst>
+              <a:ext uri="{FF2B5EF4-FFF2-40B4-BE49-F238E27FC236}">
+                <a16:creationId xmlns:a16="http://schemas.microsoft.com/office/drawing/2014/main" id="{B769167A-13EC-60E3-F1F2-429F68371D37}"/>
+              </a:ext>
+            </a:extLst>
+          </p:cNvPr>
+          <p:cNvSpPr txBox="1"/>
+          <p:nvPr/>
+        </p:nvSpPr>
+        <p:spPr>
+          <a:xfrm>
+            <a:off x="7832243" y="4171805"/>
+            <a:ext cx="1785461" cy="369332"/>
+          </a:xfrm>
+          <a:prstGeom prst="rect">
+            <a:avLst/>
+          </a:prstGeom>
+          <a:noFill/>
+        </p:spPr>
+        <p:txBody>
+          <a:bodyPr wrap="square" rtlCol="0">
+            <a:spAutoFit/>
+          </a:bodyPr>
+          <a:lstStyle/>
+          <a:p>
+            <a:r>
+              <a:rPr lang="en-US" dirty="0"/>
+              <a:t>Your Branch </a:t>
+            </a:r>
+          </a:p>
+        </p:txBody>
+      </p:sp>
+    </p:spTree>
+    <p:extLst>
+      <p:ext uri="{BB962C8B-B14F-4D97-AF65-F5344CB8AC3E}">
+        <p14:creationId xmlns:p14="http://schemas.microsoft.com/office/powerpoint/2010/main" val="4212285105"/>
+      </p:ext>
+    </p:extLst>
+  </p:cSld>
+  <p:clrMapOvr>
+    <a:masterClrMapping/>
+  </p:clrMapOvr>
+</p:sld>
+</file>
+
+<file path=ppt/slides/slide41.xml><?xml version="1.0" encoding="utf-8"?>
+<p:sld xmlns:a="http://schemas.openxmlformats.org/drawingml/2006/main" xmlns:r="http://schemas.openxmlformats.org/officeDocument/2006/relationships" xmlns:p="http://schemas.openxmlformats.org/presentationml/2006/main">
+  <p:cSld>
+    <p:spTree>
+      <p:nvGrpSpPr>
+        <p:cNvPr id="1" name=""/>
+        <p:cNvGrpSpPr/>
+        <p:nvPr/>
+      </p:nvGrpSpPr>
+      <p:grpSpPr>
+        <a:xfrm>
+          <a:off x="0" y="0"/>
+          <a:ext cx="0" cy="0"/>
+          <a:chOff x="0" y="0"/>
+          <a:chExt cx="0" cy="0"/>
+        </a:xfrm>
+      </p:grpSpPr>
+      <p:sp>
+        <p:nvSpPr>
           <p:cNvPr id="5" name="Title 4"/>
           <p:cNvSpPr>
             <a:spLocks noGrp="1"/>
@@ -19533,7 +20002,7 @@
             <a:fld id="{A82AD956-1430-46BB-93C5-FEC803E7C388}" type="slidenum">
               <a:rPr lang="bs-Latn-BA" smtClean="0"/>
               <a:pPr/>
-              <a:t>40</a:t>
+              <a:t>41</a:t>
             </a:fld>
             <a:endParaRPr lang="bs-Latn-BA"/>
           </a:p>
@@ -19947,6 +20416,15 @@
           <a:lstStyle/>
           <a:p>
             <a:r>
+              <a:rPr lang="en-GB" dirty="0"/>
+              <a:t>https://github.com/signup</a:t>
+            </a:r>
+          </a:p>
+          <a:p>
+            <a:endParaRPr lang="en-US" dirty="0"/>
+          </a:p>
+          <a:p>
+            <a:r>
               <a:rPr lang="en-US" dirty="0"/>
               <a:t>Go to Apps Anywhere. </a:t>
             </a:r>
@@ -19960,7 +20438,16 @@
           <a:p>
             <a:r>
               <a:rPr lang="en-US" dirty="0"/>
-              <a:t>Find git CMD through your search feature. </a:t>
+              <a:t>Find git CMD through your search feature.</a:t>
+            </a:r>
+          </a:p>
+          <a:p>
+            <a:endParaRPr lang="en-US" dirty="0"/>
+          </a:p>
+          <a:p>
+            <a:r>
+              <a:rPr lang="en-US" dirty="0"/>
+              <a:t>https://github.com/ryancrosbyr/SuttonTrust8-23</a:t>
             </a:r>
           </a:p>
         </p:txBody>
@@ -19968,7 +20455,7 @@
     </p:spTree>
     <p:extLst>
       <p:ext uri="{BB962C8B-B14F-4D97-AF65-F5344CB8AC3E}">
-        <p14:creationId xmlns:p14="http://schemas.microsoft.com/office/powerpoint/2010/main" val="1817989082"/>
+        <p14:creationId xmlns:p14="http://schemas.microsoft.com/office/powerpoint/2010/main" val="4161120259"/>
       </p:ext>
     </p:extLst>
   </p:cSld>
@@ -20274,10 +20761,10 @@
       </p:grpSpPr>
       <p:sp>
         <p:nvSpPr>
-          <p:cNvPr id="2" name="Title 1">
+          <p:cNvPr id="5" name="Title 4">
             <a:extLst>
               <a:ext uri="{FF2B5EF4-FFF2-40B4-BE49-F238E27FC236}">
-                <a16:creationId xmlns:a16="http://schemas.microsoft.com/office/drawing/2014/main" id="{EFE9306A-C30A-3DF1-C8BF-468170181D5F}"/>
+                <a16:creationId xmlns:a16="http://schemas.microsoft.com/office/drawing/2014/main" id="{6E06CE56-1EEC-5229-C574-9552C9C0A7DD}"/>
               </a:ext>
             </a:extLst>
           </p:cNvPr>
@@ -20285,7 +20772,7 @@
             <a:spLocks noGrp="1"/>
           </p:cNvSpPr>
           <p:nvPr>
-            <p:ph type="title"/>
+            <p:ph type="ctrTitle"/>
           </p:nvPr>
         </p:nvSpPr>
         <p:spPr/>
@@ -20294,17 +20781,34 @@
           <a:lstStyle/>
           <a:p>
             <a:r>
-              <a:rPr lang="en-GB" dirty="0"/>
-              <a:t>Task create a </a:t>
-            </a:r>
-            <a:r>
-              <a:rPr lang="en-GB" dirty="0" err="1"/>
-              <a:t>github</a:t>
-            </a:r>
-            <a:r>
-              <a:rPr lang="en-GB" dirty="0"/>
-              <a:t> account. </a:t>
-            </a:r>
+              <a:rPr lang="en-US" dirty="0"/>
+              <a:t>Repositories </a:t>
+            </a:r>
+          </a:p>
+        </p:txBody>
+      </p:sp>
+      <p:sp>
+        <p:nvSpPr>
+          <p:cNvPr id="6" name="Subtitle 5">
+            <a:extLst>
+              <a:ext uri="{FF2B5EF4-FFF2-40B4-BE49-F238E27FC236}">
+                <a16:creationId xmlns:a16="http://schemas.microsoft.com/office/drawing/2014/main" id="{3D8E3A5C-6203-9DD6-DCC6-5638031E6B35}"/>
+              </a:ext>
+            </a:extLst>
+          </p:cNvPr>
+          <p:cNvSpPr>
+            <a:spLocks noGrp="1"/>
+          </p:cNvSpPr>
+          <p:nvPr>
+            <p:ph type="subTitle" idx="1"/>
+          </p:nvPr>
+        </p:nvSpPr>
+        <p:spPr/>
+        <p:txBody>
+          <a:bodyPr/>
+          <a:lstStyle/>
+          <a:p>
+            <a:endParaRPr lang="en-US"/>
           </a:p>
         </p:txBody>
       </p:sp>
@@ -20313,7 +20817,7 @@
           <p:cNvPr id="4" name="Slide Number Placeholder 3">
             <a:extLst>
               <a:ext uri="{FF2B5EF4-FFF2-40B4-BE49-F238E27FC236}">
-                <a16:creationId xmlns:a16="http://schemas.microsoft.com/office/drawing/2014/main" id="{427F08F5-4057-B1B0-106D-E7CB46048692}"/>
+                <a16:creationId xmlns:a16="http://schemas.microsoft.com/office/drawing/2014/main" id="{5A022488-BBA7-911B-0552-2618FE4CB876}"/>
               </a:ext>
             </a:extLst>
           </p:cNvPr>
@@ -20321,10 +20825,15 @@
             <a:spLocks noGrp="1"/>
           </p:cNvSpPr>
           <p:nvPr>
-            <p:ph type="sldNum" sz="quarter" idx="12"/>
-          </p:nvPr>
-        </p:nvSpPr>
-        <p:spPr/>
+            <p:ph type="sldNum" sz="quarter" idx="4294967295"/>
+          </p:nvPr>
+        </p:nvSpPr>
+        <p:spPr>
+          <a:xfrm>
+            <a:off x="7010400" y="4767263"/>
+            <a:ext cx="2133600" cy="274637"/>
+          </a:xfrm>
+        </p:spPr>
         <p:txBody>
           <a:bodyPr/>
           <a:lstStyle/>
@@ -20338,45 +20847,10 @@
           </a:p>
         </p:txBody>
       </p:sp>
-      <p:sp>
-        <p:nvSpPr>
-          <p:cNvPr id="8" name="TextBox 7">
-            <a:extLst>
-              <a:ext uri="{FF2B5EF4-FFF2-40B4-BE49-F238E27FC236}">
-                <a16:creationId xmlns:a16="http://schemas.microsoft.com/office/drawing/2014/main" id="{D6AD21C7-3EE0-DA80-E821-876B387ECC3B}"/>
-              </a:ext>
-            </a:extLst>
-          </p:cNvPr>
-          <p:cNvSpPr txBox="1"/>
-          <p:nvPr/>
-        </p:nvSpPr>
-        <p:spPr>
-          <a:xfrm>
-            <a:off x="2966127" y="1806637"/>
-            <a:ext cx="4572000" cy="369332"/>
-          </a:xfrm>
-          <a:prstGeom prst="rect">
-            <a:avLst/>
-          </a:prstGeom>
-          <a:noFill/>
-        </p:spPr>
-        <p:txBody>
-          <a:bodyPr wrap="square">
-            <a:spAutoFit/>
-          </a:bodyPr>
-          <a:lstStyle/>
-          <a:p>
-            <a:r>
-              <a:rPr lang="en-GB" dirty="0"/>
-              <a:t>https://github.com/signup</a:t>
-            </a:r>
-          </a:p>
-        </p:txBody>
-      </p:sp>
     </p:spTree>
     <p:extLst>
       <p:ext uri="{BB962C8B-B14F-4D97-AF65-F5344CB8AC3E}">
-        <p14:creationId xmlns:p14="http://schemas.microsoft.com/office/powerpoint/2010/main" val="2948839945"/>
+        <p14:creationId xmlns:p14="http://schemas.microsoft.com/office/powerpoint/2010/main" val="213382425"/>
       </p:ext>
     </p:extLst>
   </p:cSld>
